--- a/images/images.pptx
+++ b/images/images.pptx
@@ -6,6 +6,7 @@
   </p:sldMasterIdLst>
   <p:sldIdLst>
     <p:sldId id="256" r:id="rId2"/>
+    <p:sldId id="257" r:id="rId3"/>
   </p:sldIdLst>
   <p:sldSz cx="12192000" cy="6858000"/>
   <p:notesSz cx="6858000" cy="9144000"/>
@@ -3614,10 +3615,4897 @@
           <a:chExt cx="0" cy="0"/>
         </a:xfrm>
       </p:grpSpPr>
+      <p:sp>
+        <p:nvSpPr>
+          <p:cNvPr id="33" name="正方形/長方形 32">
+            <a:extLst>
+              <a:ext uri="{FF2B5EF4-FFF2-40B4-BE49-F238E27FC236}">
+                <a16:creationId xmlns:a16="http://schemas.microsoft.com/office/drawing/2014/main" id="{A077FEDC-7BA4-F44E-AFC4-FB748419D74C}"/>
+              </a:ext>
+            </a:extLst>
+          </p:cNvPr>
+          <p:cNvSpPr/>
+          <p:nvPr/>
+        </p:nvSpPr>
+        <p:spPr>
+          <a:xfrm>
+            <a:off x="2832343" y="3594970"/>
+            <a:ext cx="8240665" cy="2367419"/>
+          </a:xfrm>
+          <a:prstGeom prst="rect">
+            <a:avLst/>
+          </a:prstGeom>
+          <a:noFill/>
+        </p:spPr>
+        <p:style>
+          <a:lnRef idx="2">
+            <a:schemeClr val="accent1"/>
+          </a:lnRef>
+          <a:fillRef idx="1">
+            <a:schemeClr val="lt1"/>
+          </a:fillRef>
+          <a:effectRef idx="0">
+            <a:schemeClr val="accent1"/>
+          </a:effectRef>
+          <a:fontRef idx="minor">
+            <a:schemeClr val="dk1"/>
+          </a:fontRef>
+        </p:style>
+        <p:txBody>
+          <a:bodyPr rtlCol="0" anchor="ctr"/>
+          <a:lstStyle/>
+          <a:p>
+            <a:pPr algn="ctr"/>
+            <a:endParaRPr kumimoji="1" lang="ja-JP" altLang="en-US"/>
+          </a:p>
+        </p:txBody>
+      </p:sp>
+      <p:pic>
+        <p:nvPicPr>
+          <p:cNvPr id="7" name="Graphic 7">
+            <a:extLst>
+              <a:ext uri="{FF2B5EF4-FFF2-40B4-BE49-F238E27FC236}">
+                <a16:creationId xmlns:a16="http://schemas.microsoft.com/office/drawing/2014/main" id="{950D6699-9576-2A46-A20A-FB25C8198B68}"/>
+              </a:ext>
+            </a:extLst>
+          </p:cNvPr>
+          <p:cNvPicPr>
+            <a:picLocks noChangeAspect="1" noChangeArrowheads="1"/>
+          </p:cNvPicPr>
+          <p:nvPr/>
+        </p:nvPicPr>
+        <p:blipFill>
+          <a:blip r:embed="rId2">
+            <a:extLst>
+              <a:ext uri="{28A0092B-C50C-407E-A947-70E740481C1C}">
+                <a14:useLocalDpi xmlns:a14="http://schemas.microsoft.com/office/drawing/2010/main" val="0"/>
+              </a:ext>
+            </a:extLst>
+          </a:blip>
+          <a:srcRect/>
+          <a:stretch>
+            <a:fillRect/>
+          </a:stretch>
+        </p:blipFill>
+        <p:spPr bwMode="auto">
+          <a:xfrm>
+            <a:off x="2451344" y="4202958"/>
+            <a:ext cx="762000" cy="762000"/>
+          </a:xfrm>
+          <a:prstGeom prst="rect">
+            <a:avLst/>
+          </a:prstGeom>
+          <a:noFill/>
+          <a:ln>
+            <a:noFill/>
+          </a:ln>
+          <a:extLst>
+            <a:ext uri="{909E8E84-426E-40DD-AFC4-6F175D3DCCD1}">
+              <a14:hiddenFill xmlns:a14="http://schemas.microsoft.com/office/drawing/2010/main">
+                <a:solidFill>
+                  <a:srgbClr val="FFFFFF"/>
+                </a:solidFill>
+              </a14:hiddenFill>
+            </a:ext>
+            <a:ext uri="{91240B29-F687-4F45-9708-019B960494DF}">
+              <a14:hiddenLine xmlns:a14="http://schemas.microsoft.com/office/drawing/2010/main" w="9525">
+                <a:solidFill>
+                  <a:srgbClr val="000000"/>
+                </a:solidFill>
+                <a:miter lim="800000"/>
+                <a:headEnd/>
+                <a:tailEnd/>
+              </a14:hiddenLine>
+            </a:ext>
+          </a:extLst>
+        </p:spPr>
+      </p:pic>
+      <p:sp>
+        <p:nvSpPr>
+          <p:cNvPr id="8" name="Rectangle 3">
+            <a:extLst>
+              <a:ext uri="{FF2B5EF4-FFF2-40B4-BE49-F238E27FC236}">
+                <a16:creationId xmlns:a16="http://schemas.microsoft.com/office/drawing/2014/main" id="{A721FABB-0E3B-E945-9952-B12061549A75}"/>
+              </a:ext>
+            </a:extLst>
+          </p:cNvPr>
+          <p:cNvSpPr/>
+          <p:nvPr/>
+        </p:nvSpPr>
+        <p:spPr bwMode="auto">
+          <a:xfrm>
+            <a:off x="2502144" y="881673"/>
+            <a:ext cx="2522032" cy="1930121"/>
+          </a:xfrm>
+          <a:prstGeom prst="rect">
+            <a:avLst/>
+          </a:prstGeom>
+          <a:noFill/>
+          <a:ln w="12700">
+            <a:solidFill>
+              <a:srgbClr val="1E8900"/>
+            </a:solidFill>
+          </a:ln>
+        </p:spPr>
+        <p:style>
+          <a:lnRef idx="2">
+            <a:schemeClr val="accent1">
+              <a:shade val="50000"/>
+            </a:schemeClr>
+          </a:lnRef>
+          <a:fillRef idx="1">
+            <a:schemeClr val="accent1"/>
+          </a:fillRef>
+          <a:effectRef idx="0">
+            <a:schemeClr val="accent1"/>
+          </a:effectRef>
+          <a:fontRef idx="minor">
+            <a:schemeClr val="lt1"/>
+          </a:fontRef>
+        </p:style>
+        <p:txBody>
+          <a:bodyPr lIns="457200" tIns="91440"/>
+          <a:lstStyle/>
+          <a:p>
+            <a:pPr eaLnBrk="1" fontAlgn="auto" hangingPunct="1">
+              <a:spcBef>
+                <a:spcPts val="0"/>
+              </a:spcBef>
+              <a:spcAft>
+                <a:spcPts val="0"/>
+              </a:spcAft>
+              <a:defRPr/>
+            </a:pPr>
+            <a:r>
+              <a:rPr lang="en-US" sz="1200" dirty="0">
+                <a:ln w="0"/>
+                <a:solidFill>
+                  <a:srgbClr val="1E8900"/>
+                </a:solidFill>
+                <a:latin typeface="Arial" panose="020B0604020202020204" pitchFamily="34" charset="0"/>
+                <a:cs typeface="Arial" panose="020B0604020202020204" pitchFamily="34" charset="0"/>
+              </a:rPr>
+              <a:t>VPC1(10.1.0.0/16)</a:t>
+            </a:r>
+          </a:p>
+        </p:txBody>
+      </p:sp>
+      <p:pic>
+        <p:nvPicPr>
+          <p:cNvPr id="9" name="Graphic 9">
+            <a:extLst>
+              <a:ext uri="{FF2B5EF4-FFF2-40B4-BE49-F238E27FC236}">
+                <a16:creationId xmlns:a16="http://schemas.microsoft.com/office/drawing/2014/main" id="{AEEA39DC-390B-5741-8BEF-900FCCADDB96}"/>
+              </a:ext>
+            </a:extLst>
+          </p:cNvPr>
+          <p:cNvPicPr>
+            <a:picLocks noChangeAspect="1" noChangeArrowheads="1"/>
+          </p:cNvPicPr>
+          <p:nvPr/>
+        </p:nvPicPr>
+        <p:blipFill>
+          <a:blip r:embed="rId3">
+            <a:extLst>
+              <a:ext uri="{28A0092B-C50C-407E-A947-70E740481C1C}">
+                <a14:useLocalDpi xmlns:a14="http://schemas.microsoft.com/office/drawing/2010/main" val="0"/>
+              </a:ext>
+            </a:extLst>
+          </a:blip>
+          <a:srcRect/>
+          <a:stretch>
+            <a:fillRect/>
+          </a:stretch>
+        </p:blipFill>
+        <p:spPr bwMode="auto">
+          <a:xfrm>
+            <a:off x="2502144" y="881673"/>
+            <a:ext cx="330200" cy="330200"/>
+          </a:xfrm>
+          <a:prstGeom prst="rect">
+            <a:avLst/>
+          </a:prstGeom>
+          <a:noFill/>
+          <a:ln>
+            <a:noFill/>
+          </a:ln>
+          <a:extLst>
+            <a:ext uri="{909E8E84-426E-40DD-AFC4-6F175D3DCCD1}">
+              <a14:hiddenFill xmlns:a14="http://schemas.microsoft.com/office/drawing/2010/main">
+                <a:solidFill>
+                  <a:srgbClr val="FFFFFF"/>
+                </a:solidFill>
+              </a14:hiddenFill>
+            </a:ext>
+            <a:ext uri="{91240B29-F687-4F45-9708-019B960494DF}">
+              <a14:hiddenLine xmlns:a14="http://schemas.microsoft.com/office/drawing/2010/main" w="9525">
+                <a:solidFill>
+                  <a:srgbClr val="000000"/>
+                </a:solidFill>
+                <a:miter lim="800000"/>
+                <a:headEnd/>
+                <a:tailEnd/>
+              </a14:hiddenLine>
+            </a:ext>
+          </a:extLst>
+        </p:spPr>
+      </p:pic>
+      <p:sp>
+        <p:nvSpPr>
+          <p:cNvPr id="10" name="Rectangle 3">
+            <a:extLst>
+              <a:ext uri="{FF2B5EF4-FFF2-40B4-BE49-F238E27FC236}">
+                <a16:creationId xmlns:a16="http://schemas.microsoft.com/office/drawing/2014/main" id="{EBAE5417-13C7-384E-8C86-1F8B13908610}"/>
+              </a:ext>
+            </a:extLst>
+          </p:cNvPr>
+          <p:cNvSpPr/>
+          <p:nvPr/>
+        </p:nvSpPr>
+        <p:spPr bwMode="auto">
+          <a:xfrm>
+            <a:off x="5628856" y="881673"/>
+            <a:ext cx="2522032" cy="1930121"/>
+          </a:xfrm>
+          <a:prstGeom prst="rect">
+            <a:avLst/>
+          </a:prstGeom>
+          <a:noFill/>
+          <a:ln w="12700">
+            <a:solidFill>
+              <a:srgbClr val="1E8900"/>
+            </a:solidFill>
+          </a:ln>
+        </p:spPr>
+        <p:style>
+          <a:lnRef idx="2">
+            <a:schemeClr val="accent1">
+              <a:shade val="50000"/>
+            </a:schemeClr>
+          </a:lnRef>
+          <a:fillRef idx="1">
+            <a:schemeClr val="accent1"/>
+          </a:fillRef>
+          <a:effectRef idx="0">
+            <a:schemeClr val="accent1"/>
+          </a:effectRef>
+          <a:fontRef idx="minor">
+            <a:schemeClr val="lt1"/>
+          </a:fontRef>
+        </p:style>
+        <p:txBody>
+          <a:bodyPr lIns="457200" tIns="91440"/>
+          <a:lstStyle/>
+          <a:p>
+            <a:pPr eaLnBrk="1" fontAlgn="auto" hangingPunct="1">
+              <a:spcBef>
+                <a:spcPts val="0"/>
+              </a:spcBef>
+              <a:spcAft>
+                <a:spcPts val="0"/>
+              </a:spcAft>
+              <a:defRPr/>
+            </a:pPr>
+            <a:r>
+              <a:rPr lang="en-US" sz="1200" dirty="0">
+                <a:ln w="0"/>
+                <a:solidFill>
+                  <a:srgbClr val="1E8900"/>
+                </a:solidFill>
+                <a:latin typeface="Arial" panose="020B0604020202020204" pitchFamily="34" charset="0"/>
+                <a:cs typeface="Arial" panose="020B0604020202020204" pitchFamily="34" charset="0"/>
+              </a:rPr>
+              <a:t>VPC2(10.2.0.0/16)</a:t>
+            </a:r>
+          </a:p>
+        </p:txBody>
+      </p:sp>
+      <p:pic>
+        <p:nvPicPr>
+          <p:cNvPr id="11" name="Graphic 9">
+            <a:extLst>
+              <a:ext uri="{FF2B5EF4-FFF2-40B4-BE49-F238E27FC236}">
+                <a16:creationId xmlns:a16="http://schemas.microsoft.com/office/drawing/2014/main" id="{0F4917CC-4381-4A41-837D-DFB5C27619E4}"/>
+              </a:ext>
+            </a:extLst>
+          </p:cNvPr>
+          <p:cNvPicPr>
+            <a:picLocks noChangeAspect="1" noChangeArrowheads="1"/>
+          </p:cNvPicPr>
+          <p:nvPr/>
+        </p:nvPicPr>
+        <p:blipFill>
+          <a:blip r:embed="rId3">
+            <a:extLst>
+              <a:ext uri="{28A0092B-C50C-407E-A947-70E740481C1C}">
+                <a14:useLocalDpi xmlns:a14="http://schemas.microsoft.com/office/drawing/2010/main" val="0"/>
+              </a:ext>
+            </a:extLst>
+          </a:blip>
+          <a:srcRect/>
+          <a:stretch>
+            <a:fillRect/>
+          </a:stretch>
+        </p:blipFill>
+        <p:spPr bwMode="auto">
+          <a:xfrm>
+            <a:off x="5628856" y="881673"/>
+            <a:ext cx="330200" cy="330200"/>
+          </a:xfrm>
+          <a:prstGeom prst="rect">
+            <a:avLst/>
+          </a:prstGeom>
+          <a:noFill/>
+          <a:ln>
+            <a:noFill/>
+          </a:ln>
+          <a:extLst>
+            <a:ext uri="{909E8E84-426E-40DD-AFC4-6F175D3DCCD1}">
+              <a14:hiddenFill xmlns:a14="http://schemas.microsoft.com/office/drawing/2010/main">
+                <a:solidFill>
+                  <a:srgbClr val="FFFFFF"/>
+                </a:solidFill>
+              </a14:hiddenFill>
+            </a:ext>
+            <a:ext uri="{91240B29-F687-4F45-9708-019B960494DF}">
+              <a14:hiddenLine xmlns:a14="http://schemas.microsoft.com/office/drawing/2010/main" w="9525">
+                <a:solidFill>
+                  <a:srgbClr val="000000"/>
+                </a:solidFill>
+                <a:miter lim="800000"/>
+                <a:headEnd/>
+                <a:tailEnd/>
+              </a14:hiddenLine>
+            </a:ext>
+          </a:extLst>
+        </p:spPr>
+      </p:pic>
+      <p:sp>
+        <p:nvSpPr>
+          <p:cNvPr id="13" name="Rectangle 3">
+            <a:extLst>
+              <a:ext uri="{FF2B5EF4-FFF2-40B4-BE49-F238E27FC236}">
+                <a16:creationId xmlns:a16="http://schemas.microsoft.com/office/drawing/2014/main" id="{D29BB68C-E05C-D44B-8593-F7323269D1A2}"/>
+              </a:ext>
+            </a:extLst>
+          </p:cNvPr>
+          <p:cNvSpPr/>
+          <p:nvPr/>
+        </p:nvSpPr>
+        <p:spPr bwMode="auto">
+          <a:xfrm>
+            <a:off x="8755568" y="883417"/>
+            <a:ext cx="2522032" cy="1930121"/>
+          </a:xfrm>
+          <a:prstGeom prst="rect">
+            <a:avLst/>
+          </a:prstGeom>
+          <a:noFill/>
+          <a:ln w="12700">
+            <a:solidFill>
+              <a:srgbClr val="1E8900"/>
+            </a:solidFill>
+          </a:ln>
+        </p:spPr>
+        <p:style>
+          <a:lnRef idx="2">
+            <a:schemeClr val="accent1">
+              <a:shade val="50000"/>
+            </a:schemeClr>
+          </a:lnRef>
+          <a:fillRef idx="1">
+            <a:schemeClr val="accent1"/>
+          </a:fillRef>
+          <a:effectRef idx="0">
+            <a:schemeClr val="accent1"/>
+          </a:effectRef>
+          <a:fontRef idx="minor">
+            <a:schemeClr val="lt1"/>
+          </a:fontRef>
+        </p:style>
+        <p:txBody>
+          <a:bodyPr lIns="457200" tIns="91440"/>
+          <a:lstStyle/>
+          <a:p>
+            <a:pPr eaLnBrk="1" fontAlgn="auto" hangingPunct="1">
+              <a:spcBef>
+                <a:spcPts val="0"/>
+              </a:spcBef>
+              <a:spcAft>
+                <a:spcPts val="0"/>
+              </a:spcAft>
+              <a:defRPr/>
+            </a:pPr>
+            <a:r>
+              <a:rPr lang="en-US" sz="1200" dirty="0">
+                <a:ln w="0"/>
+                <a:solidFill>
+                  <a:srgbClr val="1E8900"/>
+                </a:solidFill>
+                <a:latin typeface="Arial" panose="020B0604020202020204" pitchFamily="34" charset="0"/>
+                <a:cs typeface="Arial" panose="020B0604020202020204" pitchFamily="34" charset="0"/>
+              </a:rPr>
+              <a:t>VPC3(10.3.0.0/16)</a:t>
+            </a:r>
+          </a:p>
+        </p:txBody>
+      </p:sp>
+      <p:pic>
+        <p:nvPicPr>
+          <p:cNvPr id="14" name="Graphic 9">
+            <a:extLst>
+              <a:ext uri="{FF2B5EF4-FFF2-40B4-BE49-F238E27FC236}">
+                <a16:creationId xmlns:a16="http://schemas.microsoft.com/office/drawing/2014/main" id="{038B04E9-7839-384E-8FDC-987FD73BE3C5}"/>
+              </a:ext>
+            </a:extLst>
+          </p:cNvPr>
+          <p:cNvPicPr>
+            <a:picLocks noChangeAspect="1" noChangeArrowheads="1"/>
+          </p:cNvPicPr>
+          <p:nvPr/>
+        </p:nvPicPr>
+        <p:blipFill>
+          <a:blip r:embed="rId3">
+            <a:extLst>
+              <a:ext uri="{28A0092B-C50C-407E-A947-70E740481C1C}">
+                <a14:useLocalDpi xmlns:a14="http://schemas.microsoft.com/office/drawing/2010/main" val="0"/>
+              </a:ext>
+            </a:extLst>
+          </a:blip>
+          <a:srcRect/>
+          <a:stretch>
+            <a:fillRect/>
+          </a:stretch>
+        </p:blipFill>
+        <p:spPr bwMode="auto">
+          <a:xfrm>
+            <a:off x="8755568" y="883417"/>
+            <a:ext cx="330200" cy="330200"/>
+          </a:xfrm>
+          <a:prstGeom prst="rect">
+            <a:avLst/>
+          </a:prstGeom>
+          <a:noFill/>
+          <a:ln>
+            <a:noFill/>
+          </a:ln>
+          <a:extLst>
+            <a:ext uri="{909E8E84-426E-40DD-AFC4-6F175D3DCCD1}">
+              <a14:hiddenFill xmlns:a14="http://schemas.microsoft.com/office/drawing/2010/main">
+                <a:solidFill>
+                  <a:srgbClr val="FFFFFF"/>
+                </a:solidFill>
+              </a14:hiddenFill>
+            </a:ext>
+            <a:ext uri="{91240B29-F687-4F45-9708-019B960494DF}">
+              <a14:hiddenLine xmlns:a14="http://schemas.microsoft.com/office/drawing/2010/main" w="9525">
+                <a:solidFill>
+                  <a:srgbClr val="000000"/>
+                </a:solidFill>
+                <a:miter lim="800000"/>
+                <a:headEnd/>
+                <a:tailEnd/>
+              </a14:hiddenLine>
+            </a:ext>
+          </a:extLst>
+        </p:spPr>
+      </p:pic>
+      <p:sp>
+        <p:nvSpPr>
+          <p:cNvPr id="15" name="Rectangle 22">
+            <a:extLst>
+              <a:ext uri="{FF2B5EF4-FFF2-40B4-BE49-F238E27FC236}">
+                <a16:creationId xmlns:a16="http://schemas.microsoft.com/office/drawing/2014/main" id="{0F58B2B7-C514-174B-9456-7AACB0EE86BB}"/>
+              </a:ext>
+            </a:extLst>
+          </p:cNvPr>
+          <p:cNvSpPr/>
+          <p:nvPr/>
+        </p:nvSpPr>
+        <p:spPr>
+          <a:xfrm>
+            <a:off x="2952925" y="1211873"/>
+            <a:ext cx="1765300" cy="776339"/>
+          </a:xfrm>
+          <a:prstGeom prst="rect">
+            <a:avLst/>
+          </a:prstGeom>
+          <a:solidFill>
+            <a:srgbClr val="1D8900">
+              <a:alpha val="9804"/>
+            </a:srgbClr>
+          </a:solidFill>
+          <a:ln w="12700">
+            <a:noFill/>
+            <a:prstDash val="dash"/>
+          </a:ln>
+        </p:spPr>
+        <p:style>
+          <a:lnRef idx="2">
+            <a:schemeClr val="accent1">
+              <a:shade val="50000"/>
+            </a:schemeClr>
+          </a:lnRef>
+          <a:fillRef idx="1">
+            <a:schemeClr val="accent1"/>
+          </a:fillRef>
+          <a:effectRef idx="0">
+            <a:schemeClr val="accent1"/>
+          </a:effectRef>
+          <a:fontRef idx="minor">
+            <a:schemeClr val="lt1"/>
+          </a:fontRef>
+        </p:style>
+        <p:txBody>
+          <a:bodyPr lIns="338328"/>
+          <a:lstStyle/>
+          <a:p>
+            <a:pPr eaLnBrk="1" fontAlgn="auto" hangingPunct="1">
+              <a:spcBef>
+                <a:spcPts val="0"/>
+              </a:spcBef>
+              <a:spcAft>
+                <a:spcPts val="0"/>
+              </a:spcAft>
+              <a:defRPr/>
+            </a:pPr>
+            <a:r>
+              <a:rPr lang="en-US" sz="1200" dirty="0">
+                <a:solidFill>
+                  <a:srgbClr val="1E8900"/>
+                </a:solidFill>
+                <a:latin typeface="Arial" panose="020B0604020202020204" pitchFamily="34" charset="0"/>
+                <a:cs typeface="Arial" panose="020B0604020202020204" pitchFamily="34" charset="0"/>
+              </a:rPr>
+              <a:t>Public subnet</a:t>
+            </a:r>
+          </a:p>
+        </p:txBody>
+      </p:sp>
+      <p:pic>
+        <p:nvPicPr>
+          <p:cNvPr id="16" name="Graphic 23">
+            <a:extLst>
+              <a:ext uri="{FF2B5EF4-FFF2-40B4-BE49-F238E27FC236}">
+                <a16:creationId xmlns:a16="http://schemas.microsoft.com/office/drawing/2014/main" id="{7636DF94-64F0-CF4B-9FF5-2CFF97315D03}"/>
+              </a:ext>
+            </a:extLst>
+          </p:cNvPr>
+          <p:cNvPicPr>
+            <a:picLocks noChangeAspect="1" noChangeArrowheads="1"/>
+          </p:cNvPicPr>
+          <p:nvPr/>
+        </p:nvPicPr>
+        <p:blipFill>
+          <a:blip r:embed="rId4">
+            <a:extLst>
+              <a:ext uri="{28A0092B-C50C-407E-A947-70E740481C1C}">
+                <a14:useLocalDpi xmlns:a14="http://schemas.microsoft.com/office/drawing/2010/main" val="0"/>
+              </a:ext>
+            </a:extLst>
+          </a:blip>
+          <a:srcRect/>
+          <a:stretch>
+            <a:fillRect/>
+          </a:stretch>
+        </p:blipFill>
+        <p:spPr bwMode="auto">
+          <a:xfrm>
+            <a:off x="2952924" y="1222973"/>
+            <a:ext cx="274637" cy="274638"/>
+          </a:xfrm>
+          <a:prstGeom prst="rect">
+            <a:avLst/>
+          </a:prstGeom>
+          <a:noFill/>
+          <a:ln>
+            <a:noFill/>
+          </a:ln>
+          <a:extLst>
+            <a:ext uri="{909E8E84-426E-40DD-AFC4-6F175D3DCCD1}">
+              <a14:hiddenFill xmlns:a14="http://schemas.microsoft.com/office/drawing/2010/main">
+                <a:solidFill>
+                  <a:srgbClr val="FFFFFF"/>
+                </a:solidFill>
+              </a14:hiddenFill>
+            </a:ext>
+            <a:ext uri="{91240B29-F687-4F45-9708-019B960494DF}">
+              <a14:hiddenLine xmlns:a14="http://schemas.microsoft.com/office/drawing/2010/main" w="9525">
+                <a:solidFill>
+                  <a:srgbClr val="000000"/>
+                </a:solidFill>
+                <a:miter lim="800000"/>
+                <a:headEnd/>
+                <a:tailEnd/>
+              </a14:hiddenLine>
+            </a:ext>
+          </a:extLst>
+        </p:spPr>
+      </p:pic>
+      <p:sp>
+        <p:nvSpPr>
+          <p:cNvPr id="17" name="Rectangle 7">
+            <a:extLst>
+              <a:ext uri="{FF2B5EF4-FFF2-40B4-BE49-F238E27FC236}">
+                <a16:creationId xmlns:a16="http://schemas.microsoft.com/office/drawing/2014/main" id="{E5719E36-EF61-774B-B487-D3240E10ED57}"/>
+              </a:ext>
+            </a:extLst>
+          </p:cNvPr>
+          <p:cNvSpPr/>
+          <p:nvPr/>
+        </p:nvSpPr>
+        <p:spPr>
+          <a:xfrm>
+            <a:off x="2952924" y="2019797"/>
+            <a:ext cx="1765300" cy="762000"/>
+          </a:xfrm>
+          <a:prstGeom prst="rect">
+            <a:avLst/>
+          </a:prstGeom>
+          <a:solidFill>
+            <a:srgbClr val="007CBC">
+              <a:alpha val="9804"/>
+            </a:srgbClr>
+          </a:solidFill>
+          <a:ln w="12700">
+            <a:noFill/>
+            <a:prstDash val="dash"/>
+          </a:ln>
+        </p:spPr>
+        <p:style>
+          <a:lnRef idx="2">
+            <a:schemeClr val="accent1">
+              <a:shade val="50000"/>
+            </a:schemeClr>
+          </a:lnRef>
+          <a:fillRef idx="1">
+            <a:schemeClr val="accent1"/>
+          </a:fillRef>
+          <a:effectRef idx="0">
+            <a:schemeClr val="accent1"/>
+          </a:effectRef>
+          <a:fontRef idx="minor">
+            <a:schemeClr val="lt1"/>
+          </a:fontRef>
+        </p:style>
+        <p:txBody>
+          <a:bodyPr lIns="338328"/>
+          <a:lstStyle/>
+          <a:p>
+            <a:pPr eaLnBrk="1" fontAlgn="auto" hangingPunct="1">
+              <a:spcBef>
+                <a:spcPts val="0"/>
+              </a:spcBef>
+              <a:spcAft>
+                <a:spcPts val="0"/>
+              </a:spcAft>
+              <a:defRPr/>
+            </a:pPr>
+            <a:r>
+              <a:rPr lang="en-US" sz="1200" dirty="0">
+                <a:solidFill>
+                  <a:srgbClr val="5B9CD5"/>
+                </a:solidFill>
+                <a:latin typeface="Arial" panose="020B0604020202020204" pitchFamily="34" charset="0"/>
+                <a:cs typeface="Arial" panose="020B0604020202020204" pitchFamily="34" charset="0"/>
+              </a:rPr>
+              <a:t>Private subnet</a:t>
+            </a:r>
+          </a:p>
+        </p:txBody>
+      </p:sp>
+      <p:pic>
+        <p:nvPicPr>
+          <p:cNvPr id="18" name="Graphic 35">
+            <a:extLst>
+              <a:ext uri="{FF2B5EF4-FFF2-40B4-BE49-F238E27FC236}">
+                <a16:creationId xmlns:a16="http://schemas.microsoft.com/office/drawing/2014/main" id="{9451912D-AFF9-A84C-A05C-CF70115CF87C}"/>
+              </a:ext>
+            </a:extLst>
+          </p:cNvPr>
+          <p:cNvPicPr>
+            <a:picLocks noChangeAspect="1" noChangeArrowheads="1"/>
+          </p:cNvPicPr>
+          <p:nvPr/>
+        </p:nvPicPr>
+        <p:blipFill>
+          <a:blip r:embed="rId5">
+            <a:extLst>
+              <a:ext uri="{28A0092B-C50C-407E-A947-70E740481C1C}">
+                <a14:useLocalDpi xmlns:a14="http://schemas.microsoft.com/office/drawing/2010/main" val="0"/>
+              </a:ext>
+            </a:extLst>
+          </a:blip>
+          <a:srcRect/>
+          <a:stretch>
+            <a:fillRect/>
+          </a:stretch>
+        </p:blipFill>
+        <p:spPr bwMode="auto">
+          <a:xfrm>
+            <a:off x="2952924" y="2018209"/>
+            <a:ext cx="274637" cy="274638"/>
+          </a:xfrm>
+          <a:prstGeom prst="rect">
+            <a:avLst/>
+          </a:prstGeom>
+          <a:noFill/>
+          <a:ln>
+            <a:noFill/>
+          </a:ln>
+          <a:extLst>
+            <a:ext uri="{909E8E84-426E-40DD-AFC4-6F175D3DCCD1}">
+              <a14:hiddenFill xmlns:a14="http://schemas.microsoft.com/office/drawing/2010/main">
+                <a:solidFill>
+                  <a:srgbClr val="FFFFFF"/>
+                </a:solidFill>
+              </a14:hiddenFill>
+            </a:ext>
+            <a:ext uri="{91240B29-F687-4F45-9708-019B960494DF}">
+              <a14:hiddenLine xmlns:a14="http://schemas.microsoft.com/office/drawing/2010/main" w="9525">
+                <a:solidFill>
+                  <a:srgbClr val="000000"/>
+                </a:solidFill>
+                <a:miter lim="800000"/>
+                <a:headEnd/>
+                <a:tailEnd/>
+              </a14:hiddenLine>
+            </a:ext>
+          </a:extLst>
+        </p:spPr>
+      </p:pic>
+      <p:sp>
+        <p:nvSpPr>
+          <p:cNvPr id="19" name="Rectangle 7">
+            <a:extLst>
+              <a:ext uri="{FF2B5EF4-FFF2-40B4-BE49-F238E27FC236}">
+                <a16:creationId xmlns:a16="http://schemas.microsoft.com/office/drawing/2014/main" id="{0E0AC0A7-798F-6447-B504-59E411105015}"/>
+              </a:ext>
+            </a:extLst>
+          </p:cNvPr>
+          <p:cNvSpPr/>
+          <p:nvPr/>
+        </p:nvSpPr>
+        <p:spPr>
+          <a:xfrm>
+            <a:off x="6007222" y="1988212"/>
+            <a:ext cx="1765300" cy="762000"/>
+          </a:xfrm>
+          <a:prstGeom prst="rect">
+            <a:avLst/>
+          </a:prstGeom>
+          <a:solidFill>
+            <a:srgbClr val="007CBC">
+              <a:alpha val="9804"/>
+            </a:srgbClr>
+          </a:solidFill>
+          <a:ln w="12700">
+            <a:noFill/>
+            <a:prstDash val="dash"/>
+          </a:ln>
+        </p:spPr>
+        <p:style>
+          <a:lnRef idx="2">
+            <a:schemeClr val="accent1">
+              <a:shade val="50000"/>
+            </a:schemeClr>
+          </a:lnRef>
+          <a:fillRef idx="1">
+            <a:schemeClr val="accent1"/>
+          </a:fillRef>
+          <a:effectRef idx="0">
+            <a:schemeClr val="accent1"/>
+          </a:effectRef>
+          <a:fontRef idx="minor">
+            <a:schemeClr val="lt1"/>
+          </a:fontRef>
+        </p:style>
+        <p:txBody>
+          <a:bodyPr lIns="338328"/>
+          <a:lstStyle/>
+          <a:p>
+            <a:pPr eaLnBrk="1" fontAlgn="auto" hangingPunct="1">
+              <a:spcBef>
+                <a:spcPts val="0"/>
+              </a:spcBef>
+              <a:spcAft>
+                <a:spcPts val="0"/>
+              </a:spcAft>
+              <a:defRPr/>
+            </a:pPr>
+            <a:r>
+              <a:rPr lang="en-US" sz="1200" dirty="0">
+                <a:solidFill>
+                  <a:srgbClr val="5B9CD5"/>
+                </a:solidFill>
+                <a:latin typeface="Arial" panose="020B0604020202020204" pitchFamily="34" charset="0"/>
+                <a:cs typeface="Arial" panose="020B0604020202020204" pitchFamily="34" charset="0"/>
+              </a:rPr>
+              <a:t>Private subnet</a:t>
+            </a:r>
+          </a:p>
+        </p:txBody>
+      </p:sp>
+      <p:pic>
+        <p:nvPicPr>
+          <p:cNvPr id="20" name="Graphic 35">
+            <a:extLst>
+              <a:ext uri="{FF2B5EF4-FFF2-40B4-BE49-F238E27FC236}">
+                <a16:creationId xmlns:a16="http://schemas.microsoft.com/office/drawing/2014/main" id="{00172D20-CDF8-1E44-A434-01C6FBC8F16F}"/>
+              </a:ext>
+            </a:extLst>
+          </p:cNvPr>
+          <p:cNvPicPr>
+            <a:picLocks noChangeAspect="1" noChangeArrowheads="1"/>
+          </p:cNvPicPr>
+          <p:nvPr/>
+        </p:nvPicPr>
+        <p:blipFill>
+          <a:blip r:embed="rId5">
+            <a:extLst>
+              <a:ext uri="{28A0092B-C50C-407E-A947-70E740481C1C}">
+                <a14:useLocalDpi xmlns:a14="http://schemas.microsoft.com/office/drawing/2010/main" val="0"/>
+              </a:ext>
+            </a:extLst>
+          </a:blip>
+          <a:srcRect/>
+          <a:stretch>
+            <a:fillRect/>
+          </a:stretch>
+        </p:blipFill>
+        <p:spPr bwMode="auto">
+          <a:xfrm>
+            <a:off x="6007222" y="1986624"/>
+            <a:ext cx="274637" cy="274638"/>
+          </a:xfrm>
+          <a:prstGeom prst="rect">
+            <a:avLst/>
+          </a:prstGeom>
+          <a:noFill/>
+          <a:ln>
+            <a:noFill/>
+          </a:ln>
+          <a:extLst>
+            <a:ext uri="{909E8E84-426E-40DD-AFC4-6F175D3DCCD1}">
+              <a14:hiddenFill xmlns:a14="http://schemas.microsoft.com/office/drawing/2010/main">
+                <a:solidFill>
+                  <a:srgbClr val="FFFFFF"/>
+                </a:solidFill>
+              </a14:hiddenFill>
+            </a:ext>
+            <a:ext uri="{91240B29-F687-4F45-9708-019B960494DF}">
+              <a14:hiddenLine xmlns:a14="http://schemas.microsoft.com/office/drawing/2010/main" w="9525">
+                <a:solidFill>
+                  <a:srgbClr val="000000"/>
+                </a:solidFill>
+                <a:miter lim="800000"/>
+                <a:headEnd/>
+                <a:tailEnd/>
+              </a14:hiddenLine>
+            </a:ext>
+          </a:extLst>
+        </p:spPr>
+      </p:pic>
+      <p:sp>
+        <p:nvSpPr>
+          <p:cNvPr id="21" name="Rectangle 7">
+            <a:extLst>
+              <a:ext uri="{FF2B5EF4-FFF2-40B4-BE49-F238E27FC236}">
+                <a16:creationId xmlns:a16="http://schemas.microsoft.com/office/drawing/2014/main" id="{BB05F30F-7985-3342-A298-AE0112261140}"/>
+              </a:ext>
+            </a:extLst>
+          </p:cNvPr>
+          <p:cNvSpPr/>
+          <p:nvPr/>
+        </p:nvSpPr>
+        <p:spPr>
+          <a:xfrm>
+            <a:off x="9130601" y="1986624"/>
+            <a:ext cx="1765300" cy="762000"/>
+          </a:xfrm>
+          <a:prstGeom prst="rect">
+            <a:avLst/>
+          </a:prstGeom>
+          <a:solidFill>
+            <a:srgbClr val="007CBC">
+              <a:alpha val="9804"/>
+            </a:srgbClr>
+          </a:solidFill>
+          <a:ln w="12700">
+            <a:noFill/>
+            <a:prstDash val="dash"/>
+          </a:ln>
+        </p:spPr>
+        <p:style>
+          <a:lnRef idx="2">
+            <a:schemeClr val="accent1">
+              <a:shade val="50000"/>
+            </a:schemeClr>
+          </a:lnRef>
+          <a:fillRef idx="1">
+            <a:schemeClr val="accent1"/>
+          </a:fillRef>
+          <a:effectRef idx="0">
+            <a:schemeClr val="accent1"/>
+          </a:effectRef>
+          <a:fontRef idx="minor">
+            <a:schemeClr val="lt1"/>
+          </a:fontRef>
+        </p:style>
+        <p:txBody>
+          <a:bodyPr lIns="338328"/>
+          <a:lstStyle/>
+          <a:p>
+            <a:pPr eaLnBrk="1" fontAlgn="auto" hangingPunct="1">
+              <a:spcBef>
+                <a:spcPts val="0"/>
+              </a:spcBef>
+              <a:spcAft>
+                <a:spcPts val="0"/>
+              </a:spcAft>
+              <a:defRPr/>
+            </a:pPr>
+            <a:r>
+              <a:rPr lang="en-US" sz="1200" dirty="0">
+                <a:solidFill>
+                  <a:srgbClr val="5B9CD5"/>
+                </a:solidFill>
+                <a:latin typeface="Arial" panose="020B0604020202020204" pitchFamily="34" charset="0"/>
+                <a:cs typeface="Arial" panose="020B0604020202020204" pitchFamily="34" charset="0"/>
+              </a:rPr>
+              <a:t>Private subnet</a:t>
+            </a:r>
+          </a:p>
+        </p:txBody>
+      </p:sp>
+      <p:pic>
+        <p:nvPicPr>
+          <p:cNvPr id="22" name="Graphic 35">
+            <a:extLst>
+              <a:ext uri="{FF2B5EF4-FFF2-40B4-BE49-F238E27FC236}">
+                <a16:creationId xmlns:a16="http://schemas.microsoft.com/office/drawing/2014/main" id="{5C10F936-5F2A-834F-9793-5C1AFDC32E3F}"/>
+              </a:ext>
+            </a:extLst>
+          </p:cNvPr>
+          <p:cNvPicPr>
+            <a:picLocks noChangeAspect="1" noChangeArrowheads="1"/>
+          </p:cNvPicPr>
+          <p:nvPr/>
+        </p:nvPicPr>
+        <p:blipFill>
+          <a:blip r:embed="rId5">
+            <a:extLst>
+              <a:ext uri="{28A0092B-C50C-407E-A947-70E740481C1C}">
+                <a14:useLocalDpi xmlns:a14="http://schemas.microsoft.com/office/drawing/2010/main" val="0"/>
+              </a:ext>
+            </a:extLst>
+          </a:blip>
+          <a:srcRect/>
+          <a:stretch>
+            <a:fillRect/>
+          </a:stretch>
+        </p:blipFill>
+        <p:spPr bwMode="auto">
+          <a:xfrm>
+            <a:off x="9130601" y="1985036"/>
+            <a:ext cx="274637" cy="274638"/>
+          </a:xfrm>
+          <a:prstGeom prst="rect">
+            <a:avLst/>
+          </a:prstGeom>
+          <a:noFill/>
+          <a:ln>
+            <a:noFill/>
+          </a:ln>
+          <a:extLst>
+            <a:ext uri="{909E8E84-426E-40DD-AFC4-6F175D3DCCD1}">
+              <a14:hiddenFill xmlns:a14="http://schemas.microsoft.com/office/drawing/2010/main">
+                <a:solidFill>
+                  <a:srgbClr val="FFFFFF"/>
+                </a:solidFill>
+              </a14:hiddenFill>
+            </a:ext>
+            <a:ext uri="{91240B29-F687-4F45-9708-019B960494DF}">
+              <a14:hiddenLine xmlns:a14="http://schemas.microsoft.com/office/drawing/2010/main" w="9525">
+                <a:solidFill>
+                  <a:srgbClr val="000000"/>
+                </a:solidFill>
+                <a:miter lim="800000"/>
+                <a:headEnd/>
+                <a:tailEnd/>
+              </a14:hiddenLine>
+            </a:ext>
+          </a:extLst>
+        </p:spPr>
+      </p:pic>
+      <p:pic>
+        <p:nvPicPr>
+          <p:cNvPr id="23" name="Graphic 60">
+            <a:extLst>
+              <a:ext uri="{FF2B5EF4-FFF2-40B4-BE49-F238E27FC236}">
+                <a16:creationId xmlns:a16="http://schemas.microsoft.com/office/drawing/2014/main" id="{1680755C-377A-F54C-A2BB-47A6C49F081F}"/>
+              </a:ext>
+            </a:extLst>
+          </p:cNvPr>
+          <p:cNvPicPr>
+            <a:picLocks noChangeAspect="1" noChangeArrowheads="1"/>
+          </p:cNvPicPr>
+          <p:nvPr/>
+        </p:nvPicPr>
+        <p:blipFill>
+          <a:blip r:embed="rId6">
+            <a:extLst>
+              <a:ext uri="{28A0092B-C50C-407E-A947-70E740481C1C}">
+                <a14:useLocalDpi xmlns:a14="http://schemas.microsoft.com/office/drawing/2010/main" val="0"/>
+              </a:ext>
+            </a:extLst>
+          </a:blip>
+          <a:srcRect/>
+          <a:stretch>
+            <a:fillRect/>
+          </a:stretch>
+        </p:blipFill>
+        <p:spPr bwMode="auto">
+          <a:xfrm>
+            <a:off x="3527894" y="2259674"/>
+            <a:ext cx="457200" cy="457200"/>
+          </a:xfrm>
+          <a:prstGeom prst="rect">
+            <a:avLst/>
+          </a:prstGeom>
+          <a:noFill/>
+          <a:ln>
+            <a:noFill/>
+          </a:ln>
+          <a:extLst>
+            <a:ext uri="{909E8E84-426E-40DD-AFC4-6F175D3DCCD1}">
+              <a14:hiddenFill xmlns:a14="http://schemas.microsoft.com/office/drawing/2010/main">
+                <a:solidFill>
+                  <a:srgbClr val="FFFFFF"/>
+                </a:solidFill>
+              </a14:hiddenFill>
+            </a:ext>
+            <a:ext uri="{91240B29-F687-4F45-9708-019B960494DF}">
+              <a14:hiddenLine xmlns:a14="http://schemas.microsoft.com/office/drawing/2010/main" w="9525">
+                <a:solidFill>
+                  <a:srgbClr val="000000"/>
+                </a:solidFill>
+                <a:miter lim="800000"/>
+                <a:headEnd/>
+                <a:tailEnd/>
+              </a14:hiddenLine>
+            </a:ext>
+          </a:extLst>
+        </p:spPr>
+      </p:pic>
+      <p:pic>
+        <p:nvPicPr>
+          <p:cNvPr id="24" name="Graphic 60">
+            <a:extLst>
+              <a:ext uri="{FF2B5EF4-FFF2-40B4-BE49-F238E27FC236}">
+                <a16:creationId xmlns:a16="http://schemas.microsoft.com/office/drawing/2014/main" id="{9A1F2DB8-3C22-4645-9201-9452F669E521}"/>
+              </a:ext>
+            </a:extLst>
+          </p:cNvPr>
+          <p:cNvPicPr>
+            <a:picLocks noChangeAspect="1" noChangeArrowheads="1"/>
+          </p:cNvPicPr>
+          <p:nvPr/>
+        </p:nvPicPr>
+        <p:blipFill>
+          <a:blip r:embed="rId6">
+            <a:extLst>
+              <a:ext uri="{28A0092B-C50C-407E-A947-70E740481C1C}">
+                <a14:useLocalDpi xmlns:a14="http://schemas.microsoft.com/office/drawing/2010/main" val="0"/>
+              </a:ext>
+            </a:extLst>
+          </a:blip>
+          <a:srcRect/>
+          <a:stretch>
+            <a:fillRect/>
+          </a:stretch>
+        </p:blipFill>
+        <p:spPr bwMode="auto">
+          <a:xfrm>
+            <a:off x="6569990" y="2259674"/>
+            <a:ext cx="457200" cy="457200"/>
+          </a:xfrm>
+          <a:prstGeom prst="rect">
+            <a:avLst/>
+          </a:prstGeom>
+          <a:noFill/>
+          <a:ln>
+            <a:noFill/>
+          </a:ln>
+          <a:extLst>
+            <a:ext uri="{909E8E84-426E-40DD-AFC4-6F175D3DCCD1}">
+              <a14:hiddenFill xmlns:a14="http://schemas.microsoft.com/office/drawing/2010/main">
+                <a:solidFill>
+                  <a:srgbClr val="FFFFFF"/>
+                </a:solidFill>
+              </a14:hiddenFill>
+            </a:ext>
+            <a:ext uri="{91240B29-F687-4F45-9708-019B960494DF}">
+              <a14:hiddenLine xmlns:a14="http://schemas.microsoft.com/office/drawing/2010/main" w="9525">
+                <a:solidFill>
+                  <a:srgbClr val="000000"/>
+                </a:solidFill>
+                <a:miter lim="800000"/>
+                <a:headEnd/>
+                <a:tailEnd/>
+              </a14:hiddenLine>
+            </a:ext>
+          </a:extLst>
+        </p:spPr>
+      </p:pic>
+      <p:pic>
+        <p:nvPicPr>
+          <p:cNvPr id="25" name="Graphic 60">
+            <a:extLst>
+              <a:ext uri="{FF2B5EF4-FFF2-40B4-BE49-F238E27FC236}">
+                <a16:creationId xmlns:a16="http://schemas.microsoft.com/office/drawing/2014/main" id="{4391B015-2425-E342-8F0C-B88E4AA582A7}"/>
+              </a:ext>
+            </a:extLst>
+          </p:cNvPr>
+          <p:cNvPicPr>
+            <a:picLocks noChangeAspect="1" noChangeArrowheads="1"/>
+          </p:cNvPicPr>
+          <p:nvPr/>
+        </p:nvPicPr>
+        <p:blipFill>
+          <a:blip r:embed="rId6">
+            <a:extLst>
+              <a:ext uri="{28A0092B-C50C-407E-A947-70E740481C1C}">
+                <a14:useLocalDpi xmlns:a14="http://schemas.microsoft.com/office/drawing/2010/main" val="0"/>
+              </a:ext>
+            </a:extLst>
+          </a:blip>
+          <a:srcRect/>
+          <a:stretch>
+            <a:fillRect/>
+          </a:stretch>
+        </p:blipFill>
+        <p:spPr bwMode="auto">
+          <a:xfrm>
+            <a:off x="9753518" y="2254728"/>
+            <a:ext cx="457200" cy="457200"/>
+          </a:xfrm>
+          <a:prstGeom prst="rect">
+            <a:avLst/>
+          </a:prstGeom>
+          <a:noFill/>
+          <a:ln>
+            <a:noFill/>
+          </a:ln>
+          <a:extLst>
+            <a:ext uri="{909E8E84-426E-40DD-AFC4-6F175D3DCCD1}">
+              <a14:hiddenFill xmlns:a14="http://schemas.microsoft.com/office/drawing/2010/main">
+                <a:solidFill>
+                  <a:srgbClr val="FFFFFF"/>
+                </a:solidFill>
+              </a14:hiddenFill>
+            </a:ext>
+            <a:ext uri="{91240B29-F687-4F45-9708-019B960494DF}">
+              <a14:hiddenLine xmlns:a14="http://schemas.microsoft.com/office/drawing/2010/main" w="9525">
+                <a:solidFill>
+                  <a:srgbClr val="000000"/>
+                </a:solidFill>
+                <a:miter lim="800000"/>
+                <a:headEnd/>
+                <a:tailEnd/>
+              </a14:hiddenLine>
+            </a:ext>
+          </a:extLst>
+        </p:spPr>
+      </p:pic>
+      <p:pic>
+        <p:nvPicPr>
+          <p:cNvPr id="26" name="Graphic 35">
+            <a:extLst>
+              <a:ext uri="{FF2B5EF4-FFF2-40B4-BE49-F238E27FC236}">
+                <a16:creationId xmlns:a16="http://schemas.microsoft.com/office/drawing/2014/main" id="{4D51EEFB-59F4-7E4E-9D2E-8AD3B497E65F}"/>
+              </a:ext>
+            </a:extLst>
+          </p:cNvPr>
+          <p:cNvPicPr>
+            <a:picLocks noChangeAspect="1" noChangeArrowheads="1"/>
+          </p:cNvPicPr>
+          <p:nvPr/>
+        </p:nvPicPr>
+        <p:blipFill>
+          <a:blip r:embed="rId7">
+            <a:extLst>
+              <a:ext uri="{28A0092B-C50C-407E-A947-70E740481C1C}">
+                <a14:useLocalDpi xmlns:a14="http://schemas.microsoft.com/office/drawing/2010/main" val="0"/>
+              </a:ext>
+            </a:extLst>
+          </a:blip>
+          <a:srcRect/>
+          <a:stretch>
+            <a:fillRect/>
+          </a:stretch>
+        </p:blipFill>
+        <p:spPr bwMode="auto">
+          <a:xfrm>
+            <a:off x="3534560" y="1442659"/>
+            <a:ext cx="457200" cy="457200"/>
+          </a:xfrm>
+          <a:prstGeom prst="rect">
+            <a:avLst/>
+          </a:prstGeom>
+          <a:noFill/>
+          <a:ln>
+            <a:noFill/>
+          </a:ln>
+          <a:extLst>
+            <a:ext uri="{909E8E84-426E-40DD-AFC4-6F175D3DCCD1}">
+              <a14:hiddenFill xmlns:a14="http://schemas.microsoft.com/office/drawing/2010/main">
+                <a:solidFill>
+                  <a:srgbClr val="FFFFFF"/>
+                </a:solidFill>
+              </a14:hiddenFill>
+            </a:ext>
+            <a:ext uri="{91240B29-F687-4F45-9708-019B960494DF}">
+              <a14:hiddenLine xmlns:a14="http://schemas.microsoft.com/office/drawing/2010/main" w="9525">
+                <a:solidFill>
+                  <a:srgbClr val="000000"/>
+                </a:solidFill>
+                <a:miter lim="800000"/>
+                <a:headEnd/>
+                <a:tailEnd/>
+              </a14:hiddenLine>
+            </a:ext>
+          </a:extLst>
+        </p:spPr>
+      </p:pic>
+      <p:sp>
+        <p:nvSpPr>
+          <p:cNvPr id="27" name="TextBox 17">
+            <a:extLst>
+              <a:ext uri="{FF2B5EF4-FFF2-40B4-BE49-F238E27FC236}">
+                <a16:creationId xmlns:a16="http://schemas.microsoft.com/office/drawing/2014/main" id="{E7EAB0F3-6347-CF4D-BF35-EA8B525498B4}"/>
+              </a:ext>
+            </a:extLst>
+          </p:cNvPr>
+          <p:cNvSpPr txBox="1">
+            <a:spLocks noChangeArrowheads="1"/>
+          </p:cNvSpPr>
+          <p:nvPr/>
+        </p:nvSpPr>
+        <p:spPr bwMode="auto">
+          <a:xfrm>
+            <a:off x="4054533" y="1576897"/>
+            <a:ext cx="847989" cy="169277"/>
+          </a:xfrm>
+          <a:prstGeom prst="rect">
+            <a:avLst/>
+          </a:prstGeom>
+          <a:noFill/>
+          <a:ln>
+            <a:noFill/>
+          </a:ln>
+          <a:extLst>
+            <a:ext uri="{909E8E84-426E-40DD-AFC4-6F175D3DCCD1}">
+              <a14:hiddenFill xmlns:a14="http://schemas.microsoft.com/office/drawing/2010/main">
+                <a:solidFill>
+                  <a:srgbClr val="FFFFFF"/>
+                </a:solidFill>
+              </a14:hiddenFill>
+            </a:ext>
+            <a:ext uri="{91240B29-F687-4F45-9708-019B960494DF}">
+              <a14:hiddenLine xmlns:a14="http://schemas.microsoft.com/office/drawing/2010/main" w="9525">
+                <a:solidFill>
+                  <a:srgbClr val="000000"/>
+                </a:solidFill>
+                <a:miter lim="800000"/>
+                <a:headEnd/>
+                <a:tailEnd/>
+              </a14:hiddenLine>
+            </a:ext>
+          </a:extLst>
+        </p:spPr>
+        <p:txBody>
+          <a:bodyPr wrap="none" lIns="0" tIns="0" rIns="0" bIns="0">
+            <a:spAutoFit/>
+          </a:bodyPr>
+          <a:lstStyle>
+            <a:lvl1pPr>
+              <a:defRPr>
+                <a:solidFill>
+                  <a:schemeClr val="tx1"/>
+                </a:solidFill>
+                <a:latin typeface="Calibri" panose="020F0502020204030204" pitchFamily="34" charset="0"/>
+              </a:defRPr>
+            </a:lvl1pPr>
+            <a:lvl2pPr marL="742950" indent="-285750">
+              <a:defRPr>
+                <a:solidFill>
+                  <a:schemeClr val="tx1"/>
+                </a:solidFill>
+                <a:latin typeface="Calibri" panose="020F0502020204030204" pitchFamily="34" charset="0"/>
+              </a:defRPr>
+            </a:lvl2pPr>
+            <a:lvl3pPr marL="1143000" indent="-228600">
+              <a:defRPr>
+                <a:solidFill>
+                  <a:schemeClr val="tx1"/>
+                </a:solidFill>
+                <a:latin typeface="Calibri" panose="020F0502020204030204" pitchFamily="34" charset="0"/>
+              </a:defRPr>
+            </a:lvl3pPr>
+            <a:lvl4pPr marL="1600200" indent="-228600">
+              <a:defRPr>
+                <a:solidFill>
+                  <a:schemeClr val="tx1"/>
+                </a:solidFill>
+                <a:latin typeface="Calibri" panose="020F0502020204030204" pitchFamily="34" charset="0"/>
+              </a:defRPr>
+            </a:lvl4pPr>
+            <a:lvl5pPr marL="2057400" indent="-228600">
+              <a:defRPr>
+                <a:solidFill>
+                  <a:schemeClr val="tx1"/>
+                </a:solidFill>
+                <a:latin typeface="Calibri" panose="020F0502020204030204" pitchFamily="34" charset="0"/>
+              </a:defRPr>
+            </a:lvl5pPr>
+            <a:lvl6pPr marL="2514600" indent="-228600" eaLnBrk="0" fontAlgn="base" hangingPunct="0">
+              <a:spcBef>
+                <a:spcPct val="0"/>
+              </a:spcBef>
+              <a:spcAft>
+                <a:spcPct val="0"/>
+              </a:spcAft>
+              <a:defRPr>
+                <a:solidFill>
+                  <a:schemeClr val="tx1"/>
+                </a:solidFill>
+                <a:latin typeface="Calibri" panose="020F0502020204030204" pitchFamily="34" charset="0"/>
+              </a:defRPr>
+            </a:lvl6pPr>
+            <a:lvl7pPr marL="2971800" indent="-228600" eaLnBrk="0" fontAlgn="base" hangingPunct="0">
+              <a:spcBef>
+                <a:spcPct val="0"/>
+              </a:spcBef>
+              <a:spcAft>
+                <a:spcPct val="0"/>
+              </a:spcAft>
+              <a:defRPr>
+                <a:solidFill>
+                  <a:schemeClr val="tx1"/>
+                </a:solidFill>
+                <a:latin typeface="Calibri" panose="020F0502020204030204" pitchFamily="34" charset="0"/>
+              </a:defRPr>
+            </a:lvl7pPr>
+            <a:lvl8pPr marL="3429000" indent="-228600" eaLnBrk="0" fontAlgn="base" hangingPunct="0">
+              <a:spcBef>
+                <a:spcPct val="0"/>
+              </a:spcBef>
+              <a:spcAft>
+                <a:spcPct val="0"/>
+              </a:spcAft>
+              <a:defRPr>
+                <a:solidFill>
+                  <a:schemeClr val="tx1"/>
+                </a:solidFill>
+                <a:latin typeface="Calibri" panose="020F0502020204030204" pitchFamily="34" charset="0"/>
+              </a:defRPr>
+            </a:lvl8pPr>
+            <a:lvl9pPr marL="3886200" indent="-228600" eaLnBrk="0" fontAlgn="base" hangingPunct="0">
+              <a:spcBef>
+                <a:spcPct val="0"/>
+              </a:spcBef>
+              <a:spcAft>
+                <a:spcPct val="0"/>
+              </a:spcAft>
+              <a:defRPr>
+                <a:solidFill>
+                  <a:schemeClr val="tx1"/>
+                </a:solidFill>
+                <a:latin typeface="Calibri" panose="020F0502020204030204" pitchFamily="34" charset="0"/>
+              </a:defRPr>
+            </a:lvl9pPr>
+          </a:lstStyle>
+          <a:p>
+            <a:pPr algn="ctr" eaLnBrk="1" hangingPunct="1"/>
+            <a:r>
+              <a:rPr lang="en-US" altLang="en-US" sz="1100" dirty="0">
+                <a:latin typeface="Arial" panose="020B0604020202020204" pitchFamily="34" charset="0"/>
+                <a:ea typeface="Amazon Ember" panose="020B0603020204020204" pitchFamily="34" charset="0"/>
+                <a:cs typeface="Arial" panose="020B0604020202020204" pitchFamily="34" charset="0"/>
+              </a:rPr>
+              <a:t>NAT gateway</a:t>
+            </a:r>
+          </a:p>
+        </p:txBody>
+      </p:sp>
+      <p:pic>
+        <p:nvPicPr>
+          <p:cNvPr id="28" name="Graphic 10">
+            <a:extLst>
+              <a:ext uri="{FF2B5EF4-FFF2-40B4-BE49-F238E27FC236}">
+                <a16:creationId xmlns:a16="http://schemas.microsoft.com/office/drawing/2014/main" id="{494BB8AE-7B23-6748-A6BA-D78EFCA1CEF1}"/>
+              </a:ext>
+            </a:extLst>
+          </p:cNvPr>
+          <p:cNvPicPr>
+            <a:picLocks noChangeAspect="1" noChangeArrowheads="1"/>
+          </p:cNvPicPr>
+          <p:nvPr/>
+        </p:nvPicPr>
+        <p:blipFill>
+          <a:blip r:embed="rId8">
+            <a:extLst>
+              <a:ext uri="{28A0092B-C50C-407E-A947-70E740481C1C}">
+                <a14:useLocalDpi xmlns:a14="http://schemas.microsoft.com/office/drawing/2010/main" val="0"/>
+              </a:ext>
+            </a:extLst>
+          </a:blip>
+          <a:srcRect/>
+          <a:stretch>
+            <a:fillRect/>
+          </a:stretch>
+        </p:blipFill>
+        <p:spPr bwMode="auto">
+          <a:xfrm>
+            <a:off x="3534560" y="525279"/>
+            <a:ext cx="457200" cy="457200"/>
+          </a:xfrm>
+          <a:prstGeom prst="rect">
+            <a:avLst/>
+          </a:prstGeom>
+          <a:noFill/>
+          <a:ln>
+            <a:noFill/>
+          </a:ln>
+          <a:extLst>
+            <a:ext uri="{909E8E84-426E-40DD-AFC4-6F175D3DCCD1}">
+              <a14:hiddenFill xmlns:a14="http://schemas.microsoft.com/office/drawing/2010/main">
+                <a:solidFill>
+                  <a:srgbClr val="FFFFFF"/>
+                </a:solidFill>
+              </a14:hiddenFill>
+            </a:ext>
+            <a:ext uri="{91240B29-F687-4F45-9708-019B960494DF}">
+              <a14:hiddenLine xmlns:a14="http://schemas.microsoft.com/office/drawing/2010/main" w="9525">
+                <a:solidFill>
+                  <a:srgbClr val="000000"/>
+                </a:solidFill>
+                <a:miter lim="800000"/>
+                <a:headEnd/>
+                <a:tailEnd/>
+              </a14:hiddenLine>
+            </a:ext>
+          </a:extLst>
+        </p:spPr>
+      </p:pic>
+      <p:sp>
+        <p:nvSpPr>
+          <p:cNvPr id="29" name="TextBox 17">
+            <a:extLst>
+              <a:ext uri="{FF2B5EF4-FFF2-40B4-BE49-F238E27FC236}">
+                <a16:creationId xmlns:a16="http://schemas.microsoft.com/office/drawing/2014/main" id="{8F2798E4-AF75-AD41-A035-AA074E368764}"/>
+              </a:ext>
+            </a:extLst>
+          </p:cNvPr>
+          <p:cNvSpPr txBox="1">
+            <a:spLocks noChangeArrowheads="1"/>
+          </p:cNvSpPr>
+          <p:nvPr/>
+        </p:nvSpPr>
+        <p:spPr bwMode="auto">
+          <a:xfrm>
+            <a:off x="2382012" y="5039499"/>
+            <a:ext cx="1025923" cy="169277"/>
+          </a:xfrm>
+          <a:prstGeom prst="rect">
+            <a:avLst/>
+          </a:prstGeom>
+          <a:noFill/>
+          <a:ln>
+            <a:noFill/>
+          </a:ln>
+          <a:extLst>
+            <a:ext uri="{909E8E84-426E-40DD-AFC4-6F175D3DCCD1}">
+              <a14:hiddenFill xmlns:a14="http://schemas.microsoft.com/office/drawing/2010/main">
+                <a:solidFill>
+                  <a:srgbClr val="FFFFFF"/>
+                </a:solidFill>
+              </a14:hiddenFill>
+            </a:ext>
+            <a:ext uri="{91240B29-F687-4F45-9708-019B960494DF}">
+              <a14:hiddenLine xmlns:a14="http://schemas.microsoft.com/office/drawing/2010/main" w="9525">
+                <a:solidFill>
+                  <a:srgbClr val="000000"/>
+                </a:solidFill>
+                <a:miter lim="800000"/>
+                <a:headEnd/>
+                <a:tailEnd/>
+              </a14:hiddenLine>
+            </a:ext>
+          </a:extLst>
+        </p:spPr>
+        <p:txBody>
+          <a:bodyPr wrap="none" lIns="0" tIns="0" rIns="0" bIns="0">
+            <a:spAutoFit/>
+          </a:bodyPr>
+          <a:lstStyle>
+            <a:lvl1pPr>
+              <a:defRPr>
+                <a:solidFill>
+                  <a:schemeClr val="tx1"/>
+                </a:solidFill>
+                <a:latin typeface="Calibri" panose="020F0502020204030204" pitchFamily="34" charset="0"/>
+              </a:defRPr>
+            </a:lvl1pPr>
+            <a:lvl2pPr marL="742950" indent="-285750">
+              <a:defRPr>
+                <a:solidFill>
+                  <a:schemeClr val="tx1"/>
+                </a:solidFill>
+                <a:latin typeface="Calibri" panose="020F0502020204030204" pitchFamily="34" charset="0"/>
+              </a:defRPr>
+            </a:lvl2pPr>
+            <a:lvl3pPr marL="1143000" indent="-228600">
+              <a:defRPr>
+                <a:solidFill>
+                  <a:schemeClr val="tx1"/>
+                </a:solidFill>
+                <a:latin typeface="Calibri" panose="020F0502020204030204" pitchFamily="34" charset="0"/>
+              </a:defRPr>
+            </a:lvl3pPr>
+            <a:lvl4pPr marL="1600200" indent="-228600">
+              <a:defRPr>
+                <a:solidFill>
+                  <a:schemeClr val="tx1"/>
+                </a:solidFill>
+                <a:latin typeface="Calibri" panose="020F0502020204030204" pitchFamily="34" charset="0"/>
+              </a:defRPr>
+            </a:lvl4pPr>
+            <a:lvl5pPr marL="2057400" indent="-228600">
+              <a:defRPr>
+                <a:solidFill>
+                  <a:schemeClr val="tx1"/>
+                </a:solidFill>
+                <a:latin typeface="Calibri" panose="020F0502020204030204" pitchFamily="34" charset="0"/>
+              </a:defRPr>
+            </a:lvl5pPr>
+            <a:lvl6pPr marL="2514600" indent="-228600" eaLnBrk="0" fontAlgn="base" hangingPunct="0">
+              <a:spcBef>
+                <a:spcPct val="0"/>
+              </a:spcBef>
+              <a:spcAft>
+                <a:spcPct val="0"/>
+              </a:spcAft>
+              <a:defRPr>
+                <a:solidFill>
+                  <a:schemeClr val="tx1"/>
+                </a:solidFill>
+                <a:latin typeface="Calibri" panose="020F0502020204030204" pitchFamily="34" charset="0"/>
+              </a:defRPr>
+            </a:lvl6pPr>
+            <a:lvl7pPr marL="2971800" indent="-228600" eaLnBrk="0" fontAlgn="base" hangingPunct="0">
+              <a:spcBef>
+                <a:spcPct val="0"/>
+              </a:spcBef>
+              <a:spcAft>
+                <a:spcPct val="0"/>
+              </a:spcAft>
+              <a:defRPr>
+                <a:solidFill>
+                  <a:schemeClr val="tx1"/>
+                </a:solidFill>
+                <a:latin typeface="Calibri" panose="020F0502020204030204" pitchFamily="34" charset="0"/>
+              </a:defRPr>
+            </a:lvl7pPr>
+            <a:lvl8pPr marL="3429000" indent="-228600" eaLnBrk="0" fontAlgn="base" hangingPunct="0">
+              <a:spcBef>
+                <a:spcPct val="0"/>
+              </a:spcBef>
+              <a:spcAft>
+                <a:spcPct val="0"/>
+              </a:spcAft>
+              <a:defRPr>
+                <a:solidFill>
+                  <a:schemeClr val="tx1"/>
+                </a:solidFill>
+                <a:latin typeface="Calibri" panose="020F0502020204030204" pitchFamily="34" charset="0"/>
+              </a:defRPr>
+            </a:lvl8pPr>
+            <a:lvl9pPr marL="3886200" indent="-228600" eaLnBrk="0" fontAlgn="base" hangingPunct="0">
+              <a:spcBef>
+                <a:spcPct val="0"/>
+              </a:spcBef>
+              <a:spcAft>
+                <a:spcPct val="0"/>
+              </a:spcAft>
+              <a:defRPr>
+                <a:solidFill>
+                  <a:schemeClr val="tx1"/>
+                </a:solidFill>
+                <a:latin typeface="Calibri" panose="020F0502020204030204" pitchFamily="34" charset="0"/>
+              </a:defRPr>
+            </a:lvl9pPr>
+          </a:lstStyle>
+          <a:p>
+            <a:pPr algn="ctr" eaLnBrk="1" hangingPunct="1"/>
+            <a:r>
+              <a:rPr lang="en-US" altLang="en-US" sz="1100" dirty="0">
+                <a:latin typeface="Arial" panose="020B0604020202020204" pitchFamily="34" charset="0"/>
+                <a:ea typeface="Amazon Ember" panose="020B0603020204020204" pitchFamily="34" charset="0"/>
+                <a:cs typeface="Arial" panose="020B0604020202020204" pitchFamily="34" charset="0"/>
+              </a:rPr>
+              <a:t>Transit Gateway</a:t>
+            </a:r>
+          </a:p>
+        </p:txBody>
+      </p:sp>
+      <p:cxnSp>
+        <p:nvCxnSpPr>
+          <p:cNvPr id="31" name="直線コネクタ 30">
+            <a:extLst>
+              <a:ext uri="{FF2B5EF4-FFF2-40B4-BE49-F238E27FC236}">
+                <a16:creationId xmlns:a16="http://schemas.microsoft.com/office/drawing/2014/main" id="{A43A425C-33CB-B744-9A6F-1F7FECEFABD0}"/>
+              </a:ext>
+            </a:extLst>
+          </p:cNvPr>
+          <p:cNvCxnSpPr>
+            <a:cxnSpLocks/>
+            <a:stCxn id="8" idx="2"/>
+          </p:cNvCxnSpPr>
+          <p:nvPr/>
+        </p:nvCxnSpPr>
+        <p:spPr>
+          <a:xfrm>
+            <a:off x="3763160" y="2811794"/>
+            <a:ext cx="1282847" cy="1225205"/>
+          </a:xfrm>
+          <a:prstGeom prst="line">
+            <a:avLst/>
+          </a:prstGeom>
+        </p:spPr>
+        <p:style>
+          <a:lnRef idx="1">
+            <a:schemeClr val="accent1"/>
+          </a:lnRef>
+          <a:fillRef idx="0">
+            <a:schemeClr val="accent1"/>
+          </a:fillRef>
+          <a:effectRef idx="0">
+            <a:schemeClr val="accent1"/>
+          </a:effectRef>
+          <a:fontRef idx="minor">
+            <a:schemeClr val="tx1"/>
+          </a:fontRef>
+        </p:style>
+      </p:cxnSp>
+      <p:graphicFrame>
+        <p:nvGraphicFramePr>
+          <p:cNvPr id="34" name="表 34">
+            <a:extLst>
+              <a:ext uri="{FF2B5EF4-FFF2-40B4-BE49-F238E27FC236}">
+                <a16:creationId xmlns:a16="http://schemas.microsoft.com/office/drawing/2014/main" id="{BB774F3B-987D-774D-8A5E-506E938922DE}"/>
+              </a:ext>
+            </a:extLst>
+          </p:cNvPr>
+          <p:cNvGraphicFramePr>
+            <a:graphicFrameLocks noGrp="1"/>
+          </p:cNvGraphicFramePr>
+          <p:nvPr>
+            <p:extLst>
+              <p:ext uri="{D42A27DB-BD31-4B8C-83A1-F6EECF244321}">
+                <p14:modId xmlns:p14="http://schemas.microsoft.com/office/powerpoint/2010/main" val="1764669752"/>
+              </p:ext>
+            </p:extLst>
+          </p:nvPr>
+        </p:nvGraphicFramePr>
+        <p:xfrm>
+          <a:off x="4446439" y="4036999"/>
+          <a:ext cx="4337628" cy="1483360"/>
+        </p:xfrm>
+        <a:graphic>
+          <a:graphicData uri="http://schemas.openxmlformats.org/drawingml/2006/table">
+            <a:tbl>
+              <a:tblPr firstRow="1" bandRow="1">
+                <a:tableStyleId>{5C22544A-7EE6-4342-B048-85BDC9FD1C3A}</a:tableStyleId>
+              </a:tblPr>
+              <a:tblGrid>
+                <a:gridCol w="2168814">
+                  <a:extLst>
+                    <a:ext uri="{9D8B030D-6E8A-4147-A177-3AD203B41FA5}">
+                      <a16:colId xmlns:a16="http://schemas.microsoft.com/office/drawing/2014/main" val="1698902520"/>
+                    </a:ext>
+                  </a:extLst>
+                </a:gridCol>
+                <a:gridCol w="2168814">
+                  <a:extLst>
+                    <a:ext uri="{9D8B030D-6E8A-4147-A177-3AD203B41FA5}">
+                      <a16:colId xmlns:a16="http://schemas.microsoft.com/office/drawing/2014/main" val="2743271016"/>
+                    </a:ext>
+                  </a:extLst>
+                </a:gridCol>
+              </a:tblGrid>
+              <a:tr h="370840">
+                <a:tc>
+                  <a:txBody>
+                    <a:bodyPr/>
+                    <a:lstStyle/>
+                    <a:p>
+                      <a:r>
+                        <a:rPr kumimoji="1" lang="en-US" altLang="ja-JP" sz="1400" dirty="0"/>
+                        <a:t>Route</a:t>
+                      </a:r>
+                      <a:endParaRPr kumimoji="1" lang="ja-JP" altLang="en-US" sz="1400"/>
+                    </a:p>
+                  </a:txBody>
+                  <a:tcPr/>
+                </a:tc>
+                <a:tc>
+                  <a:txBody>
+                    <a:bodyPr/>
+                    <a:lstStyle/>
+                    <a:p>
+                      <a:r>
+                        <a:rPr kumimoji="1" lang="en-US" altLang="ja-JP" sz="1400" dirty="0" err="1"/>
+                        <a:t>Desination</a:t>
+                      </a:r>
+                      <a:endParaRPr kumimoji="1" lang="ja-JP" altLang="en-US" sz="1400"/>
+                    </a:p>
+                  </a:txBody>
+                  <a:tcPr/>
+                </a:tc>
+                <a:extLst>
+                  <a:ext uri="{0D108BD9-81ED-4DB2-BD59-A6C34878D82A}">
+                    <a16:rowId xmlns:a16="http://schemas.microsoft.com/office/drawing/2014/main" val="2062662396"/>
+                  </a:ext>
+                </a:extLst>
+              </a:tr>
+              <a:tr h="370840">
+                <a:tc>
+                  <a:txBody>
+                    <a:bodyPr/>
+                    <a:lstStyle/>
+                    <a:p>
+                      <a:r>
+                        <a:rPr kumimoji="1" lang="en-US" altLang="ja-JP" sz="1400" dirty="0"/>
+                        <a:t>0.0.0.0/0</a:t>
+                      </a:r>
+                      <a:endParaRPr kumimoji="1" lang="ja-JP" altLang="en-US" sz="1400"/>
+                    </a:p>
+                  </a:txBody>
+                  <a:tcPr/>
+                </a:tc>
+                <a:tc>
+                  <a:txBody>
+                    <a:bodyPr/>
+                    <a:lstStyle/>
+                    <a:p>
+                      <a:r>
+                        <a:rPr kumimoji="1" lang="en-US" altLang="ja-JP" sz="1400" dirty="0"/>
+                        <a:t>Vpc1-att</a:t>
+                      </a:r>
+                      <a:endParaRPr kumimoji="1" lang="ja-JP" altLang="en-US" sz="1400"/>
+                    </a:p>
+                  </a:txBody>
+                  <a:tcPr/>
+                </a:tc>
+                <a:extLst>
+                  <a:ext uri="{0D108BD9-81ED-4DB2-BD59-A6C34878D82A}">
+                    <a16:rowId xmlns:a16="http://schemas.microsoft.com/office/drawing/2014/main" val="990764644"/>
+                  </a:ext>
+                </a:extLst>
+              </a:tr>
+              <a:tr h="370840">
+                <a:tc>
+                  <a:txBody>
+                    <a:bodyPr/>
+                    <a:lstStyle/>
+                    <a:p>
+                      <a:r>
+                        <a:rPr kumimoji="1" lang="en-US" altLang="ja-JP" sz="1400" dirty="0"/>
+                        <a:t>10.2.0.0/16</a:t>
+                      </a:r>
+                      <a:endParaRPr kumimoji="1" lang="ja-JP" altLang="en-US" sz="1400"/>
+                    </a:p>
+                  </a:txBody>
+                  <a:tcPr/>
+                </a:tc>
+                <a:tc>
+                  <a:txBody>
+                    <a:bodyPr/>
+                    <a:lstStyle/>
+                    <a:p>
+                      <a:r>
+                        <a:rPr kumimoji="1" lang="en-US" altLang="ja-JP" sz="1400" dirty="0"/>
+                        <a:t>Vpc2-att</a:t>
+                      </a:r>
+                      <a:endParaRPr kumimoji="1" lang="ja-JP" altLang="en-US" sz="1400"/>
+                    </a:p>
+                  </a:txBody>
+                  <a:tcPr/>
+                </a:tc>
+                <a:extLst>
+                  <a:ext uri="{0D108BD9-81ED-4DB2-BD59-A6C34878D82A}">
+                    <a16:rowId xmlns:a16="http://schemas.microsoft.com/office/drawing/2014/main" val="363881247"/>
+                  </a:ext>
+                </a:extLst>
+              </a:tr>
+              <a:tr h="370840">
+                <a:tc>
+                  <a:txBody>
+                    <a:bodyPr/>
+                    <a:lstStyle/>
+                    <a:p>
+                      <a:pPr marL="0" marR="0" lvl="0" indent="0" algn="l" defTabSz="914400" rtl="0" eaLnBrk="1" fontAlgn="auto" latinLnBrk="0" hangingPunct="1">
+                        <a:lnSpc>
+                          <a:spcPct val="100000"/>
+                        </a:lnSpc>
+                        <a:spcBef>
+                          <a:spcPts val="0"/>
+                        </a:spcBef>
+                        <a:spcAft>
+                          <a:spcPts val="0"/>
+                        </a:spcAft>
+                        <a:buClrTx/>
+                        <a:buSzTx/>
+                        <a:buFontTx/>
+                        <a:buNone/>
+                        <a:tabLst/>
+                        <a:defRPr/>
+                      </a:pPr>
+                      <a:r>
+                        <a:rPr kumimoji="1" lang="en-US" altLang="ja-JP" sz="1400" dirty="0"/>
+                        <a:t>10.3.0.0/16</a:t>
+                      </a:r>
+                      <a:endParaRPr kumimoji="1" lang="ja-JP" altLang="en-US" sz="1400"/>
+                    </a:p>
+                  </a:txBody>
+                  <a:tcPr/>
+                </a:tc>
+                <a:tc>
+                  <a:txBody>
+                    <a:bodyPr/>
+                    <a:lstStyle/>
+                    <a:p>
+                      <a:r>
+                        <a:rPr kumimoji="1" lang="en-US" altLang="ja-JP" sz="1400" dirty="0"/>
+                        <a:t>Vpc3-att</a:t>
+                      </a:r>
+                      <a:endParaRPr kumimoji="1" lang="ja-JP" altLang="en-US" sz="1400"/>
+                    </a:p>
+                  </a:txBody>
+                  <a:tcPr/>
+                </a:tc>
+                <a:extLst>
+                  <a:ext uri="{0D108BD9-81ED-4DB2-BD59-A6C34878D82A}">
+                    <a16:rowId xmlns:a16="http://schemas.microsoft.com/office/drawing/2014/main" val="3396363660"/>
+                  </a:ext>
+                </a:extLst>
+              </a:tr>
+            </a:tbl>
+          </a:graphicData>
+        </a:graphic>
+      </p:graphicFrame>
+      <p:cxnSp>
+        <p:nvCxnSpPr>
+          <p:cNvPr id="36" name="直線コネクタ 35">
+            <a:extLst>
+              <a:ext uri="{FF2B5EF4-FFF2-40B4-BE49-F238E27FC236}">
+                <a16:creationId xmlns:a16="http://schemas.microsoft.com/office/drawing/2014/main" id="{80EC073B-5C4D-6E4C-814C-422CA006F73B}"/>
+              </a:ext>
+            </a:extLst>
+          </p:cNvPr>
+          <p:cNvCxnSpPr>
+            <a:cxnSpLocks/>
+            <a:stCxn id="10" idx="2"/>
+          </p:cNvCxnSpPr>
+          <p:nvPr/>
+        </p:nvCxnSpPr>
+        <p:spPr>
+          <a:xfrm flipH="1">
+            <a:off x="6688899" y="2811794"/>
+            <a:ext cx="200973" cy="1225205"/>
+          </a:xfrm>
+          <a:prstGeom prst="line">
+            <a:avLst/>
+          </a:prstGeom>
+        </p:spPr>
+        <p:style>
+          <a:lnRef idx="1">
+            <a:schemeClr val="accent1"/>
+          </a:lnRef>
+          <a:fillRef idx="0">
+            <a:schemeClr val="accent1"/>
+          </a:fillRef>
+          <a:effectRef idx="0">
+            <a:schemeClr val="accent1"/>
+          </a:effectRef>
+          <a:fontRef idx="minor">
+            <a:schemeClr val="tx1"/>
+          </a:fontRef>
+        </p:style>
+      </p:cxnSp>
+      <p:cxnSp>
+        <p:nvCxnSpPr>
+          <p:cNvPr id="39" name="直線コネクタ 38">
+            <a:extLst>
+              <a:ext uri="{FF2B5EF4-FFF2-40B4-BE49-F238E27FC236}">
+                <a16:creationId xmlns:a16="http://schemas.microsoft.com/office/drawing/2014/main" id="{6E1EFC0A-6D3E-6C49-A80A-E911FBBC1186}"/>
+              </a:ext>
+            </a:extLst>
+          </p:cNvPr>
+          <p:cNvCxnSpPr>
+            <a:cxnSpLocks/>
+          </p:cNvCxnSpPr>
+          <p:nvPr/>
+        </p:nvCxnSpPr>
+        <p:spPr>
+          <a:xfrm flipH="1">
+            <a:off x="8222853" y="2748624"/>
+            <a:ext cx="1513671" cy="1288375"/>
+          </a:xfrm>
+          <a:prstGeom prst="line">
+            <a:avLst/>
+          </a:prstGeom>
+        </p:spPr>
+        <p:style>
+          <a:lnRef idx="1">
+            <a:schemeClr val="accent1"/>
+          </a:lnRef>
+          <a:fillRef idx="0">
+            <a:schemeClr val="accent1"/>
+          </a:fillRef>
+          <a:effectRef idx="0">
+            <a:schemeClr val="accent1"/>
+          </a:effectRef>
+          <a:fontRef idx="minor">
+            <a:schemeClr val="tx1"/>
+          </a:fontRef>
+        </p:style>
+      </p:cxnSp>
+      <p:sp>
+        <p:nvSpPr>
+          <p:cNvPr id="42" name="TextBox 17">
+            <a:extLst>
+              <a:ext uri="{FF2B5EF4-FFF2-40B4-BE49-F238E27FC236}">
+                <a16:creationId xmlns:a16="http://schemas.microsoft.com/office/drawing/2014/main" id="{B370C554-41B4-5B45-BB0D-173358ED90E9}"/>
+              </a:ext>
+            </a:extLst>
+          </p:cNvPr>
+          <p:cNvSpPr txBox="1">
+            <a:spLocks noChangeArrowheads="1"/>
+          </p:cNvSpPr>
+          <p:nvPr/>
+        </p:nvSpPr>
+        <p:spPr bwMode="auto">
+          <a:xfrm>
+            <a:off x="5274768" y="5572096"/>
+            <a:ext cx="2590453" cy="169277"/>
+          </a:xfrm>
+          <a:prstGeom prst="rect">
+            <a:avLst/>
+          </a:prstGeom>
+          <a:noFill/>
+          <a:ln>
+            <a:noFill/>
+          </a:ln>
+          <a:extLst>
+            <a:ext uri="{909E8E84-426E-40DD-AFC4-6F175D3DCCD1}">
+              <a14:hiddenFill xmlns:a14="http://schemas.microsoft.com/office/drawing/2010/main">
+                <a:solidFill>
+                  <a:srgbClr val="FFFFFF"/>
+                </a:solidFill>
+              </a14:hiddenFill>
+            </a:ext>
+            <a:ext uri="{91240B29-F687-4F45-9708-019B960494DF}">
+              <a14:hiddenLine xmlns:a14="http://schemas.microsoft.com/office/drawing/2010/main" w="9525">
+                <a:solidFill>
+                  <a:srgbClr val="000000"/>
+                </a:solidFill>
+                <a:miter lim="800000"/>
+                <a:headEnd/>
+                <a:tailEnd/>
+              </a14:hiddenLine>
+            </a:ext>
+          </a:extLst>
+        </p:spPr>
+        <p:txBody>
+          <a:bodyPr wrap="none" lIns="0" tIns="0" rIns="0" bIns="0">
+            <a:spAutoFit/>
+          </a:bodyPr>
+          <a:lstStyle>
+            <a:lvl1pPr>
+              <a:defRPr>
+                <a:solidFill>
+                  <a:schemeClr val="tx1"/>
+                </a:solidFill>
+                <a:latin typeface="Calibri" panose="020F0502020204030204" pitchFamily="34" charset="0"/>
+              </a:defRPr>
+            </a:lvl1pPr>
+            <a:lvl2pPr marL="742950" indent="-285750">
+              <a:defRPr>
+                <a:solidFill>
+                  <a:schemeClr val="tx1"/>
+                </a:solidFill>
+                <a:latin typeface="Calibri" panose="020F0502020204030204" pitchFamily="34" charset="0"/>
+              </a:defRPr>
+            </a:lvl2pPr>
+            <a:lvl3pPr marL="1143000" indent="-228600">
+              <a:defRPr>
+                <a:solidFill>
+                  <a:schemeClr val="tx1"/>
+                </a:solidFill>
+                <a:latin typeface="Calibri" panose="020F0502020204030204" pitchFamily="34" charset="0"/>
+              </a:defRPr>
+            </a:lvl3pPr>
+            <a:lvl4pPr marL="1600200" indent="-228600">
+              <a:defRPr>
+                <a:solidFill>
+                  <a:schemeClr val="tx1"/>
+                </a:solidFill>
+                <a:latin typeface="Calibri" panose="020F0502020204030204" pitchFamily="34" charset="0"/>
+              </a:defRPr>
+            </a:lvl4pPr>
+            <a:lvl5pPr marL="2057400" indent="-228600">
+              <a:defRPr>
+                <a:solidFill>
+                  <a:schemeClr val="tx1"/>
+                </a:solidFill>
+                <a:latin typeface="Calibri" panose="020F0502020204030204" pitchFamily="34" charset="0"/>
+              </a:defRPr>
+            </a:lvl5pPr>
+            <a:lvl6pPr marL="2514600" indent="-228600" eaLnBrk="0" fontAlgn="base" hangingPunct="0">
+              <a:spcBef>
+                <a:spcPct val="0"/>
+              </a:spcBef>
+              <a:spcAft>
+                <a:spcPct val="0"/>
+              </a:spcAft>
+              <a:defRPr>
+                <a:solidFill>
+                  <a:schemeClr val="tx1"/>
+                </a:solidFill>
+                <a:latin typeface="Calibri" panose="020F0502020204030204" pitchFamily="34" charset="0"/>
+              </a:defRPr>
+            </a:lvl6pPr>
+            <a:lvl7pPr marL="2971800" indent="-228600" eaLnBrk="0" fontAlgn="base" hangingPunct="0">
+              <a:spcBef>
+                <a:spcPct val="0"/>
+              </a:spcBef>
+              <a:spcAft>
+                <a:spcPct val="0"/>
+              </a:spcAft>
+              <a:defRPr>
+                <a:solidFill>
+                  <a:schemeClr val="tx1"/>
+                </a:solidFill>
+                <a:latin typeface="Calibri" panose="020F0502020204030204" pitchFamily="34" charset="0"/>
+              </a:defRPr>
+            </a:lvl7pPr>
+            <a:lvl8pPr marL="3429000" indent="-228600" eaLnBrk="0" fontAlgn="base" hangingPunct="0">
+              <a:spcBef>
+                <a:spcPct val="0"/>
+              </a:spcBef>
+              <a:spcAft>
+                <a:spcPct val="0"/>
+              </a:spcAft>
+              <a:defRPr>
+                <a:solidFill>
+                  <a:schemeClr val="tx1"/>
+                </a:solidFill>
+                <a:latin typeface="Calibri" panose="020F0502020204030204" pitchFamily="34" charset="0"/>
+              </a:defRPr>
+            </a:lvl8pPr>
+            <a:lvl9pPr marL="3886200" indent="-228600" eaLnBrk="0" fontAlgn="base" hangingPunct="0">
+              <a:spcBef>
+                <a:spcPct val="0"/>
+              </a:spcBef>
+              <a:spcAft>
+                <a:spcPct val="0"/>
+              </a:spcAft>
+              <a:defRPr>
+                <a:solidFill>
+                  <a:schemeClr val="tx1"/>
+                </a:solidFill>
+                <a:latin typeface="Calibri" panose="020F0502020204030204" pitchFamily="34" charset="0"/>
+              </a:defRPr>
+            </a:lvl9pPr>
+          </a:lstStyle>
+          <a:p>
+            <a:pPr algn="ctr" eaLnBrk="1" hangingPunct="1"/>
+            <a:r>
+              <a:rPr lang="en-US" altLang="en-US" sz="1100" dirty="0">
+                <a:latin typeface="Arial" panose="020B0604020202020204" pitchFamily="34" charset="0"/>
+                <a:ea typeface="Amazon Ember" panose="020B0603020204020204" pitchFamily="34" charset="0"/>
+                <a:cs typeface="Arial" panose="020B0604020202020204" pitchFamily="34" charset="0"/>
+              </a:rPr>
+              <a:t>TGW Route Table for Inter connect VPCs</a:t>
+            </a:r>
+          </a:p>
+        </p:txBody>
+      </p:sp>
+      <p:sp>
+        <p:nvSpPr>
+          <p:cNvPr id="43" name="左右矢印 42">
+            <a:extLst>
+              <a:ext uri="{FF2B5EF4-FFF2-40B4-BE49-F238E27FC236}">
+                <a16:creationId xmlns:a16="http://schemas.microsoft.com/office/drawing/2014/main" id="{609BD18F-2F53-BE4E-8BBC-3B62BC98F4F8}"/>
+              </a:ext>
+            </a:extLst>
+          </p:cNvPr>
+          <p:cNvSpPr/>
+          <p:nvPr/>
+        </p:nvSpPr>
+        <p:spPr>
+          <a:xfrm>
+            <a:off x="4208744" y="287378"/>
+            <a:ext cx="6363222" cy="493366"/>
+          </a:xfrm>
+          <a:prstGeom prst="leftRightArrow">
+            <a:avLst/>
+          </a:prstGeom>
+        </p:spPr>
+        <p:style>
+          <a:lnRef idx="2">
+            <a:schemeClr val="accent1">
+              <a:shade val="50000"/>
+            </a:schemeClr>
+          </a:lnRef>
+          <a:fillRef idx="1">
+            <a:schemeClr val="accent1"/>
+          </a:fillRef>
+          <a:effectRef idx="0">
+            <a:schemeClr val="accent1"/>
+          </a:effectRef>
+          <a:fontRef idx="minor">
+            <a:schemeClr val="lt1"/>
+          </a:fontRef>
+        </p:style>
+        <p:txBody>
+          <a:bodyPr rtlCol="0" anchor="ctr"/>
+          <a:lstStyle/>
+          <a:p>
+            <a:pPr algn="ctr"/>
+            <a:r>
+              <a:rPr lang="en-US" altLang="ja-JP" dirty="0"/>
+              <a:t>Interc</a:t>
+            </a:r>
+            <a:r>
+              <a:rPr kumimoji="1" lang="en-US" altLang="ja-JP" dirty="0"/>
+              <a:t>onnected between All VPCs</a:t>
+            </a:r>
+            <a:endParaRPr kumimoji="1" lang="ja-JP" altLang="en-US"/>
+          </a:p>
+        </p:txBody>
+      </p:sp>
+      <p:sp>
+        <p:nvSpPr>
+          <p:cNvPr id="44" name="角丸四角形吹き出し 43">
+            <a:extLst>
+              <a:ext uri="{FF2B5EF4-FFF2-40B4-BE49-F238E27FC236}">
+                <a16:creationId xmlns:a16="http://schemas.microsoft.com/office/drawing/2014/main" id="{2F9E9BC1-1CAD-4146-A375-EAA347E1A64A}"/>
+              </a:ext>
+            </a:extLst>
+          </p:cNvPr>
+          <p:cNvSpPr/>
+          <p:nvPr/>
+        </p:nvSpPr>
+        <p:spPr>
+          <a:xfrm>
+            <a:off x="313151" y="1211873"/>
+            <a:ext cx="1807294" cy="1393541"/>
+          </a:xfrm>
+          <a:prstGeom prst="wedgeRoundRectCallout">
+            <a:avLst>
+              <a:gd name="adj1" fmla="val 87504"/>
+              <a:gd name="adj2" fmla="val -13005"/>
+              <a:gd name="adj3" fmla="val 16667"/>
+            </a:avLst>
+          </a:prstGeom>
+        </p:spPr>
+        <p:style>
+          <a:lnRef idx="2">
+            <a:schemeClr val="accent1">
+              <a:shade val="50000"/>
+            </a:schemeClr>
+          </a:lnRef>
+          <a:fillRef idx="1">
+            <a:schemeClr val="accent1"/>
+          </a:fillRef>
+          <a:effectRef idx="0">
+            <a:schemeClr val="accent1"/>
+          </a:effectRef>
+          <a:fontRef idx="minor">
+            <a:schemeClr val="lt1"/>
+          </a:fontRef>
+        </p:style>
+        <p:txBody>
+          <a:bodyPr rtlCol="0" anchor="ctr"/>
+          <a:lstStyle/>
+          <a:p>
+            <a:pPr algn="ctr"/>
+            <a:r>
+              <a:rPr lang="en" altLang="ja-JP" sz="1600" dirty="0"/>
+              <a:t>Consolidate Internet access to VPC1</a:t>
+            </a:r>
+            <a:endParaRPr kumimoji="1" lang="ja-JP" altLang="en-US" sz="1600"/>
+          </a:p>
+        </p:txBody>
+      </p:sp>
     </p:spTree>
     <p:extLst>
       <p:ext uri="{BB962C8B-B14F-4D97-AF65-F5344CB8AC3E}">
         <p14:creationId xmlns:p14="http://schemas.microsoft.com/office/powerpoint/2010/main" val="3991069848"/>
+      </p:ext>
+    </p:extLst>
+  </p:cSld>
+  <p:clrMapOvr>
+    <a:masterClrMapping/>
+  </p:clrMapOvr>
+</p:sld>
+</file>
+
+<file path=ppt/slides/slide2.xml><?xml version="1.0" encoding="utf-8"?>
+<p:sld xmlns:a="http://schemas.openxmlformats.org/drawingml/2006/main" xmlns:r="http://schemas.openxmlformats.org/officeDocument/2006/relationships" xmlns:p="http://schemas.openxmlformats.org/presentationml/2006/main">
+  <p:cSld>
+    <p:spTree>
+      <p:nvGrpSpPr>
+        <p:cNvPr id="1" name=""/>
+        <p:cNvGrpSpPr/>
+        <p:nvPr/>
+      </p:nvGrpSpPr>
+      <p:grpSpPr>
+        <a:xfrm>
+          <a:off x="0" y="0"/>
+          <a:ext cx="0" cy="0"/>
+          <a:chOff x="0" y="0"/>
+          <a:chExt cx="0" cy="0"/>
+        </a:xfrm>
+      </p:grpSpPr>
+      <p:sp>
+        <p:nvSpPr>
+          <p:cNvPr id="33" name="正方形/長方形 32">
+            <a:extLst>
+              <a:ext uri="{FF2B5EF4-FFF2-40B4-BE49-F238E27FC236}">
+                <a16:creationId xmlns:a16="http://schemas.microsoft.com/office/drawing/2014/main" id="{A077FEDC-7BA4-F44E-AFC4-FB748419D74C}"/>
+              </a:ext>
+            </a:extLst>
+          </p:cNvPr>
+          <p:cNvSpPr/>
+          <p:nvPr/>
+        </p:nvSpPr>
+        <p:spPr>
+          <a:xfrm>
+            <a:off x="2832344" y="3734746"/>
+            <a:ext cx="8240665" cy="2367419"/>
+          </a:xfrm>
+          <a:prstGeom prst="rect">
+            <a:avLst/>
+          </a:prstGeom>
+          <a:noFill/>
+        </p:spPr>
+        <p:style>
+          <a:lnRef idx="2">
+            <a:schemeClr val="accent1"/>
+          </a:lnRef>
+          <a:fillRef idx="1">
+            <a:schemeClr val="lt1"/>
+          </a:fillRef>
+          <a:effectRef idx="0">
+            <a:schemeClr val="accent1"/>
+          </a:effectRef>
+          <a:fontRef idx="minor">
+            <a:schemeClr val="dk1"/>
+          </a:fontRef>
+        </p:style>
+        <p:txBody>
+          <a:bodyPr rtlCol="0" anchor="ctr"/>
+          <a:lstStyle/>
+          <a:p>
+            <a:pPr algn="ctr"/>
+            <a:endParaRPr kumimoji="1" lang="ja-JP" altLang="en-US"/>
+          </a:p>
+        </p:txBody>
+      </p:sp>
+      <p:pic>
+        <p:nvPicPr>
+          <p:cNvPr id="7" name="Graphic 7">
+            <a:extLst>
+              <a:ext uri="{FF2B5EF4-FFF2-40B4-BE49-F238E27FC236}">
+                <a16:creationId xmlns:a16="http://schemas.microsoft.com/office/drawing/2014/main" id="{950D6699-9576-2A46-A20A-FB25C8198B68}"/>
+              </a:ext>
+            </a:extLst>
+          </p:cNvPr>
+          <p:cNvPicPr>
+            <a:picLocks noChangeAspect="1" noChangeArrowheads="1"/>
+          </p:cNvPicPr>
+          <p:nvPr/>
+        </p:nvPicPr>
+        <p:blipFill>
+          <a:blip r:embed="rId2">
+            <a:extLst>
+              <a:ext uri="{28A0092B-C50C-407E-A947-70E740481C1C}">
+                <a14:useLocalDpi xmlns:a14="http://schemas.microsoft.com/office/drawing/2010/main" val="0"/>
+              </a:ext>
+            </a:extLst>
+          </a:blip>
+          <a:srcRect/>
+          <a:stretch>
+            <a:fillRect/>
+          </a:stretch>
+        </p:blipFill>
+        <p:spPr bwMode="auto">
+          <a:xfrm>
+            <a:off x="2451344" y="4202958"/>
+            <a:ext cx="762000" cy="762000"/>
+          </a:xfrm>
+          <a:prstGeom prst="rect">
+            <a:avLst/>
+          </a:prstGeom>
+          <a:noFill/>
+          <a:ln>
+            <a:noFill/>
+          </a:ln>
+          <a:extLst>
+            <a:ext uri="{909E8E84-426E-40DD-AFC4-6F175D3DCCD1}">
+              <a14:hiddenFill xmlns:a14="http://schemas.microsoft.com/office/drawing/2010/main">
+                <a:solidFill>
+                  <a:srgbClr val="FFFFFF"/>
+                </a:solidFill>
+              </a14:hiddenFill>
+            </a:ext>
+            <a:ext uri="{91240B29-F687-4F45-9708-019B960494DF}">
+              <a14:hiddenLine xmlns:a14="http://schemas.microsoft.com/office/drawing/2010/main" w="9525">
+                <a:solidFill>
+                  <a:srgbClr val="000000"/>
+                </a:solidFill>
+                <a:miter lim="800000"/>
+                <a:headEnd/>
+                <a:tailEnd/>
+              </a14:hiddenLine>
+            </a:ext>
+          </a:extLst>
+        </p:spPr>
+      </p:pic>
+      <p:sp>
+        <p:nvSpPr>
+          <p:cNvPr id="8" name="Rectangle 3">
+            <a:extLst>
+              <a:ext uri="{FF2B5EF4-FFF2-40B4-BE49-F238E27FC236}">
+                <a16:creationId xmlns:a16="http://schemas.microsoft.com/office/drawing/2014/main" id="{A721FABB-0E3B-E945-9952-B12061549A75}"/>
+              </a:ext>
+            </a:extLst>
+          </p:cNvPr>
+          <p:cNvSpPr/>
+          <p:nvPr/>
+        </p:nvSpPr>
+        <p:spPr bwMode="auto">
+          <a:xfrm>
+            <a:off x="2502144" y="881673"/>
+            <a:ext cx="2522032" cy="1930121"/>
+          </a:xfrm>
+          <a:prstGeom prst="rect">
+            <a:avLst/>
+          </a:prstGeom>
+          <a:noFill/>
+          <a:ln w="12700">
+            <a:solidFill>
+              <a:srgbClr val="1E8900"/>
+            </a:solidFill>
+          </a:ln>
+        </p:spPr>
+        <p:style>
+          <a:lnRef idx="2">
+            <a:schemeClr val="accent1">
+              <a:shade val="50000"/>
+            </a:schemeClr>
+          </a:lnRef>
+          <a:fillRef idx="1">
+            <a:schemeClr val="accent1"/>
+          </a:fillRef>
+          <a:effectRef idx="0">
+            <a:schemeClr val="accent1"/>
+          </a:effectRef>
+          <a:fontRef idx="minor">
+            <a:schemeClr val="lt1"/>
+          </a:fontRef>
+        </p:style>
+        <p:txBody>
+          <a:bodyPr lIns="457200" tIns="91440"/>
+          <a:lstStyle/>
+          <a:p>
+            <a:pPr eaLnBrk="1" fontAlgn="auto" hangingPunct="1">
+              <a:spcBef>
+                <a:spcPts val="0"/>
+              </a:spcBef>
+              <a:spcAft>
+                <a:spcPts val="0"/>
+              </a:spcAft>
+              <a:defRPr/>
+            </a:pPr>
+            <a:r>
+              <a:rPr lang="en-US" sz="1200" dirty="0">
+                <a:ln w="0"/>
+                <a:solidFill>
+                  <a:srgbClr val="1E8900"/>
+                </a:solidFill>
+                <a:latin typeface="Arial" panose="020B0604020202020204" pitchFamily="34" charset="0"/>
+                <a:cs typeface="Arial" panose="020B0604020202020204" pitchFamily="34" charset="0"/>
+              </a:rPr>
+              <a:t>VPC1(10.1.0.0/16)</a:t>
+            </a:r>
+          </a:p>
+        </p:txBody>
+      </p:sp>
+      <p:pic>
+        <p:nvPicPr>
+          <p:cNvPr id="9" name="Graphic 9">
+            <a:extLst>
+              <a:ext uri="{FF2B5EF4-FFF2-40B4-BE49-F238E27FC236}">
+                <a16:creationId xmlns:a16="http://schemas.microsoft.com/office/drawing/2014/main" id="{AEEA39DC-390B-5741-8BEF-900FCCADDB96}"/>
+              </a:ext>
+            </a:extLst>
+          </p:cNvPr>
+          <p:cNvPicPr>
+            <a:picLocks noChangeAspect="1" noChangeArrowheads="1"/>
+          </p:cNvPicPr>
+          <p:nvPr/>
+        </p:nvPicPr>
+        <p:blipFill>
+          <a:blip r:embed="rId3">
+            <a:extLst>
+              <a:ext uri="{28A0092B-C50C-407E-A947-70E740481C1C}">
+                <a14:useLocalDpi xmlns:a14="http://schemas.microsoft.com/office/drawing/2010/main" val="0"/>
+              </a:ext>
+            </a:extLst>
+          </a:blip>
+          <a:srcRect/>
+          <a:stretch>
+            <a:fillRect/>
+          </a:stretch>
+        </p:blipFill>
+        <p:spPr bwMode="auto">
+          <a:xfrm>
+            <a:off x="2502144" y="881673"/>
+            <a:ext cx="330200" cy="330200"/>
+          </a:xfrm>
+          <a:prstGeom prst="rect">
+            <a:avLst/>
+          </a:prstGeom>
+          <a:noFill/>
+          <a:ln>
+            <a:noFill/>
+          </a:ln>
+          <a:extLst>
+            <a:ext uri="{909E8E84-426E-40DD-AFC4-6F175D3DCCD1}">
+              <a14:hiddenFill xmlns:a14="http://schemas.microsoft.com/office/drawing/2010/main">
+                <a:solidFill>
+                  <a:srgbClr val="FFFFFF"/>
+                </a:solidFill>
+              </a14:hiddenFill>
+            </a:ext>
+            <a:ext uri="{91240B29-F687-4F45-9708-019B960494DF}">
+              <a14:hiddenLine xmlns:a14="http://schemas.microsoft.com/office/drawing/2010/main" w="9525">
+                <a:solidFill>
+                  <a:srgbClr val="000000"/>
+                </a:solidFill>
+                <a:miter lim="800000"/>
+                <a:headEnd/>
+                <a:tailEnd/>
+              </a14:hiddenLine>
+            </a:ext>
+          </a:extLst>
+        </p:spPr>
+      </p:pic>
+      <p:sp>
+        <p:nvSpPr>
+          <p:cNvPr id="10" name="Rectangle 3">
+            <a:extLst>
+              <a:ext uri="{FF2B5EF4-FFF2-40B4-BE49-F238E27FC236}">
+                <a16:creationId xmlns:a16="http://schemas.microsoft.com/office/drawing/2014/main" id="{EBAE5417-13C7-384E-8C86-1F8B13908610}"/>
+              </a:ext>
+            </a:extLst>
+          </p:cNvPr>
+          <p:cNvSpPr/>
+          <p:nvPr/>
+        </p:nvSpPr>
+        <p:spPr bwMode="auto">
+          <a:xfrm>
+            <a:off x="5628856" y="881673"/>
+            <a:ext cx="2522032" cy="1930121"/>
+          </a:xfrm>
+          <a:prstGeom prst="rect">
+            <a:avLst/>
+          </a:prstGeom>
+          <a:noFill/>
+          <a:ln w="12700">
+            <a:solidFill>
+              <a:srgbClr val="1E8900"/>
+            </a:solidFill>
+          </a:ln>
+        </p:spPr>
+        <p:style>
+          <a:lnRef idx="2">
+            <a:schemeClr val="accent1">
+              <a:shade val="50000"/>
+            </a:schemeClr>
+          </a:lnRef>
+          <a:fillRef idx="1">
+            <a:schemeClr val="accent1"/>
+          </a:fillRef>
+          <a:effectRef idx="0">
+            <a:schemeClr val="accent1"/>
+          </a:effectRef>
+          <a:fontRef idx="minor">
+            <a:schemeClr val="lt1"/>
+          </a:fontRef>
+        </p:style>
+        <p:txBody>
+          <a:bodyPr lIns="457200" tIns="91440"/>
+          <a:lstStyle/>
+          <a:p>
+            <a:pPr eaLnBrk="1" fontAlgn="auto" hangingPunct="1">
+              <a:spcBef>
+                <a:spcPts val="0"/>
+              </a:spcBef>
+              <a:spcAft>
+                <a:spcPts val="0"/>
+              </a:spcAft>
+              <a:defRPr/>
+            </a:pPr>
+            <a:r>
+              <a:rPr lang="en-US" sz="1200" dirty="0">
+                <a:ln w="0"/>
+                <a:solidFill>
+                  <a:srgbClr val="1E8900"/>
+                </a:solidFill>
+                <a:latin typeface="Arial" panose="020B0604020202020204" pitchFamily="34" charset="0"/>
+                <a:cs typeface="Arial" panose="020B0604020202020204" pitchFamily="34" charset="0"/>
+              </a:rPr>
+              <a:t>VPC2(10.2.0.0/16)</a:t>
+            </a:r>
+          </a:p>
+        </p:txBody>
+      </p:sp>
+      <p:pic>
+        <p:nvPicPr>
+          <p:cNvPr id="11" name="Graphic 9">
+            <a:extLst>
+              <a:ext uri="{FF2B5EF4-FFF2-40B4-BE49-F238E27FC236}">
+                <a16:creationId xmlns:a16="http://schemas.microsoft.com/office/drawing/2014/main" id="{0F4917CC-4381-4A41-837D-DFB5C27619E4}"/>
+              </a:ext>
+            </a:extLst>
+          </p:cNvPr>
+          <p:cNvPicPr>
+            <a:picLocks noChangeAspect="1" noChangeArrowheads="1"/>
+          </p:cNvPicPr>
+          <p:nvPr/>
+        </p:nvPicPr>
+        <p:blipFill>
+          <a:blip r:embed="rId3">
+            <a:extLst>
+              <a:ext uri="{28A0092B-C50C-407E-A947-70E740481C1C}">
+                <a14:useLocalDpi xmlns:a14="http://schemas.microsoft.com/office/drawing/2010/main" val="0"/>
+              </a:ext>
+            </a:extLst>
+          </a:blip>
+          <a:srcRect/>
+          <a:stretch>
+            <a:fillRect/>
+          </a:stretch>
+        </p:blipFill>
+        <p:spPr bwMode="auto">
+          <a:xfrm>
+            <a:off x="5628856" y="881673"/>
+            <a:ext cx="330200" cy="330200"/>
+          </a:xfrm>
+          <a:prstGeom prst="rect">
+            <a:avLst/>
+          </a:prstGeom>
+          <a:noFill/>
+          <a:ln>
+            <a:noFill/>
+          </a:ln>
+          <a:extLst>
+            <a:ext uri="{909E8E84-426E-40DD-AFC4-6F175D3DCCD1}">
+              <a14:hiddenFill xmlns:a14="http://schemas.microsoft.com/office/drawing/2010/main">
+                <a:solidFill>
+                  <a:srgbClr val="FFFFFF"/>
+                </a:solidFill>
+              </a14:hiddenFill>
+            </a:ext>
+            <a:ext uri="{91240B29-F687-4F45-9708-019B960494DF}">
+              <a14:hiddenLine xmlns:a14="http://schemas.microsoft.com/office/drawing/2010/main" w="9525">
+                <a:solidFill>
+                  <a:srgbClr val="000000"/>
+                </a:solidFill>
+                <a:miter lim="800000"/>
+                <a:headEnd/>
+                <a:tailEnd/>
+              </a14:hiddenLine>
+            </a:ext>
+          </a:extLst>
+        </p:spPr>
+      </p:pic>
+      <p:sp>
+        <p:nvSpPr>
+          <p:cNvPr id="13" name="Rectangle 3">
+            <a:extLst>
+              <a:ext uri="{FF2B5EF4-FFF2-40B4-BE49-F238E27FC236}">
+                <a16:creationId xmlns:a16="http://schemas.microsoft.com/office/drawing/2014/main" id="{D29BB68C-E05C-D44B-8593-F7323269D1A2}"/>
+              </a:ext>
+            </a:extLst>
+          </p:cNvPr>
+          <p:cNvSpPr/>
+          <p:nvPr/>
+        </p:nvSpPr>
+        <p:spPr bwMode="auto">
+          <a:xfrm>
+            <a:off x="8755568" y="883417"/>
+            <a:ext cx="2522032" cy="1930121"/>
+          </a:xfrm>
+          <a:prstGeom prst="rect">
+            <a:avLst/>
+          </a:prstGeom>
+          <a:noFill/>
+          <a:ln w="12700">
+            <a:solidFill>
+              <a:srgbClr val="1E8900"/>
+            </a:solidFill>
+          </a:ln>
+        </p:spPr>
+        <p:style>
+          <a:lnRef idx="2">
+            <a:schemeClr val="accent1">
+              <a:shade val="50000"/>
+            </a:schemeClr>
+          </a:lnRef>
+          <a:fillRef idx="1">
+            <a:schemeClr val="accent1"/>
+          </a:fillRef>
+          <a:effectRef idx="0">
+            <a:schemeClr val="accent1"/>
+          </a:effectRef>
+          <a:fontRef idx="minor">
+            <a:schemeClr val="lt1"/>
+          </a:fontRef>
+        </p:style>
+        <p:txBody>
+          <a:bodyPr lIns="457200" tIns="91440"/>
+          <a:lstStyle/>
+          <a:p>
+            <a:pPr eaLnBrk="1" fontAlgn="auto" hangingPunct="1">
+              <a:spcBef>
+                <a:spcPts val="0"/>
+              </a:spcBef>
+              <a:spcAft>
+                <a:spcPts val="0"/>
+              </a:spcAft>
+              <a:defRPr/>
+            </a:pPr>
+            <a:r>
+              <a:rPr lang="en-US" sz="1200" dirty="0">
+                <a:ln w="0"/>
+                <a:solidFill>
+                  <a:srgbClr val="1E8900"/>
+                </a:solidFill>
+                <a:latin typeface="Arial" panose="020B0604020202020204" pitchFamily="34" charset="0"/>
+                <a:cs typeface="Arial" panose="020B0604020202020204" pitchFamily="34" charset="0"/>
+              </a:rPr>
+              <a:t>VPC3(10.3.0.0/16)</a:t>
+            </a:r>
+          </a:p>
+        </p:txBody>
+      </p:sp>
+      <p:pic>
+        <p:nvPicPr>
+          <p:cNvPr id="14" name="Graphic 9">
+            <a:extLst>
+              <a:ext uri="{FF2B5EF4-FFF2-40B4-BE49-F238E27FC236}">
+                <a16:creationId xmlns:a16="http://schemas.microsoft.com/office/drawing/2014/main" id="{038B04E9-7839-384E-8FDC-987FD73BE3C5}"/>
+              </a:ext>
+            </a:extLst>
+          </p:cNvPr>
+          <p:cNvPicPr>
+            <a:picLocks noChangeAspect="1" noChangeArrowheads="1"/>
+          </p:cNvPicPr>
+          <p:nvPr/>
+        </p:nvPicPr>
+        <p:blipFill>
+          <a:blip r:embed="rId3">
+            <a:extLst>
+              <a:ext uri="{28A0092B-C50C-407E-A947-70E740481C1C}">
+                <a14:useLocalDpi xmlns:a14="http://schemas.microsoft.com/office/drawing/2010/main" val="0"/>
+              </a:ext>
+            </a:extLst>
+          </a:blip>
+          <a:srcRect/>
+          <a:stretch>
+            <a:fillRect/>
+          </a:stretch>
+        </p:blipFill>
+        <p:spPr bwMode="auto">
+          <a:xfrm>
+            <a:off x="8755568" y="883417"/>
+            <a:ext cx="330200" cy="330200"/>
+          </a:xfrm>
+          <a:prstGeom prst="rect">
+            <a:avLst/>
+          </a:prstGeom>
+          <a:noFill/>
+          <a:ln>
+            <a:noFill/>
+          </a:ln>
+          <a:extLst>
+            <a:ext uri="{909E8E84-426E-40DD-AFC4-6F175D3DCCD1}">
+              <a14:hiddenFill xmlns:a14="http://schemas.microsoft.com/office/drawing/2010/main">
+                <a:solidFill>
+                  <a:srgbClr val="FFFFFF"/>
+                </a:solidFill>
+              </a14:hiddenFill>
+            </a:ext>
+            <a:ext uri="{91240B29-F687-4F45-9708-019B960494DF}">
+              <a14:hiddenLine xmlns:a14="http://schemas.microsoft.com/office/drawing/2010/main" w="9525">
+                <a:solidFill>
+                  <a:srgbClr val="000000"/>
+                </a:solidFill>
+                <a:miter lim="800000"/>
+                <a:headEnd/>
+                <a:tailEnd/>
+              </a14:hiddenLine>
+            </a:ext>
+          </a:extLst>
+        </p:spPr>
+      </p:pic>
+      <p:sp>
+        <p:nvSpPr>
+          <p:cNvPr id="15" name="Rectangle 22">
+            <a:extLst>
+              <a:ext uri="{FF2B5EF4-FFF2-40B4-BE49-F238E27FC236}">
+                <a16:creationId xmlns:a16="http://schemas.microsoft.com/office/drawing/2014/main" id="{0F58B2B7-C514-174B-9456-7AACB0EE86BB}"/>
+              </a:ext>
+            </a:extLst>
+          </p:cNvPr>
+          <p:cNvSpPr/>
+          <p:nvPr/>
+        </p:nvSpPr>
+        <p:spPr>
+          <a:xfrm>
+            <a:off x="2952925" y="1211873"/>
+            <a:ext cx="1765300" cy="776339"/>
+          </a:xfrm>
+          <a:prstGeom prst="rect">
+            <a:avLst/>
+          </a:prstGeom>
+          <a:solidFill>
+            <a:srgbClr val="1D8900">
+              <a:alpha val="9804"/>
+            </a:srgbClr>
+          </a:solidFill>
+          <a:ln w="12700">
+            <a:noFill/>
+            <a:prstDash val="dash"/>
+          </a:ln>
+        </p:spPr>
+        <p:style>
+          <a:lnRef idx="2">
+            <a:schemeClr val="accent1">
+              <a:shade val="50000"/>
+            </a:schemeClr>
+          </a:lnRef>
+          <a:fillRef idx="1">
+            <a:schemeClr val="accent1"/>
+          </a:fillRef>
+          <a:effectRef idx="0">
+            <a:schemeClr val="accent1"/>
+          </a:effectRef>
+          <a:fontRef idx="minor">
+            <a:schemeClr val="lt1"/>
+          </a:fontRef>
+        </p:style>
+        <p:txBody>
+          <a:bodyPr lIns="338328"/>
+          <a:lstStyle/>
+          <a:p>
+            <a:pPr eaLnBrk="1" fontAlgn="auto" hangingPunct="1">
+              <a:spcBef>
+                <a:spcPts val="0"/>
+              </a:spcBef>
+              <a:spcAft>
+                <a:spcPts val="0"/>
+              </a:spcAft>
+              <a:defRPr/>
+            </a:pPr>
+            <a:r>
+              <a:rPr lang="en-US" sz="1200" dirty="0">
+                <a:solidFill>
+                  <a:srgbClr val="1E8900"/>
+                </a:solidFill>
+                <a:latin typeface="Arial" panose="020B0604020202020204" pitchFamily="34" charset="0"/>
+                <a:cs typeface="Arial" panose="020B0604020202020204" pitchFamily="34" charset="0"/>
+              </a:rPr>
+              <a:t>Public subnet</a:t>
+            </a:r>
+          </a:p>
+        </p:txBody>
+      </p:sp>
+      <p:pic>
+        <p:nvPicPr>
+          <p:cNvPr id="16" name="Graphic 23">
+            <a:extLst>
+              <a:ext uri="{FF2B5EF4-FFF2-40B4-BE49-F238E27FC236}">
+                <a16:creationId xmlns:a16="http://schemas.microsoft.com/office/drawing/2014/main" id="{7636DF94-64F0-CF4B-9FF5-2CFF97315D03}"/>
+              </a:ext>
+            </a:extLst>
+          </p:cNvPr>
+          <p:cNvPicPr>
+            <a:picLocks noChangeAspect="1" noChangeArrowheads="1"/>
+          </p:cNvPicPr>
+          <p:nvPr/>
+        </p:nvPicPr>
+        <p:blipFill>
+          <a:blip r:embed="rId4">
+            <a:extLst>
+              <a:ext uri="{28A0092B-C50C-407E-A947-70E740481C1C}">
+                <a14:useLocalDpi xmlns:a14="http://schemas.microsoft.com/office/drawing/2010/main" val="0"/>
+              </a:ext>
+            </a:extLst>
+          </a:blip>
+          <a:srcRect/>
+          <a:stretch>
+            <a:fillRect/>
+          </a:stretch>
+        </p:blipFill>
+        <p:spPr bwMode="auto">
+          <a:xfrm>
+            <a:off x="2952924" y="1222973"/>
+            <a:ext cx="274637" cy="274638"/>
+          </a:xfrm>
+          <a:prstGeom prst="rect">
+            <a:avLst/>
+          </a:prstGeom>
+          <a:noFill/>
+          <a:ln>
+            <a:noFill/>
+          </a:ln>
+          <a:extLst>
+            <a:ext uri="{909E8E84-426E-40DD-AFC4-6F175D3DCCD1}">
+              <a14:hiddenFill xmlns:a14="http://schemas.microsoft.com/office/drawing/2010/main">
+                <a:solidFill>
+                  <a:srgbClr val="FFFFFF"/>
+                </a:solidFill>
+              </a14:hiddenFill>
+            </a:ext>
+            <a:ext uri="{91240B29-F687-4F45-9708-019B960494DF}">
+              <a14:hiddenLine xmlns:a14="http://schemas.microsoft.com/office/drawing/2010/main" w="9525">
+                <a:solidFill>
+                  <a:srgbClr val="000000"/>
+                </a:solidFill>
+                <a:miter lim="800000"/>
+                <a:headEnd/>
+                <a:tailEnd/>
+              </a14:hiddenLine>
+            </a:ext>
+          </a:extLst>
+        </p:spPr>
+      </p:pic>
+      <p:sp>
+        <p:nvSpPr>
+          <p:cNvPr id="17" name="Rectangle 7">
+            <a:extLst>
+              <a:ext uri="{FF2B5EF4-FFF2-40B4-BE49-F238E27FC236}">
+                <a16:creationId xmlns:a16="http://schemas.microsoft.com/office/drawing/2014/main" id="{E5719E36-EF61-774B-B487-D3240E10ED57}"/>
+              </a:ext>
+            </a:extLst>
+          </p:cNvPr>
+          <p:cNvSpPr/>
+          <p:nvPr/>
+        </p:nvSpPr>
+        <p:spPr>
+          <a:xfrm>
+            <a:off x="2952924" y="2019797"/>
+            <a:ext cx="1765300" cy="762000"/>
+          </a:xfrm>
+          <a:prstGeom prst="rect">
+            <a:avLst/>
+          </a:prstGeom>
+          <a:solidFill>
+            <a:srgbClr val="007CBC">
+              <a:alpha val="9804"/>
+            </a:srgbClr>
+          </a:solidFill>
+          <a:ln w="12700">
+            <a:noFill/>
+            <a:prstDash val="dash"/>
+          </a:ln>
+        </p:spPr>
+        <p:style>
+          <a:lnRef idx="2">
+            <a:schemeClr val="accent1">
+              <a:shade val="50000"/>
+            </a:schemeClr>
+          </a:lnRef>
+          <a:fillRef idx="1">
+            <a:schemeClr val="accent1"/>
+          </a:fillRef>
+          <a:effectRef idx="0">
+            <a:schemeClr val="accent1"/>
+          </a:effectRef>
+          <a:fontRef idx="minor">
+            <a:schemeClr val="lt1"/>
+          </a:fontRef>
+        </p:style>
+        <p:txBody>
+          <a:bodyPr lIns="338328"/>
+          <a:lstStyle/>
+          <a:p>
+            <a:pPr eaLnBrk="1" fontAlgn="auto" hangingPunct="1">
+              <a:spcBef>
+                <a:spcPts val="0"/>
+              </a:spcBef>
+              <a:spcAft>
+                <a:spcPts val="0"/>
+              </a:spcAft>
+              <a:defRPr/>
+            </a:pPr>
+            <a:r>
+              <a:rPr lang="en-US" sz="1200" dirty="0">
+                <a:solidFill>
+                  <a:srgbClr val="5B9CD5"/>
+                </a:solidFill>
+                <a:latin typeface="Arial" panose="020B0604020202020204" pitchFamily="34" charset="0"/>
+                <a:cs typeface="Arial" panose="020B0604020202020204" pitchFamily="34" charset="0"/>
+              </a:rPr>
+              <a:t>Private subnet</a:t>
+            </a:r>
+          </a:p>
+        </p:txBody>
+      </p:sp>
+      <p:pic>
+        <p:nvPicPr>
+          <p:cNvPr id="18" name="Graphic 35">
+            <a:extLst>
+              <a:ext uri="{FF2B5EF4-FFF2-40B4-BE49-F238E27FC236}">
+                <a16:creationId xmlns:a16="http://schemas.microsoft.com/office/drawing/2014/main" id="{9451912D-AFF9-A84C-A05C-CF70115CF87C}"/>
+              </a:ext>
+            </a:extLst>
+          </p:cNvPr>
+          <p:cNvPicPr>
+            <a:picLocks noChangeAspect="1" noChangeArrowheads="1"/>
+          </p:cNvPicPr>
+          <p:nvPr/>
+        </p:nvPicPr>
+        <p:blipFill>
+          <a:blip r:embed="rId5">
+            <a:extLst>
+              <a:ext uri="{28A0092B-C50C-407E-A947-70E740481C1C}">
+                <a14:useLocalDpi xmlns:a14="http://schemas.microsoft.com/office/drawing/2010/main" val="0"/>
+              </a:ext>
+            </a:extLst>
+          </a:blip>
+          <a:srcRect/>
+          <a:stretch>
+            <a:fillRect/>
+          </a:stretch>
+        </p:blipFill>
+        <p:spPr bwMode="auto">
+          <a:xfrm>
+            <a:off x="2952924" y="2018209"/>
+            <a:ext cx="274637" cy="274638"/>
+          </a:xfrm>
+          <a:prstGeom prst="rect">
+            <a:avLst/>
+          </a:prstGeom>
+          <a:noFill/>
+          <a:ln>
+            <a:noFill/>
+          </a:ln>
+          <a:extLst>
+            <a:ext uri="{909E8E84-426E-40DD-AFC4-6F175D3DCCD1}">
+              <a14:hiddenFill xmlns:a14="http://schemas.microsoft.com/office/drawing/2010/main">
+                <a:solidFill>
+                  <a:srgbClr val="FFFFFF"/>
+                </a:solidFill>
+              </a14:hiddenFill>
+            </a:ext>
+            <a:ext uri="{91240B29-F687-4F45-9708-019B960494DF}">
+              <a14:hiddenLine xmlns:a14="http://schemas.microsoft.com/office/drawing/2010/main" w="9525">
+                <a:solidFill>
+                  <a:srgbClr val="000000"/>
+                </a:solidFill>
+                <a:miter lim="800000"/>
+                <a:headEnd/>
+                <a:tailEnd/>
+              </a14:hiddenLine>
+            </a:ext>
+          </a:extLst>
+        </p:spPr>
+      </p:pic>
+      <p:sp>
+        <p:nvSpPr>
+          <p:cNvPr id="19" name="Rectangle 7">
+            <a:extLst>
+              <a:ext uri="{FF2B5EF4-FFF2-40B4-BE49-F238E27FC236}">
+                <a16:creationId xmlns:a16="http://schemas.microsoft.com/office/drawing/2014/main" id="{0E0AC0A7-798F-6447-B504-59E411105015}"/>
+              </a:ext>
+            </a:extLst>
+          </p:cNvPr>
+          <p:cNvSpPr/>
+          <p:nvPr/>
+        </p:nvSpPr>
+        <p:spPr>
+          <a:xfrm>
+            <a:off x="6007222" y="1988212"/>
+            <a:ext cx="1765300" cy="762000"/>
+          </a:xfrm>
+          <a:prstGeom prst="rect">
+            <a:avLst/>
+          </a:prstGeom>
+          <a:solidFill>
+            <a:srgbClr val="007CBC">
+              <a:alpha val="9804"/>
+            </a:srgbClr>
+          </a:solidFill>
+          <a:ln w="12700">
+            <a:noFill/>
+            <a:prstDash val="dash"/>
+          </a:ln>
+        </p:spPr>
+        <p:style>
+          <a:lnRef idx="2">
+            <a:schemeClr val="accent1">
+              <a:shade val="50000"/>
+            </a:schemeClr>
+          </a:lnRef>
+          <a:fillRef idx="1">
+            <a:schemeClr val="accent1"/>
+          </a:fillRef>
+          <a:effectRef idx="0">
+            <a:schemeClr val="accent1"/>
+          </a:effectRef>
+          <a:fontRef idx="minor">
+            <a:schemeClr val="lt1"/>
+          </a:fontRef>
+        </p:style>
+        <p:txBody>
+          <a:bodyPr lIns="338328"/>
+          <a:lstStyle/>
+          <a:p>
+            <a:pPr eaLnBrk="1" fontAlgn="auto" hangingPunct="1">
+              <a:spcBef>
+                <a:spcPts val="0"/>
+              </a:spcBef>
+              <a:spcAft>
+                <a:spcPts val="0"/>
+              </a:spcAft>
+              <a:defRPr/>
+            </a:pPr>
+            <a:r>
+              <a:rPr lang="en-US" sz="1200" dirty="0">
+                <a:solidFill>
+                  <a:srgbClr val="5B9CD5"/>
+                </a:solidFill>
+                <a:latin typeface="Arial" panose="020B0604020202020204" pitchFamily="34" charset="0"/>
+                <a:cs typeface="Arial" panose="020B0604020202020204" pitchFamily="34" charset="0"/>
+              </a:rPr>
+              <a:t>Private subnet</a:t>
+            </a:r>
+          </a:p>
+        </p:txBody>
+      </p:sp>
+      <p:pic>
+        <p:nvPicPr>
+          <p:cNvPr id="20" name="Graphic 35">
+            <a:extLst>
+              <a:ext uri="{FF2B5EF4-FFF2-40B4-BE49-F238E27FC236}">
+                <a16:creationId xmlns:a16="http://schemas.microsoft.com/office/drawing/2014/main" id="{00172D20-CDF8-1E44-A434-01C6FBC8F16F}"/>
+              </a:ext>
+            </a:extLst>
+          </p:cNvPr>
+          <p:cNvPicPr>
+            <a:picLocks noChangeAspect="1" noChangeArrowheads="1"/>
+          </p:cNvPicPr>
+          <p:nvPr/>
+        </p:nvPicPr>
+        <p:blipFill>
+          <a:blip r:embed="rId5">
+            <a:extLst>
+              <a:ext uri="{28A0092B-C50C-407E-A947-70E740481C1C}">
+                <a14:useLocalDpi xmlns:a14="http://schemas.microsoft.com/office/drawing/2010/main" val="0"/>
+              </a:ext>
+            </a:extLst>
+          </a:blip>
+          <a:srcRect/>
+          <a:stretch>
+            <a:fillRect/>
+          </a:stretch>
+        </p:blipFill>
+        <p:spPr bwMode="auto">
+          <a:xfrm>
+            <a:off x="6007222" y="1986624"/>
+            <a:ext cx="274637" cy="274638"/>
+          </a:xfrm>
+          <a:prstGeom prst="rect">
+            <a:avLst/>
+          </a:prstGeom>
+          <a:noFill/>
+          <a:ln>
+            <a:noFill/>
+          </a:ln>
+          <a:extLst>
+            <a:ext uri="{909E8E84-426E-40DD-AFC4-6F175D3DCCD1}">
+              <a14:hiddenFill xmlns:a14="http://schemas.microsoft.com/office/drawing/2010/main">
+                <a:solidFill>
+                  <a:srgbClr val="FFFFFF"/>
+                </a:solidFill>
+              </a14:hiddenFill>
+            </a:ext>
+            <a:ext uri="{91240B29-F687-4F45-9708-019B960494DF}">
+              <a14:hiddenLine xmlns:a14="http://schemas.microsoft.com/office/drawing/2010/main" w="9525">
+                <a:solidFill>
+                  <a:srgbClr val="000000"/>
+                </a:solidFill>
+                <a:miter lim="800000"/>
+                <a:headEnd/>
+                <a:tailEnd/>
+              </a14:hiddenLine>
+            </a:ext>
+          </a:extLst>
+        </p:spPr>
+      </p:pic>
+      <p:sp>
+        <p:nvSpPr>
+          <p:cNvPr id="21" name="Rectangle 7">
+            <a:extLst>
+              <a:ext uri="{FF2B5EF4-FFF2-40B4-BE49-F238E27FC236}">
+                <a16:creationId xmlns:a16="http://schemas.microsoft.com/office/drawing/2014/main" id="{BB05F30F-7985-3342-A298-AE0112261140}"/>
+              </a:ext>
+            </a:extLst>
+          </p:cNvPr>
+          <p:cNvSpPr/>
+          <p:nvPr/>
+        </p:nvSpPr>
+        <p:spPr>
+          <a:xfrm>
+            <a:off x="9130601" y="1986624"/>
+            <a:ext cx="1765300" cy="762000"/>
+          </a:xfrm>
+          <a:prstGeom prst="rect">
+            <a:avLst/>
+          </a:prstGeom>
+          <a:solidFill>
+            <a:srgbClr val="007CBC">
+              <a:alpha val="9804"/>
+            </a:srgbClr>
+          </a:solidFill>
+          <a:ln w="12700">
+            <a:noFill/>
+            <a:prstDash val="dash"/>
+          </a:ln>
+        </p:spPr>
+        <p:style>
+          <a:lnRef idx="2">
+            <a:schemeClr val="accent1">
+              <a:shade val="50000"/>
+            </a:schemeClr>
+          </a:lnRef>
+          <a:fillRef idx="1">
+            <a:schemeClr val="accent1"/>
+          </a:fillRef>
+          <a:effectRef idx="0">
+            <a:schemeClr val="accent1"/>
+          </a:effectRef>
+          <a:fontRef idx="minor">
+            <a:schemeClr val="lt1"/>
+          </a:fontRef>
+        </p:style>
+        <p:txBody>
+          <a:bodyPr lIns="338328"/>
+          <a:lstStyle/>
+          <a:p>
+            <a:pPr eaLnBrk="1" fontAlgn="auto" hangingPunct="1">
+              <a:spcBef>
+                <a:spcPts val="0"/>
+              </a:spcBef>
+              <a:spcAft>
+                <a:spcPts val="0"/>
+              </a:spcAft>
+              <a:defRPr/>
+            </a:pPr>
+            <a:r>
+              <a:rPr lang="en-US" sz="1200" dirty="0">
+                <a:solidFill>
+                  <a:srgbClr val="5B9CD5"/>
+                </a:solidFill>
+                <a:latin typeface="Arial" panose="020B0604020202020204" pitchFamily="34" charset="0"/>
+                <a:cs typeface="Arial" panose="020B0604020202020204" pitchFamily="34" charset="0"/>
+              </a:rPr>
+              <a:t>Private subnet</a:t>
+            </a:r>
+          </a:p>
+        </p:txBody>
+      </p:sp>
+      <p:pic>
+        <p:nvPicPr>
+          <p:cNvPr id="22" name="Graphic 35">
+            <a:extLst>
+              <a:ext uri="{FF2B5EF4-FFF2-40B4-BE49-F238E27FC236}">
+                <a16:creationId xmlns:a16="http://schemas.microsoft.com/office/drawing/2014/main" id="{5C10F936-5F2A-834F-9793-5C1AFDC32E3F}"/>
+              </a:ext>
+            </a:extLst>
+          </p:cNvPr>
+          <p:cNvPicPr>
+            <a:picLocks noChangeAspect="1" noChangeArrowheads="1"/>
+          </p:cNvPicPr>
+          <p:nvPr/>
+        </p:nvPicPr>
+        <p:blipFill>
+          <a:blip r:embed="rId5">
+            <a:extLst>
+              <a:ext uri="{28A0092B-C50C-407E-A947-70E740481C1C}">
+                <a14:useLocalDpi xmlns:a14="http://schemas.microsoft.com/office/drawing/2010/main" val="0"/>
+              </a:ext>
+            </a:extLst>
+          </a:blip>
+          <a:srcRect/>
+          <a:stretch>
+            <a:fillRect/>
+          </a:stretch>
+        </p:blipFill>
+        <p:spPr bwMode="auto">
+          <a:xfrm>
+            <a:off x="9130601" y="1985036"/>
+            <a:ext cx="274637" cy="274638"/>
+          </a:xfrm>
+          <a:prstGeom prst="rect">
+            <a:avLst/>
+          </a:prstGeom>
+          <a:noFill/>
+          <a:ln>
+            <a:noFill/>
+          </a:ln>
+          <a:extLst>
+            <a:ext uri="{909E8E84-426E-40DD-AFC4-6F175D3DCCD1}">
+              <a14:hiddenFill xmlns:a14="http://schemas.microsoft.com/office/drawing/2010/main">
+                <a:solidFill>
+                  <a:srgbClr val="FFFFFF"/>
+                </a:solidFill>
+              </a14:hiddenFill>
+            </a:ext>
+            <a:ext uri="{91240B29-F687-4F45-9708-019B960494DF}">
+              <a14:hiddenLine xmlns:a14="http://schemas.microsoft.com/office/drawing/2010/main" w="9525">
+                <a:solidFill>
+                  <a:srgbClr val="000000"/>
+                </a:solidFill>
+                <a:miter lim="800000"/>
+                <a:headEnd/>
+                <a:tailEnd/>
+              </a14:hiddenLine>
+            </a:ext>
+          </a:extLst>
+        </p:spPr>
+      </p:pic>
+      <p:pic>
+        <p:nvPicPr>
+          <p:cNvPr id="23" name="Graphic 60">
+            <a:extLst>
+              <a:ext uri="{FF2B5EF4-FFF2-40B4-BE49-F238E27FC236}">
+                <a16:creationId xmlns:a16="http://schemas.microsoft.com/office/drawing/2014/main" id="{1680755C-377A-F54C-A2BB-47A6C49F081F}"/>
+              </a:ext>
+            </a:extLst>
+          </p:cNvPr>
+          <p:cNvPicPr>
+            <a:picLocks noChangeAspect="1" noChangeArrowheads="1"/>
+          </p:cNvPicPr>
+          <p:nvPr/>
+        </p:nvPicPr>
+        <p:blipFill>
+          <a:blip r:embed="rId6">
+            <a:extLst>
+              <a:ext uri="{28A0092B-C50C-407E-A947-70E740481C1C}">
+                <a14:useLocalDpi xmlns:a14="http://schemas.microsoft.com/office/drawing/2010/main" val="0"/>
+              </a:ext>
+            </a:extLst>
+          </a:blip>
+          <a:srcRect/>
+          <a:stretch>
+            <a:fillRect/>
+          </a:stretch>
+        </p:blipFill>
+        <p:spPr bwMode="auto">
+          <a:xfrm>
+            <a:off x="3527894" y="2259674"/>
+            <a:ext cx="457200" cy="457200"/>
+          </a:xfrm>
+          <a:prstGeom prst="rect">
+            <a:avLst/>
+          </a:prstGeom>
+          <a:noFill/>
+          <a:ln>
+            <a:noFill/>
+          </a:ln>
+          <a:extLst>
+            <a:ext uri="{909E8E84-426E-40DD-AFC4-6F175D3DCCD1}">
+              <a14:hiddenFill xmlns:a14="http://schemas.microsoft.com/office/drawing/2010/main">
+                <a:solidFill>
+                  <a:srgbClr val="FFFFFF"/>
+                </a:solidFill>
+              </a14:hiddenFill>
+            </a:ext>
+            <a:ext uri="{91240B29-F687-4F45-9708-019B960494DF}">
+              <a14:hiddenLine xmlns:a14="http://schemas.microsoft.com/office/drawing/2010/main" w="9525">
+                <a:solidFill>
+                  <a:srgbClr val="000000"/>
+                </a:solidFill>
+                <a:miter lim="800000"/>
+                <a:headEnd/>
+                <a:tailEnd/>
+              </a14:hiddenLine>
+            </a:ext>
+          </a:extLst>
+        </p:spPr>
+      </p:pic>
+      <p:pic>
+        <p:nvPicPr>
+          <p:cNvPr id="24" name="Graphic 60">
+            <a:extLst>
+              <a:ext uri="{FF2B5EF4-FFF2-40B4-BE49-F238E27FC236}">
+                <a16:creationId xmlns:a16="http://schemas.microsoft.com/office/drawing/2014/main" id="{9A1F2DB8-3C22-4645-9201-9452F669E521}"/>
+              </a:ext>
+            </a:extLst>
+          </p:cNvPr>
+          <p:cNvPicPr>
+            <a:picLocks noChangeAspect="1" noChangeArrowheads="1"/>
+          </p:cNvPicPr>
+          <p:nvPr/>
+        </p:nvPicPr>
+        <p:blipFill>
+          <a:blip r:embed="rId6">
+            <a:extLst>
+              <a:ext uri="{28A0092B-C50C-407E-A947-70E740481C1C}">
+                <a14:useLocalDpi xmlns:a14="http://schemas.microsoft.com/office/drawing/2010/main" val="0"/>
+              </a:ext>
+            </a:extLst>
+          </a:blip>
+          <a:srcRect/>
+          <a:stretch>
+            <a:fillRect/>
+          </a:stretch>
+        </p:blipFill>
+        <p:spPr bwMode="auto">
+          <a:xfrm>
+            <a:off x="6569990" y="2259674"/>
+            <a:ext cx="457200" cy="457200"/>
+          </a:xfrm>
+          <a:prstGeom prst="rect">
+            <a:avLst/>
+          </a:prstGeom>
+          <a:noFill/>
+          <a:ln>
+            <a:noFill/>
+          </a:ln>
+          <a:extLst>
+            <a:ext uri="{909E8E84-426E-40DD-AFC4-6F175D3DCCD1}">
+              <a14:hiddenFill xmlns:a14="http://schemas.microsoft.com/office/drawing/2010/main">
+                <a:solidFill>
+                  <a:srgbClr val="FFFFFF"/>
+                </a:solidFill>
+              </a14:hiddenFill>
+            </a:ext>
+            <a:ext uri="{91240B29-F687-4F45-9708-019B960494DF}">
+              <a14:hiddenLine xmlns:a14="http://schemas.microsoft.com/office/drawing/2010/main" w="9525">
+                <a:solidFill>
+                  <a:srgbClr val="000000"/>
+                </a:solidFill>
+                <a:miter lim="800000"/>
+                <a:headEnd/>
+                <a:tailEnd/>
+              </a14:hiddenLine>
+            </a:ext>
+          </a:extLst>
+        </p:spPr>
+      </p:pic>
+      <p:pic>
+        <p:nvPicPr>
+          <p:cNvPr id="25" name="Graphic 60">
+            <a:extLst>
+              <a:ext uri="{FF2B5EF4-FFF2-40B4-BE49-F238E27FC236}">
+                <a16:creationId xmlns:a16="http://schemas.microsoft.com/office/drawing/2014/main" id="{4391B015-2425-E342-8F0C-B88E4AA582A7}"/>
+              </a:ext>
+            </a:extLst>
+          </p:cNvPr>
+          <p:cNvPicPr>
+            <a:picLocks noChangeAspect="1" noChangeArrowheads="1"/>
+          </p:cNvPicPr>
+          <p:nvPr/>
+        </p:nvPicPr>
+        <p:blipFill>
+          <a:blip r:embed="rId6">
+            <a:extLst>
+              <a:ext uri="{28A0092B-C50C-407E-A947-70E740481C1C}">
+                <a14:useLocalDpi xmlns:a14="http://schemas.microsoft.com/office/drawing/2010/main" val="0"/>
+              </a:ext>
+            </a:extLst>
+          </a:blip>
+          <a:srcRect/>
+          <a:stretch>
+            <a:fillRect/>
+          </a:stretch>
+        </p:blipFill>
+        <p:spPr bwMode="auto">
+          <a:xfrm>
+            <a:off x="9753518" y="2254728"/>
+            <a:ext cx="457200" cy="457200"/>
+          </a:xfrm>
+          <a:prstGeom prst="rect">
+            <a:avLst/>
+          </a:prstGeom>
+          <a:noFill/>
+          <a:ln>
+            <a:noFill/>
+          </a:ln>
+          <a:extLst>
+            <a:ext uri="{909E8E84-426E-40DD-AFC4-6F175D3DCCD1}">
+              <a14:hiddenFill xmlns:a14="http://schemas.microsoft.com/office/drawing/2010/main">
+                <a:solidFill>
+                  <a:srgbClr val="FFFFFF"/>
+                </a:solidFill>
+              </a14:hiddenFill>
+            </a:ext>
+            <a:ext uri="{91240B29-F687-4F45-9708-019B960494DF}">
+              <a14:hiddenLine xmlns:a14="http://schemas.microsoft.com/office/drawing/2010/main" w="9525">
+                <a:solidFill>
+                  <a:srgbClr val="000000"/>
+                </a:solidFill>
+                <a:miter lim="800000"/>
+                <a:headEnd/>
+                <a:tailEnd/>
+              </a14:hiddenLine>
+            </a:ext>
+          </a:extLst>
+        </p:spPr>
+      </p:pic>
+      <p:pic>
+        <p:nvPicPr>
+          <p:cNvPr id="26" name="Graphic 35">
+            <a:extLst>
+              <a:ext uri="{FF2B5EF4-FFF2-40B4-BE49-F238E27FC236}">
+                <a16:creationId xmlns:a16="http://schemas.microsoft.com/office/drawing/2014/main" id="{4D51EEFB-59F4-7E4E-9D2E-8AD3B497E65F}"/>
+              </a:ext>
+            </a:extLst>
+          </p:cNvPr>
+          <p:cNvPicPr>
+            <a:picLocks noChangeAspect="1" noChangeArrowheads="1"/>
+          </p:cNvPicPr>
+          <p:nvPr/>
+        </p:nvPicPr>
+        <p:blipFill>
+          <a:blip r:embed="rId7">
+            <a:extLst>
+              <a:ext uri="{28A0092B-C50C-407E-A947-70E740481C1C}">
+                <a14:useLocalDpi xmlns:a14="http://schemas.microsoft.com/office/drawing/2010/main" val="0"/>
+              </a:ext>
+            </a:extLst>
+          </a:blip>
+          <a:srcRect/>
+          <a:stretch>
+            <a:fillRect/>
+          </a:stretch>
+        </p:blipFill>
+        <p:spPr bwMode="auto">
+          <a:xfrm>
+            <a:off x="3534560" y="1442659"/>
+            <a:ext cx="457200" cy="457200"/>
+          </a:xfrm>
+          <a:prstGeom prst="rect">
+            <a:avLst/>
+          </a:prstGeom>
+          <a:noFill/>
+          <a:ln>
+            <a:noFill/>
+          </a:ln>
+          <a:extLst>
+            <a:ext uri="{909E8E84-426E-40DD-AFC4-6F175D3DCCD1}">
+              <a14:hiddenFill xmlns:a14="http://schemas.microsoft.com/office/drawing/2010/main">
+                <a:solidFill>
+                  <a:srgbClr val="FFFFFF"/>
+                </a:solidFill>
+              </a14:hiddenFill>
+            </a:ext>
+            <a:ext uri="{91240B29-F687-4F45-9708-019B960494DF}">
+              <a14:hiddenLine xmlns:a14="http://schemas.microsoft.com/office/drawing/2010/main" w="9525">
+                <a:solidFill>
+                  <a:srgbClr val="000000"/>
+                </a:solidFill>
+                <a:miter lim="800000"/>
+                <a:headEnd/>
+                <a:tailEnd/>
+              </a14:hiddenLine>
+            </a:ext>
+          </a:extLst>
+        </p:spPr>
+      </p:pic>
+      <p:sp>
+        <p:nvSpPr>
+          <p:cNvPr id="27" name="TextBox 17">
+            <a:extLst>
+              <a:ext uri="{FF2B5EF4-FFF2-40B4-BE49-F238E27FC236}">
+                <a16:creationId xmlns:a16="http://schemas.microsoft.com/office/drawing/2014/main" id="{E7EAB0F3-6347-CF4D-BF35-EA8B525498B4}"/>
+              </a:ext>
+            </a:extLst>
+          </p:cNvPr>
+          <p:cNvSpPr txBox="1">
+            <a:spLocks noChangeArrowheads="1"/>
+          </p:cNvSpPr>
+          <p:nvPr/>
+        </p:nvSpPr>
+        <p:spPr bwMode="auto">
+          <a:xfrm>
+            <a:off x="4054533" y="1576897"/>
+            <a:ext cx="847989" cy="169277"/>
+          </a:xfrm>
+          <a:prstGeom prst="rect">
+            <a:avLst/>
+          </a:prstGeom>
+          <a:noFill/>
+          <a:ln>
+            <a:noFill/>
+          </a:ln>
+          <a:extLst>
+            <a:ext uri="{909E8E84-426E-40DD-AFC4-6F175D3DCCD1}">
+              <a14:hiddenFill xmlns:a14="http://schemas.microsoft.com/office/drawing/2010/main">
+                <a:solidFill>
+                  <a:srgbClr val="FFFFFF"/>
+                </a:solidFill>
+              </a14:hiddenFill>
+            </a:ext>
+            <a:ext uri="{91240B29-F687-4F45-9708-019B960494DF}">
+              <a14:hiddenLine xmlns:a14="http://schemas.microsoft.com/office/drawing/2010/main" w="9525">
+                <a:solidFill>
+                  <a:srgbClr val="000000"/>
+                </a:solidFill>
+                <a:miter lim="800000"/>
+                <a:headEnd/>
+                <a:tailEnd/>
+              </a14:hiddenLine>
+            </a:ext>
+          </a:extLst>
+        </p:spPr>
+        <p:txBody>
+          <a:bodyPr wrap="none" lIns="0" tIns="0" rIns="0" bIns="0">
+            <a:spAutoFit/>
+          </a:bodyPr>
+          <a:lstStyle>
+            <a:lvl1pPr>
+              <a:defRPr>
+                <a:solidFill>
+                  <a:schemeClr val="tx1"/>
+                </a:solidFill>
+                <a:latin typeface="Calibri" panose="020F0502020204030204" pitchFamily="34" charset="0"/>
+              </a:defRPr>
+            </a:lvl1pPr>
+            <a:lvl2pPr marL="742950" indent="-285750">
+              <a:defRPr>
+                <a:solidFill>
+                  <a:schemeClr val="tx1"/>
+                </a:solidFill>
+                <a:latin typeface="Calibri" panose="020F0502020204030204" pitchFamily="34" charset="0"/>
+              </a:defRPr>
+            </a:lvl2pPr>
+            <a:lvl3pPr marL="1143000" indent="-228600">
+              <a:defRPr>
+                <a:solidFill>
+                  <a:schemeClr val="tx1"/>
+                </a:solidFill>
+                <a:latin typeface="Calibri" panose="020F0502020204030204" pitchFamily="34" charset="0"/>
+              </a:defRPr>
+            </a:lvl3pPr>
+            <a:lvl4pPr marL="1600200" indent="-228600">
+              <a:defRPr>
+                <a:solidFill>
+                  <a:schemeClr val="tx1"/>
+                </a:solidFill>
+                <a:latin typeface="Calibri" panose="020F0502020204030204" pitchFamily="34" charset="0"/>
+              </a:defRPr>
+            </a:lvl4pPr>
+            <a:lvl5pPr marL="2057400" indent="-228600">
+              <a:defRPr>
+                <a:solidFill>
+                  <a:schemeClr val="tx1"/>
+                </a:solidFill>
+                <a:latin typeface="Calibri" panose="020F0502020204030204" pitchFamily="34" charset="0"/>
+              </a:defRPr>
+            </a:lvl5pPr>
+            <a:lvl6pPr marL="2514600" indent="-228600" eaLnBrk="0" fontAlgn="base" hangingPunct="0">
+              <a:spcBef>
+                <a:spcPct val="0"/>
+              </a:spcBef>
+              <a:spcAft>
+                <a:spcPct val="0"/>
+              </a:spcAft>
+              <a:defRPr>
+                <a:solidFill>
+                  <a:schemeClr val="tx1"/>
+                </a:solidFill>
+                <a:latin typeface="Calibri" panose="020F0502020204030204" pitchFamily="34" charset="0"/>
+              </a:defRPr>
+            </a:lvl6pPr>
+            <a:lvl7pPr marL="2971800" indent="-228600" eaLnBrk="0" fontAlgn="base" hangingPunct="0">
+              <a:spcBef>
+                <a:spcPct val="0"/>
+              </a:spcBef>
+              <a:spcAft>
+                <a:spcPct val="0"/>
+              </a:spcAft>
+              <a:defRPr>
+                <a:solidFill>
+                  <a:schemeClr val="tx1"/>
+                </a:solidFill>
+                <a:latin typeface="Calibri" panose="020F0502020204030204" pitchFamily="34" charset="0"/>
+              </a:defRPr>
+            </a:lvl7pPr>
+            <a:lvl8pPr marL="3429000" indent="-228600" eaLnBrk="0" fontAlgn="base" hangingPunct="0">
+              <a:spcBef>
+                <a:spcPct val="0"/>
+              </a:spcBef>
+              <a:spcAft>
+                <a:spcPct val="0"/>
+              </a:spcAft>
+              <a:defRPr>
+                <a:solidFill>
+                  <a:schemeClr val="tx1"/>
+                </a:solidFill>
+                <a:latin typeface="Calibri" panose="020F0502020204030204" pitchFamily="34" charset="0"/>
+              </a:defRPr>
+            </a:lvl8pPr>
+            <a:lvl9pPr marL="3886200" indent="-228600" eaLnBrk="0" fontAlgn="base" hangingPunct="0">
+              <a:spcBef>
+                <a:spcPct val="0"/>
+              </a:spcBef>
+              <a:spcAft>
+                <a:spcPct val="0"/>
+              </a:spcAft>
+              <a:defRPr>
+                <a:solidFill>
+                  <a:schemeClr val="tx1"/>
+                </a:solidFill>
+                <a:latin typeface="Calibri" panose="020F0502020204030204" pitchFamily="34" charset="0"/>
+              </a:defRPr>
+            </a:lvl9pPr>
+          </a:lstStyle>
+          <a:p>
+            <a:pPr algn="ctr" eaLnBrk="1" hangingPunct="1"/>
+            <a:r>
+              <a:rPr lang="en-US" altLang="en-US" sz="1100" dirty="0">
+                <a:latin typeface="Arial" panose="020B0604020202020204" pitchFamily="34" charset="0"/>
+                <a:ea typeface="Amazon Ember" panose="020B0603020204020204" pitchFamily="34" charset="0"/>
+                <a:cs typeface="Arial" panose="020B0604020202020204" pitchFamily="34" charset="0"/>
+              </a:rPr>
+              <a:t>NAT gateway</a:t>
+            </a:r>
+          </a:p>
+        </p:txBody>
+      </p:sp>
+      <p:pic>
+        <p:nvPicPr>
+          <p:cNvPr id="28" name="Graphic 10">
+            <a:extLst>
+              <a:ext uri="{FF2B5EF4-FFF2-40B4-BE49-F238E27FC236}">
+                <a16:creationId xmlns:a16="http://schemas.microsoft.com/office/drawing/2014/main" id="{494BB8AE-7B23-6748-A6BA-D78EFCA1CEF1}"/>
+              </a:ext>
+            </a:extLst>
+          </p:cNvPr>
+          <p:cNvPicPr>
+            <a:picLocks noChangeAspect="1" noChangeArrowheads="1"/>
+          </p:cNvPicPr>
+          <p:nvPr/>
+        </p:nvPicPr>
+        <p:blipFill>
+          <a:blip r:embed="rId8">
+            <a:extLst>
+              <a:ext uri="{28A0092B-C50C-407E-A947-70E740481C1C}">
+                <a14:useLocalDpi xmlns:a14="http://schemas.microsoft.com/office/drawing/2010/main" val="0"/>
+              </a:ext>
+            </a:extLst>
+          </a:blip>
+          <a:srcRect/>
+          <a:stretch>
+            <a:fillRect/>
+          </a:stretch>
+        </p:blipFill>
+        <p:spPr bwMode="auto">
+          <a:xfrm>
+            <a:off x="3534560" y="525279"/>
+            <a:ext cx="457200" cy="457200"/>
+          </a:xfrm>
+          <a:prstGeom prst="rect">
+            <a:avLst/>
+          </a:prstGeom>
+          <a:noFill/>
+          <a:ln>
+            <a:noFill/>
+          </a:ln>
+          <a:extLst>
+            <a:ext uri="{909E8E84-426E-40DD-AFC4-6F175D3DCCD1}">
+              <a14:hiddenFill xmlns:a14="http://schemas.microsoft.com/office/drawing/2010/main">
+                <a:solidFill>
+                  <a:srgbClr val="FFFFFF"/>
+                </a:solidFill>
+              </a14:hiddenFill>
+            </a:ext>
+            <a:ext uri="{91240B29-F687-4F45-9708-019B960494DF}">
+              <a14:hiddenLine xmlns:a14="http://schemas.microsoft.com/office/drawing/2010/main" w="9525">
+                <a:solidFill>
+                  <a:srgbClr val="000000"/>
+                </a:solidFill>
+                <a:miter lim="800000"/>
+                <a:headEnd/>
+                <a:tailEnd/>
+              </a14:hiddenLine>
+            </a:ext>
+          </a:extLst>
+        </p:spPr>
+      </p:pic>
+      <p:sp>
+        <p:nvSpPr>
+          <p:cNvPr id="29" name="TextBox 17">
+            <a:extLst>
+              <a:ext uri="{FF2B5EF4-FFF2-40B4-BE49-F238E27FC236}">
+                <a16:creationId xmlns:a16="http://schemas.microsoft.com/office/drawing/2014/main" id="{8F2798E4-AF75-AD41-A035-AA074E368764}"/>
+              </a:ext>
+            </a:extLst>
+          </p:cNvPr>
+          <p:cNvSpPr txBox="1">
+            <a:spLocks noChangeArrowheads="1"/>
+          </p:cNvSpPr>
+          <p:nvPr/>
+        </p:nvSpPr>
+        <p:spPr bwMode="auto">
+          <a:xfrm>
+            <a:off x="2382012" y="5039499"/>
+            <a:ext cx="1025923" cy="169277"/>
+          </a:xfrm>
+          <a:prstGeom prst="rect">
+            <a:avLst/>
+          </a:prstGeom>
+          <a:noFill/>
+          <a:ln>
+            <a:noFill/>
+          </a:ln>
+          <a:extLst>
+            <a:ext uri="{909E8E84-426E-40DD-AFC4-6F175D3DCCD1}">
+              <a14:hiddenFill xmlns:a14="http://schemas.microsoft.com/office/drawing/2010/main">
+                <a:solidFill>
+                  <a:srgbClr val="FFFFFF"/>
+                </a:solidFill>
+              </a14:hiddenFill>
+            </a:ext>
+            <a:ext uri="{91240B29-F687-4F45-9708-019B960494DF}">
+              <a14:hiddenLine xmlns:a14="http://schemas.microsoft.com/office/drawing/2010/main" w="9525">
+                <a:solidFill>
+                  <a:srgbClr val="000000"/>
+                </a:solidFill>
+                <a:miter lim="800000"/>
+                <a:headEnd/>
+                <a:tailEnd/>
+              </a14:hiddenLine>
+            </a:ext>
+          </a:extLst>
+        </p:spPr>
+        <p:txBody>
+          <a:bodyPr wrap="none" lIns="0" tIns="0" rIns="0" bIns="0">
+            <a:spAutoFit/>
+          </a:bodyPr>
+          <a:lstStyle>
+            <a:lvl1pPr>
+              <a:defRPr>
+                <a:solidFill>
+                  <a:schemeClr val="tx1"/>
+                </a:solidFill>
+                <a:latin typeface="Calibri" panose="020F0502020204030204" pitchFamily="34" charset="0"/>
+              </a:defRPr>
+            </a:lvl1pPr>
+            <a:lvl2pPr marL="742950" indent="-285750">
+              <a:defRPr>
+                <a:solidFill>
+                  <a:schemeClr val="tx1"/>
+                </a:solidFill>
+                <a:latin typeface="Calibri" panose="020F0502020204030204" pitchFamily="34" charset="0"/>
+              </a:defRPr>
+            </a:lvl2pPr>
+            <a:lvl3pPr marL="1143000" indent="-228600">
+              <a:defRPr>
+                <a:solidFill>
+                  <a:schemeClr val="tx1"/>
+                </a:solidFill>
+                <a:latin typeface="Calibri" panose="020F0502020204030204" pitchFamily="34" charset="0"/>
+              </a:defRPr>
+            </a:lvl3pPr>
+            <a:lvl4pPr marL="1600200" indent="-228600">
+              <a:defRPr>
+                <a:solidFill>
+                  <a:schemeClr val="tx1"/>
+                </a:solidFill>
+                <a:latin typeface="Calibri" panose="020F0502020204030204" pitchFamily="34" charset="0"/>
+              </a:defRPr>
+            </a:lvl4pPr>
+            <a:lvl5pPr marL="2057400" indent="-228600">
+              <a:defRPr>
+                <a:solidFill>
+                  <a:schemeClr val="tx1"/>
+                </a:solidFill>
+                <a:latin typeface="Calibri" panose="020F0502020204030204" pitchFamily="34" charset="0"/>
+              </a:defRPr>
+            </a:lvl5pPr>
+            <a:lvl6pPr marL="2514600" indent="-228600" eaLnBrk="0" fontAlgn="base" hangingPunct="0">
+              <a:spcBef>
+                <a:spcPct val="0"/>
+              </a:spcBef>
+              <a:spcAft>
+                <a:spcPct val="0"/>
+              </a:spcAft>
+              <a:defRPr>
+                <a:solidFill>
+                  <a:schemeClr val="tx1"/>
+                </a:solidFill>
+                <a:latin typeface="Calibri" panose="020F0502020204030204" pitchFamily="34" charset="0"/>
+              </a:defRPr>
+            </a:lvl6pPr>
+            <a:lvl7pPr marL="2971800" indent="-228600" eaLnBrk="0" fontAlgn="base" hangingPunct="0">
+              <a:spcBef>
+                <a:spcPct val="0"/>
+              </a:spcBef>
+              <a:spcAft>
+                <a:spcPct val="0"/>
+              </a:spcAft>
+              <a:defRPr>
+                <a:solidFill>
+                  <a:schemeClr val="tx1"/>
+                </a:solidFill>
+                <a:latin typeface="Calibri" panose="020F0502020204030204" pitchFamily="34" charset="0"/>
+              </a:defRPr>
+            </a:lvl7pPr>
+            <a:lvl8pPr marL="3429000" indent="-228600" eaLnBrk="0" fontAlgn="base" hangingPunct="0">
+              <a:spcBef>
+                <a:spcPct val="0"/>
+              </a:spcBef>
+              <a:spcAft>
+                <a:spcPct val="0"/>
+              </a:spcAft>
+              <a:defRPr>
+                <a:solidFill>
+                  <a:schemeClr val="tx1"/>
+                </a:solidFill>
+                <a:latin typeface="Calibri" panose="020F0502020204030204" pitchFamily="34" charset="0"/>
+              </a:defRPr>
+            </a:lvl8pPr>
+            <a:lvl9pPr marL="3886200" indent="-228600" eaLnBrk="0" fontAlgn="base" hangingPunct="0">
+              <a:spcBef>
+                <a:spcPct val="0"/>
+              </a:spcBef>
+              <a:spcAft>
+                <a:spcPct val="0"/>
+              </a:spcAft>
+              <a:defRPr>
+                <a:solidFill>
+                  <a:schemeClr val="tx1"/>
+                </a:solidFill>
+                <a:latin typeface="Calibri" panose="020F0502020204030204" pitchFamily="34" charset="0"/>
+              </a:defRPr>
+            </a:lvl9pPr>
+          </a:lstStyle>
+          <a:p>
+            <a:pPr algn="ctr" eaLnBrk="1" hangingPunct="1"/>
+            <a:r>
+              <a:rPr lang="en-US" altLang="en-US" sz="1100" dirty="0">
+                <a:latin typeface="Arial" panose="020B0604020202020204" pitchFamily="34" charset="0"/>
+                <a:ea typeface="Amazon Ember" panose="020B0603020204020204" pitchFamily="34" charset="0"/>
+                <a:cs typeface="Arial" panose="020B0604020202020204" pitchFamily="34" charset="0"/>
+              </a:rPr>
+              <a:t>Transit Gateway</a:t>
+            </a:r>
+          </a:p>
+        </p:txBody>
+      </p:sp>
+      <p:cxnSp>
+        <p:nvCxnSpPr>
+          <p:cNvPr id="31" name="直線コネクタ 30">
+            <a:extLst>
+              <a:ext uri="{FF2B5EF4-FFF2-40B4-BE49-F238E27FC236}">
+                <a16:creationId xmlns:a16="http://schemas.microsoft.com/office/drawing/2014/main" id="{A43A425C-33CB-B744-9A6F-1F7FECEFABD0}"/>
+              </a:ext>
+            </a:extLst>
+          </p:cNvPr>
+          <p:cNvCxnSpPr>
+            <a:cxnSpLocks/>
+          </p:cNvCxnSpPr>
+          <p:nvPr/>
+        </p:nvCxnSpPr>
+        <p:spPr>
+          <a:xfrm>
+            <a:off x="3295318" y="2781797"/>
+            <a:ext cx="1174161" cy="1447266"/>
+          </a:xfrm>
+          <a:prstGeom prst="line">
+            <a:avLst/>
+          </a:prstGeom>
+        </p:spPr>
+        <p:style>
+          <a:lnRef idx="3">
+            <a:schemeClr val="accent1"/>
+          </a:lnRef>
+          <a:fillRef idx="0">
+            <a:schemeClr val="accent1"/>
+          </a:fillRef>
+          <a:effectRef idx="2">
+            <a:schemeClr val="accent1"/>
+          </a:effectRef>
+          <a:fontRef idx="minor">
+            <a:schemeClr val="tx1"/>
+          </a:fontRef>
+        </p:style>
+      </p:cxnSp>
+      <p:graphicFrame>
+        <p:nvGraphicFramePr>
+          <p:cNvPr id="34" name="表 34">
+            <a:extLst>
+              <a:ext uri="{FF2B5EF4-FFF2-40B4-BE49-F238E27FC236}">
+                <a16:creationId xmlns:a16="http://schemas.microsoft.com/office/drawing/2014/main" id="{BB774F3B-987D-774D-8A5E-506E938922DE}"/>
+              </a:ext>
+            </a:extLst>
+          </p:cNvPr>
+          <p:cNvGraphicFramePr>
+            <a:graphicFrameLocks noGrp="1"/>
+          </p:cNvGraphicFramePr>
+          <p:nvPr>
+            <p:extLst>
+              <p:ext uri="{D42A27DB-BD31-4B8C-83A1-F6EECF244321}">
+                <p14:modId xmlns:p14="http://schemas.microsoft.com/office/powerpoint/2010/main" val="3156630756"/>
+              </p:ext>
+            </p:extLst>
+          </p:nvPr>
+        </p:nvGraphicFramePr>
+        <p:xfrm>
+          <a:off x="3756494" y="4222147"/>
+          <a:ext cx="2711724" cy="1112520"/>
+        </p:xfrm>
+        <a:graphic>
+          <a:graphicData uri="http://schemas.openxmlformats.org/drawingml/2006/table">
+            <a:tbl>
+              <a:tblPr firstRow="1" bandRow="1">
+                <a:tableStyleId>{5C22544A-7EE6-4342-B048-85BDC9FD1C3A}</a:tableStyleId>
+              </a:tblPr>
+              <a:tblGrid>
+                <a:gridCol w="1355862">
+                  <a:extLst>
+                    <a:ext uri="{9D8B030D-6E8A-4147-A177-3AD203B41FA5}">
+                      <a16:colId xmlns:a16="http://schemas.microsoft.com/office/drawing/2014/main" val="1698902520"/>
+                    </a:ext>
+                  </a:extLst>
+                </a:gridCol>
+                <a:gridCol w="1355862">
+                  <a:extLst>
+                    <a:ext uri="{9D8B030D-6E8A-4147-A177-3AD203B41FA5}">
+                      <a16:colId xmlns:a16="http://schemas.microsoft.com/office/drawing/2014/main" val="2743271016"/>
+                    </a:ext>
+                  </a:extLst>
+                </a:gridCol>
+              </a:tblGrid>
+              <a:tr h="370840">
+                <a:tc>
+                  <a:txBody>
+                    <a:bodyPr/>
+                    <a:lstStyle/>
+                    <a:p>
+                      <a:r>
+                        <a:rPr kumimoji="1" lang="en-US" altLang="ja-JP" sz="1400" dirty="0"/>
+                        <a:t>Route</a:t>
+                      </a:r>
+                      <a:endParaRPr kumimoji="1" lang="ja-JP" altLang="en-US" sz="1400"/>
+                    </a:p>
+                  </a:txBody>
+                  <a:tcPr/>
+                </a:tc>
+                <a:tc>
+                  <a:txBody>
+                    <a:bodyPr/>
+                    <a:lstStyle/>
+                    <a:p>
+                      <a:r>
+                        <a:rPr kumimoji="1" lang="en-US" altLang="ja-JP" sz="1400" dirty="0" err="1"/>
+                        <a:t>Desination</a:t>
+                      </a:r>
+                      <a:endParaRPr kumimoji="1" lang="ja-JP" altLang="en-US" sz="1400"/>
+                    </a:p>
+                  </a:txBody>
+                  <a:tcPr/>
+                </a:tc>
+                <a:extLst>
+                  <a:ext uri="{0D108BD9-81ED-4DB2-BD59-A6C34878D82A}">
+                    <a16:rowId xmlns:a16="http://schemas.microsoft.com/office/drawing/2014/main" val="2062662396"/>
+                  </a:ext>
+                </a:extLst>
+              </a:tr>
+              <a:tr h="370840">
+                <a:tc>
+                  <a:txBody>
+                    <a:bodyPr/>
+                    <a:lstStyle/>
+                    <a:p>
+                      <a:r>
+                        <a:rPr kumimoji="1" lang="en-US" altLang="ja-JP" sz="1400" dirty="0"/>
+                        <a:t>10.2.0.0/16</a:t>
+                      </a:r>
+                      <a:endParaRPr kumimoji="1" lang="ja-JP" altLang="en-US" sz="1400"/>
+                    </a:p>
+                  </a:txBody>
+                  <a:tcPr/>
+                </a:tc>
+                <a:tc>
+                  <a:txBody>
+                    <a:bodyPr/>
+                    <a:lstStyle/>
+                    <a:p>
+                      <a:r>
+                        <a:rPr kumimoji="1" lang="en-US" altLang="ja-JP" sz="1400" dirty="0"/>
+                        <a:t>Vpc2-att</a:t>
+                      </a:r>
+                      <a:endParaRPr kumimoji="1" lang="ja-JP" altLang="en-US" sz="1400"/>
+                    </a:p>
+                  </a:txBody>
+                  <a:tcPr/>
+                </a:tc>
+                <a:extLst>
+                  <a:ext uri="{0D108BD9-81ED-4DB2-BD59-A6C34878D82A}">
+                    <a16:rowId xmlns:a16="http://schemas.microsoft.com/office/drawing/2014/main" val="363881247"/>
+                  </a:ext>
+                </a:extLst>
+              </a:tr>
+              <a:tr h="370840">
+                <a:tc>
+                  <a:txBody>
+                    <a:bodyPr/>
+                    <a:lstStyle/>
+                    <a:p>
+                      <a:pPr marL="0" marR="0" lvl="0" indent="0" algn="l" defTabSz="914400" rtl="0" eaLnBrk="1" fontAlgn="auto" latinLnBrk="0" hangingPunct="1">
+                        <a:lnSpc>
+                          <a:spcPct val="100000"/>
+                        </a:lnSpc>
+                        <a:spcBef>
+                          <a:spcPts val="0"/>
+                        </a:spcBef>
+                        <a:spcAft>
+                          <a:spcPts val="0"/>
+                        </a:spcAft>
+                        <a:buClrTx/>
+                        <a:buSzTx/>
+                        <a:buFontTx/>
+                        <a:buNone/>
+                        <a:tabLst/>
+                        <a:defRPr/>
+                      </a:pPr>
+                      <a:r>
+                        <a:rPr kumimoji="1" lang="en-US" altLang="ja-JP" sz="1400" dirty="0"/>
+                        <a:t>10.3.0.0/16</a:t>
+                      </a:r>
+                      <a:endParaRPr kumimoji="1" lang="ja-JP" altLang="en-US" sz="1400"/>
+                    </a:p>
+                  </a:txBody>
+                  <a:tcPr/>
+                </a:tc>
+                <a:tc>
+                  <a:txBody>
+                    <a:bodyPr/>
+                    <a:lstStyle/>
+                    <a:p>
+                      <a:r>
+                        <a:rPr kumimoji="1" lang="en-US" altLang="ja-JP" sz="1400" dirty="0"/>
+                        <a:t>Vpc3-att</a:t>
+                      </a:r>
+                      <a:endParaRPr kumimoji="1" lang="ja-JP" altLang="en-US" sz="1400"/>
+                    </a:p>
+                  </a:txBody>
+                  <a:tcPr/>
+                </a:tc>
+                <a:extLst>
+                  <a:ext uri="{0D108BD9-81ED-4DB2-BD59-A6C34878D82A}">
+                    <a16:rowId xmlns:a16="http://schemas.microsoft.com/office/drawing/2014/main" val="3396363660"/>
+                  </a:ext>
+                </a:extLst>
+              </a:tr>
+            </a:tbl>
+          </a:graphicData>
+        </a:graphic>
+      </p:graphicFrame>
+      <p:cxnSp>
+        <p:nvCxnSpPr>
+          <p:cNvPr id="36" name="直線コネクタ 35">
+            <a:extLst>
+              <a:ext uri="{FF2B5EF4-FFF2-40B4-BE49-F238E27FC236}">
+                <a16:creationId xmlns:a16="http://schemas.microsoft.com/office/drawing/2014/main" id="{80EC073B-5C4D-6E4C-814C-422CA006F73B}"/>
+              </a:ext>
+            </a:extLst>
+          </p:cNvPr>
+          <p:cNvCxnSpPr>
+            <a:cxnSpLocks/>
+          </p:cNvCxnSpPr>
+          <p:nvPr/>
+        </p:nvCxnSpPr>
+        <p:spPr>
+          <a:xfrm>
+            <a:off x="7370414" y="2818144"/>
+            <a:ext cx="898445" cy="1384814"/>
+          </a:xfrm>
+          <a:prstGeom prst="line">
+            <a:avLst/>
+          </a:prstGeom>
+        </p:spPr>
+        <p:style>
+          <a:lnRef idx="3">
+            <a:schemeClr val="accent6"/>
+          </a:lnRef>
+          <a:fillRef idx="0">
+            <a:schemeClr val="accent6"/>
+          </a:fillRef>
+          <a:effectRef idx="2">
+            <a:schemeClr val="accent6"/>
+          </a:effectRef>
+          <a:fontRef idx="minor">
+            <a:schemeClr val="tx1"/>
+          </a:fontRef>
+        </p:style>
+      </p:cxnSp>
+      <p:cxnSp>
+        <p:nvCxnSpPr>
+          <p:cNvPr id="39" name="直線コネクタ 38">
+            <a:extLst>
+              <a:ext uri="{FF2B5EF4-FFF2-40B4-BE49-F238E27FC236}">
+                <a16:creationId xmlns:a16="http://schemas.microsoft.com/office/drawing/2014/main" id="{6E1EFC0A-6D3E-6C49-A80A-E911FBBC1186}"/>
+              </a:ext>
+            </a:extLst>
+          </p:cNvPr>
+          <p:cNvCxnSpPr>
+            <a:cxnSpLocks/>
+          </p:cNvCxnSpPr>
+          <p:nvPr/>
+        </p:nvCxnSpPr>
+        <p:spPr>
+          <a:xfrm flipH="1">
+            <a:off x="9085768" y="2805444"/>
+            <a:ext cx="604088" cy="1423619"/>
+          </a:xfrm>
+          <a:prstGeom prst="line">
+            <a:avLst/>
+          </a:prstGeom>
+        </p:spPr>
+        <p:style>
+          <a:lnRef idx="3">
+            <a:schemeClr val="accent6"/>
+          </a:lnRef>
+          <a:fillRef idx="0">
+            <a:schemeClr val="accent6"/>
+          </a:fillRef>
+          <a:effectRef idx="2">
+            <a:schemeClr val="accent6"/>
+          </a:effectRef>
+          <a:fontRef idx="minor">
+            <a:schemeClr val="tx1"/>
+          </a:fontRef>
+        </p:style>
+      </p:cxnSp>
+      <p:sp>
+        <p:nvSpPr>
+          <p:cNvPr id="42" name="TextBox 17">
+            <a:extLst>
+              <a:ext uri="{FF2B5EF4-FFF2-40B4-BE49-F238E27FC236}">
+                <a16:creationId xmlns:a16="http://schemas.microsoft.com/office/drawing/2014/main" id="{B370C554-41B4-5B45-BB0D-173358ED90E9}"/>
+              </a:ext>
+            </a:extLst>
+          </p:cNvPr>
+          <p:cNvSpPr txBox="1">
+            <a:spLocks noChangeArrowheads="1"/>
+          </p:cNvSpPr>
+          <p:nvPr/>
+        </p:nvSpPr>
+        <p:spPr bwMode="auto">
+          <a:xfrm>
+            <a:off x="3654722" y="5454268"/>
+            <a:ext cx="3056927" cy="169277"/>
+          </a:xfrm>
+          <a:prstGeom prst="rect">
+            <a:avLst/>
+          </a:prstGeom>
+          <a:noFill/>
+          <a:ln>
+            <a:noFill/>
+          </a:ln>
+          <a:extLst>
+            <a:ext uri="{909E8E84-426E-40DD-AFC4-6F175D3DCCD1}">
+              <a14:hiddenFill xmlns:a14="http://schemas.microsoft.com/office/drawing/2010/main">
+                <a:solidFill>
+                  <a:srgbClr val="FFFFFF"/>
+                </a:solidFill>
+              </a14:hiddenFill>
+            </a:ext>
+            <a:ext uri="{91240B29-F687-4F45-9708-019B960494DF}">
+              <a14:hiddenLine xmlns:a14="http://schemas.microsoft.com/office/drawing/2010/main" w="9525">
+                <a:solidFill>
+                  <a:srgbClr val="000000"/>
+                </a:solidFill>
+                <a:miter lim="800000"/>
+                <a:headEnd/>
+                <a:tailEnd/>
+              </a14:hiddenLine>
+            </a:ext>
+          </a:extLst>
+        </p:spPr>
+        <p:txBody>
+          <a:bodyPr wrap="none" lIns="0" tIns="0" rIns="0" bIns="0">
+            <a:spAutoFit/>
+          </a:bodyPr>
+          <a:lstStyle>
+            <a:lvl1pPr>
+              <a:defRPr>
+                <a:solidFill>
+                  <a:schemeClr val="tx1"/>
+                </a:solidFill>
+                <a:latin typeface="Calibri" panose="020F0502020204030204" pitchFamily="34" charset="0"/>
+              </a:defRPr>
+            </a:lvl1pPr>
+            <a:lvl2pPr marL="742950" indent="-285750">
+              <a:defRPr>
+                <a:solidFill>
+                  <a:schemeClr val="tx1"/>
+                </a:solidFill>
+                <a:latin typeface="Calibri" panose="020F0502020204030204" pitchFamily="34" charset="0"/>
+              </a:defRPr>
+            </a:lvl2pPr>
+            <a:lvl3pPr marL="1143000" indent="-228600">
+              <a:defRPr>
+                <a:solidFill>
+                  <a:schemeClr val="tx1"/>
+                </a:solidFill>
+                <a:latin typeface="Calibri" panose="020F0502020204030204" pitchFamily="34" charset="0"/>
+              </a:defRPr>
+            </a:lvl3pPr>
+            <a:lvl4pPr marL="1600200" indent="-228600">
+              <a:defRPr>
+                <a:solidFill>
+                  <a:schemeClr val="tx1"/>
+                </a:solidFill>
+                <a:latin typeface="Calibri" panose="020F0502020204030204" pitchFamily="34" charset="0"/>
+              </a:defRPr>
+            </a:lvl4pPr>
+            <a:lvl5pPr marL="2057400" indent="-228600">
+              <a:defRPr>
+                <a:solidFill>
+                  <a:schemeClr val="tx1"/>
+                </a:solidFill>
+                <a:latin typeface="Calibri" panose="020F0502020204030204" pitchFamily="34" charset="0"/>
+              </a:defRPr>
+            </a:lvl5pPr>
+            <a:lvl6pPr marL="2514600" indent="-228600" eaLnBrk="0" fontAlgn="base" hangingPunct="0">
+              <a:spcBef>
+                <a:spcPct val="0"/>
+              </a:spcBef>
+              <a:spcAft>
+                <a:spcPct val="0"/>
+              </a:spcAft>
+              <a:defRPr>
+                <a:solidFill>
+                  <a:schemeClr val="tx1"/>
+                </a:solidFill>
+                <a:latin typeface="Calibri" panose="020F0502020204030204" pitchFamily="34" charset="0"/>
+              </a:defRPr>
+            </a:lvl6pPr>
+            <a:lvl7pPr marL="2971800" indent="-228600" eaLnBrk="0" fontAlgn="base" hangingPunct="0">
+              <a:spcBef>
+                <a:spcPct val="0"/>
+              </a:spcBef>
+              <a:spcAft>
+                <a:spcPct val="0"/>
+              </a:spcAft>
+              <a:defRPr>
+                <a:solidFill>
+                  <a:schemeClr val="tx1"/>
+                </a:solidFill>
+                <a:latin typeface="Calibri" panose="020F0502020204030204" pitchFamily="34" charset="0"/>
+              </a:defRPr>
+            </a:lvl7pPr>
+            <a:lvl8pPr marL="3429000" indent="-228600" eaLnBrk="0" fontAlgn="base" hangingPunct="0">
+              <a:spcBef>
+                <a:spcPct val="0"/>
+              </a:spcBef>
+              <a:spcAft>
+                <a:spcPct val="0"/>
+              </a:spcAft>
+              <a:defRPr>
+                <a:solidFill>
+                  <a:schemeClr val="tx1"/>
+                </a:solidFill>
+                <a:latin typeface="Calibri" panose="020F0502020204030204" pitchFamily="34" charset="0"/>
+              </a:defRPr>
+            </a:lvl8pPr>
+            <a:lvl9pPr marL="3886200" indent="-228600" eaLnBrk="0" fontAlgn="base" hangingPunct="0">
+              <a:spcBef>
+                <a:spcPct val="0"/>
+              </a:spcBef>
+              <a:spcAft>
+                <a:spcPct val="0"/>
+              </a:spcAft>
+              <a:defRPr>
+                <a:solidFill>
+                  <a:schemeClr val="tx1"/>
+                </a:solidFill>
+                <a:latin typeface="Calibri" panose="020F0502020204030204" pitchFamily="34" charset="0"/>
+              </a:defRPr>
+            </a:lvl9pPr>
+          </a:lstStyle>
+          <a:p>
+            <a:pPr algn="ctr" eaLnBrk="1" hangingPunct="1"/>
+            <a:r>
+              <a:rPr lang="en-US" altLang="en-US" sz="1100" dirty="0">
+                <a:latin typeface="Arial" panose="020B0604020202020204" pitchFamily="34" charset="0"/>
+                <a:ea typeface="Amazon Ember" panose="020B0603020204020204" pitchFamily="34" charset="0"/>
+                <a:cs typeface="Arial" panose="020B0604020202020204" pitchFamily="34" charset="0"/>
+              </a:rPr>
+              <a:t>TGW Route Table to connect for individual VPCs</a:t>
+            </a:r>
+          </a:p>
+        </p:txBody>
+      </p:sp>
+      <p:graphicFrame>
+        <p:nvGraphicFramePr>
+          <p:cNvPr id="37" name="表 34">
+            <a:extLst>
+              <a:ext uri="{FF2B5EF4-FFF2-40B4-BE49-F238E27FC236}">
+                <a16:creationId xmlns:a16="http://schemas.microsoft.com/office/drawing/2014/main" id="{C99DE93D-CB7F-D54D-B968-9DF0D707D903}"/>
+              </a:ext>
+            </a:extLst>
+          </p:cNvPr>
+          <p:cNvGraphicFramePr>
+            <a:graphicFrameLocks noGrp="1"/>
+          </p:cNvGraphicFramePr>
+          <p:nvPr>
+            <p:extLst>
+              <p:ext uri="{D42A27DB-BD31-4B8C-83A1-F6EECF244321}">
+                <p14:modId xmlns:p14="http://schemas.microsoft.com/office/powerpoint/2010/main" val="2214404214"/>
+              </p:ext>
+            </p:extLst>
+          </p:nvPr>
+        </p:nvGraphicFramePr>
+        <p:xfrm>
+          <a:off x="7498994" y="4222147"/>
+          <a:ext cx="2711724" cy="1483360"/>
+        </p:xfrm>
+        <a:graphic>
+          <a:graphicData uri="http://schemas.openxmlformats.org/drawingml/2006/table">
+            <a:tbl>
+              <a:tblPr firstRow="1" bandRow="1">
+                <a:tableStyleId>{93296810-A885-4BE3-A3E7-6D5BEEA58F35}</a:tableStyleId>
+              </a:tblPr>
+              <a:tblGrid>
+                <a:gridCol w="1355862">
+                  <a:extLst>
+                    <a:ext uri="{9D8B030D-6E8A-4147-A177-3AD203B41FA5}">
+                      <a16:colId xmlns:a16="http://schemas.microsoft.com/office/drawing/2014/main" val="1698902520"/>
+                    </a:ext>
+                  </a:extLst>
+                </a:gridCol>
+                <a:gridCol w="1355862">
+                  <a:extLst>
+                    <a:ext uri="{9D8B030D-6E8A-4147-A177-3AD203B41FA5}">
+                      <a16:colId xmlns:a16="http://schemas.microsoft.com/office/drawing/2014/main" val="2743271016"/>
+                    </a:ext>
+                  </a:extLst>
+                </a:gridCol>
+              </a:tblGrid>
+              <a:tr h="370840">
+                <a:tc>
+                  <a:txBody>
+                    <a:bodyPr/>
+                    <a:lstStyle/>
+                    <a:p>
+                      <a:r>
+                        <a:rPr kumimoji="1" lang="en-US" altLang="ja-JP" sz="1400" dirty="0"/>
+                        <a:t>Route</a:t>
+                      </a:r>
+                      <a:endParaRPr kumimoji="1" lang="ja-JP" altLang="en-US" sz="1400"/>
+                    </a:p>
+                  </a:txBody>
+                  <a:tcPr/>
+                </a:tc>
+                <a:tc>
+                  <a:txBody>
+                    <a:bodyPr/>
+                    <a:lstStyle/>
+                    <a:p>
+                      <a:r>
+                        <a:rPr kumimoji="1" lang="en-US" altLang="ja-JP" sz="1400" dirty="0" err="1"/>
+                        <a:t>Desination</a:t>
+                      </a:r>
+                      <a:endParaRPr kumimoji="1" lang="ja-JP" altLang="en-US" sz="1400"/>
+                    </a:p>
+                  </a:txBody>
+                  <a:tcPr/>
+                </a:tc>
+                <a:extLst>
+                  <a:ext uri="{0D108BD9-81ED-4DB2-BD59-A6C34878D82A}">
+                    <a16:rowId xmlns:a16="http://schemas.microsoft.com/office/drawing/2014/main" val="2062662396"/>
+                  </a:ext>
+                </a:extLst>
+              </a:tr>
+              <a:tr h="370840">
+                <a:tc>
+                  <a:txBody>
+                    <a:bodyPr/>
+                    <a:lstStyle/>
+                    <a:p>
+                      <a:r>
+                        <a:rPr kumimoji="1" lang="en-US" altLang="ja-JP" sz="1400" dirty="0"/>
+                        <a:t>0.0.0.0/0</a:t>
+                      </a:r>
+                      <a:endParaRPr kumimoji="1" lang="ja-JP" altLang="en-US" sz="1400"/>
+                    </a:p>
+                  </a:txBody>
+                  <a:tcPr/>
+                </a:tc>
+                <a:tc>
+                  <a:txBody>
+                    <a:bodyPr/>
+                    <a:lstStyle/>
+                    <a:p>
+                      <a:r>
+                        <a:rPr kumimoji="1" lang="en-US" altLang="ja-JP" sz="1400" dirty="0"/>
+                        <a:t>Vpc1-att</a:t>
+                      </a:r>
+                      <a:endParaRPr kumimoji="1" lang="ja-JP" altLang="en-US" sz="1400"/>
+                    </a:p>
+                  </a:txBody>
+                  <a:tcPr/>
+                </a:tc>
+                <a:extLst>
+                  <a:ext uri="{0D108BD9-81ED-4DB2-BD59-A6C34878D82A}">
+                    <a16:rowId xmlns:a16="http://schemas.microsoft.com/office/drawing/2014/main" val="3153046720"/>
+                  </a:ext>
+                </a:extLst>
+              </a:tr>
+              <a:tr h="370840">
+                <a:tc>
+                  <a:txBody>
+                    <a:bodyPr/>
+                    <a:lstStyle/>
+                    <a:p>
+                      <a:r>
+                        <a:rPr kumimoji="1" lang="en-US" altLang="ja-JP" sz="1400" dirty="0"/>
+                        <a:t>10.2.0.0/16</a:t>
+                      </a:r>
+                      <a:endParaRPr kumimoji="1" lang="ja-JP" altLang="en-US" sz="1400"/>
+                    </a:p>
+                  </a:txBody>
+                  <a:tcPr/>
+                </a:tc>
+                <a:tc>
+                  <a:txBody>
+                    <a:bodyPr/>
+                    <a:lstStyle/>
+                    <a:p>
+                      <a:r>
+                        <a:rPr kumimoji="1" lang="en-US" altLang="ja-JP" sz="1400" dirty="0"/>
+                        <a:t>Blackhole</a:t>
+                      </a:r>
+                      <a:endParaRPr kumimoji="1" lang="ja-JP" altLang="en-US" sz="1400"/>
+                    </a:p>
+                  </a:txBody>
+                  <a:tcPr/>
+                </a:tc>
+                <a:extLst>
+                  <a:ext uri="{0D108BD9-81ED-4DB2-BD59-A6C34878D82A}">
+                    <a16:rowId xmlns:a16="http://schemas.microsoft.com/office/drawing/2014/main" val="363881247"/>
+                  </a:ext>
+                </a:extLst>
+              </a:tr>
+              <a:tr h="370840">
+                <a:tc>
+                  <a:txBody>
+                    <a:bodyPr/>
+                    <a:lstStyle/>
+                    <a:p>
+                      <a:pPr marL="0" marR="0" lvl="0" indent="0" algn="l" defTabSz="914400" rtl="0" eaLnBrk="1" fontAlgn="auto" latinLnBrk="0" hangingPunct="1">
+                        <a:lnSpc>
+                          <a:spcPct val="100000"/>
+                        </a:lnSpc>
+                        <a:spcBef>
+                          <a:spcPts val="0"/>
+                        </a:spcBef>
+                        <a:spcAft>
+                          <a:spcPts val="0"/>
+                        </a:spcAft>
+                        <a:buClrTx/>
+                        <a:buSzTx/>
+                        <a:buFontTx/>
+                        <a:buNone/>
+                        <a:tabLst/>
+                        <a:defRPr/>
+                      </a:pPr>
+                      <a:r>
+                        <a:rPr kumimoji="1" lang="en-US" altLang="ja-JP" sz="1400" dirty="0"/>
+                        <a:t>10.3.0.0/16</a:t>
+                      </a:r>
+                      <a:endParaRPr kumimoji="1" lang="ja-JP" altLang="en-US" sz="1400"/>
+                    </a:p>
+                  </a:txBody>
+                  <a:tcPr/>
+                </a:tc>
+                <a:tc>
+                  <a:txBody>
+                    <a:bodyPr/>
+                    <a:lstStyle/>
+                    <a:p>
+                      <a:r>
+                        <a:rPr kumimoji="1" lang="en-US" altLang="ja-JP" sz="1400" dirty="0"/>
+                        <a:t>Blackhole</a:t>
+                      </a:r>
+                      <a:endParaRPr kumimoji="1" lang="ja-JP" altLang="en-US" sz="1400"/>
+                    </a:p>
+                  </a:txBody>
+                  <a:tcPr/>
+                </a:tc>
+                <a:extLst>
+                  <a:ext uri="{0D108BD9-81ED-4DB2-BD59-A6C34878D82A}">
+                    <a16:rowId xmlns:a16="http://schemas.microsoft.com/office/drawing/2014/main" val="3396363660"/>
+                  </a:ext>
+                </a:extLst>
+              </a:tr>
+            </a:tbl>
+          </a:graphicData>
+        </a:graphic>
+      </p:graphicFrame>
+      <p:sp>
+        <p:nvSpPr>
+          <p:cNvPr id="40" name="角丸四角形吹き出し 39">
+            <a:extLst>
+              <a:ext uri="{FF2B5EF4-FFF2-40B4-BE49-F238E27FC236}">
+                <a16:creationId xmlns:a16="http://schemas.microsoft.com/office/drawing/2014/main" id="{BAD63F38-8658-154F-B65D-F6D40177F337}"/>
+              </a:ext>
+            </a:extLst>
+          </p:cNvPr>
+          <p:cNvSpPr/>
+          <p:nvPr/>
+        </p:nvSpPr>
+        <p:spPr>
+          <a:xfrm>
+            <a:off x="313151" y="1211873"/>
+            <a:ext cx="1807294" cy="1393541"/>
+          </a:xfrm>
+          <a:prstGeom prst="wedgeRoundRectCallout">
+            <a:avLst>
+              <a:gd name="adj1" fmla="val 87504"/>
+              <a:gd name="adj2" fmla="val -13005"/>
+              <a:gd name="adj3" fmla="val 16667"/>
+            </a:avLst>
+          </a:prstGeom>
+        </p:spPr>
+        <p:style>
+          <a:lnRef idx="2">
+            <a:schemeClr val="accent1">
+              <a:shade val="50000"/>
+            </a:schemeClr>
+          </a:lnRef>
+          <a:fillRef idx="1">
+            <a:schemeClr val="accent1"/>
+          </a:fillRef>
+          <a:effectRef idx="0">
+            <a:schemeClr val="accent1"/>
+          </a:effectRef>
+          <a:fontRef idx="minor">
+            <a:schemeClr val="lt1"/>
+          </a:fontRef>
+        </p:style>
+        <p:txBody>
+          <a:bodyPr rtlCol="0" anchor="ctr"/>
+          <a:lstStyle/>
+          <a:p>
+            <a:pPr algn="ctr"/>
+            <a:r>
+              <a:rPr lang="en" altLang="ja-JP" sz="1600" dirty="0"/>
+              <a:t>Consolidate Internet access to VPC1</a:t>
+            </a:r>
+            <a:endParaRPr kumimoji="1" lang="ja-JP" altLang="en-US" sz="1600"/>
+          </a:p>
+        </p:txBody>
+      </p:sp>
+      <p:sp>
+        <p:nvSpPr>
+          <p:cNvPr id="41" name="左右矢印 40">
+            <a:extLst>
+              <a:ext uri="{FF2B5EF4-FFF2-40B4-BE49-F238E27FC236}">
+                <a16:creationId xmlns:a16="http://schemas.microsoft.com/office/drawing/2014/main" id="{813F9469-9162-5C44-83CE-61EEC4436355}"/>
+              </a:ext>
+            </a:extLst>
+          </p:cNvPr>
+          <p:cNvSpPr/>
+          <p:nvPr/>
+        </p:nvSpPr>
+        <p:spPr>
+          <a:xfrm>
+            <a:off x="7163672" y="1301130"/>
+            <a:ext cx="2393687" cy="493366"/>
+          </a:xfrm>
+          <a:prstGeom prst="leftRightArrow">
+            <a:avLst/>
+          </a:prstGeom>
+        </p:spPr>
+        <p:style>
+          <a:lnRef idx="1">
+            <a:schemeClr val="accent2"/>
+          </a:lnRef>
+          <a:fillRef idx="2">
+            <a:schemeClr val="accent2"/>
+          </a:fillRef>
+          <a:effectRef idx="1">
+            <a:schemeClr val="accent2"/>
+          </a:effectRef>
+          <a:fontRef idx="minor">
+            <a:schemeClr val="dk1"/>
+          </a:fontRef>
+        </p:style>
+        <p:txBody>
+          <a:bodyPr rtlCol="0" anchor="ctr"/>
+          <a:lstStyle/>
+          <a:p>
+            <a:pPr algn="ctr"/>
+            <a:r>
+              <a:rPr kumimoji="1" lang="en-US" altLang="ja-JP" dirty="0"/>
+              <a:t>No connection</a:t>
+            </a:r>
+            <a:endParaRPr kumimoji="1" lang="ja-JP" altLang="en-US"/>
+          </a:p>
+        </p:txBody>
+      </p:sp>
+      <p:sp>
+        <p:nvSpPr>
+          <p:cNvPr id="35" name="禁止 34">
+            <a:extLst>
+              <a:ext uri="{FF2B5EF4-FFF2-40B4-BE49-F238E27FC236}">
+                <a16:creationId xmlns:a16="http://schemas.microsoft.com/office/drawing/2014/main" id="{9A5D5D43-3865-9A49-84DD-5D4B9B265931}"/>
+              </a:ext>
+            </a:extLst>
+          </p:cNvPr>
+          <p:cNvSpPr/>
+          <p:nvPr/>
+        </p:nvSpPr>
+        <p:spPr>
+          <a:xfrm>
+            <a:off x="8068531" y="1180606"/>
+            <a:ext cx="719253" cy="719253"/>
+          </a:xfrm>
+          <a:prstGeom prst="noSmoking">
+            <a:avLst/>
+          </a:prstGeom>
+          <a:solidFill>
+            <a:srgbClr val="FF0000">
+              <a:alpha val="38000"/>
+            </a:srgbClr>
+          </a:solidFill>
+          <a:ln>
+            <a:noFill/>
+          </a:ln>
+        </p:spPr>
+        <p:style>
+          <a:lnRef idx="2">
+            <a:schemeClr val="accent1">
+              <a:shade val="50000"/>
+            </a:schemeClr>
+          </a:lnRef>
+          <a:fillRef idx="1">
+            <a:schemeClr val="accent1"/>
+          </a:fillRef>
+          <a:effectRef idx="0">
+            <a:schemeClr val="accent1"/>
+          </a:effectRef>
+          <a:fontRef idx="minor">
+            <a:schemeClr val="lt1"/>
+          </a:fontRef>
+        </p:style>
+        <p:txBody>
+          <a:bodyPr rtlCol="0" anchor="ctr"/>
+          <a:lstStyle/>
+          <a:p>
+            <a:pPr algn="ctr"/>
+            <a:endParaRPr kumimoji="1" lang="ja-JP" altLang="en-US">
+              <a:solidFill>
+                <a:schemeClr val="tx1"/>
+              </a:solidFill>
+            </a:endParaRPr>
+          </a:p>
+        </p:txBody>
+      </p:sp>
+      <p:cxnSp>
+        <p:nvCxnSpPr>
+          <p:cNvPr id="45" name="曲線コネクタ 44">
+            <a:extLst>
+              <a:ext uri="{FF2B5EF4-FFF2-40B4-BE49-F238E27FC236}">
+                <a16:creationId xmlns:a16="http://schemas.microsoft.com/office/drawing/2014/main" id="{8F357CEE-C33C-C34C-ADEF-9CDE7BB9A3D9}"/>
+              </a:ext>
+            </a:extLst>
+          </p:cNvPr>
+          <p:cNvCxnSpPr>
+            <a:cxnSpLocks/>
+            <a:stCxn id="10" idx="2"/>
+            <a:endCxn id="8" idx="2"/>
+          </p:cNvCxnSpPr>
+          <p:nvPr/>
+        </p:nvCxnSpPr>
+        <p:spPr>
+          <a:xfrm rot="5400000">
+            <a:off x="5326516" y="1248438"/>
+            <a:ext cx="12700" cy="3126712"/>
+          </a:xfrm>
+          <a:prstGeom prst="curvedConnector3">
+            <a:avLst>
+              <a:gd name="adj1" fmla="val 4265748"/>
+            </a:avLst>
+          </a:prstGeom>
+          <a:ln>
+            <a:headEnd w="lg" len="lg"/>
+            <a:tailEnd type="triangle" w="lg" len="lg"/>
+          </a:ln>
+        </p:spPr>
+        <p:style>
+          <a:lnRef idx="3">
+            <a:schemeClr val="accent1"/>
+          </a:lnRef>
+          <a:fillRef idx="0">
+            <a:schemeClr val="accent1"/>
+          </a:fillRef>
+          <a:effectRef idx="2">
+            <a:schemeClr val="accent1"/>
+          </a:effectRef>
+          <a:fontRef idx="minor">
+            <a:schemeClr val="tx1"/>
+          </a:fontRef>
+        </p:style>
+      </p:cxnSp>
+      <p:cxnSp>
+        <p:nvCxnSpPr>
+          <p:cNvPr id="52" name="曲線コネクタ 51">
+            <a:extLst>
+              <a:ext uri="{FF2B5EF4-FFF2-40B4-BE49-F238E27FC236}">
+                <a16:creationId xmlns:a16="http://schemas.microsoft.com/office/drawing/2014/main" id="{5923D519-27C4-C844-9B55-74F3E5E920AB}"/>
+              </a:ext>
+            </a:extLst>
+          </p:cNvPr>
+          <p:cNvCxnSpPr>
+            <a:cxnSpLocks/>
+            <a:stCxn id="13" idx="2"/>
+            <a:endCxn id="8" idx="2"/>
+          </p:cNvCxnSpPr>
+          <p:nvPr/>
+        </p:nvCxnSpPr>
+        <p:spPr>
+          <a:xfrm rot="5400000" flipH="1">
+            <a:off x="6889000" y="-314046"/>
+            <a:ext cx="1744" cy="6253424"/>
+          </a:xfrm>
+          <a:prstGeom prst="curvedConnector3">
+            <a:avLst>
+              <a:gd name="adj1" fmla="val -50456021"/>
+            </a:avLst>
+          </a:prstGeom>
+          <a:ln>
+            <a:headEnd w="lg" len="lg"/>
+            <a:tailEnd type="triangle" w="lg" len="lg"/>
+          </a:ln>
+        </p:spPr>
+        <p:style>
+          <a:lnRef idx="3">
+            <a:schemeClr val="accent1"/>
+          </a:lnRef>
+          <a:fillRef idx="0">
+            <a:schemeClr val="accent1"/>
+          </a:fillRef>
+          <a:effectRef idx="2">
+            <a:schemeClr val="accent1"/>
+          </a:effectRef>
+          <a:fontRef idx="minor">
+            <a:schemeClr val="tx1"/>
+          </a:fontRef>
+        </p:style>
+      </p:cxnSp>
+      <p:sp>
+        <p:nvSpPr>
+          <p:cNvPr id="59" name="角丸四角形吹き出し 58">
+            <a:extLst>
+              <a:ext uri="{FF2B5EF4-FFF2-40B4-BE49-F238E27FC236}">
+                <a16:creationId xmlns:a16="http://schemas.microsoft.com/office/drawing/2014/main" id="{DF272A0F-F10C-F947-AAD7-5BB3986A9B34}"/>
+              </a:ext>
+            </a:extLst>
+          </p:cNvPr>
+          <p:cNvSpPr/>
+          <p:nvPr/>
+        </p:nvSpPr>
+        <p:spPr>
+          <a:xfrm>
+            <a:off x="10367110" y="3215776"/>
+            <a:ext cx="1807294" cy="1158104"/>
+          </a:xfrm>
+          <a:prstGeom prst="wedgeRoundRectCallout">
+            <a:avLst>
+              <a:gd name="adj1" fmla="val -92108"/>
+              <a:gd name="adj2" fmla="val -48001"/>
+              <a:gd name="adj3" fmla="val 16667"/>
+            </a:avLst>
+          </a:prstGeom>
+        </p:spPr>
+        <p:style>
+          <a:lnRef idx="2">
+            <a:schemeClr val="accent1">
+              <a:shade val="50000"/>
+            </a:schemeClr>
+          </a:lnRef>
+          <a:fillRef idx="1">
+            <a:schemeClr val="accent1"/>
+          </a:fillRef>
+          <a:effectRef idx="0">
+            <a:schemeClr val="accent1"/>
+          </a:effectRef>
+          <a:fontRef idx="minor">
+            <a:schemeClr val="lt1"/>
+          </a:fontRef>
+        </p:style>
+        <p:txBody>
+          <a:bodyPr rtlCol="0" anchor="ctr"/>
+          <a:lstStyle/>
+          <a:p>
+            <a:pPr algn="ctr"/>
+            <a:r>
+              <a:rPr lang="en" altLang="ja-JP" sz="1400" dirty="0"/>
+              <a:t>VPC2/3</a:t>
+            </a:r>
+            <a:r>
+              <a:rPr lang="ja-JP" altLang="en-US" sz="1400"/>
+              <a:t> </a:t>
+            </a:r>
+            <a:r>
+              <a:rPr lang="en-US" altLang="ja-JP" sz="1400" dirty="0"/>
+              <a:t>can connect to VPC1</a:t>
+            </a:r>
+            <a:br>
+              <a:rPr lang="en-US" altLang="ja-JP" sz="1400" dirty="0"/>
+            </a:br>
+            <a:r>
+              <a:rPr lang="en-US" altLang="ja-JP" sz="1400" dirty="0"/>
+              <a:t>But can’t connect each other.</a:t>
+            </a:r>
+            <a:endParaRPr kumimoji="1" lang="ja-JP" altLang="en-US" sz="1400"/>
+          </a:p>
+        </p:txBody>
+      </p:sp>
+    </p:spTree>
+    <p:extLst>
+      <p:ext uri="{BB962C8B-B14F-4D97-AF65-F5344CB8AC3E}">
+        <p14:creationId xmlns:p14="http://schemas.microsoft.com/office/powerpoint/2010/main" val="1256361658"/>
       </p:ext>
     </p:extLst>
   </p:cSld>

--- a/images/images.pptx
+++ b/images/images.pptx
@@ -9,6 +9,7 @@
     <p:sldId id="257" r:id="rId3"/>
     <p:sldId id="258" r:id="rId4"/>
     <p:sldId id="259" r:id="rId5"/>
+    <p:sldId id="260" r:id="rId6"/>
   </p:sldIdLst>
   <p:sldSz cx="12192000" cy="6858000"/>
   <p:notesSz cx="6858000" cy="9144000"/>
@@ -262,7 +263,7 @@
           <a:p>
             <a:fld id="{CA85BC36-02F3-1544-A2CD-64E1DDF5EC2E}" type="datetimeFigureOut">
               <a:rPr kumimoji="1" lang="ja-JP" altLang="en-US" smtClean="0"/>
-              <a:t>2021/9/8</a:t>
+              <a:t>2021/9/27</a:t>
             </a:fld>
             <a:endParaRPr kumimoji="1" lang="ja-JP" altLang="en-US"/>
           </a:p>
@@ -492,7 +493,7 @@
           <a:p>
             <a:fld id="{CA85BC36-02F3-1544-A2CD-64E1DDF5EC2E}" type="datetimeFigureOut">
               <a:rPr kumimoji="1" lang="ja-JP" altLang="en-US" smtClean="0"/>
-              <a:t>2021/9/8</a:t>
+              <a:t>2021/9/27</a:t>
             </a:fld>
             <a:endParaRPr kumimoji="1" lang="ja-JP" altLang="en-US"/>
           </a:p>
@@ -732,7 +733,7 @@
           <a:p>
             <a:fld id="{CA85BC36-02F3-1544-A2CD-64E1DDF5EC2E}" type="datetimeFigureOut">
               <a:rPr kumimoji="1" lang="ja-JP" altLang="en-US" smtClean="0"/>
-              <a:t>2021/9/8</a:t>
+              <a:t>2021/9/27</a:t>
             </a:fld>
             <a:endParaRPr kumimoji="1" lang="ja-JP" altLang="en-US"/>
           </a:p>
@@ -962,7 +963,7 @@
           <a:p>
             <a:fld id="{CA85BC36-02F3-1544-A2CD-64E1DDF5EC2E}" type="datetimeFigureOut">
               <a:rPr kumimoji="1" lang="ja-JP" altLang="en-US" smtClean="0"/>
-              <a:t>2021/9/8</a:t>
+              <a:t>2021/9/27</a:t>
             </a:fld>
             <a:endParaRPr kumimoji="1" lang="ja-JP" altLang="en-US"/>
           </a:p>
@@ -1237,7 +1238,7 @@
           <a:p>
             <a:fld id="{CA85BC36-02F3-1544-A2CD-64E1DDF5EC2E}" type="datetimeFigureOut">
               <a:rPr kumimoji="1" lang="ja-JP" altLang="en-US" smtClean="0"/>
-              <a:t>2021/9/8</a:t>
+              <a:t>2021/9/27</a:t>
             </a:fld>
             <a:endParaRPr kumimoji="1" lang="ja-JP" altLang="en-US"/>
           </a:p>
@@ -1566,7 +1567,7 @@
           <a:p>
             <a:fld id="{CA85BC36-02F3-1544-A2CD-64E1DDF5EC2E}" type="datetimeFigureOut">
               <a:rPr kumimoji="1" lang="ja-JP" altLang="en-US" smtClean="0"/>
-              <a:t>2021/9/8</a:t>
+              <a:t>2021/9/27</a:t>
             </a:fld>
             <a:endParaRPr kumimoji="1" lang="ja-JP" altLang="en-US"/>
           </a:p>
@@ -2042,7 +2043,7 @@
           <a:p>
             <a:fld id="{CA85BC36-02F3-1544-A2CD-64E1DDF5EC2E}" type="datetimeFigureOut">
               <a:rPr kumimoji="1" lang="ja-JP" altLang="en-US" smtClean="0"/>
-              <a:t>2021/9/8</a:t>
+              <a:t>2021/9/27</a:t>
             </a:fld>
             <a:endParaRPr kumimoji="1" lang="ja-JP" altLang="en-US"/>
           </a:p>
@@ -2183,7 +2184,7 @@
           <a:p>
             <a:fld id="{CA85BC36-02F3-1544-A2CD-64E1DDF5EC2E}" type="datetimeFigureOut">
               <a:rPr kumimoji="1" lang="ja-JP" altLang="en-US" smtClean="0"/>
-              <a:t>2021/9/8</a:t>
+              <a:t>2021/9/27</a:t>
             </a:fld>
             <a:endParaRPr kumimoji="1" lang="ja-JP" altLang="en-US"/>
           </a:p>
@@ -2296,7 +2297,7 @@
           <a:p>
             <a:fld id="{CA85BC36-02F3-1544-A2CD-64E1DDF5EC2E}" type="datetimeFigureOut">
               <a:rPr kumimoji="1" lang="ja-JP" altLang="en-US" smtClean="0"/>
-              <a:t>2021/9/8</a:t>
+              <a:t>2021/9/27</a:t>
             </a:fld>
             <a:endParaRPr kumimoji="1" lang="ja-JP" altLang="en-US"/>
           </a:p>
@@ -2639,7 +2640,7 @@
           <a:p>
             <a:fld id="{CA85BC36-02F3-1544-A2CD-64E1DDF5EC2E}" type="datetimeFigureOut">
               <a:rPr kumimoji="1" lang="ja-JP" altLang="en-US" smtClean="0"/>
-              <a:t>2021/9/8</a:t>
+              <a:t>2021/9/27</a:t>
             </a:fld>
             <a:endParaRPr kumimoji="1" lang="ja-JP" altLang="en-US"/>
           </a:p>
@@ -2927,7 +2928,7 @@
           <a:p>
             <a:fld id="{CA85BC36-02F3-1544-A2CD-64E1DDF5EC2E}" type="datetimeFigureOut">
               <a:rPr kumimoji="1" lang="ja-JP" altLang="en-US" smtClean="0"/>
-              <a:t>2021/9/8</a:t>
+              <a:t>2021/9/27</a:t>
             </a:fld>
             <a:endParaRPr kumimoji="1" lang="ja-JP" altLang="en-US"/>
           </a:p>
@@ -3200,7 +3201,7 @@
           <a:p>
             <a:fld id="{CA85BC36-02F3-1544-A2CD-64E1DDF5EC2E}" type="datetimeFigureOut">
               <a:rPr kumimoji="1" lang="ja-JP" altLang="en-US" smtClean="0"/>
-              <a:t>2021/9/8</a:t>
+              <a:t>2021/9/27</a:t>
             </a:fld>
             <a:endParaRPr kumimoji="1" lang="ja-JP" altLang="en-US"/>
           </a:p>
@@ -24382,6 +24383,5427 @@
 </p:sld>
 </file>
 
+<file path=ppt/slides/slide5.xml><?xml version="1.0" encoding="utf-8"?>
+<p:sld xmlns:a="http://schemas.openxmlformats.org/drawingml/2006/main" xmlns:r="http://schemas.openxmlformats.org/officeDocument/2006/relationships" xmlns:p="http://schemas.openxmlformats.org/presentationml/2006/main">
+  <p:cSld>
+    <p:spTree>
+      <p:nvGrpSpPr>
+        <p:cNvPr id="1" name=""/>
+        <p:cNvGrpSpPr/>
+        <p:nvPr/>
+      </p:nvGrpSpPr>
+      <p:grpSpPr>
+        <a:xfrm>
+          <a:off x="0" y="0"/>
+          <a:ext cx="0" cy="0"/>
+          <a:chOff x="0" y="0"/>
+          <a:chExt cx="0" cy="0"/>
+        </a:xfrm>
+      </p:grpSpPr>
+      <p:sp>
+        <p:nvSpPr>
+          <p:cNvPr id="77" name="Rectangle 22">
+            <a:extLst>
+              <a:ext uri="{FF2B5EF4-FFF2-40B4-BE49-F238E27FC236}">
+                <a16:creationId xmlns:a16="http://schemas.microsoft.com/office/drawing/2014/main" id="{9E79EFEC-E438-BD49-876D-B049242FD6EC}"/>
+              </a:ext>
+            </a:extLst>
+          </p:cNvPr>
+          <p:cNvSpPr/>
+          <p:nvPr/>
+        </p:nvSpPr>
+        <p:spPr>
+          <a:xfrm>
+            <a:off x="9014630" y="1328406"/>
+            <a:ext cx="2302485" cy="1155347"/>
+          </a:xfrm>
+          <a:prstGeom prst="rect">
+            <a:avLst/>
+          </a:prstGeom>
+          <a:solidFill>
+            <a:srgbClr val="1D8900">
+              <a:alpha val="9804"/>
+            </a:srgbClr>
+          </a:solidFill>
+          <a:ln w="12700">
+            <a:noFill/>
+            <a:prstDash val="dash"/>
+          </a:ln>
+        </p:spPr>
+        <p:style>
+          <a:lnRef idx="2">
+            <a:schemeClr val="accent1">
+              <a:shade val="50000"/>
+            </a:schemeClr>
+          </a:lnRef>
+          <a:fillRef idx="1">
+            <a:schemeClr val="accent1"/>
+          </a:fillRef>
+          <a:effectRef idx="0">
+            <a:schemeClr val="accent1"/>
+          </a:effectRef>
+          <a:fontRef idx="minor">
+            <a:schemeClr val="lt1"/>
+          </a:fontRef>
+        </p:style>
+        <p:txBody>
+          <a:bodyPr lIns="338328"/>
+          <a:lstStyle/>
+          <a:p>
+            <a:pPr eaLnBrk="1" fontAlgn="auto" hangingPunct="1">
+              <a:spcBef>
+                <a:spcPts val="0"/>
+              </a:spcBef>
+              <a:spcAft>
+                <a:spcPts val="0"/>
+              </a:spcAft>
+              <a:defRPr/>
+            </a:pPr>
+            <a:r>
+              <a:rPr lang="en-US" sz="1200" dirty="0">
+                <a:solidFill>
+                  <a:srgbClr val="1E8900"/>
+                </a:solidFill>
+                <a:latin typeface="Arial" panose="020B0604020202020204" pitchFamily="34" charset="0"/>
+                <a:cs typeface="Arial" panose="020B0604020202020204" pitchFamily="34" charset="0"/>
+              </a:rPr>
+              <a:t>Public subnet</a:t>
+            </a:r>
+          </a:p>
+        </p:txBody>
+      </p:sp>
+      <p:sp>
+        <p:nvSpPr>
+          <p:cNvPr id="68" name="Rectangle 7">
+            <a:extLst>
+              <a:ext uri="{FF2B5EF4-FFF2-40B4-BE49-F238E27FC236}">
+                <a16:creationId xmlns:a16="http://schemas.microsoft.com/office/drawing/2014/main" id="{1DC5DC33-0505-F34E-8E39-0B3E5788A802}"/>
+              </a:ext>
+            </a:extLst>
+          </p:cNvPr>
+          <p:cNvSpPr/>
+          <p:nvPr/>
+        </p:nvSpPr>
+        <p:spPr>
+          <a:xfrm>
+            <a:off x="5969398" y="2467805"/>
+            <a:ext cx="1460685" cy="380288"/>
+          </a:xfrm>
+          <a:prstGeom prst="rect">
+            <a:avLst/>
+          </a:prstGeom>
+          <a:solidFill>
+            <a:srgbClr val="007CBC">
+              <a:alpha val="9804"/>
+            </a:srgbClr>
+          </a:solidFill>
+          <a:ln w="12700">
+            <a:noFill/>
+            <a:prstDash val="dash"/>
+          </a:ln>
+        </p:spPr>
+        <p:style>
+          <a:lnRef idx="2">
+            <a:schemeClr val="accent1">
+              <a:shade val="50000"/>
+            </a:schemeClr>
+          </a:lnRef>
+          <a:fillRef idx="1">
+            <a:schemeClr val="accent1"/>
+          </a:fillRef>
+          <a:effectRef idx="0">
+            <a:schemeClr val="accent1"/>
+          </a:effectRef>
+          <a:fontRef idx="minor">
+            <a:schemeClr val="lt1"/>
+          </a:fontRef>
+        </p:style>
+        <p:txBody>
+          <a:bodyPr lIns="338328"/>
+          <a:lstStyle/>
+          <a:p>
+            <a:pPr eaLnBrk="1" fontAlgn="auto" hangingPunct="1">
+              <a:spcBef>
+                <a:spcPts val="0"/>
+              </a:spcBef>
+              <a:spcAft>
+                <a:spcPts val="0"/>
+              </a:spcAft>
+              <a:defRPr/>
+            </a:pPr>
+            <a:r>
+              <a:rPr lang="en-US" sz="1200" dirty="0">
+                <a:solidFill>
+                  <a:srgbClr val="5B9CD5"/>
+                </a:solidFill>
+                <a:latin typeface="Arial" panose="020B0604020202020204" pitchFamily="34" charset="0"/>
+                <a:cs typeface="Arial" panose="020B0604020202020204" pitchFamily="34" charset="0"/>
+              </a:rPr>
+              <a:t>TGW subnet</a:t>
+            </a:r>
+          </a:p>
+        </p:txBody>
+      </p:sp>
+      <p:graphicFrame>
+        <p:nvGraphicFramePr>
+          <p:cNvPr id="34" name="表 34">
+            <a:extLst>
+              <a:ext uri="{FF2B5EF4-FFF2-40B4-BE49-F238E27FC236}">
+                <a16:creationId xmlns:a16="http://schemas.microsoft.com/office/drawing/2014/main" id="{BB774F3B-987D-774D-8A5E-506E938922DE}"/>
+              </a:ext>
+            </a:extLst>
+          </p:cNvPr>
+          <p:cNvGraphicFramePr>
+            <a:graphicFrameLocks noGrp="1"/>
+          </p:cNvGraphicFramePr>
+          <p:nvPr/>
+        </p:nvGraphicFramePr>
+        <p:xfrm>
+          <a:off x="2332932" y="3802676"/>
+          <a:ext cx="3282045" cy="1425770"/>
+        </p:xfrm>
+        <a:graphic>
+          <a:graphicData uri="http://schemas.openxmlformats.org/drawingml/2006/table">
+            <a:tbl>
+              <a:tblPr firstRow="1" bandRow="1">
+                <a:tableStyleId>{5C22544A-7EE6-4342-B048-85BDC9FD1C3A}</a:tableStyleId>
+              </a:tblPr>
+              <a:tblGrid>
+                <a:gridCol w="1094015">
+                  <a:extLst>
+                    <a:ext uri="{9D8B030D-6E8A-4147-A177-3AD203B41FA5}">
+                      <a16:colId xmlns:a16="http://schemas.microsoft.com/office/drawing/2014/main" val="1698902520"/>
+                    </a:ext>
+                  </a:extLst>
+                </a:gridCol>
+                <a:gridCol w="1094015">
+                  <a:extLst>
+                    <a:ext uri="{9D8B030D-6E8A-4147-A177-3AD203B41FA5}">
+                      <a16:colId xmlns:a16="http://schemas.microsoft.com/office/drawing/2014/main" val="2743271016"/>
+                    </a:ext>
+                  </a:extLst>
+                </a:gridCol>
+                <a:gridCol w="1094015">
+                  <a:extLst>
+                    <a:ext uri="{9D8B030D-6E8A-4147-A177-3AD203B41FA5}">
+                      <a16:colId xmlns:a16="http://schemas.microsoft.com/office/drawing/2014/main" val="2849389592"/>
+                    </a:ext>
+                  </a:extLst>
+                </a:gridCol>
+              </a:tblGrid>
+              <a:tr h="285154">
+                <a:tc>
+                  <a:txBody>
+                    <a:bodyPr/>
+                    <a:lstStyle/>
+                    <a:p>
+                      <a:r>
+                        <a:rPr kumimoji="1" lang="en-US" altLang="ja-JP" sz="1200" dirty="0"/>
+                        <a:t>Route</a:t>
+                      </a:r>
+                      <a:endParaRPr kumimoji="1" lang="ja-JP" altLang="en-US" sz="1200"/>
+                    </a:p>
+                  </a:txBody>
+                  <a:tcPr marL="80953" marR="80953" marT="40477" marB="40477"/>
+                </a:tc>
+                <a:tc>
+                  <a:txBody>
+                    <a:bodyPr/>
+                    <a:lstStyle/>
+                    <a:p>
+                      <a:r>
+                        <a:rPr kumimoji="1" lang="en-US" altLang="ja-JP" sz="1200" dirty="0" err="1"/>
+                        <a:t>Desination</a:t>
+                      </a:r>
+                      <a:endParaRPr kumimoji="1" lang="ja-JP" altLang="en-US" sz="1200"/>
+                    </a:p>
+                  </a:txBody>
+                  <a:tcPr marL="80953" marR="80953" marT="40477" marB="40477"/>
+                </a:tc>
+                <a:tc>
+                  <a:txBody>
+                    <a:bodyPr/>
+                    <a:lstStyle/>
+                    <a:p>
+                      <a:r>
+                        <a:rPr kumimoji="1" lang="en-US" altLang="ja-JP" sz="1200" dirty="0"/>
+                        <a:t>Type</a:t>
+                      </a:r>
+                      <a:endParaRPr kumimoji="1" lang="ja-JP" altLang="en-US" sz="1200"/>
+                    </a:p>
+                  </a:txBody>
+                  <a:tcPr marL="80953" marR="80953" marT="40477" marB="40477"/>
+                </a:tc>
+                <a:extLst>
+                  <a:ext uri="{0D108BD9-81ED-4DB2-BD59-A6C34878D82A}">
+                    <a16:rowId xmlns:a16="http://schemas.microsoft.com/office/drawing/2014/main" val="2062662396"/>
+                  </a:ext>
+                </a:extLst>
+              </a:tr>
+              <a:tr h="285154">
+                <a:tc>
+                  <a:txBody>
+                    <a:bodyPr/>
+                    <a:lstStyle/>
+                    <a:p>
+                      <a:r>
+                        <a:rPr kumimoji="1" lang="en-US" altLang="ja-JP" sz="1200" dirty="0"/>
+                        <a:t>0.0.0.0/0</a:t>
+                      </a:r>
+                      <a:endParaRPr kumimoji="1" lang="ja-JP" altLang="en-US" sz="1200"/>
+                    </a:p>
+                  </a:txBody>
+                  <a:tcPr marL="80953" marR="80953" marT="40477" marB="40477"/>
+                </a:tc>
+                <a:tc>
+                  <a:txBody>
+                    <a:bodyPr/>
+                    <a:lstStyle/>
+                    <a:p>
+                      <a:r>
+                        <a:rPr kumimoji="1" lang="en-US" altLang="ja-JP" sz="1200" dirty="0"/>
+                        <a:t>Vpc1-attach</a:t>
+                      </a:r>
+                      <a:endParaRPr kumimoji="1" lang="ja-JP" altLang="en-US" sz="1200"/>
+                    </a:p>
+                  </a:txBody>
+                  <a:tcPr marL="80953" marR="80953" marT="40477" marB="40477"/>
+                </a:tc>
+                <a:tc>
+                  <a:txBody>
+                    <a:bodyPr/>
+                    <a:lstStyle/>
+                    <a:p>
+                      <a:r>
+                        <a:rPr kumimoji="1" lang="en-US" altLang="ja-JP" sz="1200" dirty="0"/>
+                        <a:t>static</a:t>
+                      </a:r>
+                      <a:endParaRPr kumimoji="1" lang="ja-JP" altLang="en-US" sz="1200"/>
+                    </a:p>
+                  </a:txBody>
+                  <a:tcPr marL="80953" marR="80953" marT="40477" marB="40477"/>
+                </a:tc>
+                <a:extLst>
+                  <a:ext uri="{0D108BD9-81ED-4DB2-BD59-A6C34878D82A}">
+                    <a16:rowId xmlns:a16="http://schemas.microsoft.com/office/drawing/2014/main" val="990764644"/>
+                  </a:ext>
+                </a:extLst>
+              </a:tr>
+              <a:tr h="285154">
+                <a:tc>
+                  <a:txBody>
+                    <a:bodyPr/>
+                    <a:lstStyle/>
+                    <a:p>
+                      <a:r>
+                        <a:rPr kumimoji="1" lang="en-US" altLang="ja-JP" sz="1200" dirty="0"/>
+                        <a:t>10.2.0.0/16</a:t>
+                      </a:r>
+                      <a:endParaRPr kumimoji="1" lang="ja-JP" altLang="en-US" sz="1200"/>
+                    </a:p>
+                  </a:txBody>
+                  <a:tcPr marL="80953" marR="80953" marT="40477" marB="40477"/>
+                </a:tc>
+                <a:tc>
+                  <a:txBody>
+                    <a:bodyPr/>
+                    <a:lstStyle/>
+                    <a:p>
+                      <a:r>
+                        <a:rPr kumimoji="1" lang="en-US" altLang="ja-JP" sz="1200" dirty="0"/>
+                        <a:t>Vpc2-attach</a:t>
+                      </a:r>
+                      <a:endParaRPr kumimoji="1" lang="ja-JP" altLang="en-US" sz="1200"/>
+                    </a:p>
+                  </a:txBody>
+                  <a:tcPr marL="80953" marR="80953" marT="40477" marB="40477"/>
+                </a:tc>
+                <a:tc>
+                  <a:txBody>
+                    <a:bodyPr/>
+                    <a:lstStyle/>
+                    <a:p>
+                      <a:r>
+                        <a:rPr kumimoji="1" lang="en-US" altLang="ja-JP" sz="1200" dirty="0"/>
+                        <a:t>propagated</a:t>
+                      </a:r>
+                      <a:endParaRPr kumimoji="1" lang="ja-JP" altLang="en-US" sz="1200"/>
+                    </a:p>
+                  </a:txBody>
+                  <a:tcPr marL="80953" marR="80953" marT="40477" marB="40477"/>
+                </a:tc>
+                <a:extLst>
+                  <a:ext uri="{0D108BD9-81ED-4DB2-BD59-A6C34878D82A}">
+                    <a16:rowId xmlns:a16="http://schemas.microsoft.com/office/drawing/2014/main" val="363881247"/>
+                  </a:ext>
+                </a:extLst>
+              </a:tr>
+              <a:tr h="285154">
+                <a:tc>
+                  <a:txBody>
+                    <a:bodyPr/>
+                    <a:lstStyle/>
+                    <a:p>
+                      <a:pPr marL="0" marR="0" lvl="0" indent="0" algn="l" defTabSz="914400" rtl="0" eaLnBrk="1" fontAlgn="auto" latinLnBrk="0" hangingPunct="1">
+                        <a:lnSpc>
+                          <a:spcPct val="100000"/>
+                        </a:lnSpc>
+                        <a:spcBef>
+                          <a:spcPts val="0"/>
+                        </a:spcBef>
+                        <a:spcAft>
+                          <a:spcPts val="0"/>
+                        </a:spcAft>
+                        <a:buClrTx/>
+                        <a:buSzTx/>
+                        <a:buFontTx/>
+                        <a:buNone/>
+                        <a:tabLst/>
+                        <a:defRPr/>
+                      </a:pPr>
+                      <a:r>
+                        <a:rPr kumimoji="1" lang="en-US" altLang="ja-JP" sz="1200" dirty="0"/>
+                        <a:t>10.3.0.0/16</a:t>
+                      </a:r>
+                      <a:endParaRPr kumimoji="1" lang="ja-JP" altLang="en-US" sz="1200"/>
+                    </a:p>
+                  </a:txBody>
+                  <a:tcPr marL="80953" marR="80953" marT="40477" marB="40477"/>
+                </a:tc>
+                <a:tc>
+                  <a:txBody>
+                    <a:bodyPr/>
+                    <a:lstStyle/>
+                    <a:p>
+                      <a:r>
+                        <a:rPr kumimoji="1" lang="en-US" altLang="ja-JP" sz="1200" dirty="0"/>
+                        <a:t>Vpc3-attach</a:t>
+                      </a:r>
+                      <a:endParaRPr kumimoji="1" lang="ja-JP" altLang="en-US" sz="1200"/>
+                    </a:p>
+                  </a:txBody>
+                  <a:tcPr marL="80953" marR="80953" marT="40477" marB="40477"/>
+                </a:tc>
+                <a:tc>
+                  <a:txBody>
+                    <a:bodyPr/>
+                    <a:lstStyle/>
+                    <a:p>
+                      <a:r>
+                        <a:rPr kumimoji="1" lang="en-US" altLang="ja-JP" sz="1200" dirty="0"/>
+                        <a:t>propagated</a:t>
+                      </a:r>
+                      <a:endParaRPr kumimoji="1" lang="ja-JP" altLang="en-US" sz="1200"/>
+                    </a:p>
+                  </a:txBody>
+                  <a:tcPr marL="80953" marR="80953" marT="40477" marB="40477"/>
+                </a:tc>
+                <a:extLst>
+                  <a:ext uri="{0D108BD9-81ED-4DB2-BD59-A6C34878D82A}">
+                    <a16:rowId xmlns:a16="http://schemas.microsoft.com/office/drawing/2014/main" val="3396363660"/>
+                  </a:ext>
+                </a:extLst>
+              </a:tr>
+              <a:tr h="285154">
+                <a:tc>
+                  <a:txBody>
+                    <a:bodyPr/>
+                    <a:lstStyle/>
+                    <a:p>
+                      <a:pPr marL="0" marR="0" lvl="0" indent="0" algn="l" defTabSz="914400" rtl="0" eaLnBrk="1" fontAlgn="auto" latinLnBrk="0" hangingPunct="1">
+                        <a:lnSpc>
+                          <a:spcPct val="100000"/>
+                        </a:lnSpc>
+                        <a:spcBef>
+                          <a:spcPts val="0"/>
+                        </a:spcBef>
+                        <a:spcAft>
+                          <a:spcPts val="0"/>
+                        </a:spcAft>
+                        <a:buClrTx/>
+                        <a:buSzTx/>
+                        <a:buFontTx/>
+                        <a:buNone/>
+                        <a:tabLst/>
+                        <a:defRPr/>
+                      </a:pPr>
+                      <a:r>
+                        <a:rPr kumimoji="1" lang="en-US" altLang="ja-JP" sz="1200" dirty="0"/>
+                        <a:t>10.5.0.0/16</a:t>
+                      </a:r>
+                      <a:endParaRPr kumimoji="1" lang="ja-JP" altLang="en-US" sz="1200"/>
+                    </a:p>
+                  </a:txBody>
+                  <a:tcPr marL="80953" marR="80953" marT="40477" marB="40477"/>
+                </a:tc>
+                <a:tc>
+                  <a:txBody>
+                    <a:bodyPr/>
+                    <a:lstStyle/>
+                    <a:p>
+                      <a:r>
+                        <a:rPr kumimoji="1" lang="en-US" altLang="ja-JP" sz="1200" dirty="0"/>
+                        <a:t>Vpc5-attach</a:t>
+                      </a:r>
+                      <a:endParaRPr kumimoji="1" lang="ja-JP" altLang="en-US" sz="1200"/>
+                    </a:p>
+                  </a:txBody>
+                  <a:tcPr marL="80953" marR="80953" marT="40477" marB="40477"/>
+                </a:tc>
+                <a:tc>
+                  <a:txBody>
+                    <a:bodyPr/>
+                    <a:lstStyle/>
+                    <a:p>
+                      <a:r>
+                        <a:rPr kumimoji="1" lang="en-US" altLang="ja-JP" sz="1200" dirty="0"/>
+                        <a:t>propagated</a:t>
+                      </a:r>
+                      <a:endParaRPr kumimoji="1" lang="ja-JP" altLang="en-US" sz="1200"/>
+                    </a:p>
+                  </a:txBody>
+                  <a:tcPr marL="80953" marR="80953" marT="40477" marB="40477"/>
+                </a:tc>
+                <a:extLst>
+                  <a:ext uri="{0D108BD9-81ED-4DB2-BD59-A6C34878D82A}">
+                    <a16:rowId xmlns:a16="http://schemas.microsoft.com/office/drawing/2014/main" val="4150482392"/>
+                  </a:ext>
+                </a:extLst>
+              </a:tr>
+            </a:tbl>
+          </a:graphicData>
+        </a:graphic>
+      </p:graphicFrame>
+      <p:sp>
+        <p:nvSpPr>
+          <p:cNvPr id="33" name="正方形/長方形 32">
+            <a:extLst>
+              <a:ext uri="{FF2B5EF4-FFF2-40B4-BE49-F238E27FC236}">
+                <a16:creationId xmlns:a16="http://schemas.microsoft.com/office/drawing/2014/main" id="{A077FEDC-7BA4-F44E-AFC4-FB748419D74C}"/>
+              </a:ext>
+            </a:extLst>
+          </p:cNvPr>
+          <p:cNvSpPr/>
+          <p:nvPr/>
+        </p:nvSpPr>
+        <p:spPr>
+          <a:xfrm>
+            <a:off x="775111" y="3403511"/>
+            <a:ext cx="5726876" cy="1958904"/>
+          </a:xfrm>
+          <a:prstGeom prst="rect">
+            <a:avLst/>
+          </a:prstGeom>
+          <a:noFill/>
+        </p:spPr>
+        <p:style>
+          <a:lnRef idx="2">
+            <a:schemeClr val="accent1"/>
+          </a:lnRef>
+          <a:fillRef idx="1">
+            <a:schemeClr val="lt1"/>
+          </a:fillRef>
+          <a:effectRef idx="0">
+            <a:schemeClr val="accent1"/>
+          </a:effectRef>
+          <a:fontRef idx="minor">
+            <a:schemeClr val="dk1"/>
+          </a:fontRef>
+        </p:style>
+        <p:txBody>
+          <a:bodyPr rtlCol="0" anchor="ctr"/>
+          <a:lstStyle/>
+          <a:p>
+            <a:pPr algn="ctr"/>
+            <a:endParaRPr kumimoji="1" lang="ja-JP" altLang="en-US"/>
+          </a:p>
+        </p:txBody>
+      </p:sp>
+      <p:pic>
+        <p:nvPicPr>
+          <p:cNvPr id="7" name="Graphic 7">
+            <a:extLst>
+              <a:ext uri="{FF2B5EF4-FFF2-40B4-BE49-F238E27FC236}">
+                <a16:creationId xmlns:a16="http://schemas.microsoft.com/office/drawing/2014/main" id="{950D6699-9576-2A46-A20A-FB25C8198B68}"/>
+              </a:ext>
+            </a:extLst>
+          </p:cNvPr>
+          <p:cNvPicPr>
+            <a:picLocks noChangeAspect="1" noChangeArrowheads="1"/>
+          </p:cNvPicPr>
+          <p:nvPr/>
+        </p:nvPicPr>
+        <p:blipFill>
+          <a:blip r:embed="rId2">
+            <a:extLst>
+              <a:ext uri="{28A0092B-C50C-407E-A947-70E740481C1C}">
+                <a14:useLocalDpi xmlns:a14="http://schemas.microsoft.com/office/drawing/2010/main" val="0"/>
+              </a:ext>
+            </a:extLst>
+          </a:blip>
+          <a:srcRect/>
+          <a:stretch>
+            <a:fillRect/>
+          </a:stretch>
+        </p:blipFill>
+        <p:spPr bwMode="auto">
+          <a:xfrm>
+            <a:off x="508121" y="3489027"/>
+            <a:ext cx="630511" cy="630511"/>
+          </a:xfrm>
+          <a:prstGeom prst="rect">
+            <a:avLst/>
+          </a:prstGeom>
+          <a:noFill/>
+          <a:ln>
+            <a:noFill/>
+          </a:ln>
+          <a:extLst>
+            <a:ext uri="{909E8E84-426E-40DD-AFC4-6F175D3DCCD1}">
+              <a14:hiddenFill xmlns:a14="http://schemas.microsoft.com/office/drawing/2010/main">
+                <a:solidFill>
+                  <a:srgbClr val="FFFFFF"/>
+                </a:solidFill>
+              </a14:hiddenFill>
+            </a:ext>
+            <a:ext uri="{91240B29-F687-4F45-9708-019B960494DF}">
+              <a14:hiddenLine xmlns:a14="http://schemas.microsoft.com/office/drawing/2010/main" w="9525">
+                <a:solidFill>
+                  <a:srgbClr val="000000"/>
+                </a:solidFill>
+                <a:miter lim="800000"/>
+                <a:headEnd/>
+                <a:tailEnd/>
+              </a14:hiddenLine>
+            </a:ext>
+          </a:extLst>
+        </p:spPr>
+      </p:pic>
+      <p:sp>
+        <p:nvSpPr>
+          <p:cNvPr id="8" name="Rectangle 3">
+            <a:extLst>
+              <a:ext uri="{FF2B5EF4-FFF2-40B4-BE49-F238E27FC236}">
+                <a16:creationId xmlns:a16="http://schemas.microsoft.com/office/drawing/2014/main" id="{A721FABB-0E3B-E945-9952-B12061549A75}"/>
+              </a:ext>
+            </a:extLst>
+          </p:cNvPr>
+          <p:cNvSpPr/>
+          <p:nvPr/>
+        </p:nvSpPr>
+        <p:spPr bwMode="auto">
+          <a:xfrm>
+            <a:off x="501889" y="840272"/>
+            <a:ext cx="2086837" cy="2070491"/>
+          </a:xfrm>
+          <a:prstGeom prst="rect">
+            <a:avLst/>
+          </a:prstGeom>
+          <a:noFill/>
+          <a:ln w="12700">
+            <a:solidFill>
+              <a:srgbClr val="1E8900"/>
+            </a:solidFill>
+          </a:ln>
+        </p:spPr>
+        <p:style>
+          <a:lnRef idx="2">
+            <a:schemeClr val="accent1">
+              <a:shade val="50000"/>
+            </a:schemeClr>
+          </a:lnRef>
+          <a:fillRef idx="1">
+            <a:schemeClr val="accent1"/>
+          </a:fillRef>
+          <a:effectRef idx="0">
+            <a:schemeClr val="accent1"/>
+          </a:effectRef>
+          <a:fontRef idx="minor">
+            <a:schemeClr val="lt1"/>
+          </a:fontRef>
+        </p:style>
+        <p:txBody>
+          <a:bodyPr lIns="457200" tIns="91440"/>
+          <a:lstStyle/>
+          <a:p>
+            <a:pPr eaLnBrk="1" fontAlgn="auto" hangingPunct="1">
+              <a:spcBef>
+                <a:spcPts val="0"/>
+              </a:spcBef>
+              <a:spcAft>
+                <a:spcPts val="0"/>
+              </a:spcAft>
+              <a:defRPr/>
+            </a:pPr>
+            <a:r>
+              <a:rPr lang="en-US" sz="1200" dirty="0">
+                <a:ln w="0"/>
+                <a:solidFill>
+                  <a:srgbClr val="1E8900"/>
+                </a:solidFill>
+                <a:latin typeface="Arial" panose="020B0604020202020204" pitchFamily="34" charset="0"/>
+                <a:cs typeface="Arial" panose="020B0604020202020204" pitchFamily="34" charset="0"/>
+              </a:rPr>
+              <a:t>VPC1(10.1.0.0/16)</a:t>
+            </a:r>
+          </a:p>
+        </p:txBody>
+      </p:sp>
+      <p:pic>
+        <p:nvPicPr>
+          <p:cNvPr id="9" name="Graphic 9">
+            <a:extLst>
+              <a:ext uri="{FF2B5EF4-FFF2-40B4-BE49-F238E27FC236}">
+                <a16:creationId xmlns:a16="http://schemas.microsoft.com/office/drawing/2014/main" id="{AEEA39DC-390B-5741-8BEF-900FCCADDB96}"/>
+              </a:ext>
+            </a:extLst>
+          </p:cNvPr>
+          <p:cNvPicPr>
+            <a:picLocks noChangeAspect="1" noChangeArrowheads="1"/>
+          </p:cNvPicPr>
+          <p:nvPr/>
+        </p:nvPicPr>
+        <p:blipFill>
+          <a:blip r:embed="rId3">
+            <a:extLst>
+              <a:ext uri="{28A0092B-C50C-407E-A947-70E740481C1C}">
+                <a14:useLocalDpi xmlns:a14="http://schemas.microsoft.com/office/drawing/2010/main" val="0"/>
+              </a:ext>
+            </a:extLst>
+          </a:blip>
+          <a:srcRect/>
+          <a:stretch>
+            <a:fillRect/>
+          </a:stretch>
+        </p:blipFill>
+        <p:spPr bwMode="auto">
+          <a:xfrm>
+            <a:off x="501889" y="840272"/>
+            <a:ext cx="273222" cy="273222"/>
+          </a:xfrm>
+          <a:prstGeom prst="rect">
+            <a:avLst/>
+          </a:prstGeom>
+          <a:noFill/>
+          <a:ln>
+            <a:noFill/>
+          </a:ln>
+          <a:extLst>
+            <a:ext uri="{909E8E84-426E-40DD-AFC4-6F175D3DCCD1}">
+              <a14:hiddenFill xmlns:a14="http://schemas.microsoft.com/office/drawing/2010/main">
+                <a:solidFill>
+                  <a:srgbClr val="FFFFFF"/>
+                </a:solidFill>
+              </a14:hiddenFill>
+            </a:ext>
+            <a:ext uri="{91240B29-F687-4F45-9708-019B960494DF}">
+              <a14:hiddenLine xmlns:a14="http://schemas.microsoft.com/office/drawing/2010/main" w="9525">
+                <a:solidFill>
+                  <a:srgbClr val="000000"/>
+                </a:solidFill>
+                <a:miter lim="800000"/>
+                <a:headEnd/>
+                <a:tailEnd/>
+              </a14:hiddenLine>
+            </a:ext>
+          </a:extLst>
+        </p:spPr>
+      </p:pic>
+      <p:sp>
+        <p:nvSpPr>
+          <p:cNvPr id="10" name="Rectangle 3">
+            <a:extLst>
+              <a:ext uri="{FF2B5EF4-FFF2-40B4-BE49-F238E27FC236}">
+                <a16:creationId xmlns:a16="http://schemas.microsoft.com/office/drawing/2014/main" id="{EBAE5417-13C7-384E-8C86-1F8B13908610}"/>
+              </a:ext>
+            </a:extLst>
+          </p:cNvPr>
+          <p:cNvSpPr/>
+          <p:nvPr/>
+        </p:nvSpPr>
+        <p:spPr bwMode="auto">
+          <a:xfrm>
+            <a:off x="3089064" y="840272"/>
+            <a:ext cx="2086837" cy="2070491"/>
+          </a:xfrm>
+          <a:prstGeom prst="rect">
+            <a:avLst/>
+          </a:prstGeom>
+          <a:noFill/>
+          <a:ln w="12700">
+            <a:solidFill>
+              <a:srgbClr val="1E8900"/>
+            </a:solidFill>
+          </a:ln>
+        </p:spPr>
+        <p:style>
+          <a:lnRef idx="2">
+            <a:schemeClr val="accent1">
+              <a:shade val="50000"/>
+            </a:schemeClr>
+          </a:lnRef>
+          <a:fillRef idx="1">
+            <a:schemeClr val="accent1"/>
+          </a:fillRef>
+          <a:effectRef idx="0">
+            <a:schemeClr val="accent1"/>
+          </a:effectRef>
+          <a:fontRef idx="minor">
+            <a:schemeClr val="lt1"/>
+          </a:fontRef>
+        </p:style>
+        <p:txBody>
+          <a:bodyPr lIns="457200" tIns="91440"/>
+          <a:lstStyle/>
+          <a:p>
+            <a:pPr eaLnBrk="1" fontAlgn="auto" hangingPunct="1">
+              <a:spcBef>
+                <a:spcPts val="0"/>
+              </a:spcBef>
+              <a:spcAft>
+                <a:spcPts val="0"/>
+              </a:spcAft>
+              <a:defRPr/>
+            </a:pPr>
+            <a:r>
+              <a:rPr lang="en-US" sz="1200" dirty="0">
+                <a:ln w="0"/>
+                <a:solidFill>
+                  <a:srgbClr val="1E8900"/>
+                </a:solidFill>
+                <a:latin typeface="Arial" panose="020B0604020202020204" pitchFamily="34" charset="0"/>
+                <a:cs typeface="Arial" panose="020B0604020202020204" pitchFamily="34" charset="0"/>
+              </a:rPr>
+              <a:t>VPC2(10.2.0.0/16)</a:t>
+            </a:r>
+          </a:p>
+        </p:txBody>
+      </p:sp>
+      <p:pic>
+        <p:nvPicPr>
+          <p:cNvPr id="11" name="Graphic 9">
+            <a:extLst>
+              <a:ext uri="{FF2B5EF4-FFF2-40B4-BE49-F238E27FC236}">
+                <a16:creationId xmlns:a16="http://schemas.microsoft.com/office/drawing/2014/main" id="{0F4917CC-4381-4A41-837D-DFB5C27619E4}"/>
+              </a:ext>
+            </a:extLst>
+          </p:cNvPr>
+          <p:cNvPicPr>
+            <a:picLocks noChangeAspect="1" noChangeArrowheads="1"/>
+          </p:cNvPicPr>
+          <p:nvPr/>
+        </p:nvPicPr>
+        <p:blipFill>
+          <a:blip r:embed="rId3">
+            <a:extLst>
+              <a:ext uri="{28A0092B-C50C-407E-A947-70E740481C1C}">
+                <a14:useLocalDpi xmlns:a14="http://schemas.microsoft.com/office/drawing/2010/main" val="0"/>
+              </a:ext>
+            </a:extLst>
+          </a:blip>
+          <a:srcRect/>
+          <a:stretch>
+            <a:fillRect/>
+          </a:stretch>
+        </p:blipFill>
+        <p:spPr bwMode="auto">
+          <a:xfrm>
+            <a:off x="3089064" y="840272"/>
+            <a:ext cx="273222" cy="273222"/>
+          </a:xfrm>
+          <a:prstGeom prst="rect">
+            <a:avLst/>
+          </a:prstGeom>
+          <a:noFill/>
+          <a:ln>
+            <a:noFill/>
+          </a:ln>
+          <a:extLst>
+            <a:ext uri="{909E8E84-426E-40DD-AFC4-6F175D3DCCD1}">
+              <a14:hiddenFill xmlns:a14="http://schemas.microsoft.com/office/drawing/2010/main">
+                <a:solidFill>
+                  <a:srgbClr val="FFFFFF"/>
+                </a:solidFill>
+              </a14:hiddenFill>
+            </a:ext>
+            <a:ext uri="{91240B29-F687-4F45-9708-019B960494DF}">
+              <a14:hiddenLine xmlns:a14="http://schemas.microsoft.com/office/drawing/2010/main" w="9525">
+                <a:solidFill>
+                  <a:srgbClr val="000000"/>
+                </a:solidFill>
+                <a:miter lim="800000"/>
+                <a:headEnd/>
+                <a:tailEnd/>
+              </a14:hiddenLine>
+            </a:ext>
+          </a:extLst>
+        </p:spPr>
+      </p:pic>
+      <p:sp>
+        <p:nvSpPr>
+          <p:cNvPr id="13" name="Rectangle 3">
+            <a:extLst>
+              <a:ext uri="{FF2B5EF4-FFF2-40B4-BE49-F238E27FC236}">
+                <a16:creationId xmlns:a16="http://schemas.microsoft.com/office/drawing/2014/main" id="{D29BB68C-E05C-D44B-8593-F7323269D1A2}"/>
+              </a:ext>
+            </a:extLst>
+          </p:cNvPr>
+          <p:cNvSpPr/>
+          <p:nvPr/>
+        </p:nvSpPr>
+        <p:spPr bwMode="auto">
+          <a:xfrm>
+            <a:off x="5676240" y="841715"/>
+            <a:ext cx="2086837" cy="2070491"/>
+          </a:xfrm>
+          <a:prstGeom prst="rect">
+            <a:avLst/>
+          </a:prstGeom>
+          <a:noFill/>
+          <a:ln w="12700">
+            <a:solidFill>
+              <a:srgbClr val="1E8900"/>
+            </a:solidFill>
+          </a:ln>
+        </p:spPr>
+        <p:style>
+          <a:lnRef idx="2">
+            <a:schemeClr val="accent1">
+              <a:shade val="50000"/>
+            </a:schemeClr>
+          </a:lnRef>
+          <a:fillRef idx="1">
+            <a:schemeClr val="accent1"/>
+          </a:fillRef>
+          <a:effectRef idx="0">
+            <a:schemeClr val="accent1"/>
+          </a:effectRef>
+          <a:fontRef idx="minor">
+            <a:schemeClr val="lt1"/>
+          </a:fontRef>
+        </p:style>
+        <p:txBody>
+          <a:bodyPr lIns="457200" tIns="91440"/>
+          <a:lstStyle/>
+          <a:p>
+            <a:pPr eaLnBrk="1" fontAlgn="auto" hangingPunct="1">
+              <a:spcBef>
+                <a:spcPts val="0"/>
+              </a:spcBef>
+              <a:spcAft>
+                <a:spcPts val="0"/>
+              </a:spcAft>
+              <a:defRPr/>
+            </a:pPr>
+            <a:r>
+              <a:rPr lang="en-US" sz="1200" dirty="0">
+                <a:ln w="0"/>
+                <a:solidFill>
+                  <a:srgbClr val="1E8900"/>
+                </a:solidFill>
+                <a:latin typeface="Arial" panose="020B0604020202020204" pitchFamily="34" charset="0"/>
+                <a:cs typeface="Arial" panose="020B0604020202020204" pitchFamily="34" charset="0"/>
+              </a:rPr>
+              <a:t>VPC3(10.3.0.0/16)</a:t>
+            </a:r>
+          </a:p>
+        </p:txBody>
+      </p:sp>
+      <p:pic>
+        <p:nvPicPr>
+          <p:cNvPr id="14" name="Graphic 9">
+            <a:extLst>
+              <a:ext uri="{FF2B5EF4-FFF2-40B4-BE49-F238E27FC236}">
+                <a16:creationId xmlns:a16="http://schemas.microsoft.com/office/drawing/2014/main" id="{038B04E9-7839-384E-8FDC-987FD73BE3C5}"/>
+              </a:ext>
+            </a:extLst>
+          </p:cNvPr>
+          <p:cNvPicPr>
+            <a:picLocks noChangeAspect="1" noChangeArrowheads="1"/>
+          </p:cNvPicPr>
+          <p:nvPr/>
+        </p:nvPicPr>
+        <p:blipFill>
+          <a:blip r:embed="rId3">
+            <a:extLst>
+              <a:ext uri="{28A0092B-C50C-407E-A947-70E740481C1C}">
+                <a14:useLocalDpi xmlns:a14="http://schemas.microsoft.com/office/drawing/2010/main" val="0"/>
+              </a:ext>
+            </a:extLst>
+          </a:blip>
+          <a:srcRect/>
+          <a:stretch>
+            <a:fillRect/>
+          </a:stretch>
+        </p:blipFill>
+        <p:spPr bwMode="auto">
+          <a:xfrm>
+            <a:off x="5676240" y="841715"/>
+            <a:ext cx="273222" cy="273222"/>
+          </a:xfrm>
+          <a:prstGeom prst="rect">
+            <a:avLst/>
+          </a:prstGeom>
+          <a:noFill/>
+          <a:ln>
+            <a:noFill/>
+          </a:ln>
+          <a:extLst>
+            <a:ext uri="{909E8E84-426E-40DD-AFC4-6F175D3DCCD1}">
+              <a14:hiddenFill xmlns:a14="http://schemas.microsoft.com/office/drawing/2010/main">
+                <a:solidFill>
+                  <a:srgbClr val="FFFFFF"/>
+                </a:solidFill>
+              </a14:hiddenFill>
+            </a:ext>
+            <a:ext uri="{91240B29-F687-4F45-9708-019B960494DF}">
+              <a14:hiddenLine xmlns:a14="http://schemas.microsoft.com/office/drawing/2010/main" w="9525">
+                <a:solidFill>
+                  <a:srgbClr val="000000"/>
+                </a:solidFill>
+                <a:miter lim="800000"/>
+                <a:headEnd/>
+                <a:tailEnd/>
+              </a14:hiddenLine>
+            </a:ext>
+          </a:extLst>
+        </p:spPr>
+      </p:pic>
+      <p:sp>
+        <p:nvSpPr>
+          <p:cNvPr id="15" name="Rectangle 22">
+            <a:extLst>
+              <a:ext uri="{FF2B5EF4-FFF2-40B4-BE49-F238E27FC236}">
+                <a16:creationId xmlns:a16="http://schemas.microsoft.com/office/drawing/2014/main" id="{0F58B2B7-C514-174B-9456-7AACB0EE86BB}"/>
+              </a:ext>
+            </a:extLst>
+          </p:cNvPr>
+          <p:cNvSpPr/>
+          <p:nvPr/>
+        </p:nvSpPr>
+        <p:spPr>
+          <a:xfrm>
+            <a:off x="874885" y="1113493"/>
+            <a:ext cx="1460685" cy="642376"/>
+          </a:xfrm>
+          <a:prstGeom prst="rect">
+            <a:avLst/>
+          </a:prstGeom>
+          <a:solidFill>
+            <a:srgbClr val="1D8900">
+              <a:alpha val="9804"/>
+            </a:srgbClr>
+          </a:solidFill>
+          <a:ln w="12700">
+            <a:noFill/>
+            <a:prstDash val="dash"/>
+          </a:ln>
+        </p:spPr>
+        <p:style>
+          <a:lnRef idx="2">
+            <a:schemeClr val="accent1">
+              <a:shade val="50000"/>
+            </a:schemeClr>
+          </a:lnRef>
+          <a:fillRef idx="1">
+            <a:schemeClr val="accent1"/>
+          </a:fillRef>
+          <a:effectRef idx="0">
+            <a:schemeClr val="accent1"/>
+          </a:effectRef>
+          <a:fontRef idx="minor">
+            <a:schemeClr val="lt1"/>
+          </a:fontRef>
+        </p:style>
+        <p:txBody>
+          <a:bodyPr lIns="338328"/>
+          <a:lstStyle/>
+          <a:p>
+            <a:pPr eaLnBrk="1" fontAlgn="auto" hangingPunct="1">
+              <a:spcBef>
+                <a:spcPts val="0"/>
+              </a:spcBef>
+              <a:spcAft>
+                <a:spcPts val="0"/>
+              </a:spcAft>
+              <a:defRPr/>
+            </a:pPr>
+            <a:r>
+              <a:rPr lang="en-US" sz="1200" dirty="0">
+                <a:solidFill>
+                  <a:srgbClr val="1E8900"/>
+                </a:solidFill>
+                <a:latin typeface="Arial" panose="020B0604020202020204" pitchFamily="34" charset="0"/>
+                <a:cs typeface="Arial" panose="020B0604020202020204" pitchFamily="34" charset="0"/>
+              </a:rPr>
+              <a:t>Public subnet</a:t>
+            </a:r>
+          </a:p>
+        </p:txBody>
+      </p:sp>
+      <p:pic>
+        <p:nvPicPr>
+          <p:cNvPr id="16" name="Graphic 23">
+            <a:extLst>
+              <a:ext uri="{FF2B5EF4-FFF2-40B4-BE49-F238E27FC236}">
+                <a16:creationId xmlns:a16="http://schemas.microsoft.com/office/drawing/2014/main" id="{7636DF94-64F0-CF4B-9FF5-2CFF97315D03}"/>
+              </a:ext>
+            </a:extLst>
+          </p:cNvPr>
+          <p:cNvPicPr>
+            <a:picLocks noChangeAspect="1" noChangeArrowheads="1"/>
+          </p:cNvPicPr>
+          <p:nvPr/>
+        </p:nvPicPr>
+        <p:blipFill>
+          <a:blip r:embed="rId4">
+            <a:extLst>
+              <a:ext uri="{28A0092B-C50C-407E-A947-70E740481C1C}">
+                <a14:useLocalDpi xmlns:a14="http://schemas.microsoft.com/office/drawing/2010/main" val="0"/>
+              </a:ext>
+            </a:extLst>
+          </a:blip>
+          <a:srcRect/>
+          <a:stretch>
+            <a:fillRect/>
+          </a:stretch>
+        </p:blipFill>
+        <p:spPr bwMode="auto">
+          <a:xfrm>
+            <a:off x="874884" y="1122678"/>
+            <a:ext cx="227246" cy="227247"/>
+          </a:xfrm>
+          <a:prstGeom prst="rect">
+            <a:avLst/>
+          </a:prstGeom>
+          <a:noFill/>
+          <a:ln>
+            <a:noFill/>
+          </a:ln>
+          <a:extLst>
+            <a:ext uri="{909E8E84-426E-40DD-AFC4-6F175D3DCCD1}">
+              <a14:hiddenFill xmlns:a14="http://schemas.microsoft.com/office/drawing/2010/main">
+                <a:solidFill>
+                  <a:srgbClr val="FFFFFF"/>
+                </a:solidFill>
+              </a14:hiddenFill>
+            </a:ext>
+            <a:ext uri="{91240B29-F687-4F45-9708-019B960494DF}">
+              <a14:hiddenLine xmlns:a14="http://schemas.microsoft.com/office/drawing/2010/main" w="9525">
+                <a:solidFill>
+                  <a:srgbClr val="000000"/>
+                </a:solidFill>
+                <a:miter lim="800000"/>
+                <a:headEnd/>
+                <a:tailEnd/>
+              </a14:hiddenLine>
+            </a:ext>
+          </a:extLst>
+        </p:spPr>
+      </p:pic>
+      <p:sp>
+        <p:nvSpPr>
+          <p:cNvPr id="17" name="Rectangle 7">
+            <a:extLst>
+              <a:ext uri="{FF2B5EF4-FFF2-40B4-BE49-F238E27FC236}">
+                <a16:creationId xmlns:a16="http://schemas.microsoft.com/office/drawing/2014/main" id="{E5719E36-EF61-774B-B487-D3240E10ED57}"/>
+              </a:ext>
+            </a:extLst>
+          </p:cNvPr>
+          <p:cNvSpPr/>
+          <p:nvPr/>
+        </p:nvSpPr>
+        <p:spPr>
+          <a:xfrm>
+            <a:off x="874884" y="1782004"/>
+            <a:ext cx="1460685" cy="630511"/>
+          </a:xfrm>
+          <a:prstGeom prst="rect">
+            <a:avLst/>
+          </a:prstGeom>
+          <a:solidFill>
+            <a:srgbClr val="007CBC">
+              <a:alpha val="9804"/>
+            </a:srgbClr>
+          </a:solidFill>
+          <a:ln w="12700">
+            <a:noFill/>
+            <a:prstDash val="dash"/>
+          </a:ln>
+        </p:spPr>
+        <p:style>
+          <a:lnRef idx="2">
+            <a:schemeClr val="accent1">
+              <a:shade val="50000"/>
+            </a:schemeClr>
+          </a:lnRef>
+          <a:fillRef idx="1">
+            <a:schemeClr val="accent1"/>
+          </a:fillRef>
+          <a:effectRef idx="0">
+            <a:schemeClr val="accent1"/>
+          </a:effectRef>
+          <a:fontRef idx="minor">
+            <a:schemeClr val="lt1"/>
+          </a:fontRef>
+        </p:style>
+        <p:txBody>
+          <a:bodyPr lIns="338328"/>
+          <a:lstStyle/>
+          <a:p>
+            <a:pPr eaLnBrk="1" fontAlgn="auto" hangingPunct="1">
+              <a:spcBef>
+                <a:spcPts val="0"/>
+              </a:spcBef>
+              <a:spcAft>
+                <a:spcPts val="0"/>
+              </a:spcAft>
+              <a:defRPr/>
+            </a:pPr>
+            <a:r>
+              <a:rPr lang="en-US" sz="1200" dirty="0">
+                <a:solidFill>
+                  <a:srgbClr val="5B9CD5"/>
+                </a:solidFill>
+                <a:latin typeface="Arial" panose="020B0604020202020204" pitchFamily="34" charset="0"/>
+                <a:cs typeface="Arial" panose="020B0604020202020204" pitchFamily="34" charset="0"/>
+              </a:rPr>
+              <a:t>Private subnet</a:t>
+            </a:r>
+          </a:p>
+        </p:txBody>
+      </p:sp>
+      <p:pic>
+        <p:nvPicPr>
+          <p:cNvPr id="18" name="Graphic 35">
+            <a:extLst>
+              <a:ext uri="{FF2B5EF4-FFF2-40B4-BE49-F238E27FC236}">
+                <a16:creationId xmlns:a16="http://schemas.microsoft.com/office/drawing/2014/main" id="{9451912D-AFF9-A84C-A05C-CF70115CF87C}"/>
+              </a:ext>
+            </a:extLst>
+          </p:cNvPr>
+          <p:cNvPicPr>
+            <a:picLocks noChangeAspect="1" noChangeArrowheads="1"/>
+          </p:cNvPicPr>
+          <p:nvPr/>
+        </p:nvPicPr>
+        <p:blipFill>
+          <a:blip r:embed="rId5">
+            <a:extLst>
+              <a:ext uri="{28A0092B-C50C-407E-A947-70E740481C1C}">
+                <a14:useLocalDpi xmlns:a14="http://schemas.microsoft.com/office/drawing/2010/main" val="0"/>
+              </a:ext>
+            </a:extLst>
+          </a:blip>
+          <a:srcRect/>
+          <a:stretch>
+            <a:fillRect/>
+          </a:stretch>
+        </p:blipFill>
+        <p:spPr bwMode="auto">
+          <a:xfrm>
+            <a:off x="874884" y="1780690"/>
+            <a:ext cx="227246" cy="227247"/>
+          </a:xfrm>
+          <a:prstGeom prst="rect">
+            <a:avLst/>
+          </a:prstGeom>
+          <a:noFill/>
+          <a:ln>
+            <a:noFill/>
+          </a:ln>
+          <a:extLst>
+            <a:ext uri="{909E8E84-426E-40DD-AFC4-6F175D3DCCD1}">
+              <a14:hiddenFill xmlns:a14="http://schemas.microsoft.com/office/drawing/2010/main">
+                <a:solidFill>
+                  <a:srgbClr val="FFFFFF"/>
+                </a:solidFill>
+              </a14:hiddenFill>
+            </a:ext>
+            <a:ext uri="{91240B29-F687-4F45-9708-019B960494DF}">
+              <a14:hiddenLine xmlns:a14="http://schemas.microsoft.com/office/drawing/2010/main" w="9525">
+                <a:solidFill>
+                  <a:srgbClr val="000000"/>
+                </a:solidFill>
+                <a:miter lim="800000"/>
+                <a:headEnd/>
+                <a:tailEnd/>
+              </a14:hiddenLine>
+            </a:ext>
+          </a:extLst>
+        </p:spPr>
+      </p:pic>
+      <p:sp>
+        <p:nvSpPr>
+          <p:cNvPr id="19" name="Rectangle 7">
+            <a:extLst>
+              <a:ext uri="{FF2B5EF4-FFF2-40B4-BE49-F238E27FC236}">
+                <a16:creationId xmlns:a16="http://schemas.microsoft.com/office/drawing/2014/main" id="{0E0AC0A7-798F-6447-B504-59E411105015}"/>
+              </a:ext>
+            </a:extLst>
+          </p:cNvPr>
+          <p:cNvSpPr/>
+          <p:nvPr/>
+        </p:nvSpPr>
+        <p:spPr>
+          <a:xfrm>
+            <a:off x="3402141" y="1755869"/>
+            <a:ext cx="1460685" cy="630511"/>
+          </a:xfrm>
+          <a:prstGeom prst="rect">
+            <a:avLst/>
+          </a:prstGeom>
+          <a:solidFill>
+            <a:srgbClr val="007CBC">
+              <a:alpha val="9804"/>
+            </a:srgbClr>
+          </a:solidFill>
+          <a:ln w="12700">
+            <a:noFill/>
+            <a:prstDash val="dash"/>
+          </a:ln>
+        </p:spPr>
+        <p:style>
+          <a:lnRef idx="2">
+            <a:schemeClr val="accent1">
+              <a:shade val="50000"/>
+            </a:schemeClr>
+          </a:lnRef>
+          <a:fillRef idx="1">
+            <a:schemeClr val="accent1"/>
+          </a:fillRef>
+          <a:effectRef idx="0">
+            <a:schemeClr val="accent1"/>
+          </a:effectRef>
+          <a:fontRef idx="minor">
+            <a:schemeClr val="lt1"/>
+          </a:fontRef>
+        </p:style>
+        <p:txBody>
+          <a:bodyPr lIns="338328"/>
+          <a:lstStyle/>
+          <a:p>
+            <a:pPr eaLnBrk="1" fontAlgn="auto" hangingPunct="1">
+              <a:spcBef>
+                <a:spcPts val="0"/>
+              </a:spcBef>
+              <a:spcAft>
+                <a:spcPts val="0"/>
+              </a:spcAft>
+              <a:defRPr/>
+            </a:pPr>
+            <a:r>
+              <a:rPr lang="en-US" sz="1200" dirty="0">
+                <a:solidFill>
+                  <a:srgbClr val="5B9CD5"/>
+                </a:solidFill>
+                <a:latin typeface="Arial" panose="020B0604020202020204" pitchFamily="34" charset="0"/>
+                <a:cs typeface="Arial" panose="020B0604020202020204" pitchFamily="34" charset="0"/>
+              </a:rPr>
+              <a:t>Private subnet</a:t>
+            </a:r>
+          </a:p>
+        </p:txBody>
+      </p:sp>
+      <p:pic>
+        <p:nvPicPr>
+          <p:cNvPr id="20" name="Graphic 35">
+            <a:extLst>
+              <a:ext uri="{FF2B5EF4-FFF2-40B4-BE49-F238E27FC236}">
+                <a16:creationId xmlns:a16="http://schemas.microsoft.com/office/drawing/2014/main" id="{00172D20-CDF8-1E44-A434-01C6FBC8F16F}"/>
+              </a:ext>
+            </a:extLst>
+          </p:cNvPr>
+          <p:cNvPicPr>
+            <a:picLocks noChangeAspect="1" noChangeArrowheads="1"/>
+          </p:cNvPicPr>
+          <p:nvPr/>
+        </p:nvPicPr>
+        <p:blipFill>
+          <a:blip r:embed="rId5">
+            <a:extLst>
+              <a:ext uri="{28A0092B-C50C-407E-A947-70E740481C1C}">
+                <a14:useLocalDpi xmlns:a14="http://schemas.microsoft.com/office/drawing/2010/main" val="0"/>
+              </a:ext>
+            </a:extLst>
+          </a:blip>
+          <a:srcRect/>
+          <a:stretch>
+            <a:fillRect/>
+          </a:stretch>
+        </p:blipFill>
+        <p:spPr bwMode="auto">
+          <a:xfrm>
+            <a:off x="3402141" y="1754555"/>
+            <a:ext cx="227246" cy="227247"/>
+          </a:xfrm>
+          <a:prstGeom prst="rect">
+            <a:avLst/>
+          </a:prstGeom>
+          <a:noFill/>
+          <a:ln>
+            <a:noFill/>
+          </a:ln>
+          <a:extLst>
+            <a:ext uri="{909E8E84-426E-40DD-AFC4-6F175D3DCCD1}">
+              <a14:hiddenFill xmlns:a14="http://schemas.microsoft.com/office/drawing/2010/main">
+                <a:solidFill>
+                  <a:srgbClr val="FFFFFF"/>
+                </a:solidFill>
+              </a14:hiddenFill>
+            </a:ext>
+            <a:ext uri="{91240B29-F687-4F45-9708-019B960494DF}">
+              <a14:hiddenLine xmlns:a14="http://schemas.microsoft.com/office/drawing/2010/main" w="9525">
+                <a:solidFill>
+                  <a:srgbClr val="000000"/>
+                </a:solidFill>
+                <a:miter lim="800000"/>
+                <a:headEnd/>
+                <a:tailEnd/>
+              </a14:hiddenLine>
+            </a:ext>
+          </a:extLst>
+        </p:spPr>
+      </p:pic>
+      <p:sp>
+        <p:nvSpPr>
+          <p:cNvPr id="21" name="Rectangle 7">
+            <a:extLst>
+              <a:ext uri="{FF2B5EF4-FFF2-40B4-BE49-F238E27FC236}">
+                <a16:creationId xmlns:a16="http://schemas.microsoft.com/office/drawing/2014/main" id="{BB05F30F-7985-3342-A298-AE0112261140}"/>
+              </a:ext>
+            </a:extLst>
+          </p:cNvPr>
+          <p:cNvSpPr/>
+          <p:nvPr/>
+        </p:nvSpPr>
+        <p:spPr>
+          <a:xfrm>
+            <a:off x="5986558" y="1754555"/>
+            <a:ext cx="1460685" cy="630511"/>
+          </a:xfrm>
+          <a:prstGeom prst="rect">
+            <a:avLst/>
+          </a:prstGeom>
+          <a:solidFill>
+            <a:srgbClr val="007CBC">
+              <a:alpha val="9804"/>
+            </a:srgbClr>
+          </a:solidFill>
+          <a:ln w="12700">
+            <a:noFill/>
+            <a:prstDash val="dash"/>
+          </a:ln>
+        </p:spPr>
+        <p:style>
+          <a:lnRef idx="2">
+            <a:schemeClr val="accent1">
+              <a:shade val="50000"/>
+            </a:schemeClr>
+          </a:lnRef>
+          <a:fillRef idx="1">
+            <a:schemeClr val="accent1"/>
+          </a:fillRef>
+          <a:effectRef idx="0">
+            <a:schemeClr val="accent1"/>
+          </a:effectRef>
+          <a:fontRef idx="minor">
+            <a:schemeClr val="lt1"/>
+          </a:fontRef>
+        </p:style>
+        <p:txBody>
+          <a:bodyPr lIns="338328"/>
+          <a:lstStyle/>
+          <a:p>
+            <a:pPr eaLnBrk="1" fontAlgn="auto" hangingPunct="1">
+              <a:spcBef>
+                <a:spcPts val="0"/>
+              </a:spcBef>
+              <a:spcAft>
+                <a:spcPts val="0"/>
+              </a:spcAft>
+              <a:defRPr/>
+            </a:pPr>
+            <a:r>
+              <a:rPr lang="en-US" sz="1200" dirty="0">
+                <a:solidFill>
+                  <a:srgbClr val="5B9CD5"/>
+                </a:solidFill>
+                <a:latin typeface="Arial" panose="020B0604020202020204" pitchFamily="34" charset="0"/>
+                <a:cs typeface="Arial" panose="020B0604020202020204" pitchFamily="34" charset="0"/>
+              </a:rPr>
+              <a:t>Private subnet</a:t>
+            </a:r>
+          </a:p>
+        </p:txBody>
+      </p:sp>
+      <p:pic>
+        <p:nvPicPr>
+          <p:cNvPr id="22" name="Graphic 35">
+            <a:extLst>
+              <a:ext uri="{FF2B5EF4-FFF2-40B4-BE49-F238E27FC236}">
+                <a16:creationId xmlns:a16="http://schemas.microsoft.com/office/drawing/2014/main" id="{5C10F936-5F2A-834F-9793-5C1AFDC32E3F}"/>
+              </a:ext>
+            </a:extLst>
+          </p:cNvPr>
+          <p:cNvPicPr>
+            <a:picLocks noChangeAspect="1" noChangeArrowheads="1"/>
+          </p:cNvPicPr>
+          <p:nvPr/>
+        </p:nvPicPr>
+        <p:blipFill>
+          <a:blip r:embed="rId5">
+            <a:extLst>
+              <a:ext uri="{28A0092B-C50C-407E-A947-70E740481C1C}">
+                <a14:useLocalDpi xmlns:a14="http://schemas.microsoft.com/office/drawing/2010/main" val="0"/>
+              </a:ext>
+            </a:extLst>
+          </a:blip>
+          <a:srcRect/>
+          <a:stretch>
+            <a:fillRect/>
+          </a:stretch>
+        </p:blipFill>
+        <p:spPr bwMode="auto">
+          <a:xfrm>
+            <a:off x="5986558" y="1753241"/>
+            <a:ext cx="227246" cy="227247"/>
+          </a:xfrm>
+          <a:prstGeom prst="rect">
+            <a:avLst/>
+          </a:prstGeom>
+          <a:noFill/>
+          <a:ln>
+            <a:noFill/>
+          </a:ln>
+          <a:extLst>
+            <a:ext uri="{909E8E84-426E-40DD-AFC4-6F175D3DCCD1}">
+              <a14:hiddenFill xmlns:a14="http://schemas.microsoft.com/office/drawing/2010/main">
+                <a:solidFill>
+                  <a:srgbClr val="FFFFFF"/>
+                </a:solidFill>
+              </a14:hiddenFill>
+            </a:ext>
+            <a:ext uri="{91240B29-F687-4F45-9708-019B960494DF}">
+              <a14:hiddenLine xmlns:a14="http://schemas.microsoft.com/office/drawing/2010/main" w="9525">
+                <a:solidFill>
+                  <a:srgbClr val="000000"/>
+                </a:solidFill>
+                <a:miter lim="800000"/>
+                <a:headEnd/>
+                <a:tailEnd/>
+              </a14:hiddenLine>
+            </a:ext>
+          </a:extLst>
+        </p:spPr>
+      </p:pic>
+      <p:pic>
+        <p:nvPicPr>
+          <p:cNvPr id="23" name="Graphic 60">
+            <a:extLst>
+              <a:ext uri="{FF2B5EF4-FFF2-40B4-BE49-F238E27FC236}">
+                <a16:creationId xmlns:a16="http://schemas.microsoft.com/office/drawing/2014/main" id="{1680755C-377A-F54C-A2BB-47A6C49F081F}"/>
+              </a:ext>
+            </a:extLst>
+          </p:cNvPr>
+          <p:cNvPicPr>
+            <a:picLocks noChangeAspect="1" noChangeArrowheads="1"/>
+          </p:cNvPicPr>
+          <p:nvPr/>
+        </p:nvPicPr>
+        <p:blipFill>
+          <a:blip r:embed="rId6">
+            <a:extLst>
+              <a:ext uri="{28A0092B-C50C-407E-A947-70E740481C1C}">
+                <a14:useLocalDpi xmlns:a14="http://schemas.microsoft.com/office/drawing/2010/main" val="0"/>
+              </a:ext>
+            </a:extLst>
+          </a:blip>
+          <a:srcRect/>
+          <a:stretch>
+            <a:fillRect/>
+          </a:stretch>
+        </p:blipFill>
+        <p:spPr bwMode="auto">
+          <a:xfrm>
+            <a:off x="1350639" y="1980488"/>
+            <a:ext cx="378307" cy="378307"/>
+          </a:xfrm>
+          <a:prstGeom prst="rect">
+            <a:avLst/>
+          </a:prstGeom>
+          <a:noFill/>
+          <a:ln>
+            <a:noFill/>
+          </a:ln>
+          <a:extLst>
+            <a:ext uri="{909E8E84-426E-40DD-AFC4-6F175D3DCCD1}">
+              <a14:hiddenFill xmlns:a14="http://schemas.microsoft.com/office/drawing/2010/main">
+                <a:solidFill>
+                  <a:srgbClr val="FFFFFF"/>
+                </a:solidFill>
+              </a14:hiddenFill>
+            </a:ext>
+            <a:ext uri="{91240B29-F687-4F45-9708-019B960494DF}">
+              <a14:hiddenLine xmlns:a14="http://schemas.microsoft.com/office/drawing/2010/main" w="9525">
+                <a:solidFill>
+                  <a:srgbClr val="000000"/>
+                </a:solidFill>
+                <a:miter lim="800000"/>
+                <a:headEnd/>
+                <a:tailEnd/>
+              </a14:hiddenLine>
+            </a:ext>
+          </a:extLst>
+        </p:spPr>
+      </p:pic>
+      <p:pic>
+        <p:nvPicPr>
+          <p:cNvPr id="24" name="Graphic 60">
+            <a:extLst>
+              <a:ext uri="{FF2B5EF4-FFF2-40B4-BE49-F238E27FC236}">
+                <a16:creationId xmlns:a16="http://schemas.microsoft.com/office/drawing/2014/main" id="{9A1F2DB8-3C22-4645-9201-9452F669E521}"/>
+              </a:ext>
+            </a:extLst>
+          </p:cNvPr>
+          <p:cNvPicPr>
+            <a:picLocks noChangeAspect="1" noChangeArrowheads="1"/>
+          </p:cNvPicPr>
+          <p:nvPr/>
+        </p:nvPicPr>
+        <p:blipFill>
+          <a:blip r:embed="rId6">
+            <a:extLst>
+              <a:ext uri="{28A0092B-C50C-407E-A947-70E740481C1C}">
+                <a14:useLocalDpi xmlns:a14="http://schemas.microsoft.com/office/drawing/2010/main" val="0"/>
+              </a:ext>
+            </a:extLst>
+          </a:blip>
+          <a:srcRect/>
+          <a:stretch>
+            <a:fillRect/>
+          </a:stretch>
+        </p:blipFill>
+        <p:spPr bwMode="auto">
+          <a:xfrm>
+            <a:off x="3867799" y="1980488"/>
+            <a:ext cx="378307" cy="378307"/>
+          </a:xfrm>
+          <a:prstGeom prst="rect">
+            <a:avLst/>
+          </a:prstGeom>
+          <a:noFill/>
+          <a:ln>
+            <a:noFill/>
+          </a:ln>
+          <a:extLst>
+            <a:ext uri="{909E8E84-426E-40DD-AFC4-6F175D3DCCD1}">
+              <a14:hiddenFill xmlns:a14="http://schemas.microsoft.com/office/drawing/2010/main">
+                <a:solidFill>
+                  <a:srgbClr val="FFFFFF"/>
+                </a:solidFill>
+              </a14:hiddenFill>
+            </a:ext>
+            <a:ext uri="{91240B29-F687-4F45-9708-019B960494DF}">
+              <a14:hiddenLine xmlns:a14="http://schemas.microsoft.com/office/drawing/2010/main" w="9525">
+                <a:solidFill>
+                  <a:srgbClr val="000000"/>
+                </a:solidFill>
+                <a:miter lim="800000"/>
+                <a:headEnd/>
+                <a:tailEnd/>
+              </a14:hiddenLine>
+            </a:ext>
+          </a:extLst>
+        </p:spPr>
+      </p:pic>
+      <p:pic>
+        <p:nvPicPr>
+          <p:cNvPr id="25" name="Graphic 60">
+            <a:extLst>
+              <a:ext uri="{FF2B5EF4-FFF2-40B4-BE49-F238E27FC236}">
+                <a16:creationId xmlns:a16="http://schemas.microsoft.com/office/drawing/2014/main" id="{4391B015-2425-E342-8F0C-B88E4AA582A7}"/>
+              </a:ext>
+            </a:extLst>
+          </p:cNvPr>
+          <p:cNvPicPr>
+            <a:picLocks noChangeAspect="1" noChangeArrowheads="1"/>
+          </p:cNvPicPr>
+          <p:nvPr/>
+        </p:nvPicPr>
+        <p:blipFill>
+          <a:blip r:embed="rId6">
+            <a:extLst>
+              <a:ext uri="{28A0092B-C50C-407E-A947-70E740481C1C}">
+                <a14:useLocalDpi xmlns:a14="http://schemas.microsoft.com/office/drawing/2010/main" val="0"/>
+              </a:ext>
+            </a:extLst>
+          </a:blip>
+          <a:srcRect/>
+          <a:stretch>
+            <a:fillRect/>
+          </a:stretch>
+        </p:blipFill>
+        <p:spPr bwMode="auto">
+          <a:xfrm>
+            <a:off x="6501986" y="1976396"/>
+            <a:ext cx="378307" cy="378307"/>
+          </a:xfrm>
+          <a:prstGeom prst="rect">
+            <a:avLst/>
+          </a:prstGeom>
+          <a:noFill/>
+          <a:ln>
+            <a:noFill/>
+          </a:ln>
+          <a:extLst>
+            <a:ext uri="{909E8E84-426E-40DD-AFC4-6F175D3DCCD1}">
+              <a14:hiddenFill xmlns:a14="http://schemas.microsoft.com/office/drawing/2010/main">
+                <a:solidFill>
+                  <a:srgbClr val="FFFFFF"/>
+                </a:solidFill>
+              </a14:hiddenFill>
+            </a:ext>
+            <a:ext uri="{91240B29-F687-4F45-9708-019B960494DF}">
+              <a14:hiddenLine xmlns:a14="http://schemas.microsoft.com/office/drawing/2010/main" w="9525">
+                <a:solidFill>
+                  <a:srgbClr val="000000"/>
+                </a:solidFill>
+                <a:miter lim="800000"/>
+                <a:headEnd/>
+                <a:tailEnd/>
+              </a14:hiddenLine>
+            </a:ext>
+          </a:extLst>
+        </p:spPr>
+      </p:pic>
+      <p:pic>
+        <p:nvPicPr>
+          <p:cNvPr id="26" name="Graphic 35">
+            <a:extLst>
+              <a:ext uri="{FF2B5EF4-FFF2-40B4-BE49-F238E27FC236}">
+                <a16:creationId xmlns:a16="http://schemas.microsoft.com/office/drawing/2014/main" id="{4D51EEFB-59F4-7E4E-9D2E-8AD3B497E65F}"/>
+              </a:ext>
+            </a:extLst>
+          </p:cNvPr>
+          <p:cNvPicPr>
+            <a:picLocks noChangeAspect="1" noChangeArrowheads="1"/>
+          </p:cNvPicPr>
+          <p:nvPr/>
+        </p:nvPicPr>
+        <p:blipFill>
+          <a:blip r:embed="rId7">
+            <a:extLst>
+              <a:ext uri="{28A0092B-C50C-407E-A947-70E740481C1C}">
+                <a14:useLocalDpi xmlns:a14="http://schemas.microsoft.com/office/drawing/2010/main" val="0"/>
+              </a:ext>
+            </a:extLst>
+          </a:blip>
+          <a:srcRect/>
+          <a:stretch>
+            <a:fillRect/>
+          </a:stretch>
+        </p:blipFill>
+        <p:spPr bwMode="auto">
+          <a:xfrm>
+            <a:off x="1356154" y="1304455"/>
+            <a:ext cx="378307" cy="378307"/>
+          </a:xfrm>
+          <a:prstGeom prst="rect">
+            <a:avLst/>
+          </a:prstGeom>
+          <a:noFill/>
+          <a:ln>
+            <a:noFill/>
+          </a:ln>
+          <a:extLst>
+            <a:ext uri="{909E8E84-426E-40DD-AFC4-6F175D3DCCD1}">
+              <a14:hiddenFill xmlns:a14="http://schemas.microsoft.com/office/drawing/2010/main">
+                <a:solidFill>
+                  <a:srgbClr val="FFFFFF"/>
+                </a:solidFill>
+              </a14:hiddenFill>
+            </a:ext>
+            <a:ext uri="{91240B29-F687-4F45-9708-019B960494DF}">
+              <a14:hiddenLine xmlns:a14="http://schemas.microsoft.com/office/drawing/2010/main" w="9525">
+                <a:solidFill>
+                  <a:srgbClr val="000000"/>
+                </a:solidFill>
+                <a:miter lim="800000"/>
+                <a:headEnd/>
+                <a:tailEnd/>
+              </a14:hiddenLine>
+            </a:ext>
+          </a:extLst>
+        </p:spPr>
+      </p:pic>
+      <p:sp>
+        <p:nvSpPr>
+          <p:cNvPr id="27" name="TextBox 17">
+            <a:extLst>
+              <a:ext uri="{FF2B5EF4-FFF2-40B4-BE49-F238E27FC236}">
+                <a16:creationId xmlns:a16="http://schemas.microsoft.com/office/drawing/2014/main" id="{E7EAB0F3-6347-CF4D-BF35-EA8B525498B4}"/>
+              </a:ext>
+            </a:extLst>
+          </p:cNvPr>
+          <p:cNvSpPr txBox="1">
+            <a:spLocks noChangeArrowheads="1"/>
+          </p:cNvSpPr>
+          <p:nvPr/>
+        </p:nvSpPr>
+        <p:spPr bwMode="auto">
+          <a:xfrm>
+            <a:off x="1702503" y="1356619"/>
+            <a:ext cx="564257" cy="338554"/>
+          </a:xfrm>
+          <a:prstGeom prst="rect">
+            <a:avLst/>
+          </a:prstGeom>
+          <a:noFill/>
+          <a:ln>
+            <a:noFill/>
+          </a:ln>
+          <a:extLst>
+            <a:ext uri="{909E8E84-426E-40DD-AFC4-6F175D3DCCD1}">
+              <a14:hiddenFill xmlns:a14="http://schemas.microsoft.com/office/drawing/2010/main">
+                <a:solidFill>
+                  <a:srgbClr val="FFFFFF"/>
+                </a:solidFill>
+              </a14:hiddenFill>
+            </a:ext>
+            <a:ext uri="{91240B29-F687-4F45-9708-019B960494DF}">
+              <a14:hiddenLine xmlns:a14="http://schemas.microsoft.com/office/drawing/2010/main" w="9525">
+                <a:solidFill>
+                  <a:srgbClr val="000000"/>
+                </a:solidFill>
+                <a:miter lim="800000"/>
+                <a:headEnd/>
+                <a:tailEnd/>
+              </a14:hiddenLine>
+            </a:ext>
+          </a:extLst>
+        </p:spPr>
+        <p:txBody>
+          <a:bodyPr wrap="none" lIns="0" tIns="0" rIns="0" bIns="0">
+            <a:spAutoFit/>
+          </a:bodyPr>
+          <a:lstStyle>
+            <a:lvl1pPr>
+              <a:defRPr>
+                <a:solidFill>
+                  <a:schemeClr val="tx1"/>
+                </a:solidFill>
+                <a:latin typeface="Calibri" panose="020F0502020204030204" pitchFamily="34" charset="0"/>
+              </a:defRPr>
+            </a:lvl1pPr>
+            <a:lvl2pPr marL="742950" indent="-285750">
+              <a:defRPr>
+                <a:solidFill>
+                  <a:schemeClr val="tx1"/>
+                </a:solidFill>
+                <a:latin typeface="Calibri" panose="020F0502020204030204" pitchFamily="34" charset="0"/>
+              </a:defRPr>
+            </a:lvl2pPr>
+            <a:lvl3pPr marL="1143000" indent="-228600">
+              <a:defRPr>
+                <a:solidFill>
+                  <a:schemeClr val="tx1"/>
+                </a:solidFill>
+                <a:latin typeface="Calibri" panose="020F0502020204030204" pitchFamily="34" charset="0"/>
+              </a:defRPr>
+            </a:lvl3pPr>
+            <a:lvl4pPr marL="1600200" indent="-228600">
+              <a:defRPr>
+                <a:solidFill>
+                  <a:schemeClr val="tx1"/>
+                </a:solidFill>
+                <a:latin typeface="Calibri" panose="020F0502020204030204" pitchFamily="34" charset="0"/>
+              </a:defRPr>
+            </a:lvl4pPr>
+            <a:lvl5pPr marL="2057400" indent="-228600">
+              <a:defRPr>
+                <a:solidFill>
+                  <a:schemeClr val="tx1"/>
+                </a:solidFill>
+                <a:latin typeface="Calibri" panose="020F0502020204030204" pitchFamily="34" charset="0"/>
+              </a:defRPr>
+            </a:lvl5pPr>
+            <a:lvl6pPr marL="2514600" indent="-228600" eaLnBrk="0" fontAlgn="base" hangingPunct="0">
+              <a:spcBef>
+                <a:spcPct val="0"/>
+              </a:spcBef>
+              <a:spcAft>
+                <a:spcPct val="0"/>
+              </a:spcAft>
+              <a:defRPr>
+                <a:solidFill>
+                  <a:schemeClr val="tx1"/>
+                </a:solidFill>
+                <a:latin typeface="Calibri" panose="020F0502020204030204" pitchFamily="34" charset="0"/>
+              </a:defRPr>
+            </a:lvl6pPr>
+            <a:lvl7pPr marL="2971800" indent="-228600" eaLnBrk="0" fontAlgn="base" hangingPunct="0">
+              <a:spcBef>
+                <a:spcPct val="0"/>
+              </a:spcBef>
+              <a:spcAft>
+                <a:spcPct val="0"/>
+              </a:spcAft>
+              <a:defRPr>
+                <a:solidFill>
+                  <a:schemeClr val="tx1"/>
+                </a:solidFill>
+                <a:latin typeface="Calibri" panose="020F0502020204030204" pitchFamily="34" charset="0"/>
+              </a:defRPr>
+            </a:lvl7pPr>
+            <a:lvl8pPr marL="3429000" indent="-228600" eaLnBrk="0" fontAlgn="base" hangingPunct="0">
+              <a:spcBef>
+                <a:spcPct val="0"/>
+              </a:spcBef>
+              <a:spcAft>
+                <a:spcPct val="0"/>
+              </a:spcAft>
+              <a:defRPr>
+                <a:solidFill>
+                  <a:schemeClr val="tx1"/>
+                </a:solidFill>
+                <a:latin typeface="Calibri" panose="020F0502020204030204" pitchFamily="34" charset="0"/>
+              </a:defRPr>
+            </a:lvl8pPr>
+            <a:lvl9pPr marL="3886200" indent="-228600" eaLnBrk="0" fontAlgn="base" hangingPunct="0">
+              <a:spcBef>
+                <a:spcPct val="0"/>
+              </a:spcBef>
+              <a:spcAft>
+                <a:spcPct val="0"/>
+              </a:spcAft>
+              <a:defRPr>
+                <a:solidFill>
+                  <a:schemeClr val="tx1"/>
+                </a:solidFill>
+                <a:latin typeface="Calibri" panose="020F0502020204030204" pitchFamily="34" charset="0"/>
+              </a:defRPr>
+            </a:lvl9pPr>
+          </a:lstStyle>
+          <a:p>
+            <a:pPr algn="ctr" eaLnBrk="1" hangingPunct="1"/>
+            <a:r>
+              <a:rPr lang="en-US" altLang="en-US" sz="1100" dirty="0">
+                <a:latin typeface="Arial" panose="020B0604020202020204" pitchFamily="34" charset="0"/>
+                <a:ea typeface="Amazon Ember" panose="020B0603020204020204" pitchFamily="34" charset="0"/>
+                <a:cs typeface="Arial" panose="020B0604020202020204" pitchFamily="34" charset="0"/>
+              </a:rPr>
+              <a:t>NAT</a:t>
+            </a:r>
+          </a:p>
+          <a:p>
+            <a:pPr algn="ctr" eaLnBrk="1" hangingPunct="1"/>
+            <a:r>
+              <a:rPr lang="en-US" altLang="en-US" sz="1100" dirty="0">
+                <a:latin typeface="Arial" panose="020B0604020202020204" pitchFamily="34" charset="0"/>
+                <a:ea typeface="Amazon Ember" panose="020B0603020204020204" pitchFamily="34" charset="0"/>
+                <a:cs typeface="Arial" panose="020B0604020202020204" pitchFamily="34" charset="0"/>
+              </a:rPr>
+              <a:t> gateway</a:t>
+            </a:r>
+          </a:p>
+        </p:txBody>
+      </p:sp>
+      <p:pic>
+        <p:nvPicPr>
+          <p:cNvPr id="28" name="Graphic 10">
+            <a:extLst>
+              <a:ext uri="{FF2B5EF4-FFF2-40B4-BE49-F238E27FC236}">
+                <a16:creationId xmlns:a16="http://schemas.microsoft.com/office/drawing/2014/main" id="{494BB8AE-7B23-6748-A6BA-D78EFCA1CEF1}"/>
+              </a:ext>
+            </a:extLst>
+          </p:cNvPr>
+          <p:cNvPicPr>
+            <a:picLocks noChangeAspect="1" noChangeArrowheads="1"/>
+          </p:cNvPicPr>
+          <p:nvPr/>
+        </p:nvPicPr>
+        <p:blipFill>
+          <a:blip r:embed="rId8">
+            <a:extLst>
+              <a:ext uri="{28A0092B-C50C-407E-A947-70E740481C1C}">
+                <a14:useLocalDpi xmlns:a14="http://schemas.microsoft.com/office/drawing/2010/main" val="0"/>
+              </a:ext>
+            </a:extLst>
+          </a:blip>
+          <a:srcRect/>
+          <a:stretch>
+            <a:fillRect/>
+          </a:stretch>
+        </p:blipFill>
+        <p:spPr bwMode="auto">
+          <a:xfrm>
+            <a:off x="1356154" y="545376"/>
+            <a:ext cx="378307" cy="378307"/>
+          </a:xfrm>
+          <a:prstGeom prst="rect">
+            <a:avLst/>
+          </a:prstGeom>
+          <a:noFill/>
+          <a:ln>
+            <a:noFill/>
+          </a:ln>
+          <a:extLst>
+            <a:ext uri="{909E8E84-426E-40DD-AFC4-6F175D3DCCD1}">
+              <a14:hiddenFill xmlns:a14="http://schemas.microsoft.com/office/drawing/2010/main">
+                <a:solidFill>
+                  <a:srgbClr val="FFFFFF"/>
+                </a:solidFill>
+              </a14:hiddenFill>
+            </a:ext>
+            <a:ext uri="{91240B29-F687-4F45-9708-019B960494DF}">
+              <a14:hiddenLine xmlns:a14="http://schemas.microsoft.com/office/drawing/2010/main" w="9525">
+                <a:solidFill>
+                  <a:srgbClr val="000000"/>
+                </a:solidFill>
+                <a:miter lim="800000"/>
+                <a:headEnd/>
+                <a:tailEnd/>
+              </a14:hiddenLine>
+            </a:ext>
+          </a:extLst>
+        </p:spPr>
+      </p:pic>
+      <p:sp>
+        <p:nvSpPr>
+          <p:cNvPr id="29" name="TextBox 17">
+            <a:extLst>
+              <a:ext uri="{FF2B5EF4-FFF2-40B4-BE49-F238E27FC236}">
+                <a16:creationId xmlns:a16="http://schemas.microsoft.com/office/drawing/2014/main" id="{8F2798E4-AF75-AD41-A035-AA074E368764}"/>
+              </a:ext>
+            </a:extLst>
+          </p:cNvPr>
+          <p:cNvSpPr txBox="1">
+            <a:spLocks noChangeArrowheads="1"/>
+          </p:cNvSpPr>
+          <p:nvPr/>
+        </p:nvSpPr>
+        <p:spPr bwMode="auto">
+          <a:xfrm>
+            <a:off x="432312" y="4191121"/>
+            <a:ext cx="848893" cy="140067"/>
+          </a:xfrm>
+          <a:prstGeom prst="rect">
+            <a:avLst/>
+          </a:prstGeom>
+          <a:noFill/>
+          <a:ln>
+            <a:noFill/>
+          </a:ln>
+          <a:extLst>
+            <a:ext uri="{909E8E84-426E-40DD-AFC4-6F175D3DCCD1}">
+              <a14:hiddenFill xmlns:a14="http://schemas.microsoft.com/office/drawing/2010/main">
+                <a:solidFill>
+                  <a:srgbClr val="FFFFFF"/>
+                </a:solidFill>
+              </a14:hiddenFill>
+            </a:ext>
+            <a:ext uri="{91240B29-F687-4F45-9708-019B960494DF}">
+              <a14:hiddenLine xmlns:a14="http://schemas.microsoft.com/office/drawing/2010/main" w="9525">
+                <a:solidFill>
+                  <a:srgbClr val="000000"/>
+                </a:solidFill>
+                <a:miter lim="800000"/>
+                <a:headEnd/>
+                <a:tailEnd/>
+              </a14:hiddenLine>
+            </a:ext>
+          </a:extLst>
+        </p:spPr>
+        <p:txBody>
+          <a:bodyPr wrap="none" lIns="0" tIns="0" rIns="0" bIns="0">
+            <a:spAutoFit/>
+          </a:bodyPr>
+          <a:lstStyle>
+            <a:lvl1pPr>
+              <a:defRPr>
+                <a:solidFill>
+                  <a:schemeClr val="tx1"/>
+                </a:solidFill>
+                <a:latin typeface="Calibri" panose="020F0502020204030204" pitchFamily="34" charset="0"/>
+              </a:defRPr>
+            </a:lvl1pPr>
+            <a:lvl2pPr marL="742950" indent="-285750">
+              <a:defRPr>
+                <a:solidFill>
+                  <a:schemeClr val="tx1"/>
+                </a:solidFill>
+                <a:latin typeface="Calibri" panose="020F0502020204030204" pitchFamily="34" charset="0"/>
+              </a:defRPr>
+            </a:lvl2pPr>
+            <a:lvl3pPr marL="1143000" indent="-228600">
+              <a:defRPr>
+                <a:solidFill>
+                  <a:schemeClr val="tx1"/>
+                </a:solidFill>
+                <a:latin typeface="Calibri" panose="020F0502020204030204" pitchFamily="34" charset="0"/>
+              </a:defRPr>
+            </a:lvl3pPr>
+            <a:lvl4pPr marL="1600200" indent="-228600">
+              <a:defRPr>
+                <a:solidFill>
+                  <a:schemeClr val="tx1"/>
+                </a:solidFill>
+                <a:latin typeface="Calibri" panose="020F0502020204030204" pitchFamily="34" charset="0"/>
+              </a:defRPr>
+            </a:lvl4pPr>
+            <a:lvl5pPr marL="2057400" indent="-228600">
+              <a:defRPr>
+                <a:solidFill>
+                  <a:schemeClr val="tx1"/>
+                </a:solidFill>
+                <a:latin typeface="Calibri" panose="020F0502020204030204" pitchFamily="34" charset="0"/>
+              </a:defRPr>
+            </a:lvl5pPr>
+            <a:lvl6pPr marL="2514600" indent="-228600" eaLnBrk="0" fontAlgn="base" hangingPunct="0">
+              <a:spcBef>
+                <a:spcPct val="0"/>
+              </a:spcBef>
+              <a:spcAft>
+                <a:spcPct val="0"/>
+              </a:spcAft>
+              <a:defRPr>
+                <a:solidFill>
+                  <a:schemeClr val="tx1"/>
+                </a:solidFill>
+                <a:latin typeface="Calibri" panose="020F0502020204030204" pitchFamily="34" charset="0"/>
+              </a:defRPr>
+            </a:lvl6pPr>
+            <a:lvl7pPr marL="2971800" indent="-228600" eaLnBrk="0" fontAlgn="base" hangingPunct="0">
+              <a:spcBef>
+                <a:spcPct val="0"/>
+              </a:spcBef>
+              <a:spcAft>
+                <a:spcPct val="0"/>
+              </a:spcAft>
+              <a:defRPr>
+                <a:solidFill>
+                  <a:schemeClr val="tx1"/>
+                </a:solidFill>
+                <a:latin typeface="Calibri" panose="020F0502020204030204" pitchFamily="34" charset="0"/>
+              </a:defRPr>
+            </a:lvl7pPr>
+            <a:lvl8pPr marL="3429000" indent="-228600" eaLnBrk="0" fontAlgn="base" hangingPunct="0">
+              <a:spcBef>
+                <a:spcPct val="0"/>
+              </a:spcBef>
+              <a:spcAft>
+                <a:spcPct val="0"/>
+              </a:spcAft>
+              <a:defRPr>
+                <a:solidFill>
+                  <a:schemeClr val="tx1"/>
+                </a:solidFill>
+                <a:latin typeface="Calibri" panose="020F0502020204030204" pitchFamily="34" charset="0"/>
+              </a:defRPr>
+            </a:lvl8pPr>
+            <a:lvl9pPr marL="3886200" indent="-228600" eaLnBrk="0" fontAlgn="base" hangingPunct="0">
+              <a:spcBef>
+                <a:spcPct val="0"/>
+              </a:spcBef>
+              <a:spcAft>
+                <a:spcPct val="0"/>
+              </a:spcAft>
+              <a:defRPr>
+                <a:solidFill>
+                  <a:schemeClr val="tx1"/>
+                </a:solidFill>
+                <a:latin typeface="Calibri" panose="020F0502020204030204" pitchFamily="34" charset="0"/>
+              </a:defRPr>
+            </a:lvl9pPr>
+          </a:lstStyle>
+          <a:p>
+            <a:pPr algn="ctr" eaLnBrk="1" hangingPunct="1"/>
+            <a:r>
+              <a:rPr lang="en-US" altLang="en-US" sz="1100" dirty="0">
+                <a:latin typeface="Arial" panose="020B0604020202020204" pitchFamily="34" charset="0"/>
+                <a:ea typeface="Amazon Ember" panose="020B0603020204020204" pitchFamily="34" charset="0"/>
+                <a:cs typeface="Arial" panose="020B0604020202020204" pitchFamily="34" charset="0"/>
+              </a:rPr>
+              <a:t>Transit Gateway</a:t>
+            </a:r>
+          </a:p>
+        </p:txBody>
+      </p:sp>
+      <p:cxnSp>
+        <p:nvCxnSpPr>
+          <p:cNvPr id="31" name="直線コネクタ 30">
+            <a:extLst>
+              <a:ext uri="{FF2B5EF4-FFF2-40B4-BE49-F238E27FC236}">
+                <a16:creationId xmlns:a16="http://schemas.microsoft.com/office/drawing/2014/main" id="{A43A425C-33CB-B744-9A6F-1F7FECEFABD0}"/>
+              </a:ext>
+            </a:extLst>
+          </p:cNvPr>
+          <p:cNvCxnSpPr>
+            <a:cxnSpLocks/>
+          </p:cNvCxnSpPr>
+          <p:nvPr/>
+        </p:nvCxnSpPr>
+        <p:spPr>
+          <a:xfrm>
+            <a:off x="1672496" y="3232401"/>
+            <a:ext cx="1061483" cy="540360"/>
+          </a:xfrm>
+          <a:prstGeom prst="line">
+            <a:avLst/>
+          </a:prstGeom>
+        </p:spPr>
+        <p:style>
+          <a:lnRef idx="1">
+            <a:schemeClr val="accent1"/>
+          </a:lnRef>
+          <a:fillRef idx="0">
+            <a:schemeClr val="accent1"/>
+          </a:fillRef>
+          <a:effectRef idx="0">
+            <a:schemeClr val="accent1"/>
+          </a:effectRef>
+          <a:fontRef idx="minor">
+            <a:schemeClr val="tx1"/>
+          </a:fontRef>
+        </p:style>
+      </p:cxnSp>
+      <p:cxnSp>
+        <p:nvCxnSpPr>
+          <p:cNvPr id="36" name="直線コネクタ 35">
+            <a:extLst>
+              <a:ext uri="{FF2B5EF4-FFF2-40B4-BE49-F238E27FC236}">
+                <a16:creationId xmlns:a16="http://schemas.microsoft.com/office/drawing/2014/main" id="{80EC073B-5C4D-6E4C-814C-422CA006F73B}"/>
+              </a:ext>
+            </a:extLst>
+          </p:cNvPr>
+          <p:cNvCxnSpPr>
+            <a:cxnSpLocks/>
+            <a:endCxn id="34" idx="0"/>
+          </p:cNvCxnSpPr>
+          <p:nvPr/>
+        </p:nvCxnSpPr>
+        <p:spPr>
+          <a:xfrm flipH="1">
+            <a:off x="3973954" y="3257577"/>
+            <a:ext cx="83000" cy="545099"/>
+          </a:xfrm>
+          <a:prstGeom prst="line">
+            <a:avLst/>
+          </a:prstGeom>
+        </p:spPr>
+        <p:style>
+          <a:lnRef idx="1">
+            <a:schemeClr val="accent1"/>
+          </a:lnRef>
+          <a:fillRef idx="0">
+            <a:schemeClr val="accent1"/>
+          </a:fillRef>
+          <a:effectRef idx="0">
+            <a:schemeClr val="accent1"/>
+          </a:effectRef>
+          <a:fontRef idx="minor">
+            <a:schemeClr val="tx1"/>
+          </a:fontRef>
+        </p:style>
+      </p:cxnSp>
+      <p:cxnSp>
+        <p:nvCxnSpPr>
+          <p:cNvPr id="39" name="直線コネクタ 38">
+            <a:extLst>
+              <a:ext uri="{FF2B5EF4-FFF2-40B4-BE49-F238E27FC236}">
+                <a16:creationId xmlns:a16="http://schemas.microsoft.com/office/drawing/2014/main" id="{6E1EFC0A-6D3E-6C49-A80A-E911FBBC1186}"/>
+              </a:ext>
+            </a:extLst>
+          </p:cNvPr>
+          <p:cNvCxnSpPr>
+            <a:cxnSpLocks/>
+          </p:cNvCxnSpPr>
+          <p:nvPr/>
+        </p:nvCxnSpPr>
+        <p:spPr>
+          <a:xfrm flipH="1">
+            <a:off x="4939346" y="3354915"/>
+            <a:ext cx="873505" cy="422842"/>
+          </a:xfrm>
+          <a:prstGeom prst="line">
+            <a:avLst/>
+          </a:prstGeom>
+        </p:spPr>
+        <p:style>
+          <a:lnRef idx="1">
+            <a:schemeClr val="accent1"/>
+          </a:lnRef>
+          <a:fillRef idx="0">
+            <a:schemeClr val="accent1"/>
+          </a:fillRef>
+          <a:effectRef idx="0">
+            <a:schemeClr val="accent1"/>
+          </a:effectRef>
+          <a:fontRef idx="minor">
+            <a:schemeClr val="tx1"/>
+          </a:fontRef>
+        </p:style>
+      </p:cxnSp>
+      <p:sp>
+        <p:nvSpPr>
+          <p:cNvPr id="35" name="TextBox 17">
+            <a:extLst>
+              <a:ext uri="{FF2B5EF4-FFF2-40B4-BE49-F238E27FC236}">
+                <a16:creationId xmlns:a16="http://schemas.microsoft.com/office/drawing/2014/main" id="{89074B68-A560-084F-AD67-AEEBF22B50BB}"/>
+              </a:ext>
+            </a:extLst>
+          </p:cNvPr>
+          <p:cNvSpPr txBox="1">
+            <a:spLocks noChangeArrowheads="1"/>
+          </p:cNvSpPr>
+          <p:nvPr/>
+        </p:nvSpPr>
+        <p:spPr bwMode="auto">
+          <a:xfrm>
+            <a:off x="1817348" y="2099359"/>
+            <a:ext cx="537190" cy="140067"/>
+          </a:xfrm>
+          <a:prstGeom prst="rect">
+            <a:avLst/>
+          </a:prstGeom>
+          <a:noFill/>
+          <a:ln>
+            <a:noFill/>
+          </a:ln>
+          <a:extLst>
+            <a:ext uri="{909E8E84-426E-40DD-AFC4-6F175D3DCCD1}">
+              <a14:hiddenFill xmlns:a14="http://schemas.microsoft.com/office/drawing/2010/main">
+                <a:solidFill>
+                  <a:srgbClr val="FFFFFF"/>
+                </a:solidFill>
+              </a14:hiddenFill>
+            </a:ext>
+            <a:ext uri="{91240B29-F687-4F45-9708-019B960494DF}">
+              <a14:hiddenLine xmlns:a14="http://schemas.microsoft.com/office/drawing/2010/main" w="9525">
+                <a:solidFill>
+                  <a:srgbClr val="000000"/>
+                </a:solidFill>
+                <a:miter lim="800000"/>
+                <a:headEnd/>
+                <a:tailEnd/>
+              </a14:hiddenLine>
+            </a:ext>
+          </a:extLst>
+        </p:spPr>
+        <p:txBody>
+          <a:bodyPr wrap="none" lIns="0" tIns="0" rIns="0" bIns="0">
+            <a:spAutoFit/>
+          </a:bodyPr>
+          <a:lstStyle>
+            <a:lvl1pPr>
+              <a:defRPr>
+                <a:solidFill>
+                  <a:schemeClr val="tx1"/>
+                </a:solidFill>
+                <a:latin typeface="Calibri" panose="020F0502020204030204" pitchFamily="34" charset="0"/>
+              </a:defRPr>
+            </a:lvl1pPr>
+            <a:lvl2pPr marL="742950" indent="-285750">
+              <a:defRPr>
+                <a:solidFill>
+                  <a:schemeClr val="tx1"/>
+                </a:solidFill>
+                <a:latin typeface="Calibri" panose="020F0502020204030204" pitchFamily="34" charset="0"/>
+              </a:defRPr>
+            </a:lvl2pPr>
+            <a:lvl3pPr marL="1143000" indent="-228600">
+              <a:defRPr>
+                <a:solidFill>
+                  <a:schemeClr val="tx1"/>
+                </a:solidFill>
+                <a:latin typeface="Calibri" panose="020F0502020204030204" pitchFamily="34" charset="0"/>
+              </a:defRPr>
+            </a:lvl3pPr>
+            <a:lvl4pPr marL="1600200" indent="-228600">
+              <a:defRPr>
+                <a:solidFill>
+                  <a:schemeClr val="tx1"/>
+                </a:solidFill>
+                <a:latin typeface="Calibri" panose="020F0502020204030204" pitchFamily="34" charset="0"/>
+              </a:defRPr>
+            </a:lvl4pPr>
+            <a:lvl5pPr marL="2057400" indent="-228600">
+              <a:defRPr>
+                <a:solidFill>
+                  <a:schemeClr val="tx1"/>
+                </a:solidFill>
+                <a:latin typeface="Calibri" panose="020F0502020204030204" pitchFamily="34" charset="0"/>
+              </a:defRPr>
+            </a:lvl5pPr>
+            <a:lvl6pPr marL="2514600" indent="-228600" eaLnBrk="0" fontAlgn="base" hangingPunct="0">
+              <a:spcBef>
+                <a:spcPct val="0"/>
+              </a:spcBef>
+              <a:spcAft>
+                <a:spcPct val="0"/>
+              </a:spcAft>
+              <a:defRPr>
+                <a:solidFill>
+                  <a:schemeClr val="tx1"/>
+                </a:solidFill>
+                <a:latin typeface="Calibri" panose="020F0502020204030204" pitchFamily="34" charset="0"/>
+              </a:defRPr>
+            </a:lvl6pPr>
+            <a:lvl7pPr marL="2971800" indent="-228600" eaLnBrk="0" fontAlgn="base" hangingPunct="0">
+              <a:spcBef>
+                <a:spcPct val="0"/>
+              </a:spcBef>
+              <a:spcAft>
+                <a:spcPct val="0"/>
+              </a:spcAft>
+              <a:defRPr>
+                <a:solidFill>
+                  <a:schemeClr val="tx1"/>
+                </a:solidFill>
+                <a:latin typeface="Calibri" panose="020F0502020204030204" pitchFamily="34" charset="0"/>
+              </a:defRPr>
+            </a:lvl7pPr>
+            <a:lvl8pPr marL="3429000" indent="-228600" eaLnBrk="0" fontAlgn="base" hangingPunct="0">
+              <a:spcBef>
+                <a:spcPct val="0"/>
+              </a:spcBef>
+              <a:spcAft>
+                <a:spcPct val="0"/>
+              </a:spcAft>
+              <a:defRPr>
+                <a:solidFill>
+                  <a:schemeClr val="tx1"/>
+                </a:solidFill>
+                <a:latin typeface="Calibri" panose="020F0502020204030204" pitchFamily="34" charset="0"/>
+              </a:defRPr>
+            </a:lvl8pPr>
+            <a:lvl9pPr marL="3886200" indent="-228600" eaLnBrk="0" fontAlgn="base" hangingPunct="0">
+              <a:spcBef>
+                <a:spcPct val="0"/>
+              </a:spcBef>
+              <a:spcAft>
+                <a:spcPct val="0"/>
+              </a:spcAft>
+              <a:defRPr>
+                <a:solidFill>
+                  <a:schemeClr val="tx1"/>
+                </a:solidFill>
+                <a:latin typeface="Calibri" panose="020F0502020204030204" pitchFamily="34" charset="0"/>
+              </a:defRPr>
+            </a:lvl9pPr>
+          </a:lstStyle>
+          <a:p>
+            <a:pPr algn="ctr" eaLnBrk="1" hangingPunct="1"/>
+            <a:r>
+              <a:rPr lang="en-US" altLang="en-US" sz="1100" dirty="0">
+                <a:latin typeface="Arial" panose="020B0604020202020204" pitchFamily="34" charset="0"/>
+                <a:ea typeface="Amazon Ember" panose="020B0603020204020204" pitchFamily="34" charset="0"/>
+                <a:cs typeface="Arial" panose="020B0604020202020204" pitchFamily="34" charset="0"/>
+              </a:rPr>
+              <a:t>Instance 1</a:t>
+            </a:r>
+          </a:p>
+        </p:txBody>
+      </p:sp>
+      <p:sp>
+        <p:nvSpPr>
+          <p:cNvPr id="37" name="TextBox 17">
+            <a:extLst>
+              <a:ext uri="{FF2B5EF4-FFF2-40B4-BE49-F238E27FC236}">
+                <a16:creationId xmlns:a16="http://schemas.microsoft.com/office/drawing/2014/main" id="{CEAD427B-1ACF-4748-BE37-4D4B167B66CE}"/>
+              </a:ext>
+            </a:extLst>
+          </p:cNvPr>
+          <p:cNvSpPr txBox="1">
+            <a:spLocks noChangeArrowheads="1"/>
+          </p:cNvSpPr>
+          <p:nvPr/>
+        </p:nvSpPr>
+        <p:spPr bwMode="auto">
+          <a:xfrm>
+            <a:off x="4321274" y="2074337"/>
+            <a:ext cx="537190" cy="140067"/>
+          </a:xfrm>
+          <a:prstGeom prst="rect">
+            <a:avLst/>
+          </a:prstGeom>
+          <a:noFill/>
+          <a:ln>
+            <a:noFill/>
+          </a:ln>
+          <a:extLst>
+            <a:ext uri="{909E8E84-426E-40DD-AFC4-6F175D3DCCD1}">
+              <a14:hiddenFill xmlns:a14="http://schemas.microsoft.com/office/drawing/2010/main">
+                <a:solidFill>
+                  <a:srgbClr val="FFFFFF"/>
+                </a:solidFill>
+              </a14:hiddenFill>
+            </a:ext>
+            <a:ext uri="{91240B29-F687-4F45-9708-019B960494DF}">
+              <a14:hiddenLine xmlns:a14="http://schemas.microsoft.com/office/drawing/2010/main" w="9525">
+                <a:solidFill>
+                  <a:srgbClr val="000000"/>
+                </a:solidFill>
+                <a:miter lim="800000"/>
+                <a:headEnd/>
+                <a:tailEnd/>
+              </a14:hiddenLine>
+            </a:ext>
+          </a:extLst>
+        </p:spPr>
+        <p:txBody>
+          <a:bodyPr wrap="none" lIns="0" tIns="0" rIns="0" bIns="0">
+            <a:spAutoFit/>
+          </a:bodyPr>
+          <a:lstStyle>
+            <a:lvl1pPr>
+              <a:defRPr>
+                <a:solidFill>
+                  <a:schemeClr val="tx1"/>
+                </a:solidFill>
+                <a:latin typeface="Calibri" panose="020F0502020204030204" pitchFamily="34" charset="0"/>
+              </a:defRPr>
+            </a:lvl1pPr>
+            <a:lvl2pPr marL="742950" indent="-285750">
+              <a:defRPr>
+                <a:solidFill>
+                  <a:schemeClr val="tx1"/>
+                </a:solidFill>
+                <a:latin typeface="Calibri" panose="020F0502020204030204" pitchFamily="34" charset="0"/>
+              </a:defRPr>
+            </a:lvl2pPr>
+            <a:lvl3pPr marL="1143000" indent="-228600">
+              <a:defRPr>
+                <a:solidFill>
+                  <a:schemeClr val="tx1"/>
+                </a:solidFill>
+                <a:latin typeface="Calibri" panose="020F0502020204030204" pitchFamily="34" charset="0"/>
+              </a:defRPr>
+            </a:lvl3pPr>
+            <a:lvl4pPr marL="1600200" indent="-228600">
+              <a:defRPr>
+                <a:solidFill>
+                  <a:schemeClr val="tx1"/>
+                </a:solidFill>
+                <a:latin typeface="Calibri" panose="020F0502020204030204" pitchFamily="34" charset="0"/>
+              </a:defRPr>
+            </a:lvl4pPr>
+            <a:lvl5pPr marL="2057400" indent="-228600">
+              <a:defRPr>
+                <a:solidFill>
+                  <a:schemeClr val="tx1"/>
+                </a:solidFill>
+                <a:latin typeface="Calibri" panose="020F0502020204030204" pitchFamily="34" charset="0"/>
+              </a:defRPr>
+            </a:lvl5pPr>
+            <a:lvl6pPr marL="2514600" indent="-228600" eaLnBrk="0" fontAlgn="base" hangingPunct="0">
+              <a:spcBef>
+                <a:spcPct val="0"/>
+              </a:spcBef>
+              <a:spcAft>
+                <a:spcPct val="0"/>
+              </a:spcAft>
+              <a:defRPr>
+                <a:solidFill>
+                  <a:schemeClr val="tx1"/>
+                </a:solidFill>
+                <a:latin typeface="Calibri" panose="020F0502020204030204" pitchFamily="34" charset="0"/>
+              </a:defRPr>
+            </a:lvl6pPr>
+            <a:lvl7pPr marL="2971800" indent="-228600" eaLnBrk="0" fontAlgn="base" hangingPunct="0">
+              <a:spcBef>
+                <a:spcPct val="0"/>
+              </a:spcBef>
+              <a:spcAft>
+                <a:spcPct val="0"/>
+              </a:spcAft>
+              <a:defRPr>
+                <a:solidFill>
+                  <a:schemeClr val="tx1"/>
+                </a:solidFill>
+                <a:latin typeface="Calibri" panose="020F0502020204030204" pitchFamily="34" charset="0"/>
+              </a:defRPr>
+            </a:lvl7pPr>
+            <a:lvl8pPr marL="3429000" indent="-228600" eaLnBrk="0" fontAlgn="base" hangingPunct="0">
+              <a:spcBef>
+                <a:spcPct val="0"/>
+              </a:spcBef>
+              <a:spcAft>
+                <a:spcPct val="0"/>
+              </a:spcAft>
+              <a:defRPr>
+                <a:solidFill>
+                  <a:schemeClr val="tx1"/>
+                </a:solidFill>
+                <a:latin typeface="Calibri" panose="020F0502020204030204" pitchFamily="34" charset="0"/>
+              </a:defRPr>
+            </a:lvl8pPr>
+            <a:lvl9pPr marL="3886200" indent="-228600" eaLnBrk="0" fontAlgn="base" hangingPunct="0">
+              <a:spcBef>
+                <a:spcPct val="0"/>
+              </a:spcBef>
+              <a:spcAft>
+                <a:spcPct val="0"/>
+              </a:spcAft>
+              <a:defRPr>
+                <a:solidFill>
+                  <a:schemeClr val="tx1"/>
+                </a:solidFill>
+                <a:latin typeface="Calibri" panose="020F0502020204030204" pitchFamily="34" charset="0"/>
+              </a:defRPr>
+            </a:lvl9pPr>
+          </a:lstStyle>
+          <a:p>
+            <a:pPr algn="ctr" eaLnBrk="1" hangingPunct="1"/>
+            <a:r>
+              <a:rPr lang="en-US" altLang="en-US" sz="1100" dirty="0">
+                <a:latin typeface="Arial" panose="020B0604020202020204" pitchFamily="34" charset="0"/>
+                <a:ea typeface="Amazon Ember" panose="020B0603020204020204" pitchFamily="34" charset="0"/>
+                <a:cs typeface="Arial" panose="020B0604020202020204" pitchFamily="34" charset="0"/>
+              </a:rPr>
+              <a:t>Instance 2</a:t>
+            </a:r>
+          </a:p>
+        </p:txBody>
+      </p:sp>
+      <p:sp>
+        <p:nvSpPr>
+          <p:cNvPr id="38" name="TextBox 17">
+            <a:extLst>
+              <a:ext uri="{FF2B5EF4-FFF2-40B4-BE49-F238E27FC236}">
+                <a16:creationId xmlns:a16="http://schemas.microsoft.com/office/drawing/2014/main" id="{3840B9D7-1CE5-9142-9241-8053223224E5}"/>
+              </a:ext>
+            </a:extLst>
+          </p:cNvPr>
+          <p:cNvSpPr txBox="1">
+            <a:spLocks noChangeArrowheads="1"/>
+          </p:cNvSpPr>
+          <p:nvPr/>
+        </p:nvSpPr>
+        <p:spPr bwMode="auto">
+          <a:xfrm>
+            <a:off x="6970341" y="2074337"/>
+            <a:ext cx="537190" cy="140067"/>
+          </a:xfrm>
+          <a:prstGeom prst="rect">
+            <a:avLst/>
+          </a:prstGeom>
+          <a:noFill/>
+          <a:ln>
+            <a:noFill/>
+          </a:ln>
+          <a:extLst>
+            <a:ext uri="{909E8E84-426E-40DD-AFC4-6F175D3DCCD1}">
+              <a14:hiddenFill xmlns:a14="http://schemas.microsoft.com/office/drawing/2010/main">
+                <a:solidFill>
+                  <a:srgbClr val="FFFFFF"/>
+                </a:solidFill>
+              </a14:hiddenFill>
+            </a:ext>
+            <a:ext uri="{91240B29-F687-4F45-9708-019B960494DF}">
+              <a14:hiddenLine xmlns:a14="http://schemas.microsoft.com/office/drawing/2010/main" w="9525">
+                <a:solidFill>
+                  <a:srgbClr val="000000"/>
+                </a:solidFill>
+                <a:miter lim="800000"/>
+                <a:headEnd/>
+                <a:tailEnd/>
+              </a14:hiddenLine>
+            </a:ext>
+          </a:extLst>
+        </p:spPr>
+        <p:txBody>
+          <a:bodyPr wrap="none" lIns="0" tIns="0" rIns="0" bIns="0">
+            <a:spAutoFit/>
+          </a:bodyPr>
+          <a:lstStyle>
+            <a:lvl1pPr>
+              <a:defRPr>
+                <a:solidFill>
+                  <a:schemeClr val="tx1"/>
+                </a:solidFill>
+                <a:latin typeface="Calibri" panose="020F0502020204030204" pitchFamily="34" charset="0"/>
+              </a:defRPr>
+            </a:lvl1pPr>
+            <a:lvl2pPr marL="742950" indent="-285750">
+              <a:defRPr>
+                <a:solidFill>
+                  <a:schemeClr val="tx1"/>
+                </a:solidFill>
+                <a:latin typeface="Calibri" panose="020F0502020204030204" pitchFamily="34" charset="0"/>
+              </a:defRPr>
+            </a:lvl2pPr>
+            <a:lvl3pPr marL="1143000" indent="-228600">
+              <a:defRPr>
+                <a:solidFill>
+                  <a:schemeClr val="tx1"/>
+                </a:solidFill>
+                <a:latin typeface="Calibri" panose="020F0502020204030204" pitchFamily="34" charset="0"/>
+              </a:defRPr>
+            </a:lvl3pPr>
+            <a:lvl4pPr marL="1600200" indent="-228600">
+              <a:defRPr>
+                <a:solidFill>
+                  <a:schemeClr val="tx1"/>
+                </a:solidFill>
+                <a:latin typeface="Calibri" panose="020F0502020204030204" pitchFamily="34" charset="0"/>
+              </a:defRPr>
+            </a:lvl4pPr>
+            <a:lvl5pPr marL="2057400" indent="-228600">
+              <a:defRPr>
+                <a:solidFill>
+                  <a:schemeClr val="tx1"/>
+                </a:solidFill>
+                <a:latin typeface="Calibri" panose="020F0502020204030204" pitchFamily="34" charset="0"/>
+              </a:defRPr>
+            </a:lvl5pPr>
+            <a:lvl6pPr marL="2514600" indent="-228600" eaLnBrk="0" fontAlgn="base" hangingPunct="0">
+              <a:spcBef>
+                <a:spcPct val="0"/>
+              </a:spcBef>
+              <a:spcAft>
+                <a:spcPct val="0"/>
+              </a:spcAft>
+              <a:defRPr>
+                <a:solidFill>
+                  <a:schemeClr val="tx1"/>
+                </a:solidFill>
+                <a:latin typeface="Calibri" panose="020F0502020204030204" pitchFamily="34" charset="0"/>
+              </a:defRPr>
+            </a:lvl6pPr>
+            <a:lvl7pPr marL="2971800" indent="-228600" eaLnBrk="0" fontAlgn="base" hangingPunct="0">
+              <a:spcBef>
+                <a:spcPct val="0"/>
+              </a:spcBef>
+              <a:spcAft>
+                <a:spcPct val="0"/>
+              </a:spcAft>
+              <a:defRPr>
+                <a:solidFill>
+                  <a:schemeClr val="tx1"/>
+                </a:solidFill>
+                <a:latin typeface="Calibri" panose="020F0502020204030204" pitchFamily="34" charset="0"/>
+              </a:defRPr>
+            </a:lvl7pPr>
+            <a:lvl8pPr marL="3429000" indent="-228600" eaLnBrk="0" fontAlgn="base" hangingPunct="0">
+              <a:spcBef>
+                <a:spcPct val="0"/>
+              </a:spcBef>
+              <a:spcAft>
+                <a:spcPct val="0"/>
+              </a:spcAft>
+              <a:defRPr>
+                <a:solidFill>
+                  <a:schemeClr val="tx1"/>
+                </a:solidFill>
+                <a:latin typeface="Calibri" panose="020F0502020204030204" pitchFamily="34" charset="0"/>
+              </a:defRPr>
+            </a:lvl8pPr>
+            <a:lvl9pPr marL="3886200" indent="-228600" eaLnBrk="0" fontAlgn="base" hangingPunct="0">
+              <a:spcBef>
+                <a:spcPct val="0"/>
+              </a:spcBef>
+              <a:spcAft>
+                <a:spcPct val="0"/>
+              </a:spcAft>
+              <a:defRPr>
+                <a:solidFill>
+                  <a:schemeClr val="tx1"/>
+                </a:solidFill>
+                <a:latin typeface="Calibri" panose="020F0502020204030204" pitchFamily="34" charset="0"/>
+              </a:defRPr>
+            </a:lvl9pPr>
+          </a:lstStyle>
+          <a:p>
+            <a:pPr algn="ctr" eaLnBrk="1" hangingPunct="1"/>
+            <a:r>
+              <a:rPr lang="en-US" altLang="en-US" sz="1100" dirty="0">
+                <a:latin typeface="Arial" panose="020B0604020202020204" pitchFamily="34" charset="0"/>
+                <a:ea typeface="Amazon Ember" panose="020B0603020204020204" pitchFamily="34" charset="0"/>
+                <a:cs typeface="Arial" panose="020B0604020202020204" pitchFamily="34" charset="0"/>
+              </a:rPr>
+              <a:t>Instance 3</a:t>
+            </a:r>
+          </a:p>
+        </p:txBody>
+      </p:sp>
+      <p:sp>
+        <p:nvSpPr>
+          <p:cNvPr id="40" name="TextBox 17">
+            <a:extLst>
+              <a:ext uri="{FF2B5EF4-FFF2-40B4-BE49-F238E27FC236}">
+                <a16:creationId xmlns:a16="http://schemas.microsoft.com/office/drawing/2014/main" id="{0FF9F4B2-FE86-5C4B-A127-84E32BAA5227}"/>
+              </a:ext>
+            </a:extLst>
+          </p:cNvPr>
+          <p:cNvSpPr txBox="1">
+            <a:spLocks noChangeArrowheads="1"/>
+          </p:cNvSpPr>
+          <p:nvPr/>
+        </p:nvSpPr>
+        <p:spPr bwMode="auto">
+          <a:xfrm>
+            <a:off x="2356095" y="3469802"/>
+            <a:ext cx="706925" cy="169277"/>
+          </a:xfrm>
+          <a:prstGeom prst="rect">
+            <a:avLst/>
+          </a:prstGeom>
+          <a:noFill/>
+          <a:ln>
+            <a:noFill/>
+          </a:ln>
+          <a:extLst>
+            <a:ext uri="{909E8E84-426E-40DD-AFC4-6F175D3DCCD1}">
+              <a14:hiddenFill xmlns:a14="http://schemas.microsoft.com/office/drawing/2010/main">
+                <a:solidFill>
+                  <a:srgbClr val="FFFFFF"/>
+                </a:solidFill>
+              </a14:hiddenFill>
+            </a:ext>
+            <a:ext uri="{91240B29-F687-4F45-9708-019B960494DF}">
+              <a14:hiddenLine xmlns:a14="http://schemas.microsoft.com/office/drawing/2010/main" w="9525">
+                <a:solidFill>
+                  <a:srgbClr val="000000"/>
+                </a:solidFill>
+                <a:miter lim="800000"/>
+                <a:headEnd/>
+                <a:tailEnd/>
+              </a14:hiddenLine>
+            </a:ext>
+          </a:extLst>
+        </p:spPr>
+        <p:txBody>
+          <a:bodyPr wrap="none" lIns="0" tIns="0" rIns="0" bIns="0">
+            <a:spAutoFit/>
+          </a:bodyPr>
+          <a:lstStyle>
+            <a:lvl1pPr>
+              <a:defRPr>
+                <a:solidFill>
+                  <a:schemeClr val="tx1"/>
+                </a:solidFill>
+                <a:latin typeface="Calibri" panose="020F0502020204030204" pitchFamily="34" charset="0"/>
+              </a:defRPr>
+            </a:lvl1pPr>
+            <a:lvl2pPr marL="742950" indent="-285750">
+              <a:defRPr>
+                <a:solidFill>
+                  <a:schemeClr val="tx1"/>
+                </a:solidFill>
+                <a:latin typeface="Calibri" panose="020F0502020204030204" pitchFamily="34" charset="0"/>
+              </a:defRPr>
+            </a:lvl2pPr>
+            <a:lvl3pPr marL="1143000" indent="-228600">
+              <a:defRPr>
+                <a:solidFill>
+                  <a:schemeClr val="tx1"/>
+                </a:solidFill>
+                <a:latin typeface="Calibri" panose="020F0502020204030204" pitchFamily="34" charset="0"/>
+              </a:defRPr>
+            </a:lvl3pPr>
+            <a:lvl4pPr marL="1600200" indent="-228600">
+              <a:defRPr>
+                <a:solidFill>
+                  <a:schemeClr val="tx1"/>
+                </a:solidFill>
+                <a:latin typeface="Calibri" panose="020F0502020204030204" pitchFamily="34" charset="0"/>
+              </a:defRPr>
+            </a:lvl4pPr>
+            <a:lvl5pPr marL="2057400" indent="-228600">
+              <a:defRPr>
+                <a:solidFill>
+                  <a:schemeClr val="tx1"/>
+                </a:solidFill>
+                <a:latin typeface="Calibri" panose="020F0502020204030204" pitchFamily="34" charset="0"/>
+              </a:defRPr>
+            </a:lvl5pPr>
+            <a:lvl6pPr marL="2514600" indent="-228600" eaLnBrk="0" fontAlgn="base" hangingPunct="0">
+              <a:spcBef>
+                <a:spcPct val="0"/>
+              </a:spcBef>
+              <a:spcAft>
+                <a:spcPct val="0"/>
+              </a:spcAft>
+              <a:defRPr>
+                <a:solidFill>
+                  <a:schemeClr val="tx1"/>
+                </a:solidFill>
+                <a:latin typeface="Calibri" panose="020F0502020204030204" pitchFamily="34" charset="0"/>
+              </a:defRPr>
+            </a:lvl6pPr>
+            <a:lvl7pPr marL="2971800" indent="-228600" eaLnBrk="0" fontAlgn="base" hangingPunct="0">
+              <a:spcBef>
+                <a:spcPct val="0"/>
+              </a:spcBef>
+              <a:spcAft>
+                <a:spcPct val="0"/>
+              </a:spcAft>
+              <a:defRPr>
+                <a:solidFill>
+                  <a:schemeClr val="tx1"/>
+                </a:solidFill>
+                <a:latin typeface="Calibri" panose="020F0502020204030204" pitchFamily="34" charset="0"/>
+              </a:defRPr>
+            </a:lvl7pPr>
+            <a:lvl8pPr marL="3429000" indent="-228600" eaLnBrk="0" fontAlgn="base" hangingPunct="0">
+              <a:spcBef>
+                <a:spcPct val="0"/>
+              </a:spcBef>
+              <a:spcAft>
+                <a:spcPct val="0"/>
+              </a:spcAft>
+              <a:defRPr>
+                <a:solidFill>
+                  <a:schemeClr val="tx1"/>
+                </a:solidFill>
+                <a:latin typeface="Calibri" panose="020F0502020204030204" pitchFamily="34" charset="0"/>
+              </a:defRPr>
+            </a:lvl8pPr>
+            <a:lvl9pPr marL="3886200" indent="-228600" eaLnBrk="0" fontAlgn="base" hangingPunct="0">
+              <a:spcBef>
+                <a:spcPct val="0"/>
+              </a:spcBef>
+              <a:spcAft>
+                <a:spcPct val="0"/>
+              </a:spcAft>
+              <a:defRPr>
+                <a:solidFill>
+                  <a:schemeClr val="tx1"/>
+                </a:solidFill>
+                <a:latin typeface="Calibri" panose="020F0502020204030204" pitchFamily="34" charset="0"/>
+              </a:defRPr>
+            </a:lvl9pPr>
+          </a:lstStyle>
+          <a:p>
+            <a:pPr algn="ctr" eaLnBrk="1" hangingPunct="1"/>
+            <a:r>
+              <a:rPr lang="en-US" altLang="en-US" sz="1100" dirty="0">
+                <a:latin typeface="Arial" panose="020B0604020202020204" pitchFamily="34" charset="0"/>
+                <a:ea typeface="Amazon Ember" panose="020B0603020204020204" pitchFamily="34" charset="0"/>
+                <a:cs typeface="Arial" panose="020B0604020202020204" pitchFamily="34" charset="0"/>
+              </a:rPr>
+              <a:t>association</a:t>
+            </a:r>
+          </a:p>
+        </p:txBody>
+      </p:sp>
+      <p:sp>
+        <p:nvSpPr>
+          <p:cNvPr id="41" name="TextBox 17">
+            <a:extLst>
+              <a:ext uri="{FF2B5EF4-FFF2-40B4-BE49-F238E27FC236}">
+                <a16:creationId xmlns:a16="http://schemas.microsoft.com/office/drawing/2014/main" id="{D9536364-20BD-4D4E-A77F-4F15AAE08B54}"/>
+              </a:ext>
+            </a:extLst>
+          </p:cNvPr>
+          <p:cNvSpPr txBox="1">
+            <a:spLocks noChangeArrowheads="1"/>
+          </p:cNvSpPr>
+          <p:nvPr/>
+        </p:nvSpPr>
+        <p:spPr bwMode="auto">
+          <a:xfrm>
+            <a:off x="4021538" y="3522161"/>
+            <a:ext cx="706925" cy="169277"/>
+          </a:xfrm>
+          <a:prstGeom prst="rect">
+            <a:avLst/>
+          </a:prstGeom>
+          <a:noFill/>
+          <a:ln>
+            <a:noFill/>
+          </a:ln>
+          <a:extLst>
+            <a:ext uri="{909E8E84-426E-40DD-AFC4-6F175D3DCCD1}">
+              <a14:hiddenFill xmlns:a14="http://schemas.microsoft.com/office/drawing/2010/main">
+                <a:solidFill>
+                  <a:srgbClr val="FFFFFF"/>
+                </a:solidFill>
+              </a14:hiddenFill>
+            </a:ext>
+            <a:ext uri="{91240B29-F687-4F45-9708-019B960494DF}">
+              <a14:hiddenLine xmlns:a14="http://schemas.microsoft.com/office/drawing/2010/main" w="9525">
+                <a:solidFill>
+                  <a:srgbClr val="000000"/>
+                </a:solidFill>
+                <a:miter lim="800000"/>
+                <a:headEnd/>
+                <a:tailEnd/>
+              </a14:hiddenLine>
+            </a:ext>
+          </a:extLst>
+        </p:spPr>
+        <p:txBody>
+          <a:bodyPr wrap="none" lIns="0" tIns="0" rIns="0" bIns="0">
+            <a:spAutoFit/>
+          </a:bodyPr>
+          <a:lstStyle>
+            <a:lvl1pPr>
+              <a:defRPr>
+                <a:solidFill>
+                  <a:schemeClr val="tx1"/>
+                </a:solidFill>
+                <a:latin typeface="Calibri" panose="020F0502020204030204" pitchFamily="34" charset="0"/>
+              </a:defRPr>
+            </a:lvl1pPr>
+            <a:lvl2pPr marL="742950" indent="-285750">
+              <a:defRPr>
+                <a:solidFill>
+                  <a:schemeClr val="tx1"/>
+                </a:solidFill>
+                <a:latin typeface="Calibri" panose="020F0502020204030204" pitchFamily="34" charset="0"/>
+              </a:defRPr>
+            </a:lvl2pPr>
+            <a:lvl3pPr marL="1143000" indent="-228600">
+              <a:defRPr>
+                <a:solidFill>
+                  <a:schemeClr val="tx1"/>
+                </a:solidFill>
+                <a:latin typeface="Calibri" panose="020F0502020204030204" pitchFamily="34" charset="0"/>
+              </a:defRPr>
+            </a:lvl3pPr>
+            <a:lvl4pPr marL="1600200" indent="-228600">
+              <a:defRPr>
+                <a:solidFill>
+                  <a:schemeClr val="tx1"/>
+                </a:solidFill>
+                <a:latin typeface="Calibri" panose="020F0502020204030204" pitchFamily="34" charset="0"/>
+              </a:defRPr>
+            </a:lvl4pPr>
+            <a:lvl5pPr marL="2057400" indent="-228600">
+              <a:defRPr>
+                <a:solidFill>
+                  <a:schemeClr val="tx1"/>
+                </a:solidFill>
+                <a:latin typeface="Calibri" panose="020F0502020204030204" pitchFamily="34" charset="0"/>
+              </a:defRPr>
+            </a:lvl5pPr>
+            <a:lvl6pPr marL="2514600" indent="-228600" eaLnBrk="0" fontAlgn="base" hangingPunct="0">
+              <a:spcBef>
+                <a:spcPct val="0"/>
+              </a:spcBef>
+              <a:spcAft>
+                <a:spcPct val="0"/>
+              </a:spcAft>
+              <a:defRPr>
+                <a:solidFill>
+                  <a:schemeClr val="tx1"/>
+                </a:solidFill>
+                <a:latin typeface="Calibri" panose="020F0502020204030204" pitchFamily="34" charset="0"/>
+              </a:defRPr>
+            </a:lvl6pPr>
+            <a:lvl7pPr marL="2971800" indent="-228600" eaLnBrk="0" fontAlgn="base" hangingPunct="0">
+              <a:spcBef>
+                <a:spcPct val="0"/>
+              </a:spcBef>
+              <a:spcAft>
+                <a:spcPct val="0"/>
+              </a:spcAft>
+              <a:defRPr>
+                <a:solidFill>
+                  <a:schemeClr val="tx1"/>
+                </a:solidFill>
+                <a:latin typeface="Calibri" panose="020F0502020204030204" pitchFamily="34" charset="0"/>
+              </a:defRPr>
+            </a:lvl7pPr>
+            <a:lvl8pPr marL="3429000" indent="-228600" eaLnBrk="0" fontAlgn="base" hangingPunct="0">
+              <a:spcBef>
+                <a:spcPct val="0"/>
+              </a:spcBef>
+              <a:spcAft>
+                <a:spcPct val="0"/>
+              </a:spcAft>
+              <a:defRPr>
+                <a:solidFill>
+                  <a:schemeClr val="tx1"/>
+                </a:solidFill>
+                <a:latin typeface="Calibri" panose="020F0502020204030204" pitchFamily="34" charset="0"/>
+              </a:defRPr>
+            </a:lvl8pPr>
+            <a:lvl9pPr marL="3886200" indent="-228600" eaLnBrk="0" fontAlgn="base" hangingPunct="0">
+              <a:spcBef>
+                <a:spcPct val="0"/>
+              </a:spcBef>
+              <a:spcAft>
+                <a:spcPct val="0"/>
+              </a:spcAft>
+              <a:defRPr>
+                <a:solidFill>
+                  <a:schemeClr val="tx1"/>
+                </a:solidFill>
+                <a:latin typeface="Calibri" panose="020F0502020204030204" pitchFamily="34" charset="0"/>
+              </a:defRPr>
+            </a:lvl9pPr>
+          </a:lstStyle>
+          <a:p>
+            <a:pPr algn="ctr" eaLnBrk="1" hangingPunct="1"/>
+            <a:r>
+              <a:rPr lang="en-US" altLang="en-US" sz="1100" dirty="0">
+                <a:latin typeface="Arial" panose="020B0604020202020204" pitchFamily="34" charset="0"/>
+                <a:ea typeface="Amazon Ember" panose="020B0603020204020204" pitchFamily="34" charset="0"/>
+                <a:cs typeface="Arial" panose="020B0604020202020204" pitchFamily="34" charset="0"/>
+              </a:rPr>
+              <a:t>association</a:t>
+            </a:r>
+          </a:p>
+        </p:txBody>
+      </p:sp>
+      <p:sp>
+        <p:nvSpPr>
+          <p:cNvPr id="45" name="TextBox 17">
+            <a:extLst>
+              <a:ext uri="{FF2B5EF4-FFF2-40B4-BE49-F238E27FC236}">
+                <a16:creationId xmlns:a16="http://schemas.microsoft.com/office/drawing/2014/main" id="{5F472BF7-2D0E-0947-92EC-821A9ED22E01}"/>
+              </a:ext>
+            </a:extLst>
+          </p:cNvPr>
+          <p:cNvSpPr txBox="1">
+            <a:spLocks noChangeArrowheads="1"/>
+          </p:cNvSpPr>
+          <p:nvPr/>
+        </p:nvSpPr>
+        <p:spPr bwMode="auto">
+          <a:xfrm>
+            <a:off x="5140565" y="3631719"/>
+            <a:ext cx="706925" cy="169277"/>
+          </a:xfrm>
+          <a:prstGeom prst="rect">
+            <a:avLst/>
+          </a:prstGeom>
+          <a:noFill/>
+          <a:ln>
+            <a:noFill/>
+          </a:ln>
+          <a:extLst>
+            <a:ext uri="{909E8E84-426E-40DD-AFC4-6F175D3DCCD1}">
+              <a14:hiddenFill xmlns:a14="http://schemas.microsoft.com/office/drawing/2010/main">
+                <a:solidFill>
+                  <a:srgbClr val="FFFFFF"/>
+                </a:solidFill>
+              </a14:hiddenFill>
+            </a:ext>
+            <a:ext uri="{91240B29-F687-4F45-9708-019B960494DF}">
+              <a14:hiddenLine xmlns:a14="http://schemas.microsoft.com/office/drawing/2010/main" w="9525">
+                <a:solidFill>
+                  <a:srgbClr val="000000"/>
+                </a:solidFill>
+                <a:miter lim="800000"/>
+                <a:headEnd/>
+                <a:tailEnd/>
+              </a14:hiddenLine>
+            </a:ext>
+          </a:extLst>
+        </p:spPr>
+        <p:txBody>
+          <a:bodyPr wrap="none" lIns="0" tIns="0" rIns="0" bIns="0">
+            <a:spAutoFit/>
+          </a:bodyPr>
+          <a:lstStyle>
+            <a:lvl1pPr>
+              <a:defRPr>
+                <a:solidFill>
+                  <a:schemeClr val="tx1"/>
+                </a:solidFill>
+                <a:latin typeface="Calibri" panose="020F0502020204030204" pitchFamily="34" charset="0"/>
+              </a:defRPr>
+            </a:lvl1pPr>
+            <a:lvl2pPr marL="742950" indent="-285750">
+              <a:defRPr>
+                <a:solidFill>
+                  <a:schemeClr val="tx1"/>
+                </a:solidFill>
+                <a:latin typeface="Calibri" panose="020F0502020204030204" pitchFamily="34" charset="0"/>
+              </a:defRPr>
+            </a:lvl2pPr>
+            <a:lvl3pPr marL="1143000" indent="-228600">
+              <a:defRPr>
+                <a:solidFill>
+                  <a:schemeClr val="tx1"/>
+                </a:solidFill>
+                <a:latin typeface="Calibri" panose="020F0502020204030204" pitchFamily="34" charset="0"/>
+              </a:defRPr>
+            </a:lvl3pPr>
+            <a:lvl4pPr marL="1600200" indent="-228600">
+              <a:defRPr>
+                <a:solidFill>
+                  <a:schemeClr val="tx1"/>
+                </a:solidFill>
+                <a:latin typeface="Calibri" panose="020F0502020204030204" pitchFamily="34" charset="0"/>
+              </a:defRPr>
+            </a:lvl4pPr>
+            <a:lvl5pPr marL="2057400" indent="-228600">
+              <a:defRPr>
+                <a:solidFill>
+                  <a:schemeClr val="tx1"/>
+                </a:solidFill>
+                <a:latin typeface="Calibri" panose="020F0502020204030204" pitchFamily="34" charset="0"/>
+              </a:defRPr>
+            </a:lvl5pPr>
+            <a:lvl6pPr marL="2514600" indent="-228600" eaLnBrk="0" fontAlgn="base" hangingPunct="0">
+              <a:spcBef>
+                <a:spcPct val="0"/>
+              </a:spcBef>
+              <a:spcAft>
+                <a:spcPct val="0"/>
+              </a:spcAft>
+              <a:defRPr>
+                <a:solidFill>
+                  <a:schemeClr val="tx1"/>
+                </a:solidFill>
+                <a:latin typeface="Calibri" panose="020F0502020204030204" pitchFamily="34" charset="0"/>
+              </a:defRPr>
+            </a:lvl6pPr>
+            <a:lvl7pPr marL="2971800" indent="-228600" eaLnBrk="0" fontAlgn="base" hangingPunct="0">
+              <a:spcBef>
+                <a:spcPct val="0"/>
+              </a:spcBef>
+              <a:spcAft>
+                <a:spcPct val="0"/>
+              </a:spcAft>
+              <a:defRPr>
+                <a:solidFill>
+                  <a:schemeClr val="tx1"/>
+                </a:solidFill>
+                <a:latin typeface="Calibri" panose="020F0502020204030204" pitchFamily="34" charset="0"/>
+              </a:defRPr>
+            </a:lvl7pPr>
+            <a:lvl8pPr marL="3429000" indent="-228600" eaLnBrk="0" fontAlgn="base" hangingPunct="0">
+              <a:spcBef>
+                <a:spcPct val="0"/>
+              </a:spcBef>
+              <a:spcAft>
+                <a:spcPct val="0"/>
+              </a:spcAft>
+              <a:defRPr>
+                <a:solidFill>
+                  <a:schemeClr val="tx1"/>
+                </a:solidFill>
+                <a:latin typeface="Calibri" panose="020F0502020204030204" pitchFamily="34" charset="0"/>
+              </a:defRPr>
+            </a:lvl8pPr>
+            <a:lvl9pPr marL="3886200" indent="-228600" eaLnBrk="0" fontAlgn="base" hangingPunct="0">
+              <a:spcBef>
+                <a:spcPct val="0"/>
+              </a:spcBef>
+              <a:spcAft>
+                <a:spcPct val="0"/>
+              </a:spcAft>
+              <a:defRPr>
+                <a:solidFill>
+                  <a:schemeClr val="tx1"/>
+                </a:solidFill>
+                <a:latin typeface="Calibri" panose="020F0502020204030204" pitchFamily="34" charset="0"/>
+              </a:defRPr>
+            </a:lvl9pPr>
+          </a:lstStyle>
+          <a:p>
+            <a:pPr algn="ctr" eaLnBrk="1" hangingPunct="1"/>
+            <a:r>
+              <a:rPr lang="en-US" altLang="en-US" sz="1100" dirty="0">
+                <a:latin typeface="Arial" panose="020B0604020202020204" pitchFamily="34" charset="0"/>
+                <a:ea typeface="Amazon Ember" panose="020B0603020204020204" pitchFamily="34" charset="0"/>
+                <a:cs typeface="Arial" panose="020B0604020202020204" pitchFamily="34" charset="0"/>
+              </a:rPr>
+              <a:t>association</a:t>
+            </a:r>
+          </a:p>
+        </p:txBody>
+      </p:sp>
+      <p:sp>
+        <p:nvSpPr>
+          <p:cNvPr id="85" name="Rectangle 3">
+            <a:extLst>
+              <a:ext uri="{FF2B5EF4-FFF2-40B4-BE49-F238E27FC236}">
+                <a16:creationId xmlns:a16="http://schemas.microsoft.com/office/drawing/2014/main" id="{017675A6-B707-2748-9BE3-925D683D2B22}"/>
+              </a:ext>
+            </a:extLst>
+          </p:cNvPr>
+          <p:cNvSpPr/>
+          <p:nvPr/>
+        </p:nvSpPr>
+        <p:spPr bwMode="auto">
+          <a:xfrm>
+            <a:off x="8590988" y="840271"/>
+            <a:ext cx="2884836" cy="2070491"/>
+          </a:xfrm>
+          <a:prstGeom prst="rect">
+            <a:avLst/>
+          </a:prstGeom>
+          <a:noFill/>
+          <a:ln w="12700">
+            <a:solidFill>
+              <a:srgbClr val="1E8900"/>
+            </a:solidFill>
+          </a:ln>
+        </p:spPr>
+        <p:style>
+          <a:lnRef idx="2">
+            <a:schemeClr val="accent1">
+              <a:shade val="50000"/>
+            </a:schemeClr>
+          </a:lnRef>
+          <a:fillRef idx="1">
+            <a:schemeClr val="accent1"/>
+          </a:fillRef>
+          <a:effectRef idx="0">
+            <a:schemeClr val="accent1"/>
+          </a:effectRef>
+          <a:fontRef idx="minor">
+            <a:schemeClr val="lt1"/>
+          </a:fontRef>
+        </p:style>
+        <p:txBody>
+          <a:bodyPr lIns="457200" tIns="91440"/>
+          <a:lstStyle/>
+          <a:p>
+            <a:pPr eaLnBrk="1" fontAlgn="auto" hangingPunct="1">
+              <a:spcBef>
+                <a:spcPts val="0"/>
+              </a:spcBef>
+              <a:spcAft>
+                <a:spcPts val="0"/>
+              </a:spcAft>
+              <a:defRPr/>
+            </a:pPr>
+            <a:r>
+              <a:rPr lang="en-US" sz="1200" dirty="0">
+                <a:ln w="0"/>
+                <a:solidFill>
+                  <a:srgbClr val="1E8900"/>
+                </a:solidFill>
+                <a:latin typeface="Arial" panose="020B0604020202020204" pitchFamily="34" charset="0"/>
+                <a:cs typeface="Arial" panose="020B0604020202020204" pitchFamily="34" charset="0"/>
+              </a:rPr>
+              <a:t>VPC0(10.0.0.0/16)</a:t>
+            </a:r>
+          </a:p>
+        </p:txBody>
+      </p:sp>
+      <p:pic>
+        <p:nvPicPr>
+          <p:cNvPr id="86" name="Graphic 9">
+            <a:extLst>
+              <a:ext uri="{FF2B5EF4-FFF2-40B4-BE49-F238E27FC236}">
+                <a16:creationId xmlns:a16="http://schemas.microsoft.com/office/drawing/2014/main" id="{255BA2EE-A513-D940-BF55-5B76EF406587}"/>
+              </a:ext>
+            </a:extLst>
+          </p:cNvPr>
+          <p:cNvPicPr>
+            <a:picLocks noChangeAspect="1" noChangeArrowheads="1"/>
+          </p:cNvPicPr>
+          <p:nvPr/>
+        </p:nvPicPr>
+        <p:blipFill>
+          <a:blip r:embed="rId3">
+            <a:extLst>
+              <a:ext uri="{28A0092B-C50C-407E-A947-70E740481C1C}">
+                <a14:useLocalDpi xmlns:a14="http://schemas.microsoft.com/office/drawing/2010/main" val="0"/>
+              </a:ext>
+            </a:extLst>
+          </a:blip>
+          <a:srcRect/>
+          <a:stretch>
+            <a:fillRect/>
+          </a:stretch>
+        </p:blipFill>
+        <p:spPr bwMode="auto">
+          <a:xfrm>
+            <a:off x="8590988" y="859564"/>
+            <a:ext cx="273222" cy="273222"/>
+          </a:xfrm>
+          <a:prstGeom prst="rect">
+            <a:avLst/>
+          </a:prstGeom>
+          <a:noFill/>
+          <a:ln>
+            <a:noFill/>
+          </a:ln>
+          <a:extLst>
+            <a:ext uri="{909E8E84-426E-40DD-AFC4-6F175D3DCCD1}">
+              <a14:hiddenFill xmlns:a14="http://schemas.microsoft.com/office/drawing/2010/main">
+                <a:solidFill>
+                  <a:srgbClr val="FFFFFF"/>
+                </a:solidFill>
+              </a14:hiddenFill>
+            </a:ext>
+            <a:ext uri="{91240B29-F687-4F45-9708-019B960494DF}">
+              <a14:hiddenLine xmlns:a14="http://schemas.microsoft.com/office/drawing/2010/main" w="9525">
+                <a:solidFill>
+                  <a:srgbClr val="000000"/>
+                </a:solidFill>
+                <a:miter lim="800000"/>
+                <a:headEnd/>
+                <a:tailEnd/>
+              </a14:hiddenLine>
+            </a:ext>
+          </a:extLst>
+        </p:spPr>
+      </p:pic>
+      <p:pic>
+        <p:nvPicPr>
+          <p:cNvPr id="98" name="Graphic 60">
+            <a:extLst>
+              <a:ext uri="{FF2B5EF4-FFF2-40B4-BE49-F238E27FC236}">
+                <a16:creationId xmlns:a16="http://schemas.microsoft.com/office/drawing/2014/main" id="{9FDF1422-A3FF-B044-BD53-2E5231833AF1}"/>
+              </a:ext>
+            </a:extLst>
+          </p:cNvPr>
+          <p:cNvPicPr>
+            <a:picLocks noChangeAspect="1" noChangeArrowheads="1"/>
+          </p:cNvPicPr>
+          <p:nvPr/>
+        </p:nvPicPr>
+        <p:blipFill>
+          <a:blip r:embed="rId6">
+            <a:extLst>
+              <a:ext uri="{28A0092B-C50C-407E-A947-70E740481C1C}">
+                <a14:useLocalDpi xmlns:a14="http://schemas.microsoft.com/office/drawing/2010/main" val="0"/>
+              </a:ext>
+            </a:extLst>
+          </a:blip>
+          <a:srcRect/>
+          <a:stretch>
+            <a:fillRect/>
+          </a:stretch>
+        </p:blipFill>
+        <p:spPr bwMode="auto">
+          <a:xfrm>
+            <a:off x="10646691" y="1979199"/>
+            <a:ext cx="378307" cy="378307"/>
+          </a:xfrm>
+          <a:prstGeom prst="rect">
+            <a:avLst/>
+          </a:prstGeom>
+          <a:noFill/>
+          <a:ln>
+            <a:noFill/>
+          </a:ln>
+          <a:extLst>
+            <a:ext uri="{909E8E84-426E-40DD-AFC4-6F175D3DCCD1}">
+              <a14:hiddenFill xmlns:a14="http://schemas.microsoft.com/office/drawing/2010/main">
+                <a:solidFill>
+                  <a:srgbClr val="FFFFFF"/>
+                </a:solidFill>
+              </a14:hiddenFill>
+            </a:ext>
+            <a:ext uri="{91240B29-F687-4F45-9708-019B960494DF}">
+              <a14:hiddenLine xmlns:a14="http://schemas.microsoft.com/office/drawing/2010/main" w="9525">
+                <a:solidFill>
+                  <a:srgbClr val="000000"/>
+                </a:solidFill>
+                <a:miter lim="800000"/>
+                <a:headEnd/>
+                <a:tailEnd/>
+              </a14:hiddenLine>
+            </a:ext>
+          </a:extLst>
+        </p:spPr>
+      </p:pic>
+      <p:cxnSp>
+        <p:nvCxnSpPr>
+          <p:cNvPr id="105" name="直線コネクタ 104">
+            <a:extLst>
+              <a:ext uri="{FF2B5EF4-FFF2-40B4-BE49-F238E27FC236}">
+                <a16:creationId xmlns:a16="http://schemas.microsoft.com/office/drawing/2014/main" id="{F48F8BB9-395F-CC4F-BF94-25B25BE29121}"/>
+              </a:ext>
+            </a:extLst>
+          </p:cNvPr>
+          <p:cNvCxnSpPr>
+            <a:cxnSpLocks/>
+            <a:stCxn id="73" idx="2"/>
+            <a:endCxn id="34" idx="3"/>
+          </p:cNvCxnSpPr>
+          <p:nvPr/>
+        </p:nvCxnSpPr>
+        <p:spPr>
+          <a:xfrm flipH="1">
+            <a:off x="5614977" y="3315822"/>
+            <a:ext cx="3070703" cy="1199739"/>
+          </a:xfrm>
+          <a:prstGeom prst="line">
+            <a:avLst/>
+          </a:prstGeom>
+        </p:spPr>
+        <p:style>
+          <a:lnRef idx="1">
+            <a:schemeClr val="accent1"/>
+          </a:lnRef>
+          <a:fillRef idx="0">
+            <a:schemeClr val="accent1"/>
+          </a:fillRef>
+          <a:effectRef idx="0">
+            <a:schemeClr val="accent1"/>
+          </a:effectRef>
+          <a:fontRef idx="minor">
+            <a:schemeClr val="tx1"/>
+          </a:fontRef>
+        </p:style>
+      </p:cxnSp>
+      <p:sp>
+        <p:nvSpPr>
+          <p:cNvPr id="109" name="TextBox 17">
+            <a:extLst>
+              <a:ext uri="{FF2B5EF4-FFF2-40B4-BE49-F238E27FC236}">
+                <a16:creationId xmlns:a16="http://schemas.microsoft.com/office/drawing/2014/main" id="{57D79574-57FB-B742-962D-539B2FE31B3C}"/>
+              </a:ext>
+            </a:extLst>
+          </p:cNvPr>
+          <p:cNvSpPr txBox="1">
+            <a:spLocks noChangeArrowheads="1"/>
+          </p:cNvSpPr>
+          <p:nvPr/>
+        </p:nvSpPr>
+        <p:spPr bwMode="auto">
+          <a:xfrm>
+            <a:off x="10491200" y="1583964"/>
+            <a:ext cx="689291" cy="338554"/>
+          </a:xfrm>
+          <a:prstGeom prst="rect">
+            <a:avLst/>
+          </a:prstGeom>
+          <a:noFill/>
+          <a:ln>
+            <a:noFill/>
+          </a:ln>
+          <a:extLst>
+            <a:ext uri="{909E8E84-426E-40DD-AFC4-6F175D3DCCD1}">
+              <a14:hiddenFill xmlns:a14="http://schemas.microsoft.com/office/drawing/2010/main">
+                <a:solidFill>
+                  <a:srgbClr val="FFFFFF"/>
+                </a:solidFill>
+              </a14:hiddenFill>
+            </a:ext>
+            <a:ext uri="{91240B29-F687-4F45-9708-019B960494DF}">
+              <a14:hiddenLine xmlns:a14="http://schemas.microsoft.com/office/drawing/2010/main" w="9525">
+                <a:solidFill>
+                  <a:srgbClr val="000000"/>
+                </a:solidFill>
+                <a:miter lim="800000"/>
+                <a:headEnd/>
+                <a:tailEnd/>
+              </a14:hiddenLine>
+            </a:ext>
+          </a:extLst>
+        </p:spPr>
+        <p:txBody>
+          <a:bodyPr wrap="none" lIns="0" tIns="0" rIns="0" bIns="0">
+            <a:spAutoFit/>
+          </a:bodyPr>
+          <a:lstStyle>
+            <a:lvl1pPr>
+              <a:defRPr>
+                <a:solidFill>
+                  <a:schemeClr val="tx1"/>
+                </a:solidFill>
+                <a:latin typeface="Calibri" panose="020F0502020204030204" pitchFamily="34" charset="0"/>
+              </a:defRPr>
+            </a:lvl1pPr>
+            <a:lvl2pPr marL="742950" indent="-285750">
+              <a:defRPr>
+                <a:solidFill>
+                  <a:schemeClr val="tx1"/>
+                </a:solidFill>
+                <a:latin typeface="Calibri" panose="020F0502020204030204" pitchFamily="34" charset="0"/>
+              </a:defRPr>
+            </a:lvl2pPr>
+            <a:lvl3pPr marL="1143000" indent="-228600">
+              <a:defRPr>
+                <a:solidFill>
+                  <a:schemeClr val="tx1"/>
+                </a:solidFill>
+                <a:latin typeface="Calibri" panose="020F0502020204030204" pitchFamily="34" charset="0"/>
+              </a:defRPr>
+            </a:lvl3pPr>
+            <a:lvl4pPr marL="1600200" indent="-228600">
+              <a:defRPr>
+                <a:solidFill>
+                  <a:schemeClr val="tx1"/>
+                </a:solidFill>
+                <a:latin typeface="Calibri" panose="020F0502020204030204" pitchFamily="34" charset="0"/>
+              </a:defRPr>
+            </a:lvl4pPr>
+            <a:lvl5pPr marL="2057400" indent="-228600">
+              <a:defRPr>
+                <a:solidFill>
+                  <a:schemeClr val="tx1"/>
+                </a:solidFill>
+                <a:latin typeface="Calibri" panose="020F0502020204030204" pitchFamily="34" charset="0"/>
+              </a:defRPr>
+            </a:lvl5pPr>
+            <a:lvl6pPr marL="2514600" indent="-228600" eaLnBrk="0" fontAlgn="base" hangingPunct="0">
+              <a:spcBef>
+                <a:spcPct val="0"/>
+              </a:spcBef>
+              <a:spcAft>
+                <a:spcPct val="0"/>
+              </a:spcAft>
+              <a:defRPr>
+                <a:solidFill>
+                  <a:schemeClr val="tx1"/>
+                </a:solidFill>
+                <a:latin typeface="Calibri" panose="020F0502020204030204" pitchFamily="34" charset="0"/>
+              </a:defRPr>
+            </a:lvl6pPr>
+            <a:lvl7pPr marL="2971800" indent="-228600" eaLnBrk="0" fontAlgn="base" hangingPunct="0">
+              <a:spcBef>
+                <a:spcPct val="0"/>
+              </a:spcBef>
+              <a:spcAft>
+                <a:spcPct val="0"/>
+              </a:spcAft>
+              <a:defRPr>
+                <a:solidFill>
+                  <a:schemeClr val="tx1"/>
+                </a:solidFill>
+                <a:latin typeface="Calibri" panose="020F0502020204030204" pitchFamily="34" charset="0"/>
+              </a:defRPr>
+            </a:lvl7pPr>
+            <a:lvl8pPr marL="3429000" indent="-228600" eaLnBrk="0" fontAlgn="base" hangingPunct="0">
+              <a:spcBef>
+                <a:spcPct val="0"/>
+              </a:spcBef>
+              <a:spcAft>
+                <a:spcPct val="0"/>
+              </a:spcAft>
+              <a:defRPr>
+                <a:solidFill>
+                  <a:schemeClr val="tx1"/>
+                </a:solidFill>
+                <a:latin typeface="Calibri" panose="020F0502020204030204" pitchFamily="34" charset="0"/>
+              </a:defRPr>
+            </a:lvl8pPr>
+            <a:lvl9pPr marL="3886200" indent="-228600" eaLnBrk="0" fontAlgn="base" hangingPunct="0">
+              <a:spcBef>
+                <a:spcPct val="0"/>
+              </a:spcBef>
+              <a:spcAft>
+                <a:spcPct val="0"/>
+              </a:spcAft>
+              <a:defRPr>
+                <a:solidFill>
+                  <a:schemeClr val="tx1"/>
+                </a:solidFill>
+                <a:latin typeface="Calibri" panose="020F0502020204030204" pitchFamily="34" charset="0"/>
+              </a:defRPr>
+            </a:lvl9pPr>
+          </a:lstStyle>
+          <a:p>
+            <a:pPr algn="ctr" eaLnBrk="1" hangingPunct="1"/>
+            <a:r>
+              <a:rPr lang="en-US" altLang="en-US" sz="1100" dirty="0" err="1">
+                <a:latin typeface="Arial" panose="020B0604020202020204" pitchFamily="34" charset="0"/>
+                <a:ea typeface="Amazon Ember" panose="020B0603020204020204" pitchFamily="34" charset="0"/>
+                <a:cs typeface="Arial" panose="020B0604020202020204" pitchFamily="34" charset="0"/>
+              </a:rPr>
+              <a:t>Onpremise</a:t>
+            </a:r>
+            <a:endParaRPr lang="en-US" altLang="en-US" sz="1100" dirty="0">
+              <a:latin typeface="Arial" panose="020B0604020202020204" pitchFamily="34" charset="0"/>
+              <a:ea typeface="Amazon Ember" panose="020B0603020204020204" pitchFamily="34" charset="0"/>
+              <a:cs typeface="Arial" panose="020B0604020202020204" pitchFamily="34" charset="0"/>
+            </a:endParaRPr>
+          </a:p>
+          <a:p>
+            <a:pPr algn="ctr" eaLnBrk="1" hangingPunct="1"/>
+            <a:r>
+              <a:rPr lang="en-US" altLang="en-US" sz="1100" dirty="0">
+                <a:latin typeface="Arial" panose="020B0604020202020204" pitchFamily="34" charset="0"/>
+                <a:ea typeface="Amazon Ember" panose="020B0603020204020204" pitchFamily="34" charset="0"/>
+                <a:cs typeface="Arial" panose="020B0604020202020204" pitchFamily="34" charset="0"/>
+              </a:rPr>
+              <a:t>Instance</a:t>
+            </a:r>
+          </a:p>
+        </p:txBody>
+      </p:sp>
+      <p:sp>
+        <p:nvSpPr>
+          <p:cNvPr id="115" name="Rectangle 8">
+            <a:extLst>
+              <a:ext uri="{FF2B5EF4-FFF2-40B4-BE49-F238E27FC236}">
+                <a16:creationId xmlns:a16="http://schemas.microsoft.com/office/drawing/2014/main" id="{3BD58BF3-0A05-EA4F-A359-26461009C521}"/>
+              </a:ext>
+            </a:extLst>
+          </p:cNvPr>
+          <p:cNvSpPr/>
+          <p:nvPr/>
+        </p:nvSpPr>
+        <p:spPr>
+          <a:xfrm>
+            <a:off x="52048" y="161258"/>
+            <a:ext cx="7929104" cy="5445156"/>
+          </a:xfrm>
+          <a:prstGeom prst="rect">
+            <a:avLst/>
+          </a:prstGeom>
+          <a:noFill/>
+          <a:ln w="12700">
+            <a:solidFill>
+              <a:srgbClr val="5B9CD5"/>
+            </a:solidFill>
+            <a:prstDash val="sysDash"/>
+          </a:ln>
+        </p:spPr>
+        <p:style>
+          <a:lnRef idx="2">
+            <a:schemeClr val="accent1">
+              <a:shade val="50000"/>
+            </a:schemeClr>
+          </a:lnRef>
+          <a:fillRef idx="1">
+            <a:schemeClr val="accent1"/>
+          </a:fillRef>
+          <a:effectRef idx="0">
+            <a:schemeClr val="accent1"/>
+          </a:effectRef>
+          <a:fontRef idx="minor">
+            <a:schemeClr val="lt1"/>
+          </a:fontRef>
+        </p:style>
+        <p:txBody>
+          <a:bodyPr lIns="457200" tIns="91440"/>
+          <a:lstStyle/>
+          <a:p>
+            <a:pPr eaLnBrk="1" fontAlgn="auto" hangingPunct="1">
+              <a:spcBef>
+                <a:spcPts val="0"/>
+              </a:spcBef>
+              <a:spcAft>
+                <a:spcPts val="0"/>
+              </a:spcAft>
+              <a:defRPr/>
+            </a:pPr>
+            <a:r>
+              <a:rPr lang="en-US" sz="1200" dirty="0">
+                <a:solidFill>
+                  <a:srgbClr val="5B9CD5"/>
+                </a:solidFill>
+                <a:latin typeface="Arial" panose="020B0604020202020204" pitchFamily="34" charset="0"/>
+                <a:cs typeface="Arial" panose="020B0604020202020204" pitchFamily="34" charset="0"/>
+              </a:rPr>
+              <a:t>Account A</a:t>
+            </a:r>
+          </a:p>
+        </p:txBody>
+      </p:sp>
+      <p:sp>
+        <p:nvSpPr>
+          <p:cNvPr id="119" name="Rectangle 8">
+            <a:extLst>
+              <a:ext uri="{FF2B5EF4-FFF2-40B4-BE49-F238E27FC236}">
+                <a16:creationId xmlns:a16="http://schemas.microsoft.com/office/drawing/2014/main" id="{409E364C-1D66-0B47-8831-CF9E506D5357}"/>
+              </a:ext>
+            </a:extLst>
+          </p:cNvPr>
+          <p:cNvSpPr/>
+          <p:nvPr/>
+        </p:nvSpPr>
+        <p:spPr>
+          <a:xfrm>
+            <a:off x="8191018" y="163603"/>
+            <a:ext cx="3833350" cy="5445156"/>
+          </a:xfrm>
+          <a:prstGeom prst="rect">
+            <a:avLst/>
+          </a:prstGeom>
+          <a:noFill/>
+          <a:ln w="12700">
+            <a:solidFill>
+              <a:srgbClr val="5B9CD5"/>
+            </a:solidFill>
+            <a:prstDash val="sysDash"/>
+          </a:ln>
+        </p:spPr>
+        <p:style>
+          <a:lnRef idx="2">
+            <a:schemeClr val="accent1">
+              <a:shade val="50000"/>
+            </a:schemeClr>
+          </a:lnRef>
+          <a:fillRef idx="1">
+            <a:schemeClr val="accent1"/>
+          </a:fillRef>
+          <a:effectRef idx="0">
+            <a:schemeClr val="accent1"/>
+          </a:effectRef>
+          <a:fontRef idx="minor">
+            <a:schemeClr val="lt1"/>
+          </a:fontRef>
+        </p:style>
+        <p:txBody>
+          <a:bodyPr lIns="457200" tIns="91440"/>
+          <a:lstStyle/>
+          <a:p>
+            <a:pPr>
+              <a:defRPr/>
+            </a:pPr>
+            <a:r>
+              <a:rPr lang="en-US" sz="1200" dirty="0">
+                <a:solidFill>
+                  <a:srgbClr val="5B9CD5"/>
+                </a:solidFill>
+                <a:latin typeface="Arial" panose="020B0604020202020204" pitchFamily="34" charset="0"/>
+                <a:cs typeface="Arial" panose="020B0604020202020204" pitchFamily="34" charset="0"/>
+              </a:rPr>
+              <a:t>On-premises</a:t>
+            </a:r>
+            <a:r>
+              <a:rPr lang="ja-JP" altLang="en-US" sz="1200">
+                <a:solidFill>
+                  <a:srgbClr val="5B9CD5"/>
+                </a:solidFill>
+                <a:latin typeface="Arial" panose="020B0604020202020204" pitchFamily="34" charset="0"/>
+                <a:cs typeface="Arial" panose="020B0604020202020204" pitchFamily="34" charset="0"/>
+              </a:rPr>
+              <a:t> </a:t>
+            </a:r>
+            <a:r>
+              <a:rPr lang="en-US" altLang="ja-JP" sz="1200" dirty="0">
+                <a:solidFill>
+                  <a:srgbClr val="5B9CD5"/>
+                </a:solidFill>
+                <a:latin typeface="Arial" panose="020B0604020202020204" pitchFamily="34" charset="0"/>
+                <a:cs typeface="Arial" panose="020B0604020202020204" pitchFamily="34" charset="0"/>
+              </a:rPr>
+              <a:t>emulate VPC</a:t>
+            </a:r>
+            <a:endParaRPr lang="en-US" sz="1200" dirty="0">
+              <a:solidFill>
+                <a:srgbClr val="5B9CD5"/>
+              </a:solidFill>
+              <a:latin typeface="Arial" panose="020B0604020202020204" pitchFamily="34" charset="0"/>
+              <a:cs typeface="Arial" panose="020B0604020202020204" pitchFamily="34" charset="0"/>
+            </a:endParaRPr>
+          </a:p>
+        </p:txBody>
+      </p:sp>
+      <p:sp>
+        <p:nvSpPr>
+          <p:cNvPr id="59" name="TextBox 17">
+            <a:extLst>
+              <a:ext uri="{FF2B5EF4-FFF2-40B4-BE49-F238E27FC236}">
+                <a16:creationId xmlns:a16="http://schemas.microsoft.com/office/drawing/2014/main" id="{8ACE3C62-C3FD-6443-ACB1-A05BEB7C0214}"/>
+              </a:ext>
+            </a:extLst>
+          </p:cNvPr>
+          <p:cNvSpPr txBox="1">
+            <a:spLocks noChangeArrowheads="1"/>
+          </p:cNvSpPr>
+          <p:nvPr/>
+        </p:nvSpPr>
+        <p:spPr bwMode="auto">
+          <a:xfrm>
+            <a:off x="6809908" y="3639079"/>
+            <a:ext cx="706925" cy="169277"/>
+          </a:xfrm>
+          <a:prstGeom prst="rect">
+            <a:avLst/>
+          </a:prstGeom>
+          <a:noFill/>
+          <a:ln>
+            <a:noFill/>
+          </a:ln>
+          <a:extLst>
+            <a:ext uri="{909E8E84-426E-40DD-AFC4-6F175D3DCCD1}">
+              <a14:hiddenFill xmlns:a14="http://schemas.microsoft.com/office/drawing/2010/main">
+                <a:solidFill>
+                  <a:srgbClr val="FFFFFF"/>
+                </a:solidFill>
+              </a14:hiddenFill>
+            </a:ext>
+            <a:ext uri="{91240B29-F687-4F45-9708-019B960494DF}">
+              <a14:hiddenLine xmlns:a14="http://schemas.microsoft.com/office/drawing/2010/main" w="9525">
+                <a:solidFill>
+                  <a:srgbClr val="000000"/>
+                </a:solidFill>
+                <a:miter lim="800000"/>
+                <a:headEnd/>
+                <a:tailEnd/>
+              </a14:hiddenLine>
+            </a:ext>
+          </a:extLst>
+        </p:spPr>
+        <p:txBody>
+          <a:bodyPr wrap="none" lIns="0" tIns="0" rIns="0" bIns="0">
+            <a:spAutoFit/>
+          </a:bodyPr>
+          <a:lstStyle>
+            <a:lvl1pPr>
+              <a:defRPr>
+                <a:solidFill>
+                  <a:schemeClr val="tx1"/>
+                </a:solidFill>
+                <a:latin typeface="Calibri" panose="020F0502020204030204" pitchFamily="34" charset="0"/>
+              </a:defRPr>
+            </a:lvl1pPr>
+            <a:lvl2pPr marL="742950" indent="-285750">
+              <a:defRPr>
+                <a:solidFill>
+                  <a:schemeClr val="tx1"/>
+                </a:solidFill>
+                <a:latin typeface="Calibri" panose="020F0502020204030204" pitchFamily="34" charset="0"/>
+              </a:defRPr>
+            </a:lvl2pPr>
+            <a:lvl3pPr marL="1143000" indent="-228600">
+              <a:defRPr>
+                <a:solidFill>
+                  <a:schemeClr val="tx1"/>
+                </a:solidFill>
+                <a:latin typeface="Calibri" panose="020F0502020204030204" pitchFamily="34" charset="0"/>
+              </a:defRPr>
+            </a:lvl3pPr>
+            <a:lvl4pPr marL="1600200" indent="-228600">
+              <a:defRPr>
+                <a:solidFill>
+                  <a:schemeClr val="tx1"/>
+                </a:solidFill>
+                <a:latin typeface="Calibri" panose="020F0502020204030204" pitchFamily="34" charset="0"/>
+              </a:defRPr>
+            </a:lvl4pPr>
+            <a:lvl5pPr marL="2057400" indent="-228600">
+              <a:defRPr>
+                <a:solidFill>
+                  <a:schemeClr val="tx1"/>
+                </a:solidFill>
+                <a:latin typeface="Calibri" panose="020F0502020204030204" pitchFamily="34" charset="0"/>
+              </a:defRPr>
+            </a:lvl5pPr>
+            <a:lvl6pPr marL="2514600" indent="-228600" eaLnBrk="0" fontAlgn="base" hangingPunct="0">
+              <a:spcBef>
+                <a:spcPct val="0"/>
+              </a:spcBef>
+              <a:spcAft>
+                <a:spcPct val="0"/>
+              </a:spcAft>
+              <a:defRPr>
+                <a:solidFill>
+                  <a:schemeClr val="tx1"/>
+                </a:solidFill>
+                <a:latin typeface="Calibri" panose="020F0502020204030204" pitchFamily="34" charset="0"/>
+              </a:defRPr>
+            </a:lvl6pPr>
+            <a:lvl7pPr marL="2971800" indent="-228600" eaLnBrk="0" fontAlgn="base" hangingPunct="0">
+              <a:spcBef>
+                <a:spcPct val="0"/>
+              </a:spcBef>
+              <a:spcAft>
+                <a:spcPct val="0"/>
+              </a:spcAft>
+              <a:defRPr>
+                <a:solidFill>
+                  <a:schemeClr val="tx1"/>
+                </a:solidFill>
+                <a:latin typeface="Calibri" panose="020F0502020204030204" pitchFamily="34" charset="0"/>
+              </a:defRPr>
+            </a:lvl7pPr>
+            <a:lvl8pPr marL="3429000" indent="-228600" eaLnBrk="0" fontAlgn="base" hangingPunct="0">
+              <a:spcBef>
+                <a:spcPct val="0"/>
+              </a:spcBef>
+              <a:spcAft>
+                <a:spcPct val="0"/>
+              </a:spcAft>
+              <a:defRPr>
+                <a:solidFill>
+                  <a:schemeClr val="tx1"/>
+                </a:solidFill>
+                <a:latin typeface="Calibri" panose="020F0502020204030204" pitchFamily="34" charset="0"/>
+              </a:defRPr>
+            </a:lvl8pPr>
+            <a:lvl9pPr marL="3886200" indent="-228600" eaLnBrk="0" fontAlgn="base" hangingPunct="0">
+              <a:spcBef>
+                <a:spcPct val="0"/>
+              </a:spcBef>
+              <a:spcAft>
+                <a:spcPct val="0"/>
+              </a:spcAft>
+              <a:defRPr>
+                <a:solidFill>
+                  <a:schemeClr val="tx1"/>
+                </a:solidFill>
+                <a:latin typeface="Calibri" panose="020F0502020204030204" pitchFamily="34" charset="0"/>
+              </a:defRPr>
+            </a:lvl9pPr>
+          </a:lstStyle>
+          <a:p>
+            <a:pPr algn="ctr" eaLnBrk="1" hangingPunct="1"/>
+            <a:r>
+              <a:rPr lang="en-US" altLang="en-US" sz="1100" dirty="0">
+                <a:latin typeface="Arial" panose="020B0604020202020204" pitchFamily="34" charset="0"/>
+                <a:ea typeface="Amazon Ember" panose="020B0603020204020204" pitchFamily="34" charset="0"/>
+                <a:cs typeface="Arial" panose="020B0604020202020204" pitchFamily="34" charset="0"/>
+              </a:rPr>
+              <a:t>association</a:t>
+            </a:r>
+          </a:p>
+        </p:txBody>
+      </p:sp>
+      <p:cxnSp>
+        <p:nvCxnSpPr>
+          <p:cNvPr id="60" name="直線コネクタ 59">
+            <a:extLst>
+              <a:ext uri="{FF2B5EF4-FFF2-40B4-BE49-F238E27FC236}">
+                <a16:creationId xmlns:a16="http://schemas.microsoft.com/office/drawing/2014/main" id="{E958CD4E-64B4-9143-A808-B80D662F3A60}"/>
+              </a:ext>
+            </a:extLst>
+          </p:cNvPr>
+          <p:cNvCxnSpPr>
+            <a:cxnSpLocks/>
+          </p:cNvCxnSpPr>
+          <p:nvPr/>
+        </p:nvCxnSpPr>
+        <p:spPr>
+          <a:xfrm>
+            <a:off x="1327233" y="2833375"/>
+            <a:ext cx="84474" cy="595625"/>
+          </a:xfrm>
+          <a:prstGeom prst="line">
+            <a:avLst/>
+          </a:prstGeom>
+        </p:spPr>
+        <p:style>
+          <a:lnRef idx="3">
+            <a:schemeClr val="accent2"/>
+          </a:lnRef>
+          <a:fillRef idx="0">
+            <a:schemeClr val="accent2"/>
+          </a:fillRef>
+          <a:effectRef idx="2">
+            <a:schemeClr val="accent2"/>
+          </a:effectRef>
+          <a:fontRef idx="minor">
+            <a:schemeClr val="tx1"/>
+          </a:fontRef>
+        </p:style>
+      </p:cxnSp>
+      <p:cxnSp>
+        <p:nvCxnSpPr>
+          <p:cNvPr id="63" name="直線コネクタ 62">
+            <a:extLst>
+              <a:ext uri="{FF2B5EF4-FFF2-40B4-BE49-F238E27FC236}">
+                <a16:creationId xmlns:a16="http://schemas.microsoft.com/office/drawing/2014/main" id="{6A71A4BB-4FA7-484F-A41C-4EAB024C4D22}"/>
+              </a:ext>
+            </a:extLst>
+          </p:cNvPr>
+          <p:cNvCxnSpPr>
+            <a:cxnSpLocks/>
+          </p:cNvCxnSpPr>
+          <p:nvPr/>
+        </p:nvCxnSpPr>
+        <p:spPr>
+          <a:xfrm>
+            <a:off x="3722081" y="2844265"/>
+            <a:ext cx="44765" cy="593768"/>
+          </a:xfrm>
+          <a:prstGeom prst="line">
+            <a:avLst/>
+          </a:prstGeom>
+        </p:spPr>
+        <p:style>
+          <a:lnRef idx="3">
+            <a:schemeClr val="accent2"/>
+          </a:lnRef>
+          <a:fillRef idx="0">
+            <a:schemeClr val="accent2"/>
+          </a:fillRef>
+          <a:effectRef idx="2">
+            <a:schemeClr val="accent2"/>
+          </a:effectRef>
+          <a:fontRef idx="minor">
+            <a:schemeClr val="tx1"/>
+          </a:fontRef>
+        </p:style>
+      </p:cxnSp>
+      <p:cxnSp>
+        <p:nvCxnSpPr>
+          <p:cNvPr id="64" name="直線コネクタ 63">
+            <a:extLst>
+              <a:ext uri="{FF2B5EF4-FFF2-40B4-BE49-F238E27FC236}">
+                <a16:creationId xmlns:a16="http://schemas.microsoft.com/office/drawing/2014/main" id="{8D7E4EF0-6B05-0E41-B5A0-797F46EDA500}"/>
+              </a:ext>
+            </a:extLst>
+          </p:cNvPr>
+          <p:cNvCxnSpPr>
+            <a:cxnSpLocks/>
+            <a:stCxn id="13" idx="2"/>
+          </p:cNvCxnSpPr>
+          <p:nvPr/>
+        </p:nvCxnSpPr>
+        <p:spPr>
+          <a:xfrm flipH="1">
+            <a:off x="5320120" y="2912206"/>
+            <a:ext cx="1399539" cy="491305"/>
+          </a:xfrm>
+          <a:prstGeom prst="line">
+            <a:avLst/>
+          </a:prstGeom>
+        </p:spPr>
+        <p:style>
+          <a:lnRef idx="3">
+            <a:schemeClr val="accent2"/>
+          </a:lnRef>
+          <a:fillRef idx="0">
+            <a:schemeClr val="accent2"/>
+          </a:fillRef>
+          <a:effectRef idx="2">
+            <a:schemeClr val="accent2"/>
+          </a:effectRef>
+          <a:fontRef idx="minor">
+            <a:schemeClr val="tx1"/>
+          </a:fontRef>
+        </p:style>
+      </p:cxnSp>
+      <p:sp>
+        <p:nvSpPr>
+          <p:cNvPr id="70" name="TextBox 17">
+            <a:extLst>
+              <a:ext uri="{FF2B5EF4-FFF2-40B4-BE49-F238E27FC236}">
+                <a16:creationId xmlns:a16="http://schemas.microsoft.com/office/drawing/2014/main" id="{C2142FEC-E1E9-B94F-87C3-076CF2015551}"/>
+              </a:ext>
+            </a:extLst>
+          </p:cNvPr>
+          <p:cNvSpPr txBox="1">
+            <a:spLocks noChangeArrowheads="1"/>
+          </p:cNvSpPr>
+          <p:nvPr/>
+        </p:nvSpPr>
+        <p:spPr bwMode="auto">
+          <a:xfrm>
+            <a:off x="1248854" y="3100573"/>
+            <a:ext cx="695703" cy="169277"/>
+          </a:xfrm>
+          <a:prstGeom prst="rect">
+            <a:avLst/>
+          </a:prstGeom>
+          <a:noFill/>
+          <a:ln>
+            <a:noFill/>
+          </a:ln>
+          <a:extLst>
+            <a:ext uri="{909E8E84-426E-40DD-AFC4-6F175D3DCCD1}">
+              <a14:hiddenFill xmlns:a14="http://schemas.microsoft.com/office/drawing/2010/main">
+                <a:solidFill>
+                  <a:srgbClr val="FFFFFF"/>
+                </a:solidFill>
+              </a14:hiddenFill>
+            </a:ext>
+            <a:ext uri="{91240B29-F687-4F45-9708-019B960494DF}">
+              <a14:hiddenLine xmlns:a14="http://schemas.microsoft.com/office/drawing/2010/main" w="9525">
+                <a:solidFill>
+                  <a:srgbClr val="000000"/>
+                </a:solidFill>
+                <a:miter lim="800000"/>
+                <a:headEnd/>
+                <a:tailEnd/>
+              </a14:hiddenLine>
+            </a:ext>
+          </a:extLst>
+        </p:spPr>
+        <p:txBody>
+          <a:bodyPr wrap="none" lIns="0" tIns="0" rIns="0" bIns="0">
+            <a:spAutoFit/>
+          </a:bodyPr>
+          <a:lstStyle>
+            <a:lvl1pPr>
+              <a:defRPr>
+                <a:solidFill>
+                  <a:schemeClr val="tx1"/>
+                </a:solidFill>
+                <a:latin typeface="Calibri" panose="020F0502020204030204" pitchFamily="34" charset="0"/>
+              </a:defRPr>
+            </a:lvl1pPr>
+            <a:lvl2pPr marL="742950" indent="-285750">
+              <a:defRPr>
+                <a:solidFill>
+                  <a:schemeClr val="tx1"/>
+                </a:solidFill>
+                <a:latin typeface="Calibri" panose="020F0502020204030204" pitchFamily="34" charset="0"/>
+              </a:defRPr>
+            </a:lvl2pPr>
+            <a:lvl3pPr marL="1143000" indent="-228600">
+              <a:defRPr>
+                <a:solidFill>
+                  <a:schemeClr val="tx1"/>
+                </a:solidFill>
+                <a:latin typeface="Calibri" panose="020F0502020204030204" pitchFamily="34" charset="0"/>
+              </a:defRPr>
+            </a:lvl3pPr>
+            <a:lvl4pPr marL="1600200" indent="-228600">
+              <a:defRPr>
+                <a:solidFill>
+                  <a:schemeClr val="tx1"/>
+                </a:solidFill>
+                <a:latin typeface="Calibri" panose="020F0502020204030204" pitchFamily="34" charset="0"/>
+              </a:defRPr>
+            </a:lvl4pPr>
+            <a:lvl5pPr marL="2057400" indent="-228600">
+              <a:defRPr>
+                <a:solidFill>
+                  <a:schemeClr val="tx1"/>
+                </a:solidFill>
+                <a:latin typeface="Calibri" panose="020F0502020204030204" pitchFamily="34" charset="0"/>
+              </a:defRPr>
+            </a:lvl5pPr>
+            <a:lvl6pPr marL="2514600" indent="-228600" eaLnBrk="0" fontAlgn="base" hangingPunct="0">
+              <a:spcBef>
+                <a:spcPct val="0"/>
+              </a:spcBef>
+              <a:spcAft>
+                <a:spcPct val="0"/>
+              </a:spcAft>
+              <a:defRPr>
+                <a:solidFill>
+                  <a:schemeClr val="tx1"/>
+                </a:solidFill>
+                <a:latin typeface="Calibri" panose="020F0502020204030204" pitchFamily="34" charset="0"/>
+              </a:defRPr>
+            </a:lvl6pPr>
+            <a:lvl7pPr marL="2971800" indent="-228600" eaLnBrk="0" fontAlgn="base" hangingPunct="0">
+              <a:spcBef>
+                <a:spcPct val="0"/>
+              </a:spcBef>
+              <a:spcAft>
+                <a:spcPct val="0"/>
+              </a:spcAft>
+              <a:defRPr>
+                <a:solidFill>
+                  <a:schemeClr val="tx1"/>
+                </a:solidFill>
+                <a:latin typeface="Calibri" panose="020F0502020204030204" pitchFamily="34" charset="0"/>
+              </a:defRPr>
+            </a:lvl7pPr>
+            <a:lvl8pPr marL="3429000" indent="-228600" eaLnBrk="0" fontAlgn="base" hangingPunct="0">
+              <a:spcBef>
+                <a:spcPct val="0"/>
+              </a:spcBef>
+              <a:spcAft>
+                <a:spcPct val="0"/>
+              </a:spcAft>
+              <a:defRPr>
+                <a:solidFill>
+                  <a:schemeClr val="tx1"/>
+                </a:solidFill>
+                <a:latin typeface="Calibri" panose="020F0502020204030204" pitchFamily="34" charset="0"/>
+              </a:defRPr>
+            </a:lvl8pPr>
+            <a:lvl9pPr marL="3886200" indent="-228600" eaLnBrk="0" fontAlgn="base" hangingPunct="0">
+              <a:spcBef>
+                <a:spcPct val="0"/>
+              </a:spcBef>
+              <a:spcAft>
+                <a:spcPct val="0"/>
+              </a:spcAft>
+              <a:defRPr>
+                <a:solidFill>
+                  <a:schemeClr val="tx1"/>
+                </a:solidFill>
+                <a:latin typeface="Calibri" panose="020F0502020204030204" pitchFamily="34" charset="0"/>
+              </a:defRPr>
+            </a:lvl9pPr>
+          </a:lstStyle>
+          <a:p>
+            <a:pPr algn="ctr" eaLnBrk="1" hangingPunct="1"/>
+            <a:r>
+              <a:rPr lang="en-US" altLang="en-US" sz="1100" dirty="0">
+                <a:latin typeface="Arial" panose="020B0604020202020204" pitchFamily="34" charset="0"/>
+                <a:ea typeface="Amazon Ember" panose="020B0603020204020204" pitchFamily="34" charset="0"/>
+                <a:cs typeface="Arial" panose="020B0604020202020204" pitchFamily="34" charset="0"/>
+              </a:rPr>
+              <a:t>attachment</a:t>
+            </a:r>
+          </a:p>
+        </p:txBody>
+      </p:sp>
+      <p:sp>
+        <p:nvSpPr>
+          <p:cNvPr id="71" name="TextBox 17">
+            <a:extLst>
+              <a:ext uri="{FF2B5EF4-FFF2-40B4-BE49-F238E27FC236}">
+                <a16:creationId xmlns:a16="http://schemas.microsoft.com/office/drawing/2014/main" id="{55B30014-8895-DC43-82DC-2BE958566FC3}"/>
+              </a:ext>
+            </a:extLst>
+          </p:cNvPr>
+          <p:cNvSpPr txBox="1">
+            <a:spLocks noChangeArrowheads="1"/>
+          </p:cNvSpPr>
+          <p:nvPr/>
+        </p:nvSpPr>
+        <p:spPr bwMode="auto">
+          <a:xfrm>
+            <a:off x="3830771" y="3049785"/>
+            <a:ext cx="695703" cy="169277"/>
+          </a:xfrm>
+          <a:prstGeom prst="rect">
+            <a:avLst/>
+          </a:prstGeom>
+          <a:noFill/>
+          <a:ln>
+            <a:noFill/>
+          </a:ln>
+          <a:extLst>
+            <a:ext uri="{909E8E84-426E-40DD-AFC4-6F175D3DCCD1}">
+              <a14:hiddenFill xmlns:a14="http://schemas.microsoft.com/office/drawing/2010/main">
+                <a:solidFill>
+                  <a:srgbClr val="FFFFFF"/>
+                </a:solidFill>
+              </a14:hiddenFill>
+            </a:ext>
+            <a:ext uri="{91240B29-F687-4F45-9708-019B960494DF}">
+              <a14:hiddenLine xmlns:a14="http://schemas.microsoft.com/office/drawing/2010/main" w="9525">
+                <a:solidFill>
+                  <a:srgbClr val="000000"/>
+                </a:solidFill>
+                <a:miter lim="800000"/>
+                <a:headEnd/>
+                <a:tailEnd/>
+              </a14:hiddenLine>
+            </a:ext>
+          </a:extLst>
+        </p:spPr>
+        <p:txBody>
+          <a:bodyPr wrap="none" lIns="0" tIns="0" rIns="0" bIns="0">
+            <a:spAutoFit/>
+          </a:bodyPr>
+          <a:lstStyle>
+            <a:lvl1pPr>
+              <a:defRPr>
+                <a:solidFill>
+                  <a:schemeClr val="tx1"/>
+                </a:solidFill>
+                <a:latin typeface="Calibri" panose="020F0502020204030204" pitchFamily="34" charset="0"/>
+              </a:defRPr>
+            </a:lvl1pPr>
+            <a:lvl2pPr marL="742950" indent="-285750">
+              <a:defRPr>
+                <a:solidFill>
+                  <a:schemeClr val="tx1"/>
+                </a:solidFill>
+                <a:latin typeface="Calibri" panose="020F0502020204030204" pitchFamily="34" charset="0"/>
+              </a:defRPr>
+            </a:lvl2pPr>
+            <a:lvl3pPr marL="1143000" indent="-228600">
+              <a:defRPr>
+                <a:solidFill>
+                  <a:schemeClr val="tx1"/>
+                </a:solidFill>
+                <a:latin typeface="Calibri" panose="020F0502020204030204" pitchFamily="34" charset="0"/>
+              </a:defRPr>
+            </a:lvl3pPr>
+            <a:lvl4pPr marL="1600200" indent="-228600">
+              <a:defRPr>
+                <a:solidFill>
+                  <a:schemeClr val="tx1"/>
+                </a:solidFill>
+                <a:latin typeface="Calibri" panose="020F0502020204030204" pitchFamily="34" charset="0"/>
+              </a:defRPr>
+            </a:lvl4pPr>
+            <a:lvl5pPr marL="2057400" indent="-228600">
+              <a:defRPr>
+                <a:solidFill>
+                  <a:schemeClr val="tx1"/>
+                </a:solidFill>
+                <a:latin typeface="Calibri" panose="020F0502020204030204" pitchFamily="34" charset="0"/>
+              </a:defRPr>
+            </a:lvl5pPr>
+            <a:lvl6pPr marL="2514600" indent="-228600" eaLnBrk="0" fontAlgn="base" hangingPunct="0">
+              <a:spcBef>
+                <a:spcPct val="0"/>
+              </a:spcBef>
+              <a:spcAft>
+                <a:spcPct val="0"/>
+              </a:spcAft>
+              <a:defRPr>
+                <a:solidFill>
+                  <a:schemeClr val="tx1"/>
+                </a:solidFill>
+                <a:latin typeface="Calibri" panose="020F0502020204030204" pitchFamily="34" charset="0"/>
+              </a:defRPr>
+            </a:lvl6pPr>
+            <a:lvl7pPr marL="2971800" indent="-228600" eaLnBrk="0" fontAlgn="base" hangingPunct="0">
+              <a:spcBef>
+                <a:spcPct val="0"/>
+              </a:spcBef>
+              <a:spcAft>
+                <a:spcPct val="0"/>
+              </a:spcAft>
+              <a:defRPr>
+                <a:solidFill>
+                  <a:schemeClr val="tx1"/>
+                </a:solidFill>
+                <a:latin typeface="Calibri" panose="020F0502020204030204" pitchFamily="34" charset="0"/>
+              </a:defRPr>
+            </a:lvl7pPr>
+            <a:lvl8pPr marL="3429000" indent="-228600" eaLnBrk="0" fontAlgn="base" hangingPunct="0">
+              <a:spcBef>
+                <a:spcPct val="0"/>
+              </a:spcBef>
+              <a:spcAft>
+                <a:spcPct val="0"/>
+              </a:spcAft>
+              <a:defRPr>
+                <a:solidFill>
+                  <a:schemeClr val="tx1"/>
+                </a:solidFill>
+                <a:latin typeface="Calibri" panose="020F0502020204030204" pitchFamily="34" charset="0"/>
+              </a:defRPr>
+            </a:lvl8pPr>
+            <a:lvl9pPr marL="3886200" indent="-228600" eaLnBrk="0" fontAlgn="base" hangingPunct="0">
+              <a:spcBef>
+                <a:spcPct val="0"/>
+              </a:spcBef>
+              <a:spcAft>
+                <a:spcPct val="0"/>
+              </a:spcAft>
+              <a:defRPr>
+                <a:solidFill>
+                  <a:schemeClr val="tx1"/>
+                </a:solidFill>
+                <a:latin typeface="Calibri" panose="020F0502020204030204" pitchFamily="34" charset="0"/>
+              </a:defRPr>
+            </a:lvl9pPr>
+          </a:lstStyle>
+          <a:p>
+            <a:pPr algn="ctr" eaLnBrk="1" hangingPunct="1"/>
+            <a:r>
+              <a:rPr lang="en-US" altLang="en-US" sz="1100" dirty="0">
+                <a:latin typeface="Arial" panose="020B0604020202020204" pitchFamily="34" charset="0"/>
+                <a:ea typeface="Amazon Ember" panose="020B0603020204020204" pitchFamily="34" charset="0"/>
+                <a:cs typeface="Arial" panose="020B0604020202020204" pitchFamily="34" charset="0"/>
+              </a:rPr>
+              <a:t>attachment</a:t>
+            </a:r>
+          </a:p>
+        </p:txBody>
+      </p:sp>
+      <p:sp>
+        <p:nvSpPr>
+          <p:cNvPr id="72" name="TextBox 17">
+            <a:extLst>
+              <a:ext uri="{FF2B5EF4-FFF2-40B4-BE49-F238E27FC236}">
+                <a16:creationId xmlns:a16="http://schemas.microsoft.com/office/drawing/2014/main" id="{39882D9B-8B53-694B-B0D2-1D54F9143C35}"/>
+              </a:ext>
+            </a:extLst>
+          </p:cNvPr>
+          <p:cNvSpPr txBox="1">
+            <a:spLocks noChangeArrowheads="1"/>
+          </p:cNvSpPr>
+          <p:nvPr/>
+        </p:nvSpPr>
+        <p:spPr bwMode="auto">
+          <a:xfrm>
+            <a:off x="5720264" y="3185638"/>
+            <a:ext cx="695703" cy="169277"/>
+          </a:xfrm>
+          <a:prstGeom prst="rect">
+            <a:avLst/>
+          </a:prstGeom>
+          <a:noFill/>
+          <a:ln>
+            <a:noFill/>
+          </a:ln>
+          <a:extLst>
+            <a:ext uri="{909E8E84-426E-40DD-AFC4-6F175D3DCCD1}">
+              <a14:hiddenFill xmlns:a14="http://schemas.microsoft.com/office/drawing/2010/main">
+                <a:solidFill>
+                  <a:srgbClr val="FFFFFF"/>
+                </a:solidFill>
+              </a14:hiddenFill>
+            </a:ext>
+            <a:ext uri="{91240B29-F687-4F45-9708-019B960494DF}">
+              <a14:hiddenLine xmlns:a14="http://schemas.microsoft.com/office/drawing/2010/main" w="9525">
+                <a:solidFill>
+                  <a:srgbClr val="000000"/>
+                </a:solidFill>
+                <a:miter lim="800000"/>
+                <a:headEnd/>
+                <a:tailEnd/>
+              </a14:hiddenLine>
+            </a:ext>
+          </a:extLst>
+        </p:spPr>
+        <p:txBody>
+          <a:bodyPr wrap="none" lIns="0" tIns="0" rIns="0" bIns="0">
+            <a:spAutoFit/>
+          </a:bodyPr>
+          <a:lstStyle>
+            <a:lvl1pPr>
+              <a:defRPr>
+                <a:solidFill>
+                  <a:schemeClr val="tx1"/>
+                </a:solidFill>
+                <a:latin typeface="Calibri" panose="020F0502020204030204" pitchFamily="34" charset="0"/>
+              </a:defRPr>
+            </a:lvl1pPr>
+            <a:lvl2pPr marL="742950" indent="-285750">
+              <a:defRPr>
+                <a:solidFill>
+                  <a:schemeClr val="tx1"/>
+                </a:solidFill>
+                <a:latin typeface="Calibri" panose="020F0502020204030204" pitchFamily="34" charset="0"/>
+              </a:defRPr>
+            </a:lvl2pPr>
+            <a:lvl3pPr marL="1143000" indent="-228600">
+              <a:defRPr>
+                <a:solidFill>
+                  <a:schemeClr val="tx1"/>
+                </a:solidFill>
+                <a:latin typeface="Calibri" panose="020F0502020204030204" pitchFamily="34" charset="0"/>
+              </a:defRPr>
+            </a:lvl3pPr>
+            <a:lvl4pPr marL="1600200" indent="-228600">
+              <a:defRPr>
+                <a:solidFill>
+                  <a:schemeClr val="tx1"/>
+                </a:solidFill>
+                <a:latin typeface="Calibri" panose="020F0502020204030204" pitchFamily="34" charset="0"/>
+              </a:defRPr>
+            </a:lvl4pPr>
+            <a:lvl5pPr marL="2057400" indent="-228600">
+              <a:defRPr>
+                <a:solidFill>
+                  <a:schemeClr val="tx1"/>
+                </a:solidFill>
+                <a:latin typeface="Calibri" panose="020F0502020204030204" pitchFamily="34" charset="0"/>
+              </a:defRPr>
+            </a:lvl5pPr>
+            <a:lvl6pPr marL="2514600" indent="-228600" eaLnBrk="0" fontAlgn="base" hangingPunct="0">
+              <a:spcBef>
+                <a:spcPct val="0"/>
+              </a:spcBef>
+              <a:spcAft>
+                <a:spcPct val="0"/>
+              </a:spcAft>
+              <a:defRPr>
+                <a:solidFill>
+                  <a:schemeClr val="tx1"/>
+                </a:solidFill>
+                <a:latin typeface="Calibri" panose="020F0502020204030204" pitchFamily="34" charset="0"/>
+              </a:defRPr>
+            </a:lvl6pPr>
+            <a:lvl7pPr marL="2971800" indent="-228600" eaLnBrk="0" fontAlgn="base" hangingPunct="0">
+              <a:spcBef>
+                <a:spcPct val="0"/>
+              </a:spcBef>
+              <a:spcAft>
+                <a:spcPct val="0"/>
+              </a:spcAft>
+              <a:defRPr>
+                <a:solidFill>
+                  <a:schemeClr val="tx1"/>
+                </a:solidFill>
+                <a:latin typeface="Calibri" panose="020F0502020204030204" pitchFamily="34" charset="0"/>
+              </a:defRPr>
+            </a:lvl7pPr>
+            <a:lvl8pPr marL="3429000" indent="-228600" eaLnBrk="0" fontAlgn="base" hangingPunct="0">
+              <a:spcBef>
+                <a:spcPct val="0"/>
+              </a:spcBef>
+              <a:spcAft>
+                <a:spcPct val="0"/>
+              </a:spcAft>
+              <a:defRPr>
+                <a:solidFill>
+                  <a:schemeClr val="tx1"/>
+                </a:solidFill>
+                <a:latin typeface="Calibri" panose="020F0502020204030204" pitchFamily="34" charset="0"/>
+              </a:defRPr>
+            </a:lvl8pPr>
+            <a:lvl9pPr marL="3886200" indent="-228600" eaLnBrk="0" fontAlgn="base" hangingPunct="0">
+              <a:spcBef>
+                <a:spcPct val="0"/>
+              </a:spcBef>
+              <a:spcAft>
+                <a:spcPct val="0"/>
+              </a:spcAft>
+              <a:defRPr>
+                <a:solidFill>
+                  <a:schemeClr val="tx1"/>
+                </a:solidFill>
+                <a:latin typeface="Calibri" panose="020F0502020204030204" pitchFamily="34" charset="0"/>
+              </a:defRPr>
+            </a:lvl9pPr>
+          </a:lstStyle>
+          <a:p>
+            <a:pPr algn="ctr" eaLnBrk="1" hangingPunct="1"/>
+            <a:r>
+              <a:rPr lang="en-US" altLang="en-US" sz="1100" dirty="0">
+                <a:latin typeface="Arial" panose="020B0604020202020204" pitchFamily="34" charset="0"/>
+                <a:ea typeface="Amazon Ember" panose="020B0603020204020204" pitchFamily="34" charset="0"/>
+                <a:cs typeface="Arial" panose="020B0604020202020204" pitchFamily="34" charset="0"/>
+              </a:rPr>
+              <a:t>attachment</a:t>
+            </a:r>
+          </a:p>
+        </p:txBody>
+      </p:sp>
+      <p:sp>
+        <p:nvSpPr>
+          <p:cNvPr id="73" name="TextBox 17">
+            <a:extLst>
+              <a:ext uri="{FF2B5EF4-FFF2-40B4-BE49-F238E27FC236}">
+                <a16:creationId xmlns:a16="http://schemas.microsoft.com/office/drawing/2014/main" id="{01C90539-1751-0B40-A731-B6FB0E93F956}"/>
+              </a:ext>
+            </a:extLst>
+          </p:cNvPr>
+          <p:cNvSpPr txBox="1">
+            <a:spLocks noChangeArrowheads="1"/>
+          </p:cNvSpPr>
+          <p:nvPr/>
+        </p:nvSpPr>
+        <p:spPr bwMode="auto">
+          <a:xfrm>
+            <a:off x="8337828" y="3146545"/>
+            <a:ext cx="695703" cy="169277"/>
+          </a:xfrm>
+          <a:prstGeom prst="rect">
+            <a:avLst/>
+          </a:prstGeom>
+          <a:noFill/>
+          <a:ln>
+            <a:noFill/>
+          </a:ln>
+          <a:extLst>
+            <a:ext uri="{909E8E84-426E-40DD-AFC4-6F175D3DCCD1}">
+              <a14:hiddenFill xmlns:a14="http://schemas.microsoft.com/office/drawing/2010/main">
+                <a:solidFill>
+                  <a:srgbClr val="FFFFFF"/>
+                </a:solidFill>
+              </a14:hiddenFill>
+            </a:ext>
+            <a:ext uri="{91240B29-F687-4F45-9708-019B960494DF}">
+              <a14:hiddenLine xmlns:a14="http://schemas.microsoft.com/office/drawing/2010/main" w="9525">
+                <a:solidFill>
+                  <a:srgbClr val="000000"/>
+                </a:solidFill>
+                <a:miter lim="800000"/>
+                <a:headEnd/>
+                <a:tailEnd/>
+              </a14:hiddenLine>
+            </a:ext>
+          </a:extLst>
+        </p:spPr>
+        <p:txBody>
+          <a:bodyPr wrap="none" lIns="0" tIns="0" rIns="0" bIns="0">
+            <a:spAutoFit/>
+          </a:bodyPr>
+          <a:lstStyle>
+            <a:lvl1pPr>
+              <a:defRPr>
+                <a:solidFill>
+                  <a:schemeClr val="tx1"/>
+                </a:solidFill>
+                <a:latin typeface="Calibri" panose="020F0502020204030204" pitchFamily="34" charset="0"/>
+              </a:defRPr>
+            </a:lvl1pPr>
+            <a:lvl2pPr marL="742950" indent="-285750">
+              <a:defRPr>
+                <a:solidFill>
+                  <a:schemeClr val="tx1"/>
+                </a:solidFill>
+                <a:latin typeface="Calibri" panose="020F0502020204030204" pitchFamily="34" charset="0"/>
+              </a:defRPr>
+            </a:lvl2pPr>
+            <a:lvl3pPr marL="1143000" indent="-228600">
+              <a:defRPr>
+                <a:solidFill>
+                  <a:schemeClr val="tx1"/>
+                </a:solidFill>
+                <a:latin typeface="Calibri" panose="020F0502020204030204" pitchFamily="34" charset="0"/>
+              </a:defRPr>
+            </a:lvl3pPr>
+            <a:lvl4pPr marL="1600200" indent="-228600">
+              <a:defRPr>
+                <a:solidFill>
+                  <a:schemeClr val="tx1"/>
+                </a:solidFill>
+                <a:latin typeface="Calibri" panose="020F0502020204030204" pitchFamily="34" charset="0"/>
+              </a:defRPr>
+            </a:lvl4pPr>
+            <a:lvl5pPr marL="2057400" indent="-228600">
+              <a:defRPr>
+                <a:solidFill>
+                  <a:schemeClr val="tx1"/>
+                </a:solidFill>
+                <a:latin typeface="Calibri" panose="020F0502020204030204" pitchFamily="34" charset="0"/>
+              </a:defRPr>
+            </a:lvl5pPr>
+            <a:lvl6pPr marL="2514600" indent="-228600" eaLnBrk="0" fontAlgn="base" hangingPunct="0">
+              <a:spcBef>
+                <a:spcPct val="0"/>
+              </a:spcBef>
+              <a:spcAft>
+                <a:spcPct val="0"/>
+              </a:spcAft>
+              <a:defRPr>
+                <a:solidFill>
+                  <a:schemeClr val="tx1"/>
+                </a:solidFill>
+                <a:latin typeface="Calibri" panose="020F0502020204030204" pitchFamily="34" charset="0"/>
+              </a:defRPr>
+            </a:lvl6pPr>
+            <a:lvl7pPr marL="2971800" indent="-228600" eaLnBrk="0" fontAlgn="base" hangingPunct="0">
+              <a:spcBef>
+                <a:spcPct val="0"/>
+              </a:spcBef>
+              <a:spcAft>
+                <a:spcPct val="0"/>
+              </a:spcAft>
+              <a:defRPr>
+                <a:solidFill>
+                  <a:schemeClr val="tx1"/>
+                </a:solidFill>
+                <a:latin typeface="Calibri" panose="020F0502020204030204" pitchFamily="34" charset="0"/>
+              </a:defRPr>
+            </a:lvl7pPr>
+            <a:lvl8pPr marL="3429000" indent="-228600" eaLnBrk="0" fontAlgn="base" hangingPunct="0">
+              <a:spcBef>
+                <a:spcPct val="0"/>
+              </a:spcBef>
+              <a:spcAft>
+                <a:spcPct val="0"/>
+              </a:spcAft>
+              <a:defRPr>
+                <a:solidFill>
+                  <a:schemeClr val="tx1"/>
+                </a:solidFill>
+                <a:latin typeface="Calibri" panose="020F0502020204030204" pitchFamily="34" charset="0"/>
+              </a:defRPr>
+            </a:lvl8pPr>
+            <a:lvl9pPr marL="3886200" indent="-228600" eaLnBrk="0" fontAlgn="base" hangingPunct="0">
+              <a:spcBef>
+                <a:spcPct val="0"/>
+              </a:spcBef>
+              <a:spcAft>
+                <a:spcPct val="0"/>
+              </a:spcAft>
+              <a:defRPr>
+                <a:solidFill>
+                  <a:schemeClr val="tx1"/>
+                </a:solidFill>
+                <a:latin typeface="Calibri" panose="020F0502020204030204" pitchFamily="34" charset="0"/>
+              </a:defRPr>
+            </a:lvl9pPr>
+          </a:lstStyle>
+          <a:p>
+            <a:pPr algn="ctr" eaLnBrk="1" hangingPunct="1"/>
+            <a:r>
+              <a:rPr lang="en-US" altLang="en-US" sz="1100" dirty="0">
+                <a:latin typeface="Arial" panose="020B0604020202020204" pitchFamily="34" charset="0"/>
+                <a:ea typeface="Amazon Ember" panose="020B0603020204020204" pitchFamily="34" charset="0"/>
+                <a:cs typeface="Arial" panose="020B0604020202020204" pitchFamily="34" charset="0"/>
+              </a:rPr>
+              <a:t>attachment</a:t>
+            </a:r>
+          </a:p>
+        </p:txBody>
+      </p:sp>
+      <p:sp>
+        <p:nvSpPr>
+          <p:cNvPr id="61" name="Rectangle 7">
+            <a:extLst>
+              <a:ext uri="{FF2B5EF4-FFF2-40B4-BE49-F238E27FC236}">
+                <a16:creationId xmlns:a16="http://schemas.microsoft.com/office/drawing/2014/main" id="{8BEE89B0-7217-FC45-BCE2-B19C6FFDB26C}"/>
+              </a:ext>
+            </a:extLst>
+          </p:cNvPr>
+          <p:cNvSpPr/>
+          <p:nvPr/>
+        </p:nvSpPr>
+        <p:spPr>
+          <a:xfrm>
+            <a:off x="874884" y="2467805"/>
+            <a:ext cx="1460685" cy="380288"/>
+          </a:xfrm>
+          <a:prstGeom prst="rect">
+            <a:avLst/>
+          </a:prstGeom>
+          <a:solidFill>
+            <a:srgbClr val="007CBC">
+              <a:alpha val="9804"/>
+            </a:srgbClr>
+          </a:solidFill>
+          <a:ln w="12700">
+            <a:noFill/>
+            <a:prstDash val="dash"/>
+          </a:ln>
+        </p:spPr>
+        <p:style>
+          <a:lnRef idx="2">
+            <a:schemeClr val="accent1">
+              <a:shade val="50000"/>
+            </a:schemeClr>
+          </a:lnRef>
+          <a:fillRef idx="1">
+            <a:schemeClr val="accent1"/>
+          </a:fillRef>
+          <a:effectRef idx="0">
+            <a:schemeClr val="accent1"/>
+          </a:effectRef>
+          <a:fontRef idx="minor">
+            <a:schemeClr val="lt1"/>
+          </a:fontRef>
+        </p:style>
+        <p:txBody>
+          <a:bodyPr lIns="338328"/>
+          <a:lstStyle/>
+          <a:p>
+            <a:pPr eaLnBrk="1" fontAlgn="auto" hangingPunct="1">
+              <a:spcBef>
+                <a:spcPts val="0"/>
+              </a:spcBef>
+              <a:spcAft>
+                <a:spcPts val="0"/>
+              </a:spcAft>
+              <a:defRPr/>
+            </a:pPr>
+            <a:r>
+              <a:rPr lang="en-US" sz="1200" dirty="0">
+                <a:solidFill>
+                  <a:srgbClr val="5B9CD5"/>
+                </a:solidFill>
+                <a:latin typeface="Arial" panose="020B0604020202020204" pitchFamily="34" charset="0"/>
+                <a:cs typeface="Arial" panose="020B0604020202020204" pitchFamily="34" charset="0"/>
+              </a:rPr>
+              <a:t>TGW subnet</a:t>
+            </a:r>
+          </a:p>
+        </p:txBody>
+      </p:sp>
+      <p:pic>
+        <p:nvPicPr>
+          <p:cNvPr id="62" name="Graphic 35">
+            <a:extLst>
+              <a:ext uri="{FF2B5EF4-FFF2-40B4-BE49-F238E27FC236}">
+                <a16:creationId xmlns:a16="http://schemas.microsoft.com/office/drawing/2014/main" id="{1AF80909-AA4B-994A-9D69-0B8148E258EA}"/>
+              </a:ext>
+            </a:extLst>
+          </p:cNvPr>
+          <p:cNvPicPr>
+            <a:picLocks noChangeAspect="1" noChangeArrowheads="1"/>
+          </p:cNvPicPr>
+          <p:nvPr/>
+        </p:nvPicPr>
+        <p:blipFill>
+          <a:blip r:embed="rId5">
+            <a:extLst>
+              <a:ext uri="{28A0092B-C50C-407E-A947-70E740481C1C}">
+                <a14:useLocalDpi xmlns:a14="http://schemas.microsoft.com/office/drawing/2010/main" val="0"/>
+              </a:ext>
+            </a:extLst>
+          </a:blip>
+          <a:srcRect/>
+          <a:stretch>
+            <a:fillRect/>
+          </a:stretch>
+        </p:blipFill>
+        <p:spPr bwMode="auto">
+          <a:xfrm>
+            <a:off x="874884" y="2466490"/>
+            <a:ext cx="227246" cy="227247"/>
+          </a:xfrm>
+          <a:prstGeom prst="rect">
+            <a:avLst/>
+          </a:prstGeom>
+          <a:noFill/>
+          <a:ln>
+            <a:noFill/>
+          </a:ln>
+          <a:extLst>
+            <a:ext uri="{909E8E84-426E-40DD-AFC4-6F175D3DCCD1}">
+              <a14:hiddenFill xmlns:a14="http://schemas.microsoft.com/office/drawing/2010/main">
+                <a:solidFill>
+                  <a:srgbClr val="FFFFFF"/>
+                </a:solidFill>
+              </a14:hiddenFill>
+            </a:ext>
+            <a:ext uri="{91240B29-F687-4F45-9708-019B960494DF}">
+              <a14:hiddenLine xmlns:a14="http://schemas.microsoft.com/office/drawing/2010/main" w="9525">
+                <a:solidFill>
+                  <a:srgbClr val="000000"/>
+                </a:solidFill>
+                <a:miter lim="800000"/>
+                <a:headEnd/>
+                <a:tailEnd/>
+              </a14:hiddenLine>
+            </a:ext>
+          </a:extLst>
+        </p:spPr>
+      </p:pic>
+      <p:sp>
+        <p:nvSpPr>
+          <p:cNvPr id="65" name="Rectangle 7">
+            <a:extLst>
+              <a:ext uri="{FF2B5EF4-FFF2-40B4-BE49-F238E27FC236}">
+                <a16:creationId xmlns:a16="http://schemas.microsoft.com/office/drawing/2014/main" id="{48D6440B-3F85-3F47-8AB0-400B069CE9FA}"/>
+              </a:ext>
+            </a:extLst>
+          </p:cNvPr>
+          <p:cNvSpPr/>
+          <p:nvPr/>
+        </p:nvSpPr>
+        <p:spPr>
+          <a:xfrm>
+            <a:off x="3400370" y="2467805"/>
+            <a:ext cx="1460685" cy="380288"/>
+          </a:xfrm>
+          <a:prstGeom prst="rect">
+            <a:avLst/>
+          </a:prstGeom>
+          <a:solidFill>
+            <a:srgbClr val="007CBC">
+              <a:alpha val="9804"/>
+            </a:srgbClr>
+          </a:solidFill>
+          <a:ln w="12700">
+            <a:noFill/>
+            <a:prstDash val="dash"/>
+          </a:ln>
+        </p:spPr>
+        <p:style>
+          <a:lnRef idx="2">
+            <a:schemeClr val="accent1">
+              <a:shade val="50000"/>
+            </a:schemeClr>
+          </a:lnRef>
+          <a:fillRef idx="1">
+            <a:schemeClr val="accent1"/>
+          </a:fillRef>
+          <a:effectRef idx="0">
+            <a:schemeClr val="accent1"/>
+          </a:effectRef>
+          <a:fontRef idx="minor">
+            <a:schemeClr val="lt1"/>
+          </a:fontRef>
+        </p:style>
+        <p:txBody>
+          <a:bodyPr lIns="338328"/>
+          <a:lstStyle/>
+          <a:p>
+            <a:pPr eaLnBrk="1" fontAlgn="auto" hangingPunct="1">
+              <a:spcBef>
+                <a:spcPts val="0"/>
+              </a:spcBef>
+              <a:spcAft>
+                <a:spcPts val="0"/>
+              </a:spcAft>
+              <a:defRPr/>
+            </a:pPr>
+            <a:r>
+              <a:rPr lang="en-US" sz="1200" dirty="0">
+                <a:solidFill>
+                  <a:srgbClr val="5B9CD5"/>
+                </a:solidFill>
+                <a:latin typeface="Arial" panose="020B0604020202020204" pitchFamily="34" charset="0"/>
+                <a:cs typeface="Arial" panose="020B0604020202020204" pitchFamily="34" charset="0"/>
+              </a:rPr>
+              <a:t>TGW subnet</a:t>
+            </a:r>
+          </a:p>
+        </p:txBody>
+      </p:sp>
+      <p:pic>
+        <p:nvPicPr>
+          <p:cNvPr id="66" name="Graphic 35">
+            <a:extLst>
+              <a:ext uri="{FF2B5EF4-FFF2-40B4-BE49-F238E27FC236}">
+                <a16:creationId xmlns:a16="http://schemas.microsoft.com/office/drawing/2014/main" id="{53EEE4EB-0857-C146-94AE-EEAD88C73D24}"/>
+              </a:ext>
+            </a:extLst>
+          </p:cNvPr>
+          <p:cNvPicPr>
+            <a:picLocks noChangeAspect="1" noChangeArrowheads="1"/>
+          </p:cNvPicPr>
+          <p:nvPr/>
+        </p:nvPicPr>
+        <p:blipFill>
+          <a:blip r:embed="rId5">
+            <a:extLst>
+              <a:ext uri="{28A0092B-C50C-407E-A947-70E740481C1C}">
+                <a14:useLocalDpi xmlns:a14="http://schemas.microsoft.com/office/drawing/2010/main" val="0"/>
+              </a:ext>
+            </a:extLst>
+          </a:blip>
+          <a:srcRect/>
+          <a:stretch>
+            <a:fillRect/>
+          </a:stretch>
+        </p:blipFill>
+        <p:spPr bwMode="auto">
+          <a:xfrm>
+            <a:off x="3400370" y="2466490"/>
+            <a:ext cx="227246" cy="227247"/>
+          </a:xfrm>
+          <a:prstGeom prst="rect">
+            <a:avLst/>
+          </a:prstGeom>
+          <a:noFill/>
+          <a:ln>
+            <a:noFill/>
+          </a:ln>
+          <a:extLst>
+            <a:ext uri="{909E8E84-426E-40DD-AFC4-6F175D3DCCD1}">
+              <a14:hiddenFill xmlns:a14="http://schemas.microsoft.com/office/drawing/2010/main">
+                <a:solidFill>
+                  <a:srgbClr val="FFFFFF"/>
+                </a:solidFill>
+              </a14:hiddenFill>
+            </a:ext>
+            <a:ext uri="{91240B29-F687-4F45-9708-019B960494DF}">
+              <a14:hiddenLine xmlns:a14="http://schemas.microsoft.com/office/drawing/2010/main" w="9525">
+                <a:solidFill>
+                  <a:srgbClr val="000000"/>
+                </a:solidFill>
+                <a:miter lim="800000"/>
+                <a:headEnd/>
+                <a:tailEnd/>
+              </a14:hiddenLine>
+            </a:ext>
+          </a:extLst>
+        </p:spPr>
+      </p:pic>
+      <p:pic>
+        <p:nvPicPr>
+          <p:cNvPr id="69" name="Graphic 35">
+            <a:extLst>
+              <a:ext uri="{FF2B5EF4-FFF2-40B4-BE49-F238E27FC236}">
+                <a16:creationId xmlns:a16="http://schemas.microsoft.com/office/drawing/2014/main" id="{926054FB-9517-A947-B0DD-E29A614907C4}"/>
+              </a:ext>
+            </a:extLst>
+          </p:cNvPr>
+          <p:cNvPicPr>
+            <a:picLocks noChangeAspect="1" noChangeArrowheads="1"/>
+          </p:cNvPicPr>
+          <p:nvPr/>
+        </p:nvPicPr>
+        <p:blipFill>
+          <a:blip r:embed="rId5">
+            <a:extLst>
+              <a:ext uri="{28A0092B-C50C-407E-A947-70E740481C1C}">
+                <a14:useLocalDpi xmlns:a14="http://schemas.microsoft.com/office/drawing/2010/main" val="0"/>
+              </a:ext>
+            </a:extLst>
+          </a:blip>
+          <a:srcRect/>
+          <a:stretch>
+            <a:fillRect/>
+          </a:stretch>
+        </p:blipFill>
+        <p:spPr bwMode="auto">
+          <a:xfrm>
+            <a:off x="5969398" y="2466490"/>
+            <a:ext cx="227246" cy="227247"/>
+          </a:xfrm>
+          <a:prstGeom prst="rect">
+            <a:avLst/>
+          </a:prstGeom>
+          <a:noFill/>
+          <a:ln>
+            <a:noFill/>
+          </a:ln>
+          <a:extLst>
+            <a:ext uri="{909E8E84-426E-40DD-AFC4-6F175D3DCCD1}">
+              <a14:hiddenFill xmlns:a14="http://schemas.microsoft.com/office/drawing/2010/main">
+                <a:solidFill>
+                  <a:srgbClr val="FFFFFF"/>
+                </a:solidFill>
+              </a14:hiddenFill>
+            </a:ext>
+            <a:ext uri="{91240B29-F687-4F45-9708-019B960494DF}">
+              <a14:hiddenLine xmlns:a14="http://schemas.microsoft.com/office/drawing/2010/main" w="9525">
+                <a:solidFill>
+                  <a:srgbClr val="000000"/>
+                </a:solidFill>
+                <a:miter lim="800000"/>
+                <a:headEnd/>
+                <a:tailEnd/>
+              </a14:hiddenLine>
+            </a:ext>
+          </a:extLst>
+        </p:spPr>
+      </p:pic>
+      <p:pic>
+        <p:nvPicPr>
+          <p:cNvPr id="78" name="Graphic 23">
+            <a:extLst>
+              <a:ext uri="{FF2B5EF4-FFF2-40B4-BE49-F238E27FC236}">
+                <a16:creationId xmlns:a16="http://schemas.microsoft.com/office/drawing/2014/main" id="{142888CB-5A72-F145-B33D-EF9C38E66538}"/>
+              </a:ext>
+            </a:extLst>
+          </p:cNvPr>
+          <p:cNvPicPr>
+            <a:picLocks noChangeAspect="1" noChangeArrowheads="1"/>
+          </p:cNvPicPr>
+          <p:nvPr/>
+        </p:nvPicPr>
+        <p:blipFill>
+          <a:blip r:embed="rId4">
+            <a:extLst>
+              <a:ext uri="{28A0092B-C50C-407E-A947-70E740481C1C}">
+                <a14:useLocalDpi xmlns:a14="http://schemas.microsoft.com/office/drawing/2010/main" val="0"/>
+              </a:ext>
+            </a:extLst>
+          </a:blip>
+          <a:srcRect/>
+          <a:stretch>
+            <a:fillRect/>
+          </a:stretch>
+        </p:blipFill>
+        <p:spPr bwMode="auto">
+          <a:xfrm>
+            <a:off x="9014629" y="1337592"/>
+            <a:ext cx="227246" cy="227247"/>
+          </a:xfrm>
+          <a:prstGeom prst="rect">
+            <a:avLst/>
+          </a:prstGeom>
+          <a:noFill/>
+          <a:ln>
+            <a:noFill/>
+          </a:ln>
+          <a:extLst>
+            <a:ext uri="{909E8E84-426E-40DD-AFC4-6F175D3DCCD1}">
+              <a14:hiddenFill xmlns:a14="http://schemas.microsoft.com/office/drawing/2010/main">
+                <a:solidFill>
+                  <a:srgbClr val="FFFFFF"/>
+                </a:solidFill>
+              </a14:hiddenFill>
+            </a:ext>
+            <a:ext uri="{91240B29-F687-4F45-9708-019B960494DF}">
+              <a14:hiddenLine xmlns:a14="http://schemas.microsoft.com/office/drawing/2010/main" w="9525">
+                <a:solidFill>
+                  <a:srgbClr val="000000"/>
+                </a:solidFill>
+                <a:miter lim="800000"/>
+                <a:headEnd/>
+                <a:tailEnd/>
+              </a14:hiddenLine>
+            </a:ext>
+          </a:extLst>
+        </p:spPr>
+      </p:pic>
+      <p:pic>
+        <p:nvPicPr>
+          <p:cNvPr id="79" name="Graphic 60">
+            <a:extLst>
+              <a:ext uri="{FF2B5EF4-FFF2-40B4-BE49-F238E27FC236}">
+                <a16:creationId xmlns:a16="http://schemas.microsoft.com/office/drawing/2014/main" id="{026F2AE6-C257-D047-9E9B-ED8E4F05FF6A}"/>
+              </a:ext>
+            </a:extLst>
+          </p:cNvPr>
+          <p:cNvPicPr>
+            <a:picLocks noChangeAspect="1" noChangeArrowheads="1"/>
+          </p:cNvPicPr>
+          <p:nvPr/>
+        </p:nvPicPr>
+        <p:blipFill>
+          <a:blip r:embed="rId6">
+            <a:extLst>
+              <a:ext uri="{28A0092B-C50C-407E-A947-70E740481C1C}">
+                <a14:useLocalDpi xmlns:a14="http://schemas.microsoft.com/office/drawing/2010/main" val="0"/>
+              </a:ext>
+            </a:extLst>
+          </a:blip>
+          <a:srcRect/>
+          <a:stretch>
+            <a:fillRect/>
+          </a:stretch>
+        </p:blipFill>
+        <p:spPr bwMode="auto">
+          <a:xfrm>
+            <a:off x="9452353" y="2005558"/>
+            <a:ext cx="378307" cy="378307"/>
+          </a:xfrm>
+          <a:prstGeom prst="rect">
+            <a:avLst/>
+          </a:prstGeom>
+          <a:noFill/>
+          <a:ln>
+            <a:noFill/>
+          </a:ln>
+          <a:extLst>
+            <a:ext uri="{909E8E84-426E-40DD-AFC4-6F175D3DCCD1}">
+              <a14:hiddenFill xmlns:a14="http://schemas.microsoft.com/office/drawing/2010/main">
+                <a:solidFill>
+                  <a:srgbClr val="FFFFFF"/>
+                </a:solidFill>
+              </a14:hiddenFill>
+            </a:ext>
+            <a:ext uri="{91240B29-F687-4F45-9708-019B960494DF}">
+              <a14:hiddenLine xmlns:a14="http://schemas.microsoft.com/office/drawing/2010/main" w="9525">
+                <a:solidFill>
+                  <a:srgbClr val="000000"/>
+                </a:solidFill>
+                <a:miter lim="800000"/>
+                <a:headEnd/>
+                <a:tailEnd/>
+              </a14:hiddenLine>
+            </a:ext>
+          </a:extLst>
+        </p:spPr>
+      </p:pic>
+      <p:pic>
+        <p:nvPicPr>
+          <p:cNvPr id="80" name="Graphic 10">
+            <a:extLst>
+              <a:ext uri="{FF2B5EF4-FFF2-40B4-BE49-F238E27FC236}">
+                <a16:creationId xmlns:a16="http://schemas.microsoft.com/office/drawing/2014/main" id="{41067630-0F1D-A944-9EEE-91C94DF9C89B}"/>
+              </a:ext>
+            </a:extLst>
+          </p:cNvPr>
+          <p:cNvPicPr>
+            <a:picLocks noChangeAspect="1" noChangeArrowheads="1"/>
+          </p:cNvPicPr>
+          <p:nvPr/>
+        </p:nvPicPr>
+        <p:blipFill>
+          <a:blip r:embed="rId8">
+            <a:extLst>
+              <a:ext uri="{28A0092B-C50C-407E-A947-70E740481C1C}">
+                <a14:useLocalDpi xmlns:a14="http://schemas.microsoft.com/office/drawing/2010/main" val="0"/>
+              </a:ext>
+            </a:extLst>
+          </a:blip>
+          <a:srcRect/>
+          <a:stretch>
+            <a:fillRect/>
+          </a:stretch>
+        </p:blipFill>
+        <p:spPr bwMode="auto">
+          <a:xfrm>
+            <a:off x="9844252" y="2762842"/>
+            <a:ext cx="378307" cy="378307"/>
+          </a:xfrm>
+          <a:prstGeom prst="rect">
+            <a:avLst/>
+          </a:prstGeom>
+          <a:noFill/>
+          <a:ln>
+            <a:noFill/>
+          </a:ln>
+          <a:extLst>
+            <a:ext uri="{909E8E84-426E-40DD-AFC4-6F175D3DCCD1}">
+              <a14:hiddenFill xmlns:a14="http://schemas.microsoft.com/office/drawing/2010/main">
+                <a:solidFill>
+                  <a:srgbClr val="FFFFFF"/>
+                </a:solidFill>
+              </a14:hiddenFill>
+            </a:ext>
+            <a:ext uri="{91240B29-F687-4F45-9708-019B960494DF}">
+              <a14:hiddenLine xmlns:a14="http://schemas.microsoft.com/office/drawing/2010/main" w="9525">
+                <a:solidFill>
+                  <a:srgbClr val="000000"/>
+                </a:solidFill>
+                <a:miter lim="800000"/>
+                <a:headEnd/>
+                <a:tailEnd/>
+              </a14:hiddenLine>
+            </a:ext>
+          </a:extLst>
+        </p:spPr>
+      </p:pic>
+      <p:sp>
+        <p:nvSpPr>
+          <p:cNvPr id="81" name="TextBox 17">
+            <a:extLst>
+              <a:ext uri="{FF2B5EF4-FFF2-40B4-BE49-F238E27FC236}">
+                <a16:creationId xmlns:a16="http://schemas.microsoft.com/office/drawing/2014/main" id="{10E30B95-9DB8-3E47-A74F-149DBC038734}"/>
+              </a:ext>
+            </a:extLst>
+          </p:cNvPr>
+          <p:cNvSpPr txBox="1">
+            <a:spLocks noChangeArrowheads="1"/>
+          </p:cNvSpPr>
+          <p:nvPr/>
+        </p:nvSpPr>
+        <p:spPr bwMode="auto">
+          <a:xfrm>
+            <a:off x="9066925" y="1583964"/>
+            <a:ext cx="1205458" cy="338554"/>
+          </a:xfrm>
+          <a:prstGeom prst="rect">
+            <a:avLst/>
+          </a:prstGeom>
+          <a:noFill/>
+          <a:ln>
+            <a:noFill/>
+          </a:ln>
+          <a:extLst>
+            <a:ext uri="{909E8E84-426E-40DD-AFC4-6F175D3DCCD1}">
+              <a14:hiddenFill xmlns:a14="http://schemas.microsoft.com/office/drawing/2010/main">
+                <a:solidFill>
+                  <a:srgbClr val="FFFFFF"/>
+                </a:solidFill>
+              </a14:hiddenFill>
+            </a:ext>
+            <a:ext uri="{91240B29-F687-4F45-9708-019B960494DF}">
+              <a14:hiddenLine xmlns:a14="http://schemas.microsoft.com/office/drawing/2010/main" w="9525">
+                <a:solidFill>
+                  <a:srgbClr val="000000"/>
+                </a:solidFill>
+                <a:miter lim="800000"/>
+                <a:headEnd/>
+                <a:tailEnd/>
+              </a14:hiddenLine>
+            </a:ext>
+          </a:extLst>
+        </p:spPr>
+        <p:txBody>
+          <a:bodyPr wrap="none" lIns="0" tIns="0" rIns="0" bIns="0">
+            <a:spAutoFit/>
+          </a:bodyPr>
+          <a:lstStyle>
+            <a:lvl1pPr>
+              <a:defRPr>
+                <a:solidFill>
+                  <a:schemeClr val="tx1"/>
+                </a:solidFill>
+                <a:latin typeface="Calibri" panose="020F0502020204030204" pitchFamily="34" charset="0"/>
+              </a:defRPr>
+            </a:lvl1pPr>
+            <a:lvl2pPr marL="742950" indent="-285750">
+              <a:defRPr>
+                <a:solidFill>
+                  <a:schemeClr val="tx1"/>
+                </a:solidFill>
+                <a:latin typeface="Calibri" panose="020F0502020204030204" pitchFamily="34" charset="0"/>
+              </a:defRPr>
+            </a:lvl2pPr>
+            <a:lvl3pPr marL="1143000" indent="-228600">
+              <a:defRPr>
+                <a:solidFill>
+                  <a:schemeClr val="tx1"/>
+                </a:solidFill>
+                <a:latin typeface="Calibri" panose="020F0502020204030204" pitchFamily="34" charset="0"/>
+              </a:defRPr>
+            </a:lvl3pPr>
+            <a:lvl4pPr marL="1600200" indent="-228600">
+              <a:defRPr>
+                <a:solidFill>
+                  <a:schemeClr val="tx1"/>
+                </a:solidFill>
+                <a:latin typeface="Calibri" panose="020F0502020204030204" pitchFamily="34" charset="0"/>
+              </a:defRPr>
+            </a:lvl4pPr>
+            <a:lvl5pPr marL="2057400" indent="-228600">
+              <a:defRPr>
+                <a:solidFill>
+                  <a:schemeClr val="tx1"/>
+                </a:solidFill>
+                <a:latin typeface="Calibri" panose="020F0502020204030204" pitchFamily="34" charset="0"/>
+              </a:defRPr>
+            </a:lvl5pPr>
+            <a:lvl6pPr marL="2514600" indent="-228600" eaLnBrk="0" fontAlgn="base" hangingPunct="0">
+              <a:spcBef>
+                <a:spcPct val="0"/>
+              </a:spcBef>
+              <a:spcAft>
+                <a:spcPct val="0"/>
+              </a:spcAft>
+              <a:defRPr>
+                <a:solidFill>
+                  <a:schemeClr val="tx1"/>
+                </a:solidFill>
+                <a:latin typeface="Calibri" panose="020F0502020204030204" pitchFamily="34" charset="0"/>
+              </a:defRPr>
+            </a:lvl6pPr>
+            <a:lvl7pPr marL="2971800" indent="-228600" eaLnBrk="0" fontAlgn="base" hangingPunct="0">
+              <a:spcBef>
+                <a:spcPct val="0"/>
+              </a:spcBef>
+              <a:spcAft>
+                <a:spcPct val="0"/>
+              </a:spcAft>
+              <a:defRPr>
+                <a:solidFill>
+                  <a:schemeClr val="tx1"/>
+                </a:solidFill>
+                <a:latin typeface="Calibri" panose="020F0502020204030204" pitchFamily="34" charset="0"/>
+              </a:defRPr>
+            </a:lvl7pPr>
+            <a:lvl8pPr marL="3429000" indent="-228600" eaLnBrk="0" fontAlgn="base" hangingPunct="0">
+              <a:spcBef>
+                <a:spcPct val="0"/>
+              </a:spcBef>
+              <a:spcAft>
+                <a:spcPct val="0"/>
+              </a:spcAft>
+              <a:defRPr>
+                <a:solidFill>
+                  <a:schemeClr val="tx1"/>
+                </a:solidFill>
+                <a:latin typeface="Calibri" panose="020F0502020204030204" pitchFamily="34" charset="0"/>
+              </a:defRPr>
+            </a:lvl8pPr>
+            <a:lvl9pPr marL="3886200" indent="-228600" eaLnBrk="0" fontAlgn="base" hangingPunct="0">
+              <a:spcBef>
+                <a:spcPct val="0"/>
+              </a:spcBef>
+              <a:spcAft>
+                <a:spcPct val="0"/>
+              </a:spcAft>
+              <a:defRPr>
+                <a:solidFill>
+                  <a:schemeClr val="tx1"/>
+                </a:solidFill>
+                <a:latin typeface="Calibri" panose="020F0502020204030204" pitchFamily="34" charset="0"/>
+              </a:defRPr>
+            </a:lvl9pPr>
+          </a:lstStyle>
+          <a:p>
+            <a:pPr algn="ctr" eaLnBrk="1" hangingPunct="1"/>
+            <a:r>
+              <a:rPr lang="en-US" altLang="en-US" sz="1100" dirty="0">
+                <a:latin typeface="Arial" panose="020B0604020202020204" pitchFamily="34" charset="0"/>
+                <a:ea typeface="Amazon Ember" panose="020B0603020204020204" pitchFamily="34" charset="0"/>
+                <a:cs typeface="Arial" panose="020B0604020202020204" pitchFamily="34" charset="0"/>
+              </a:rPr>
+              <a:t>Customer Gateway</a:t>
+            </a:r>
+          </a:p>
+          <a:p>
+            <a:pPr algn="ctr" eaLnBrk="1" hangingPunct="1"/>
+            <a:r>
+              <a:rPr lang="en-US" altLang="en-US" sz="1100" dirty="0">
+                <a:latin typeface="Arial" panose="020B0604020202020204" pitchFamily="34" charset="0"/>
+                <a:ea typeface="Amazon Ember" panose="020B0603020204020204" pitchFamily="34" charset="0"/>
+                <a:cs typeface="Arial" panose="020B0604020202020204" pitchFamily="34" charset="0"/>
+              </a:rPr>
+              <a:t>(</a:t>
+            </a:r>
+            <a:r>
+              <a:rPr lang="en-US" altLang="en-US" sz="1100" dirty="0" err="1">
+                <a:latin typeface="Arial" panose="020B0604020202020204" pitchFamily="34" charset="0"/>
+                <a:ea typeface="Amazon Ember" panose="020B0603020204020204" pitchFamily="34" charset="0"/>
+                <a:cs typeface="Arial" panose="020B0604020202020204" pitchFamily="34" charset="0"/>
+              </a:rPr>
+              <a:t>Strongswan</a:t>
+            </a:r>
+            <a:r>
+              <a:rPr lang="en-US" altLang="en-US" sz="1100" dirty="0">
+                <a:latin typeface="Arial" panose="020B0604020202020204" pitchFamily="34" charset="0"/>
+                <a:ea typeface="Amazon Ember" panose="020B0603020204020204" pitchFamily="34" charset="0"/>
+                <a:cs typeface="Arial" panose="020B0604020202020204" pitchFamily="34" charset="0"/>
+              </a:rPr>
+              <a:t>)</a:t>
+            </a:r>
+          </a:p>
+        </p:txBody>
+      </p:sp>
+    </p:spTree>
+    <p:extLst>
+      <p:ext uri="{BB962C8B-B14F-4D97-AF65-F5344CB8AC3E}">
+        <p14:creationId xmlns:p14="http://schemas.microsoft.com/office/powerpoint/2010/main" val="3148159583"/>
+      </p:ext>
+    </p:extLst>
+  </p:cSld>
+  <p:clrMapOvr>
+    <a:masterClrMapping/>
+  </p:clrMapOvr>
+</p:sld>
+</file>
+
 <file path=ppt/theme/theme1.xml><?xml version="1.0" encoding="utf-8"?>
 <a:theme xmlns:a="http://schemas.openxmlformats.org/drawingml/2006/main" name="Office テーマ">
   <a:themeElements>

--- a/images/images.pptx
+++ b/images/images.pptx
@@ -24556,7 +24556,13 @@
           <p:cNvGraphicFramePr>
             <a:graphicFrameLocks noGrp="1"/>
           </p:cNvGraphicFramePr>
-          <p:nvPr/>
+          <p:nvPr>
+            <p:extLst>
+              <p:ext uri="{D42A27DB-BD31-4B8C-83A1-F6EECF244321}">
+                <p14:modId xmlns:p14="http://schemas.microsoft.com/office/powerpoint/2010/main" val="1095269985"/>
+              </p:ext>
+            </p:extLst>
+          </p:nvPr>
         </p:nvGraphicFramePr>
         <p:xfrm>
           <a:off x="2332932" y="3802676"/>
@@ -24829,7 +24835,7 @@
                       </a:pPr>
                       <a:r>
                         <a:rPr kumimoji="1" lang="en-US" altLang="ja-JP" sz="1200" dirty="0"/>
-                        <a:t>10.5.0.0/16</a:t>
+                        <a:t>10.0.0.0/16</a:t>
                       </a:r>
                       <a:endParaRPr kumimoji="1" lang="ja-JP" altLang="en-US" sz="1200"/>
                     </a:p>
@@ -24843,7 +24849,7 @@
                     <a:p>
                       <a:r>
                         <a:rPr kumimoji="1" lang="en-US" altLang="ja-JP" sz="1200" dirty="0"/>
-                        <a:t>Vpc5-attach</a:t>
+                        <a:t>VPN-attach</a:t>
                       </a:r>
                       <a:endParaRPr kumimoji="1" lang="ja-JP" altLang="en-US" sz="1200"/>
                     </a:p>
@@ -27812,15 +27818,14 @@
           </p:cNvPr>
           <p:cNvCxnSpPr>
             <a:cxnSpLocks/>
-            <a:stCxn id="73" idx="2"/>
-            <a:endCxn id="34" idx="3"/>
+            <a:stCxn id="82" idx="1"/>
           </p:cNvCxnSpPr>
           <p:nvPr/>
         </p:nvCxnSpPr>
         <p:spPr>
           <a:xfrm flipH="1">
-            <a:off x="5614977" y="3315822"/>
-            <a:ext cx="3070703" cy="1199739"/>
+            <a:off x="5535033" y="3509570"/>
+            <a:ext cx="2126420" cy="847620"/>
           </a:xfrm>
           <a:prstGeom prst="line">
             <a:avLst/>
@@ -28195,7 +28200,7 @@
         </p:nvSpPr>
         <p:spPr bwMode="auto">
           <a:xfrm>
-            <a:off x="6809908" y="3639079"/>
+            <a:off x="6055233" y="4246549"/>
             <a:ext cx="706925" cy="169277"/>
           </a:xfrm>
           <a:prstGeom prst="rect">
@@ -28954,7 +28959,7 @@
         </p:nvSpPr>
         <p:spPr bwMode="auto">
           <a:xfrm>
-            <a:off x="8337828" y="3146545"/>
+            <a:off x="6867369" y="3330180"/>
             <a:ext cx="695703" cy="169277"/>
           </a:xfrm>
           <a:prstGeom prst="rect">
@@ -29791,6 +29796,304 @@
           </a:p>
         </p:txBody>
       </p:sp>
+      <p:pic>
+        <p:nvPicPr>
+          <p:cNvPr id="82" name="Graphic 43">
+            <a:extLst>
+              <a:ext uri="{FF2B5EF4-FFF2-40B4-BE49-F238E27FC236}">
+                <a16:creationId xmlns:a16="http://schemas.microsoft.com/office/drawing/2014/main" id="{7AEB4FF8-AC5A-D445-A0B8-6879146238FA}"/>
+              </a:ext>
+            </a:extLst>
+          </p:cNvPr>
+          <p:cNvPicPr>
+            <a:picLocks noChangeAspect="1" noChangeArrowheads="1"/>
+          </p:cNvPicPr>
+          <p:nvPr/>
+        </p:nvPicPr>
+        <p:blipFill>
+          <a:blip r:embed="rId9">
+            <a:extLst>
+              <a:ext uri="{28A0092B-C50C-407E-A947-70E740481C1C}">
+                <a14:useLocalDpi xmlns:a14="http://schemas.microsoft.com/office/drawing/2010/main" val="0"/>
+              </a:ext>
+            </a:extLst>
+          </a:blip>
+          <a:srcRect/>
+          <a:stretch>
+            <a:fillRect/>
+          </a:stretch>
+        </p:blipFill>
+        <p:spPr bwMode="auto">
+          <a:xfrm>
+            <a:off x="7661453" y="3280970"/>
+            <a:ext cx="457200" cy="457200"/>
+          </a:xfrm>
+          <a:prstGeom prst="rect">
+            <a:avLst/>
+          </a:prstGeom>
+          <a:noFill/>
+          <a:ln>
+            <a:noFill/>
+          </a:ln>
+          <a:extLst>
+            <a:ext uri="{909E8E84-426E-40DD-AFC4-6F175D3DCCD1}">
+              <a14:hiddenFill xmlns:a14="http://schemas.microsoft.com/office/drawing/2010/main">
+                <a:solidFill>
+                  <a:srgbClr val="FFFFFF"/>
+                </a:solidFill>
+              </a14:hiddenFill>
+            </a:ext>
+            <a:ext uri="{91240B29-F687-4F45-9708-019B960494DF}">
+              <a14:hiddenLine xmlns:a14="http://schemas.microsoft.com/office/drawing/2010/main" w="9525">
+                <a:solidFill>
+                  <a:srgbClr val="000000"/>
+                </a:solidFill>
+                <a:miter lim="800000"/>
+                <a:headEnd/>
+                <a:tailEnd/>
+              </a14:hiddenLine>
+            </a:ext>
+          </a:extLst>
+        </p:spPr>
+      </p:pic>
+      <p:sp>
+        <p:nvSpPr>
+          <p:cNvPr id="83" name="TextBox 17">
+            <a:extLst>
+              <a:ext uri="{FF2B5EF4-FFF2-40B4-BE49-F238E27FC236}">
+                <a16:creationId xmlns:a16="http://schemas.microsoft.com/office/drawing/2014/main" id="{E64DEDA0-7A6C-D849-BCB6-352F8B70E75D}"/>
+              </a:ext>
+            </a:extLst>
+          </p:cNvPr>
+          <p:cNvSpPr txBox="1">
+            <a:spLocks noChangeArrowheads="1"/>
+          </p:cNvSpPr>
+          <p:nvPr/>
+        </p:nvSpPr>
+        <p:spPr bwMode="auto">
+          <a:xfrm>
+            <a:off x="7515727" y="3844229"/>
+            <a:ext cx="1045158" cy="169277"/>
+          </a:xfrm>
+          <a:prstGeom prst="rect">
+            <a:avLst/>
+          </a:prstGeom>
+          <a:noFill/>
+          <a:ln>
+            <a:noFill/>
+          </a:ln>
+          <a:extLst>
+            <a:ext uri="{909E8E84-426E-40DD-AFC4-6F175D3DCCD1}">
+              <a14:hiddenFill xmlns:a14="http://schemas.microsoft.com/office/drawing/2010/main">
+                <a:solidFill>
+                  <a:srgbClr val="FFFFFF"/>
+                </a:solidFill>
+              </a14:hiddenFill>
+            </a:ext>
+            <a:ext uri="{91240B29-F687-4F45-9708-019B960494DF}">
+              <a14:hiddenLine xmlns:a14="http://schemas.microsoft.com/office/drawing/2010/main" w="9525">
+                <a:solidFill>
+                  <a:srgbClr val="000000"/>
+                </a:solidFill>
+                <a:miter lim="800000"/>
+                <a:headEnd/>
+                <a:tailEnd/>
+              </a14:hiddenLine>
+            </a:ext>
+          </a:extLst>
+        </p:spPr>
+        <p:txBody>
+          <a:bodyPr wrap="none" lIns="0" tIns="0" rIns="0" bIns="0">
+            <a:spAutoFit/>
+          </a:bodyPr>
+          <a:lstStyle>
+            <a:lvl1pPr>
+              <a:defRPr>
+                <a:solidFill>
+                  <a:schemeClr val="tx1"/>
+                </a:solidFill>
+                <a:latin typeface="Calibri" panose="020F0502020204030204" pitchFamily="34" charset="0"/>
+              </a:defRPr>
+            </a:lvl1pPr>
+            <a:lvl2pPr marL="742950" indent="-285750">
+              <a:defRPr>
+                <a:solidFill>
+                  <a:schemeClr val="tx1"/>
+                </a:solidFill>
+                <a:latin typeface="Calibri" panose="020F0502020204030204" pitchFamily="34" charset="0"/>
+              </a:defRPr>
+            </a:lvl2pPr>
+            <a:lvl3pPr marL="1143000" indent="-228600">
+              <a:defRPr>
+                <a:solidFill>
+                  <a:schemeClr val="tx1"/>
+                </a:solidFill>
+                <a:latin typeface="Calibri" panose="020F0502020204030204" pitchFamily="34" charset="0"/>
+              </a:defRPr>
+            </a:lvl3pPr>
+            <a:lvl4pPr marL="1600200" indent="-228600">
+              <a:defRPr>
+                <a:solidFill>
+                  <a:schemeClr val="tx1"/>
+                </a:solidFill>
+                <a:latin typeface="Calibri" panose="020F0502020204030204" pitchFamily="34" charset="0"/>
+              </a:defRPr>
+            </a:lvl4pPr>
+            <a:lvl5pPr marL="2057400" indent="-228600">
+              <a:defRPr>
+                <a:solidFill>
+                  <a:schemeClr val="tx1"/>
+                </a:solidFill>
+                <a:latin typeface="Calibri" panose="020F0502020204030204" pitchFamily="34" charset="0"/>
+              </a:defRPr>
+            </a:lvl5pPr>
+            <a:lvl6pPr marL="2514600" indent="-228600" eaLnBrk="0" fontAlgn="base" hangingPunct="0">
+              <a:spcBef>
+                <a:spcPct val="0"/>
+              </a:spcBef>
+              <a:spcAft>
+                <a:spcPct val="0"/>
+              </a:spcAft>
+              <a:defRPr>
+                <a:solidFill>
+                  <a:schemeClr val="tx1"/>
+                </a:solidFill>
+                <a:latin typeface="Calibri" panose="020F0502020204030204" pitchFamily="34" charset="0"/>
+              </a:defRPr>
+            </a:lvl6pPr>
+            <a:lvl7pPr marL="2971800" indent="-228600" eaLnBrk="0" fontAlgn="base" hangingPunct="0">
+              <a:spcBef>
+                <a:spcPct val="0"/>
+              </a:spcBef>
+              <a:spcAft>
+                <a:spcPct val="0"/>
+              </a:spcAft>
+              <a:defRPr>
+                <a:solidFill>
+                  <a:schemeClr val="tx1"/>
+                </a:solidFill>
+                <a:latin typeface="Calibri" panose="020F0502020204030204" pitchFamily="34" charset="0"/>
+              </a:defRPr>
+            </a:lvl7pPr>
+            <a:lvl8pPr marL="3429000" indent="-228600" eaLnBrk="0" fontAlgn="base" hangingPunct="0">
+              <a:spcBef>
+                <a:spcPct val="0"/>
+              </a:spcBef>
+              <a:spcAft>
+                <a:spcPct val="0"/>
+              </a:spcAft>
+              <a:defRPr>
+                <a:solidFill>
+                  <a:schemeClr val="tx1"/>
+                </a:solidFill>
+                <a:latin typeface="Calibri" panose="020F0502020204030204" pitchFamily="34" charset="0"/>
+              </a:defRPr>
+            </a:lvl8pPr>
+            <a:lvl9pPr marL="3886200" indent="-228600" eaLnBrk="0" fontAlgn="base" hangingPunct="0">
+              <a:spcBef>
+                <a:spcPct val="0"/>
+              </a:spcBef>
+              <a:spcAft>
+                <a:spcPct val="0"/>
+              </a:spcAft>
+              <a:defRPr>
+                <a:solidFill>
+                  <a:schemeClr val="tx1"/>
+                </a:solidFill>
+                <a:latin typeface="Calibri" panose="020F0502020204030204" pitchFamily="34" charset="0"/>
+              </a:defRPr>
+            </a:lvl9pPr>
+          </a:lstStyle>
+          <a:p>
+            <a:pPr algn="ctr" eaLnBrk="1" hangingPunct="1"/>
+            <a:r>
+              <a:rPr lang="en-US" altLang="en-US" sz="1100" dirty="0">
+                <a:latin typeface="Arial" panose="020B0604020202020204" pitchFamily="34" charset="0"/>
+                <a:ea typeface="Amazon Ember" panose="020B0603020204020204" pitchFamily="34" charset="0"/>
+                <a:cs typeface="Arial" panose="020B0604020202020204" pitchFamily="34" charset="0"/>
+              </a:rPr>
+              <a:t>VPN Connection</a:t>
+            </a:r>
+          </a:p>
+        </p:txBody>
+      </p:sp>
+      <p:cxnSp>
+        <p:nvCxnSpPr>
+          <p:cNvPr id="84" name="直線コネクタ 83">
+            <a:extLst>
+              <a:ext uri="{FF2B5EF4-FFF2-40B4-BE49-F238E27FC236}">
+                <a16:creationId xmlns:a16="http://schemas.microsoft.com/office/drawing/2014/main" id="{C891D0A3-CEE2-8444-AC8B-D2239841EB40}"/>
+              </a:ext>
+            </a:extLst>
+          </p:cNvPr>
+          <p:cNvCxnSpPr>
+            <a:cxnSpLocks/>
+            <a:stCxn id="82" idx="1"/>
+          </p:cNvCxnSpPr>
+          <p:nvPr/>
+        </p:nvCxnSpPr>
+        <p:spPr>
+          <a:xfrm flipH="1">
+            <a:off x="6501986" y="3509570"/>
+            <a:ext cx="1159467" cy="26380"/>
+          </a:xfrm>
+          <a:prstGeom prst="line">
+            <a:avLst/>
+          </a:prstGeom>
+        </p:spPr>
+        <p:style>
+          <a:lnRef idx="3">
+            <a:schemeClr val="accent2"/>
+          </a:lnRef>
+          <a:fillRef idx="0">
+            <a:schemeClr val="accent2"/>
+          </a:fillRef>
+          <a:effectRef idx="2">
+            <a:schemeClr val="accent2"/>
+          </a:effectRef>
+          <a:fontRef idx="minor">
+            <a:schemeClr val="tx1"/>
+          </a:fontRef>
+        </p:style>
+      </p:cxnSp>
+      <p:cxnSp>
+        <p:nvCxnSpPr>
+          <p:cNvPr id="87" name="直線コネクタ 86">
+            <a:extLst>
+              <a:ext uri="{FF2B5EF4-FFF2-40B4-BE49-F238E27FC236}">
+                <a16:creationId xmlns:a16="http://schemas.microsoft.com/office/drawing/2014/main" id="{94086C0C-79FE-DE4D-A304-0082ADD52A2A}"/>
+              </a:ext>
+            </a:extLst>
+          </p:cNvPr>
+          <p:cNvCxnSpPr>
+            <a:cxnSpLocks/>
+          </p:cNvCxnSpPr>
+          <p:nvPr/>
+        </p:nvCxnSpPr>
+        <p:spPr>
+          <a:xfrm flipH="1">
+            <a:off x="7980066" y="3100573"/>
+            <a:ext cx="1879003" cy="435377"/>
+          </a:xfrm>
+          <a:prstGeom prst="line">
+            <a:avLst/>
+          </a:prstGeom>
+        </p:spPr>
+        <p:style>
+          <a:lnRef idx="1">
+            <a:schemeClr val="accent1"/>
+          </a:lnRef>
+          <a:fillRef idx="0">
+            <a:schemeClr val="accent1"/>
+          </a:fillRef>
+          <a:effectRef idx="0">
+            <a:schemeClr val="accent1"/>
+          </a:effectRef>
+          <a:fontRef idx="minor">
+            <a:schemeClr val="tx1"/>
+          </a:fontRef>
+        </p:style>
+      </p:cxnSp>
     </p:spTree>
     <p:extLst>
       <p:ext uri="{BB962C8B-B14F-4D97-AF65-F5344CB8AC3E}">

--- a/images/images.pptx
+++ b/images/images.pptx
@@ -263,7 +263,7 @@
           <a:p>
             <a:fld id="{CA85BC36-02F3-1544-A2CD-64E1DDF5EC2E}" type="datetimeFigureOut">
               <a:rPr kumimoji="1" lang="ja-JP" altLang="en-US" smtClean="0"/>
-              <a:t>2021/9/27</a:t>
+              <a:t>2021/9/28</a:t>
             </a:fld>
             <a:endParaRPr kumimoji="1" lang="ja-JP" altLang="en-US"/>
           </a:p>
@@ -493,7 +493,7 @@
           <a:p>
             <a:fld id="{CA85BC36-02F3-1544-A2CD-64E1DDF5EC2E}" type="datetimeFigureOut">
               <a:rPr kumimoji="1" lang="ja-JP" altLang="en-US" smtClean="0"/>
-              <a:t>2021/9/27</a:t>
+              <a:t>2021/9/28</a:t>
             </a:fld>
             <a:endParaRPr kumimoji="1" lang="ja-JP" altLang="en-US"/>
           </a:p>
@@ -733,7 +733,7 @@
           <a:p>
             <a:fld id="{CA85BC36-02F3-1544-A2CD-64E1DDF5EC2E}" type="datetimeFigureOut">
               <a:rPr kumimoji="1" lang="ja-JP" altLang="en-US" smtClean="0"/>
-              <a:t>2021/9/27</a:t>
+              <a:t>2021/9/28</a:t>
             </a:fld>
             <a:endParaRPr kumimoji="1" lang="ja-JP" altLang="en-US"/>
           </a:p>
@@ -963,7 +963,7 @@
           <a:p>
             <a:fld id="{CA85BC36-02F3-1544-A2CD-64E1DDF5EC2E}" type="datetimeFigureOut">
               <a:rPr kumimoji="1" lang="ja-JP" altLang="en-US" smtClean="0"/>
-              <a:t>2021/9/27</a:t>
+              <a:t>2021/9/28</a:t>
             </a:fld>
             <a:endParaRPr kumimoji="1" lang="ja-JP" altLang="en-US"/>
           </a:p>
@@ -1238,7 +1238,7 @@
           <a:p>
             <a:fld id="{CA85BC36-02F3-1544-A2CD-64E1DDF5EC2E}" type="datetimeFigureOut">
               <a:rPr kumimoji="1" lang="ja-JP" altLang="en-US" smtClean="0"/>
-              <a:t>2021/9/27</a:t>
+              <a:t>2021/9/28</a:t>
             </a:fld>
             <a:endParaRPr kumimoji="1" lang="ja-JP" altLang="en-US"/>
           </a:p>
@@ -1567,7 +1567,7 @@
           <a:p>
             <a:fld id="{CA85BC36-02F3-1544-A2CD-64E1DDF5EC2E}" type="datetimeFigureOut">
               <a:rPr kumimoji="1" lang="ja-JP" altLang="en-US" smtClean="0"/>
-              <a:t>2021/9/27</a:t>
+              <a:t>2021/9/28</a:t>
             </a:fld>
             <a:endParaRPr kumimoji="1" lang="ja-JP" altLang="en-US"/>
           </a:p>
@@ -2043,7 +2043,7 @@
           <a:p>
             <a:fld id="{CA85BC36-02F3-1544-A2CD-64E1DDF5EC2E}" type="datetimeFigureOut">
               <a:rPr kumimoji="1" lang="ja-JP" altLang="en-US" smtClean="0"/>
-              <a:t>2021/9/27</a:t>
+              <a:t>2021/9/28</a:t>
             </a:fld>
             <a:endParaRPr kumimoji="1" lang="ja-JP" altLang="en-US"/>
           </a:p>
@@ -2184,7 +2184,7 @@
           <a:p>
             <a:fld id="{CA85BC36-02F3-1544-A2CD-64E1DDF5EC2E}" type="datetimeFigureOut">
               <a:rPr kumimoji="1" lang="ja-JP" altLang="en-US" smtClean="0"/>
-              <a:t>2021/9/27</a:t>
+              <a:t>2021/9/28</a:t>
             </a:fld>
             <a:endParaRPr kumimoji="1" lang="ja-JP" altLang="en-US"/>
           </a:p>
@@ -2297,7 +2297,7 @@
           <a:p>
             <a:fld id="{CA85BC36-02F3-1544-A2CD-64E1DDF5EC2E}" type="datetimeFigureOut">
               <a:rPr kumimoji="1" lang="ja-JP" altLang="en-US" smtClean="0"/>
-              <a:t>2021/9/27</a:t>
+              <a:t>2021/9/28</a:t>
             </a:fld>
             <a:endParaRPr kumimoji="1" lang="ja-JP" altLang="en-US"/>
           </a:p>
@@ -2640,7 +2640,7 @@
           <a:p>
             <a:fld id="{CA85BC36-02F3-1544-A2CD-64E1DDF5EC2E}" type="datetimeFigureOut">
               <a:rPr kumimoji="1" lang="ja-JP" altLang="en-US" smtClean="0"/>
-              <a:t>2021/9/27</a:t>
+              <a:t>2021/9/28</a:t>
             </a:fld>
             <a:endParaRPr kumimoji="1" lang="ja-JP" altLang="en-US"/>
           </a:p>
@@ -2928,7 +2928,7 @@
           <a:p>
             <a:fld id="{CA85BC36-02F3-1544-A2CD-64E1DDF5EC2E}" type="datetimeFigureOut">
               <a:rPr kumimoji="1" lang="ja-JP" altLang="en-US" smtClean="0"/>
-              <a:t>2021/9/27</a:t>
+              <a:t>2021/9/28</a:t>
             </a:fld>
             <a:endParaRPr kumimoji="1" lang="ja-JP" altLang="en-US"/>
           </a:p>
@@ -3201,7 +3201,7 @@
           <a:p>
             <a:fld id="{CA85BC36-02F3-1544-A2CD-64E1DDF5EC2E}" type="datetimeFigureOut">
               <a:rPr kumimoji="1" lang="ja-JP" altLang="en-US" smtClean="0"/>
-              <a:t>2021/9/27</a:t>
+              <a:t>2021/9/28</a:t>
             </a:fld>
             <a:endParaRPr kumimoji="1" lang="ja-JP" altLang="en-US"/>
           </a:p>
@@ -30094,6 +30094,85 @@
           </a:fontRef>
         </p:style>
       </p:cxnSp>
+      <p:cxnSp>
+        <p:nvCxnSpPr>
+          <p:cNvPr id="67" name="直線コネクタ 66">
+            <a:extLst>
+              <a:ext uri="{FF2B5EF4-FFF2-40B4-BE49-F238E27FC236}">
+                <a16:creationId xmlns:a16="http://schemas.microsoft.com/office/drawing/2014/main" id="{53B94306-C4E7-F842-B2C0-EB20B4726206}"/>
+              </a:ext>
+            </a:extLst>
+          </p:cNvPr>
+          <p:cNvCxnSpPr>
+            <a:cxnSpLocks/>
+            <a:endCxn id="79" idx="3"/>
+          </p:cNvCxnSpPr>
+          <p:nvPr/>
+        </p:nvCxnSpPr>
+        <p:spPr>
+          <a:xfrm flipH="1">
+            <a:off x="9830660" y="2099359"/>
+            <a:ext cx="816032" cy="95353"/>
+          </a:xfrm>
+          <a:prstGeom prst="line">
+            <a:avLst/>
+          </a:prstGeom>
+        </p:spPr>
+        <p:style>
+          <a:lnRef idx="1">
+            <a:schemeClr val="accent1"/>
+          </a:lnRef>
+          <a:fillRef idx="0">
+            <a:schemeClr val="accent1"/>
+          </a:fillRef>
+          <a:effectRef idx="0">
+            <a:schemeClr val="accent1"/>
+          </a:effectRef>
+          <a:fontRef idx="minor">
+            <a:schemeClr val="tx1"/>
+          </a:fontRef>
+        </p:style>
+      </p:cxnSp>
+      <p:cxnSp>
+        <p:nvCxnSpPr>
+          <p:cNvPr id="74" name="直線コネクタ 73">
+            <a:extLst>
+              <a:ext uri="{FF2B5EF4-FFF2-40B4-BE49-F238E27FC236}">
+                <a16:creationId xmlns:a16="http://schemas.microsoft.com/office/drawing/2014/main" id="{5D554ED4-EACD-954A-A2C5-FF356BFF739E}"/>
+              </a:ext>
+            </a:extLst>
+          </p:cNvPr>
+          <p:cNvCxnSpPr>
+            <a:cxnSpLocks/>
+            <a:stCxn id="80" idx="0"/>
+            <a:endCxn id="79" idx="2"/>
+          </p:cNvCxnSpPr>
+          <p:nvPr/>
+        </p:nvCxnSpPr>
+        <p:spPr>
+          <a:xfrm flipH="1" flipV="1">
+            <a:off x="9641507" y="2383865"/>
+            <a:ext cx="391899" cy="378977"/>
+          </a:xfrm>
+          <a:prstGeom prst="line">
+            <a:avLst/>
+          </a:prstGeom>
+        </p:spPr>
+        <p:style>
+          <a:lnRef idx="1">
+            <a:schemeClr val="accent1"/>
+          </a:lnRef>
+          <a:fillRef idx="0">
+            <a:schemeClr val="accent1"/>
+          </a:fillRef>
+          <a:effectRef idx="0">
+            <a:schemeClr val="accent1"/>
+          </a:effectRef>
+          <a:fontRef idx="minor">
+            <a:schemeClr val="tx1"/>
+          </a:fontRef>
+        </p:style>
+      </p:cxnSp>
     </p:spTree>
     <p:extLst>
       <p:ext uri="{BB962C8B-B14F-4D97-AF65-F5344CB8AC3E}">

--- a/images/images.pptx
+++ b/images/images.pptx
@@ -263,7 +263,7 @@
           <a:p>
             <a:fld id="{CA85BC36-02F3-1544-A2CD-64E1DDF5EC2E}" type="datetimeFigureOut">
               <a:rPr kumimoji="1" lang="ja-JP" altLang="en-US" smtClean="0"/>
-              <a:t>2021/9/28</a:t>
+              <a:t>2021/10/1</a:t>
             </a:fld>
             <a:endParaRPr kumimoji="1" lang="ja-JP" altLang="en-US"/>
           </a:p>
@@ -493,7 +493,7 @@
           <a:p>
             <a:fld id="{CA85BC36-02F3-1544-A2CD-64E1DDF5EC2E}" type="datetimeFigureOut">
               <a:rPr kumimoji="1" lang="ja-JP" altLang="en-US" smtClean="0"/>
-              <a:t>2021/9/28</a:t>
+              <a:t>2021/10/1</a:t>
             </a:fld>
             <a:endParaRPr kumimoji="1" lang="ja-JP" altLang="en-US"/>
           </a:p>
@@ -733,7 +733,7 @@
           <a:p>
             <a:fld id="{CA85BC36-02F3-1544-A2CD-64E1DDF5EC2E}" type="datetimeFigureOut">
               <a:rPr kumimoji="1" lang="ja-JP" altLang="en-US" smtClean="0"/>
-              <a:t>2021/9/28</a:t>
+              <a:t>2021/10/1</a:t>
             </a:fld>
             <a:endParaRPr kumimoji="1" lang="ja-JP" altLang="en-US"/>
           </a:p>
@@ -963,7 +963,7 @@
           <a:p>
             <a:fld id="{CA85BC36-02F3-1544-A2CD-64E1DDF5EC2E}" type="datetimeFigureOut">
               <a:rPr kumimoji="1" lang="ja-JP" altLang="en-US" smtClean="0"/>
-              <a:t>2021/9/28</a:t>
+              <a:t>2021/10/1</a:t>
             </a:fld>
             <a:endParaRPr kumimoji="1" lang="ja-JP" altLang="en-US"/>
           </a:p>
@@ -1238,7 +1238,7 @@
           <a:p>
             <a:fld id="{CA85BC36-02F3-1544-A2CD-64E1DDF5EC2E}" type="datetimeFigureOut">
               <a:rPr kumimoji="1" lang="ja-JP" altLang="en-US" smtClean="0"/>
-              <a:t>2021/9/28</a:t>
+              <a:t>2021/10/1</a:t>
             </a:fld>
             <a:endParaRPr kumimoji="1" lang="ja-JP" altLang="en-US"/>
           </a:p>
@@ -1567,7 +1567,7 @@
           <a:p>
             <a:fld id="{CA85BC36-02F3-1544-A2CD-64E1DDF5EC2E}" type="datetimeFigureOut">
               <a:rPr kumimoji="1" lang="ja-JP" altLang="en-US" smtClean="0"/>
-              <a:t>2021/9/28</a:t>
+              <a:t>2021/10/1</a:t>
             </a:fld>
             <a:endParaRPr kumimoji="1" lang="ja-JP" altLang="en-US"/>
           </a:p>
@@ -2043,7 +2043,7 @@
           <a:p>
             <a:fld id="{CA85BC36-02F3-1544-A2CD-64E1DDF5EC2E}" type="datetimeFigureOut">
               <a:rPr kumimoji="1" lang="ja-JP" altLang="en-US" smtClean="0"/>
-              <a:t>2021/9/28</a:t>
+              <a:t>2021/10/1</a:t>
             </a:fld>
             <a:endParaRPr kumimoji="1" lang="ja-JP" altLang="en-US"/>
           </a:p>
@@ -2184,7 +2184,7 @@
           <a:p>
             <a:fld id="{CA85BC36-02F3-1544-A2CD-64E1DDF5EC2E}" type="datetimeFigureOut">
               <a:rPr kumimoji="1" lang="ja-JP" altLang="en-US" smtClean="0"/>
-              <a:t>2021/9/28</a:t>
+              <a:t>2021/10/1</a:t>
             </a:fld>
             <a:endParaRPr kumimoji="1" lang="ja-JP" altLang="en-US"/>
           </a:p>
@@ -2297,7 +2297,7 @@
           <a:p>
             <a:fld id="{CA85BC36-02F3-1544-A2CD-64E1DDF5EC2E}" type="datetimeFigureOut">
               <a:rPr kumimoji="1" lang="ja-JP" altLang="en-US" smtClean="0"/>
-              <a:t>2021/9/28</a:t>
+              <a:t>2021/10/1</a:t>
             </a:fld>
             <a:endParaRPr kumimoji="1" lang="ja-JP" altLang="en-US"/>
           </a:p>
@@ -2640,7 +2640,7 @@
           <a:p>
             <a:fld id="{CA85BC36-02F3-1544-A2CD-64E1DDF5EC2E}" type="datetimeFigureOut">
               <a:rPr kumimoji="1" lang="ja-JP" altLang="en-US" smtClean="0"/>
-              <a:t>2021/9/28</a:t>
+              <a:t>2021/10/1</a:t>
             </a:fld>
             <a:endParaRPr kumimoji="1" lang="ja-JP" altLang="en-US"/>
           </a:p>
@@ -2928,7 +2928,7 @@
           <a:p>
             <a:fld id="{CA85BC36-02F3-1544-A2CD-64E1DDF5EC2E}" type="datetimeFigureOut">
               <a:rPr kumimoji="1" lang="ja-JP" altLang="en-US" smtClean="0"/>
-              <a:t>2021/9/28</a:t>
+              <a:t>2021/10/1</a:t>
             </a:fld>
             <a:endParaRPr kumimoji="1" lang="ja-JP" altLang="en-US"/>
           </a:p>
@@ -3201,7 +3201,7 @@
           <a:p>
             <a:fld id="{CA85BC36-02F3-1544-A2CD-64E1DDF5EC2E}" type="datetimeFigureOut">
               <a:rPr kumimoji="1" lang="ja-JP" altLang="en-US" smtClean="0"/>
-              <a:t>2021/9/28</a:t>
+              <a:t>2021/10/1</a:t>
             </a:fld>
             <a:endParaRPr kumimoji="1" lang="ja-JP" altLang="en-US"/>
           </a:p>
@@ -24559,7 +24559,7 @@
           <p:nvPr>
             <p:extLst>
               <p:ext uri="{D42A27DB-BD31-4B8C-83A1-F6EECF244321}">
-                <p14:modId xmlns:p14="http://schemas.microsoft.com/office/powerpoint/2010/main" val="1095269985"/>
+                <p14:modId xmlns:p14="http://schemas.microsoft.com/office/powerpoint/2010/main" val="3227598853"/>
               </p:ext>
             </p:extLst>
           </p:nvPr>
@@ -24834,8 +24834,8 @@
                         <a:defRPr/>
                       </a:pPr>
                       <a:r>
-                        <a:rPr kumimoji="1" lang="en-US" altLang="ja-JP" sz="1200" dirty="0"/>
-                        <a:t>10.0.0.0/16</a:t>
+                        <a:rPr kumimoji="1" lang="en-US" altLang="ja-JP" sz="1200"/>
+                        <a:t>10.99.0.0/16</a:t>
                       </a:r>
                       <a:endParaRPr kumimoji="1" lang="ja-JP" altLang="en-US" sz="1200"/>
                     </a:p>
@@ -27682,7 +27682,7 @@
                 <a:latin typeface="Arial" panose="020B0604020202020204" pitchFamily="34" charset="0"/>
                 <a:cs typeface="Arial" panose="020B0604020202020204" pitchFamily="34" charset="0"/>
               </a:rPr>
-              <a:t>VPC0(10.0.0.0/16)</a:t>
+              <a:t>VPC0(10.99.0.0/16)</a:t>
             </a:r>
           </a:p>
         </p:txBody>
